--- a/Spring-Retry.pptx
+++ b/Spring-Retry.pptx
@@ -8725,11 +8725,7 @@
             </a:r>
             <a:r>
               <a:rPr lang="zh-CN" altLang="en-US" dirty="0" smtClean="0"/>
-              <a:t>上抛的异常</a:t>
-            </a:r>
-            <a:r>
-              <a:rPr lang="zh-CN" altLang="en-US" dirty="0" smtClean="0"/>
-              <a:t>进行转换：可重试、不可重试</a:t>
+              <a:t>上抛的异常进行转换：可重试、不可重试</a:t>
             </a:r>
             <a:endParaRPr lang="en-US" altLang="zh-CN" dirty="0" smtClean="0"/>
           </a:p>
@@ -13110,11 +13106,7 @@
             </a:r>
             <a:r>
               <a:rPr lang="zh-CN" altLang="en-US" dirty="0" smtClean="0"/>
-              <a:t>重试框架是如何进行重试的</a:t>
-            </a:r>
-            <a:r>
-              <a:rPr lang="zh-CN" altLang="en-US" dirty="0" smtClean="0"/>
-              <a:t>？</a:t>
+              <a:t>重试框架是如何进行重试的？</a:t>
             </a:r>
             <a:endParaRPr lang="zh-CN" altLang="en-US" dirty="0" smtClean="0"/>
           </a:p>
@@ -13828,15 +13820,7 @@
             </a:pPr>
             <a:r>
               <a:rPr lang="zh-CN" altLang="en-US" dirty="0" smtClean="0"/>
-              <a:t>业务</a:t>
-            </a:r>
-            <a:r>
-              <a:rPr lang="zh-CN" altLang="en-US" dirty="0" smtClean="0"/>
-              <a:t>使用</a:t>
-            </a:r>
-            <a:r>
-              <a:rPr lang="zh-CN" altLang="en-US" dirty="0" smtClean="0"/>
-              <a:t>注意点：</a:t>
+              <a:t>业务使用注意点：</a:t>
             </a:r>
             <a:endParaRPr lang="zh-CN" altLang="en-US" dirty="0" smtClean="0"/>
           </a:p>

--- a/Spring-Retry.pptx
+++ b/Spring-Retry.pptx
@@ -5,17 +5,17 @@
     <p:sldMasterId id="2147483648" r:id="rId1"/>
   </p:sldMasterIdLst>
   <p:notesMasterIdLst>
-    <p:notesMasterId r:id="rId4"/>
+    <p:notesMasterId r:id="rId10"/>
   </p:notesMasterIdLst>
   <p:sldIdLst>
-    <p:sldId id="256" r:id="rId3"/>
-    <p:sldId id="289" r:id="rId5"/>
-    <p:sldId id="281" r:id="rId6"/>
-    <p:sldId id="305" r:id="rId7"/>
-    <p:sldId id="304" r:id="rId8"/>
-    <p:sldId id="302" r:id="rId9"/>
-    <p:sldId id="303" r:id="rId10"/>
-    <p:sldId id="301" r:id="rId11"/>
+    <p:sldId id="256" r:id="rId2"/>
+    <p:sldId id="289" r:id="rId3"/>
+    <p:sldId id="281" r:id="rId4"/>
+    <p:sldId id="305" r:id="rId5"/>
+    <p:sldId id="304" r:id="rId6"/>
+    <p:sldId id="302" r:id="rId7"/>
+    <p:sldId id="303" r:id="rId8"/>
+    <p:sldId id="301" r:id="rId9"/>
   </p:sldIdLst>
   <p:sldSz cx="12192000" cy="6858000"/>
   <p:notesSz cx="6858000" cy="9144000"/>
@@ -114,6 +114,11 @@
       </a:defRPr>
     </a:lvl9pPr>
   </p:defaultTextStyle>
+  <p:extLst>
+    <p:ext uri="{EFAFB233-063F-42B5-8137-9DF3F51BA10A}">
+      <p15:sldGuideLst xmlns:p15="http://schemas.microsoft.com/office/powerpoint/2012/main"/>
+    </p:ext>
+  </p:extLst>
 </p:presentation>
 </file>
 
@@ -1043,7 +1048,7 @@
 </file>
 
 <file path=ppt/diagrams/colors2.xml><?xml version="1.0" encoding="utf-8"?>
-<dgm:colorsDef xmlns:dgm="http://schemas.openxmlformats.org/drawingml/2006/diagram" xmlns:a="http://schemas.openxmlformats.org/drawingml/2006/main" uniqueId="urn:microsoft.com/office/officeart/2005/8/colors/accent6_3">
+<dgm:colorsDef xmlns:dgm="http://schemas.openxmlformats.org/drawingml/2006/diagram" xmlns:a="http://schemas.openxmlformats.org/drawingml/2006/main" uniqueId="urn:microsoft.com/office/officeart/2005/8/colors/accent6_3#1">
   <dgm:title val=""/>
   <dgm:desc val=""/>
   <dgm:catLst>
@@ -1951,7 +1956,7 @@
         </a:p>
       </dgm:t>
     </dgm:pt>
-    <dgm:pt modelId="{967D024D-AE7D-415F-95F3-F78D13B9A825}" cxnId="{7C09AE3D-C538-49C6-9C4F-4BA5498E54BF}" type="parTrans">
+    <dgm:pt modelId="{967D024D-AE7D-415F-95F3-F78D13B9A825}" type="parTrans" cxnId="{7C09AE3D-C538-49C6-9C4F-4BA5498E54BF}">
       <dgm:prSet/>
       <dgm:spPr/>
       <dgm:t>
@@ -1963,7 +1968,7 @@
         </a:p>
       </dgm:t>
     </dgm:pt>
-    <dgm:pt modelId="{9DCD3634-0F2E-4B76-BDBA-9F2D9776E448}" cxnId="{7C09AE3D-C538-49C6-9C4F-4BA5498E54BF}" type="sibTrans">
+    <dgm:pt modelId="{9DCD3634-0F2E-4B76-BDBA-9F2D9776E448}" type="sibTrans" cxnId="{7C09AE3D-C538-49C6-9C4F-4BA5498E54BF}">
       <dgm:prSet/>
       <dgm:spPr/>
       <dgm:t>
@@ -1995,7 +2000,7 @@
         </a:p>
       </dgm:t>
     </dgm:pt>
-    <dgm:pt modelId="{CE770824-E0BB-4E5F-AB82-694DB1BAD0AD}" cxnId="{F97EC9B4-66FF-46B9-A5A6-36FC45CD66AF}" type="parTrans">
+    <dgm:pt modelId="{CE770824-E0BB-4E5F-AB82-694DB1BAD0AD}" type="parTrans" cxnId="{F97EC9B4-66FF-46B9-A5A6-36FC45CD66AF}">
       <dgm:prSet/>
       <dgm:spPr/>
       <dgm:t>
@@ -2007,7 +2012,7 @@
         </a:p>
       </dgm:t>
     </dgm:pt>
-    <dgm:pt modelId="{76E32F19-06D9-475F-ADF2-A320495C2B20}" cxnId="{F97EC9B4-66FF-46B9-A5A6-36FC45CD66AF}" type="sibTrans">
+    <dgm:pt modelId="{76E32F19-06D9-475F-ADF2-A320495C2B20}" type="sibTrans" cxnId="{F97EC9B4-66FF-46B9-A5A6-36FC45CD66AF}">
       <dgm:prSet/>
       <dgm:spPr/>
       <dgm:t>
@@ -2035,7 +2040,7 @@
         </a:p>
       </dgm:t>
     </dgm:pt>
-    <dgm:pt modelId="{DA4570EA-FA31-46C4-A153-34837E9C85D4}" cxnId="{9F66FA3A-4589-4316-A1DD-27EFA135E5CA}" type="parTrans">
+    <dgm:pt modelId="{DA4570EA-FA31-46C4-A153-34837E9C85D4}" type="parTrans" cxnId="{9F66FA3A-4589-4316-A1DD-27EFA135E5CA}">
       <dgm:prSet/>
       <dgm:spPr/>
       <dgm:t>
@@ -2047,7 +2052,7 @@
         </a:p>
       </dgm:t>
     </dgm:pt>
-    <dgm:pt modelId="{78C9D5E7-1260-4A43-9A5F-88AB784355E4}" cxnId="{9F66FA3A-4589-4316-A1DD-27EFA135E5CA}" type="sibTrans">
+    <dgm:pt modelId="{78C9D5E7-1260-4A43-9A5F-88AB784355E4}" type="sibTrans" cxnId="{9F66FA3A-4589-4316-A1DD-27EFA135E5CA}">
       <dgm:prSet/>
       <dgm:spPr/>
       <dgm:t>
@@ -2071,7 +2076,7 @@
         </a:p>
       </dgm:t>
     </dgm:pt>
-    <dgm:pt modelId="{D0BB5149-8725-40B2-879B-694DDECD64E0}" cxnId="{47462745-2BE4-4BDF-9E16-FF0A341A2181}" type="parTrans">
+    <dgm:pt modelId="{D0BB5149-8725-40B2-879B-694DDECD64E0}" type="parTrans" cxnId="{47462745-2BE4-4BDF-9E16-FF0A341A2181}">
       <dgm:prSet/>
       <dgm:spPr/>
       <dgm:t>
@@ -2083,7 +2088,7 @@
         </a:p>
       </dgm:t>
     </dgm:pt>
-    <dgm:pt modelId="{9EDB1689-254D-4B92-A76C-5F0DD9D819D4}" cxnId="{47462745-2BE4-4BDF-9E16-FF0A341A2181}" type="sibTrans">
+    <dgm:pt modelId="{9EDB1689-254D-4B92-A76C-5F0DD9D819D4}" type="sibTrans" cxnId="{47462745-2BE4-4BDF-9E16-FF0A341A2181}">
       <dgm:prSet/>
       <dgm:spPr/>
       <dgm:t>
@@ -2107,7 +2112,7 @@
         </a:p>
       </dgm:t>
     </dgm:pt>
-    <dgm:pt modelId="{F5AB92B9-543B-4FB0-9D72-D3B756E7B269}" cxnId="{F9470995-6380-484B-B16E-D19C510FE7A9}" type="parTrans">
+    <dgm:pt modelId="{F5AB92B9-543B-4FB0-9D72-D3B756E7B269}" type="parTrans" cxnId="{F9470995-6380-484B-B16E-D19C510FE7A9}">
       <dgm:prSet/>
       <dgm:spPr/>
       <dgm:t>
@@ -2119,7 +2124,7 @@
         </a:p>
       </dgm:t>
     </dgm:pt>
-    <dgm:pt modelId="{C62D895A-0E29-40A1-A54A-6F7409D5F5BE}" cxnId="{F9470995-6380-484B-B16E-D19C510FE7A9}" type="sibTrans">
+    <dgm:pt modelId="{C62D895A-0E29-40A1-A54A-6F7409D5F5BE}" type="sibTrans" cxnId="{F9470995-6380-484B-B16E-D19C510FE7A9}">
       <dgm:prSet/>
       <dgm:spPr/>
       <dgm:t>
@@ -2143,7 +2148,7 @@
         </a:p>
       </dgm:t>
     </dgm:pt>
-    <dgm:pt modelId="{C08E08F1-775F-4A9A-BB6E-20C6F5DE36B6}" cxnId="{D262D8BF-89DC-49D2-AD6E-14C7EEDF0B8D}" type="parTrans">
+    <dgm:pt modelId="{C08E08F1-775F-4A9A-BB6E-20C6F5DE36B6}" type="parTrans" cxnId="{D262D8BF-89DC-49D2-AD6E-14C7EEDF0B8D}">
       <dgm:prSet/>
       <dgm:spPr/>
       <dgm:t>
@@ -2155,7 +2160,7 @@
         </a:p>
       </dgm:t>
     </dgm:pt>
-    <dgm:pt modelId="{A88E5EA8-20E7-4462-8585-A847E27AB3D9}" cxnId="{D262D8BF-89DC-49D2-AD6E-14C7EEDF0B8D}" type="sibTrans">
+    <dgm:pt modelId="{A88E5EA8-20E7-4462-8585-A847E27AB3D9}" type="sibTrans" cxnId="{D262D8BF-89DC-49D2-AD6E-14C7EEDF0B8D}">
       <dgm:prSet/>
       <dgm:spPr/>
       <dgm:t>
@@ -2187,7 +2192,7 @@
         </a:p>
       </dgm:t>
     </dgm:pt>
-    <dgm:pt modelId="{084575AA-19FC-418A-9D15-850EA8006CBF}" cxnId="{41A61110-F3B2-4808-A1BA-BBB791C07945}" type="parTrans">
+    <dgm:pt modelId="{084575AA-19FC-418A-9D15-850EA8006CBF}" type="parTrans" cxnId="{41A61110-F3B2-4808-A1BA-BBB791C07945}">
       <dgm:prSet/>
       <dgm:spPr/>
       <dgm:t>
@@ -2199,7 +2204,7 @@
         </a:p>
       </dgm:t>
     </dgm:pt>
-    <dgm:pt modelId="{B4E3CCFD-EC1D-4AD8-9D39-AAC71520AE23}" cxnId="{41A61110-F3B2-4808-A1BA-BBB791C07945}" type="sibTrans">
+    <dgm:pt modelId="{B4E3CCFD-EC1D-4AD8-9D39-AAC71520AE23}" type="sibTrans" cxnId="{41A61110-F3B2-4808-A1BA-BBB791C07945}">
       <dgm:prSet/>
       <dgm:spPr/>
       <dgm:t>
@@ -2223,7 +2228,7 @@
         </a:p>
       </dgm:t>
     </dgm:pt>
-    <dgm:pt modelId="{5D6EEA00-6603-479D-8D9B-72F274CDE5A5}" cxnId="{15A2F3B4-86C0-4F1E-81DA-5F0DA1BA3865}" type="parTrans">
+    <dgm:pt modelId="{5D6EEA00-6603-479D-8D9B-72F274CDE5A5}" type="parTrans" cxnId="{15A2F3B4-86C0-4F1E-81DA-5F0DA1BA3865}">
       <dgm:prSet/>
       <dgm:spPr/>
       <dgm:t>
@@ -2235,7 +2240,7 @@
         </a:p>
       </dgm:t>
     </dgm:pt>
-    <dgm:pt modelId="{4DD0E6FE-1ED7-44D7-923D-9129CA249713}" cxnId="{15A2F3B4-86C0-4F1E-81DA-5F0DA1BA3865}" type="sibTrans">
+    <dgm:pt modelId="{4DD0E6FE-1ED7-44D7-923D-9129CA249713}" type="sibTrans" cxnId="{15A2F3B4-86C0-4F1E-81DA-5F0DA1BA3865}">
       <dgm:prSet/>
       <dgm:spPr/>
       <dgm:t>
@@ -2419,7 +2424,7 @@
   <dgm:whole/>
   <dgm:extLst>
     <a:ext uri="http://schemas.microsoft.com/office/drawing/2008/diagram">
-      <dsp:dataModelExt xmlns:dsp="http://schemas.microsoft.com/office/drawing/2008/diagram" relId="rId5" minVer="http://schemas.openxmlformats.org/drawingml/2006/diagram"/>
+      <dsp:dataModelExt xmlns:dsp="http://schemas.microsoft.com/office/drawing/2008/diagram" relId="rId7" minVer="http://schemas.openxmlformats.org/drawingml/2006/diagram"/>
     </a:ext>
   </dgm:extLst>
 </dgm:dataModel>
@@ -2429,7 +2434,7 @@
 <dgm:dataModel xmlns:dgm="http://schemas.openxmlformats.org/drawingml/2006/diagram" xmlns:a="http://schemas.openxmlformats.org/drawingml/2006/main">
   <dgm:ptLst>
     <dgm:pt modelId="{79FDB13B-82F1-4172-A298-CD0400206101}" type="doc">
-      <dgm:prSet loTypeId="urn:microsoft.com/office/officeart/2005/8/layout/process4" loCatId="list" qsTypeId="urn:microsoft.com/office/officeart/2005/8/quickstyle/simple1" qsCatId="simple" csTypeId="urn:microsoft.com/office/officeart/2005/8/colors/accent6_3" csCatId="accent6" phldr="1"/>
+      <dgm:prSet loTypeId="urn:microsoft.com/office/officeart/2005/8/layout/process4" loCatId="list" qsTypeId="urn:microsoft.com/office/officeart/2005/8/quickstyle/simple1#1" qsCatId="simple" csTypeId="urn:microsoft.com/office/officeart/2005/8/colors/accent6_3#1" csCatId="accent6" phldr="1"/>
       <dgm:spPr/>
       <dgm:t>
         <a:bodyPr/>
@@ -2485,7 +2490,7 @@
         </a:p>
       </dgm:t>
     </dgm:pt>
-    <dgm:pt modelId="{9A6ACFDE-AB62-4909-9801-8CFE747D2191}" cxnId="{A543502D-19A7-4FFF-A499-13EEDFC7FCA8}" type="parTrans">
+    <dgm:pt modelId="{9A6ACFDE-AB62-4909-9801-8CFE747D2191}" type="parTrans" cxnId="{A543502D-19A7-4FFF-A499-13EEDFC7FCA8}">
       <dgm:prSet/>
       <dgm:spPr/>
       <dgm:t>
@@ -2496,7 +2501,7 @@
         </a:p>
       </dgm:t>
     </dgm:pt>
-    <dgm:pt modelId="{F33CDDA6-F67B-4F01-9139-74B2226927C2}" cxnId="{A543502D-19A7-4FFF-A499-13EEDFC7FCA8}" type="sibTrans">
+    <dgm:pt modelId="{F33CDDA6-F67B-4F01-9139-74B2226927C2}" type="sibTrans" cxnId="{A543502D-19A7-4FFF-A499-13EEDFC7FCA8}">
       <dgm:prSet/>
       <dgm:spPr/>
       <dgm:t>
@@ -2553,7 +2558,7 @@
         </a:p>
       </dgm:t>
     </dgm:pt>
-    <dgm:pt modelId="{48652E3F-108D-4B91-BA8D-B3D6CB99DB2A}" cxnId="{038C68B7-E288-4BBE-AFE1-17F8F095892C}" type="parTrans">
+    <dgm:pt modelId="{48652E3F-108D-4B91-BA8D-B3D6CB99DB2A}" type="parTrans" cxnId="{038C68B7-E288-4BBE-AFE1-17F8F095892C}">
       <dgm:prSet/>
       <dgm:spPr/>
       <dgm:t>
@@ -2564,7 +2569,7 @@
         </a:p>
       </dgm:t>
     </dgm:pt>
-    <dgm:pt modelId="{6A2F08A1-2217-49AD-A9C3-C7534D2375A8}" cxnId="{038C68B7-E288-4BBE-AFE1-17F8F095892C}" type="sibTrans">
+    <dgm:pt modelId="{6A2F08A1-2217-49AD-A9C3-C7534D2375A8}" type="sibTrans" cxnId="{038C68B7-E288-4BBE-AFE1-17F8F095892C}">
       <dgm:prSet/>
       <dgm:spPr/>
       <dgm:t>
@@ -2614,7 +2619,7 @@
         </a:p>
       </dgm:t>
     </dgm:pt>
-    <dgm:pt modelId="{3D3FA08F-8045-47BB-A080-4C0920E0F128}" cxnId="{695D3E18-0500-4462-A639-08EEFF3B55A3}" type="sibTrans">
+    <dgm:pt modelId="{3D3FA08F-8045-47BB-A080-4C0920E0F128}" type="sibTrans" cxnId="{695D3E18-0500-4462-A639-08EEFF3B55A3}">
       <dgm:prSet/>
       <dgm:spPr/>
       <dgm:t>
@@ -2625,7 +2630,7 @@
         </a:p>
       </dgm:t>
     </dgm:pt>
-    <dgm:pt modelId="{63D572C2-D754-4D13-8837-1AA02E0FF445}" cxnId="{695D3E18-0500-4462-A639-08EEFF3B55A3}" type="parTrans">
+    <dgm:pt modelId="{63D572C2-D754-4D13-8837-1AA02E0FF445}" type="parTrans" cxnId="{695D3E18-0500-4462-A639-08EEFF3B55A3}">
       <dgm:prSet/>
       <dgm:spPr/>
       <dgm:t>
@@ -2675,7 +2680,7 @@
         </a:p>
       </dgm:t>
     </dgm:pt>
-    <dgm:pt modelId="{CDAE582C-46FF-4818-AEAA-78E1ECED82AF}" cxnId="{3BB5C2E6-FDA1-4D1C-AFC7-5A3A568DF54E}" type="sibTrans">
+    <dgm:pt modelId="{CDAE582C-46FF-4818-AEAA-78E1ECED82AF}" type="sibTrans" cxnId="{3BB5C2E6-FDA1-4D1C-AFC7-5A3A568DF54E}">
       <dgm:prSet/>
       <dgm:spPr/>
       <dgm:t>
@@ -2686,7 +2691,7 @@
         </a:p>
       </dgm:t>
     </dgm:pt>
-    <dgm:pt modelId="{118F0B4B-E3D8-4B85-9365-FE08E47BD567}" cxnId="{3BB5C2E6-FDA1-4D1C-AFC7-5A3A568DF54E}" type="parTrans">
+    <dgm:pt modelId="{118F0B4B-E3D8-4B85-9365-FE08E47BD567}" type="parTrans" cxnId="{3BB5C2E6-FDA1-4D1C-AFC7-5A3A568DF54E}">
       <dgm:prSet/>
       <dgm:spPr/>
       <dgm:t>
@@ -2736,7 +2741,7 @@
         </a:p>
       </dgm:t>
     </dgm:pt>
-    <dgm:pt modelId="{0A7E8889-AE8E-4045-8A7F-B22DBDE898EA}" cxnId="{EEEB0A0B-F3AB-4A9F-BD41-30EABF792E05}" type="parTrans">
+    <dgm:pt modelId="{0A7E8889-AE8E-4045-8A7F-B22DBDE898EA}" type="parTrans" cxnId="{EEEB0A0B-F3AB-4A9F-BD41-30EABF792E05}">
       <dgm:prSet/>
       <dgm:spPr/>
       <dgm:t>
@@ -2747,7 +2752,7 @@
         </a:p>
       </dgm:t>
     </dgm:pt>
-    <dgm:pt modelId="{BF65E45C-C26A-4977-BADB-2D1944716D69}" cxnId="{EEEB0A0B-F3AB-4A9F-BD41-30EABF792E05}" type="sibTrans">
+    <dgm:pt modelId="{BF65E45C-C26A-4977-BADB-2D1944716D69}" type="sibTrans" cxnId="{EEEB0A0B-F3AB-4A9F-BD41-30EABF792E05}">
       <dgm:prSet/>
       <dgm:spPr/>
       <dgm:t>
@@ -2797,7 +2802,7 @@
         </a:p>
       </dgm:t>
     </dgm:pt>
-    <dgm:pt modelId="{D2649378-29DC-4BE7-8694-6D17D80F2FE7}" cxnId="{260B1D0D-F0A1-45A0-AFE4-CB10E888D704}" type="parTrans">
+    <dgm:pt modelId="{D2649378-29DC-4BE7-8694-6D17D80F2FE7}" type="parTrans" cxnId="{260B1D0D-F0A1-45A0-AFE4-CB10E888D704}">
       <dgm:prSet/>
       <dgm:spPr/>
       <dgm:t>
@@ -2808,7 +2813,7 @@
         </a:p>
       </dgm:t>
     </dgm:pt>
-    <dgm:pt modelId="{066B406A-1554-4182-A02D-F6BD32D9EBED}" cxnId="{260B1D0D-F0A1-45A0-AFE4-CB10E888D704}" type="sibTrans">
+    <dgm:pt modelId="{066B406A-1554-4182-A02D-F6BD32D9EBED}" type="sibTrans" cxnId="{260B1D0D-F0A1-45A0-AFE4-CB10E888D704}">
       <dgm:prSet/>
       <dgm:spPr/>
       <dgm:t>
@@ -2858,16 +2863,7 @@
               </a:solidFill>
               <a:effectLst/>
             </a:rPr>
-            <a:t>层</a:t>
-          </a:r>
-          <a:r>
-            <a:rPr lang="zh-CN" altLang="en-US" dirty="0" smtClean="0">
-              <a:solidFill>
-                <a:schemeClr val="tx1"/>
-              </a:solidFill>
-              <a:effectLst/>
-            </a:rPr>
-            <a:t>）</a:t>
+            <a:t>层）</a:t>
           </a:r>
           <a:r>
             <a:rPr lang="en-US" altLang="zh-CN" dirty="0" smtClean="0">
@@ -2896,7 +2892,7 @@
         </a:p>
       </dgm:t>
     </dgm:pt>
-    <dgm:pt modelId="{781D991E-A389-4F1B-80B0-98B445587BC6}" cxnId="{38BE4D77-C352-4EF4-81B6-70FE54F22930}" type="parTrans">
+    <dgm:pt modelId="{781D991E-A389-4F1B-80B0-98B445587BC6}" type="parTrans" cxnId="{38BE4D77-C352-4EF4-81B6-70FE54F22930}">
       <dgm:prSet/>
       <dgm:spPr/>
       <dgm:t>
@@ -2907,7 +2903,7 @@
         </a:p>
       </dgm:t>
     </dgm:pt>
-    <dgm:pt modelId="{77841B8A-E0F4-4C60-9E00-157BC9C928C0}" cxnId="{38BE4D77-C352-4EF4-81B6-70FE54F22930}" type="sibTrans">
+    <dgm:pt modelId="{77841B8A-E0F4-4C60-9E00-157BC9C928C0}" type="sibTrans" cxnId="{38BE4D77-C352-4EF4-81B6-70FE54F22930}">
       <dgm:prSet/>
       <dgm:spPr/>
       <dgm:t>
@@ -2941,7 +2937,7 @@
         </a:p>
       </dgm:t>
     </dgm:pt>
-    <dgm:pt modelId="{339D106E-5958-4FD1-BD23-C69058841A26}" cxnId="{422E0F57-D61F-4B15-819E-D454D57FDF0A}" type="parTrans">
+    <dgm:pt modelId="{339D106E-5958-4FD1-BD23-C69058841A26}" type="parTrans" cxnId="{422E0F57-D61F-4B15-819E-D454D57FDF0A}">
       <dgm:prSet/>
       <dgm:spPr/>
       <dgm:t>
@@ -2952,7 +2948,7 @@
         </a:p>
       </dgm:t>
     </dgm:pt>
-    <dgm:pt modelId="{B3A345D6-C761-4275-BD88-188C62B3184F}" cxnId="{422E0F57-D61F-4B15-819E-D454D57FDF0A}" type="sibTrans">
+    <dgm:pt modelId="{B3A345D6-C761-4275-BD88-188C62B3184F}" type="sibTrans" cxnId="{422E0F57-D61F-4B15-819E-D454D57FDF0A}">
       <dgm:prSet/>
       <dgm:spPr/>
       <dgm:t>
@@ -2986,7 +2982,7 @@
         </a:p>
       </dgm:t>
     </dgm:pt>
-    <dgm:pt modelId="{6BD9BA3A-21EC-4F52-9F65-E0E161A744F0}" cxnId="{1CD03763-405D-4495-88A5-31E64359524D}" type="parTrans">
+    <dgm:pt modelId="{6BD9BA3A-21EC-4F52-9F65-E0E161A744F0}" type="parTrans" cxnId="{1CD03763-405D-4495-88A5-31E64359524D}">
       <dgm:prSet/>
       <dgm:spPr/>
       <dgm:t>
@@ -2997,7 +2993,7 @@
         </a:p>
       </dgm:t>
     </dgm:pt>
-    <dgm:pt modelId="{67974DDF-8290-4690-82CC-A81742226857}" cxnId="{1CD03763-405D-4495-88A5-31E64359524D}" type="sibTrans">
+    <dgm:pt modelId="{67974DDF-8290-4690-82CC-A81742226857}" type="sibTrans" cxnId="{1CD03763-405D-4495-88A5-31E64359524D}">
       <dgm:prSet/>
       <dgm:spPr/>
       <dgm:t>
@@ -3038,7 +3034,7 @@
         </a:p>
       </dgm:t>
     </dgm:pt>
-    <dgm:pt modelId="{C6E9C1E2-7B7D-4939-A5AE-AB42EBA231B4}" cxnId="{1C22D11D-EE19-4D3A-9F08-ACD69DC55CC5}" type="parTrans">
+    <dgm:pt modelId="{C6E9C1E2-7B7D-4939-A5AE-AB42EBA231B4}" type="parTrans" cxnId="{1C22D11D-EE19-4D3A-9F08-ACD69DC55CC5}">
       <dgm:prSet/>
       <dgm:spPr/>
       <dgm:t>
@@ -3049,7 +3045,7 @@
         </a:p>
       </dgm:t>
     </dgm:pt>
-    <dgm:pt modelId="{49619E9D-0D45-4F60-82B5-2F9E931E3E83}" cxnId="{1C22D11D-EE19-4D3A-9F08-ACD69DC55CC5}" type="sibTrans">
+    <dgm:pt modelId="{49619E9D-0D45-4F60-82B5-2F9E931E3E83}" type="sibTrans" cxnId="{1C22D11D-EE19-4D3A-9F08-ACD69DC55CC5}">
       <dgm:prSet/>
       <dgm:spPr/>
       <dgm:t>
@@ -3338,7 +3334,7 @@
   <dgm:whole/>
   <dgm:extLst>
     <a:ext uri="http://schemas.microsoft.com/office/drawing/2008/diagram">
-      <dsp:dataModelExt xmlns:dsp="http://schemas.microsoft.com/office/drawing/2008/diagram" relId="rId5" minVer="http://schemas.openxmlformats.org/drawingml/2006/diagram"/>
+      <dsp:dataModelExt xmlns:dsp="http://schemas.microsoft.com/office/drawing/2008/diagram" relId="rId7" minVer="http://schemas.openxmlformats.org/drawingml/2006/diagram"/>
     </a:ext>
   </dgm:extLst>
 </dgm:dataModel>
@@ -4201,16 +4197,7 @@
               </a:solidFill>
               <a:effectLst/>
             </a:rPr>
-            <a:t>层</a:t>
-          </a:r>
-          <a:r>
-            <a:rPr lang="zh-CN" altLang="en-US" sz="2100" kern="1200" dirty="0" smtClean="0">
-              <a:solidFill>
-                <a:schemeClr val="tx1"/>
-              </a:solidFill>
-              <a:effectLst/>
-            </a:rPr>
-            <a:t>）</a:t>
+            <a:t>层）</a:t>
           </a:r>
           <a:r>
             <a:rPr lang="en-US" altLang="zh-CN" sz="2100" kern="1200" dirty="0" smtClean="0">
@@ -5477,7 +5464,7 @@
                   </dgm:shape>
                 </dgm:if>
                 <dgm:else name="Name23">
-                  <dgm:shape xmlns:r="http://schemas.openxmlformats.org/officeDocument/2006/relationships" type="upArrowCallout" r:blip="" rot="180">
+                  <dgm:shape xmlns:r="http://schemas.openxmlformats.org/officeDocument/2006/relationships" rot="180" type="upArrowCallout" r:blip="">
                     <dgm:adjLst/>
                   </dgm:shape>
                 </dgm:else>
@@ -5492,7 +5479,7 @@
               <dgm:if name="Name25" axis="ch" ptType="node" func="cnt" op="gte" val="1">
                 <dgm:layoutNode name="arrow">
                   <dgm:alg type="sp"/>
-                  <dgm:shape xmlns:r="http://schemas.openxmlformats.org/officeDocument/2006/relationships" type="upArrowCallout" r:blip="" rot="180">
+                  <dgm:shape xmlns:r="http://schemas.openxmlformats.org/officeDocument/2006/relationships" rot="180" type="upArrowCallout" r:blip="">
                     <dgm:adjLst/>
                   </dgm:shape>
                   <dgm:presOf axis="self"/>
@@ -5577,6 +5564,7 @@
       <a:camera prst="orthographicFront"/>
       <a:lightRig rig="threePt" dir="t"/>
     </dgm:scene3d>
+    <dgm:sp3d/>
     <dgm:txPr/>
     <dgm:style>
       <a:lnRef idx="1">
@@ -5596,6 +5584,7 @@
       <a:camera prst="orthographicFront"/>
       <a:lightRig rig="threePt" dir="t"/>
     </dgm:scene3d>
+    <dgm:sp3d/>
     <dgm:txPr/>
     <dgm:style>
       <a:lnRef idx="1">
@@ -5615,6 +5604,7 @@
       <a:camera prst="orthographicFront"/>
       <a:lightRig rig="threePt" dir="t"/>
     </dgm:scene3d>
+    <dgm:sp3d/>
     <dgm:txPr/>
     <dgm:style>
       <a:lnRef idx="1">
@@ -5634,6 +5624,7 @@
       <a:camera prst="orthographicFront"/>
       <a:lightRig rig="threePt" dir="t"/>
     </dgm:scene3d>
+    <dgm:sp3d/>
     <dgm:txPr/>
     <dgm:style>
       <a:lnRef idx="1">
@@ -5775,6 +5766,7 @@
       <a:camera prst="orthographicFront"/>
       <a:lightRig rig="threePt" dir="t"/>
     </dgm:scene3d>
+    <dgm:sp3d/>
     <dgm:txPr/>
     <dgm:style>
       <a:lnRef idx="1">
@@ -5794,6 +5786,7 @@
       <a:camera prst="orthographicFront"/>
       <a:lightRig rig="threePt" dir="t"/>
     </dgm:scene3d>
+    <dgm:sp3d/>
     <dgm:txPr/>
     <dgm:style>
       <a:lnRef idx="1">
@@ -5813,6 +5806,7 @@
       <a:camera prst="orthographicFront"/>
       <a:lightRig rig="threePt" dir="t"/>
     </dgm:scene3d>
+    <dgm:sp3d/>
     <dgm:txPr/>
     <dgm:style>
       <a:lnRef idx="1">
@@ -5832,6 +5826,7 @@
       <a:camera prst="orthographicFront"/>
       <a:lightRig rig="threePt" dir="t"/>
     </dgm:scene3d>
+    <dgm:sp3d/>
     <dgm:txPr/>
     <dgm:style>
       <a:lnRef idx="0">
@@ -5851,6 +5846,7 @@
       <a:camera prst="orthographicFront"/>
       <a:lightRig rig="threePt" dir="t"/>
     </dgm:scene3d>
+    <dgm:sp3d/>
     <dgm:txPr/>
     <dgm:style>
       <a:lnRef idx="0">
@@ -5872,6 +5868,7 @@
       <a:camera prst="orthographicFront"/>
       <a:lightRig rig="threePt" dir="t"/>
     </dgm:scene3d>
+    <dgm:sp3d/>
     <dgm:txPr/>
     <dgm:style>
       <a:lnRef idx="1">
@@ -5891,6 +5888,7 @@
       <a:camera prst="orthographicFront"/>
       <a:lightRig rig="threePt" dir="t"/>
     </dgm:scene3d>
+    <dgm:sp3d/>
     <dgm:txPr/>
     <dgm:style>
       <a:lnRef idx="1">
@@ -5910,6 +5908,7 @@
       <a:camera prst="orthographicFront"/>
       <a:lightRig rig="threePt" dir="t"/>
     </dgm:scene3d>
+    <dgm:sp3d/>
     <dgm:txPr/>
     <dgm:style>
       <a:lnRef idx="0">
@@ -5929,6 +5928,7 @@
       <a:camera prst="orthographicFront"/>
       <a:lightRig rig="threePt" dir="t"/>
     </dgm:scene3d>
+    <dgm:sp3d/>
     <dgm:txPr/>
     <dgm:style>
       <a:lnRef idx="1">
@@ -5948,6 +5948,7 @@
       <a:camera prst="orthographicFront"/>
       <a:lightRig rig="threePt" dir="t"/>
     </dgm:scene3d>
+    <dgm:sp3d/>
     <dgm:txPr/>
     <dgm:style>
       <a:lnRef idx="1">
@@ -5967,6 +5968,7 @@
       <a:camera prst="orthographicFront"/>
       <a:lightRig rig="threePt" dir="t"/>
     </dgm:scene3d>
+    <dgm:sp3d/>
     <dgm:txPr/>
     <dgm:style>
       <a:lnRef idx="1">
@@ -5986,6 +5988,7 @@
       <a:camera prst="orthographicFront"/>
       <a:lightRig rig="threePt" dir="t"/>
     </dgm:scene3d>
+    <dgm:sp3d/>
     <dgm:txPr/>
     <dgm:style>
       <a:lnRef idx="1">
@@ -6005,6 +6008,7 @@
       <a:camera prst="orthographicFront"/>
       <a:lightRig rig="threePt" dir="t"/>
     </dgm:scene3d>
+    <dgm:sp3d/>
     <dgm:txPr/>
     <dgm:style>
       <a:lnRef idx="1">
@@ -6024,6 +6028,7 @@
       <a:camera prst="orthographicFront"/>
       <a:lightRig rig="threePt" dir="t"/>
     </dgm:scene3d>
+    <dgm:sp3d/>
     <dgm:txPr/>
     <dgm:style>
       <a:lnRef idx="1">
@@ -6043,6 +6048,7 @@
       <a:camera prst="orthographicFront"/>
       <a:lightRig rig="threePt" dir="t"/>
     </dgm:scene3d>
+    <dgm:sp3d/>
     <dgm:txPr/>
     <dgm:style>
       <a:lnRef idx="1">
@@ -6084,6 +6090,7 @@
       <a:camera prst="orthographicFront"/>
       <a:lightRig rig="threePt" dir="t"/>
     </dgm:scene3d>
+    <dgm:sp3d/>
     <dgm:txPr/>
     <dgm:style>
       <a:lnRef idx="0">
@@ -6249,6 +6256,7 @@
       <a:camera prst="orthographicFront"/>
       <a:lightRig rig="threePt" dir="t"/>
     </dgm:scene3d>
+    <dgm:sp3d/>
     <dgm:txPr/>
     <dgm:style>
       <a:lnRef idx="2">
@@ -6268,6 +6276,7 @@
       <a:camera prst="orthographicFront"/>
       <a:lightRig rig="threePt" dir="t"/>
     </dgm:scene3d>
+    <dgm:sp3d/>
     <dgm:txPr/>
     <dgm:style>
       <a:lnRef idx="2">
@@ -6287,6 +6296,7 @@
       <a:camera prst="orthographicFront"/>
       <a:lightRig rig="threePt" dir="t"/>
     </dgm:scene3d>
+    <dgm:sp3d/>
     <dgm:txPr/>
     <dgm:style>
       <a:lnRef idx="2">
@@ -6306,6 +6316,7 @@
       <a:camera prst="orthographicFront"/>
       <a:lightRig rig="threePt" dir="t"/>
     </dgm:scene3d>
+    <dgm:sp3d/>
     <dgm:txPr/>
     <dgm:style>
       <a:lnRef idx="2">
@@ -6325,6 +6336,7 @@
       <a:camera prst="orthographicFront"/>
       <a:lightRig rig="threePt" dir="t"/>
     </dgm:scene3d>
+    <dgm:sp3d/>
     <dgm:txPr/>
     <dgm:style>
       <a:lnRef idx="1">
@@ -6346,6 +6358,7 @@
       <a:camera prst="orthographicFront"/>
       <a:lightRig rig="threePt" dir="t"/>
     </dgm:scene3d>
+    <dgm:sp3d/>
     <dgm:txPr/>
     <dgm:style>
       <a:lnRef idx="1">
@@ -6367,6 +6380,7 @@
       <a:camera prst="orthographicFront"/>
       <a:lightRig rig="threePt" dir="t"/>
     </dgm:scene3d>
+    <dgm:sp3d/>
     <dgm:txPr/>
     <dgm:style>
       <a:lnRef idx="1">
@@ -6388,6 +6402,7 @@
       <a:camera prst="orthographicFront"/>
       <a:lightRig rig="threePt" dir="t"/>
     </dgm:scene3d>
+    <dgm:sp3d/>
     <dgm:txPr/>
     <dgm:style>
       <a:lnRef idx="1">
@@ -6409,6 +6424,7 @@
       <a:camera prst="orthographicFront"/>
       <a:lightRig rig="threePt" dir="t"/>
     </dgm:scene3d>
+    <dgm:sp3d/>
     <dgm:txPr/>
     <dgm:style>
       <a:lnRef idx="0">
@@ -6428,6 +6444,7 @@
       <a:camera prst="orthographicFront"/>
       <a:lightRig rig="threePt" dir="t"/>
     </dgm:scene3d>
+    <dgm:sp3d/>
     <dgm:txPr/>
     <dgm:style>
       <a:lnRef idx="1">
@@ -6447,6 +6464,7 @@
       <a:camera prst="orthographicFront"/>
       <a:lightRig rig="threePt" dir="t"/>
     </dgm:scene3d>
+    <dgm:sp3d/>
     <dgm:txPr/>
     <dgm:style>
       <a:lnRef idx="0">
@@ -6468,6 +6486,7 @@
       <a:camera prst="orthographicFront"/>
       <a:lightRig rig="threePt" dir="t"/>
     </dgm:scene3d>
+    <dgm:sp3d/>
     <dgm:txPr/>
     <dgm:style>
       <a:lnRef idx="1">
@@ -6487,6 +6506,7 @@
       <a:camera prst="orthographicFront"/>
       <a:lightRig rig="threePt" dir="t"/>
     </dgm:scene3d>
+    <dgm:sp3d/>
     <dgm:txPr/>
     <dgm:style>
       <a:lnRef idx="1">
@@ -6506,6 +6526,7 @@
       <a:camera prst="orthographicFront"/>
       <a:lightRig rig="threePt" dir="t"/>
     </dgm:scene3d>
+    <dgm:sp3d/>
     <dgm:txPr/>
     <dgm:style>
       <a:lnRef idx="1">
@@ -6525,6 +6546,7 @@
       <a:camera prst="orthographicFront"/>
       <a:lightRig rig="threePt" dir="t"/>
     </dgm:scene3d>
+    <dgm:sp3d/>
     <dgm:txPr/>
     <dgm:style>
       <a:lnRef idx="1">
@@ -6544,6 +6566,7 @@
       <a:camera prst="orthographicFront"/>
       <a:lightRig rig="threePt" dir="t"/>
     </dgm:scene3d>
+    <dgm:sp3d/>
     <dgm:txPr/>
     <dgm:style>
       <a:lnRef idx="0">
@@ -6586,7 +6609,7 @@
 </file>
 
 <file path=ppt/diagrams/quickStyle2.xml><?xml version="1.0" encoding="utf-8"?>
-<dgm:styleDef xmlns:dgm="http://schemas.openxmlformats.org/drawingml/2006/diagram" xmlns:a="http://schemas.openxmlformats.org/drawingml/2006/main" uniqueId="urn:microsoft.com/office/officeart/2005/8/quickstyle/simple1">
+<dgm:styleDef xmlns:dgm="http://schemas.openxmlformats.org/drawingml/2006/diagram" xmlns:a="http://schemas.openxmlformats.org/drawingml/2006/main" uniqueId="urn:microsoft.com/office/officeart/2005/8/quickstyle/simple1#1">
   <dgm:title val=""/>
   <dgm:desc val=""/>
   <dgm:catLst>
@@ -6601,6 +6624,7 @@
       <a:camera prst="orthographicFront"/>
       <a:lightRig rig="threePt" dir="t"/>
     </dgm:scene3d>
+    <dgm:sp3d/>
     <dgm:txPr/>
     <dgm:style>
       <a:lnRef idx="2">
@@ -6620,6 +6644,7 @@
       <a:camera prst="orthographicFront"/>
       <a:lightRig rig="threePt" dir="t"/>
     </dgm:scene3d>
+    <dgm:sp3d/>
     <dgm:txPr/>
     <dgm:style>
       <a:lnRef idx="2">
@@ -6639,6 +6664,7 @@
       <a:camera prst="orthographicFront"/>
       <a:lightRig rig="threePt" dir="t"/>
     </dgm:scene3d>
+    <dgm:sp3d/>
     <dgm:txPr/>
     <dgm:style>
       <a:lnRef idx="2">
@@ -6658,6 +6684,7 @@
       <a:camera prst="orthographicFront"/>
       <a:lightRig rig="threePt" dir="t"/>
     </dgm:scene3d>
+    <dgm:sp3d/>
     <dgm:txPr/>
     <dgm:style>
       <a:lnRef idx="2">
@@ -6679,6 +6706,7 @@
       <a:camera prst="orthographicFront"/>
       <a:lightRig rig="threePt" dir="t"/>
     </dgm:scene3d>
+    <dgm:sp3d/>
     <dgm:txPr/>
     <dgm:style>
       <a:lnRef idx="2">
@@ -6700,6 +6728,7 @@
       <a:camera prst="orthographicFront"/>
       <a:lightRig rig="threePt" dir="t"/>
     </dgm:scene3d>
+    <dgm:sp3d/>
     <dgm:txPr/>
     <dgm:style>
       <a:lnRef idx="2">
@@ -6721,6 +6750,7 @@
       <a:camera prst="orthographicFront"/>
       <a:lightRig rig="threePt" dir="t"/>
     </dgm:scene3d>
+    <dgm:sp3d/>
     <dgm:txPr/>
     <dgm:style>
       <a:lnRef idx="2">
@@ -6742,6 +6772,7 @@
       <a:camera prst="orthographicFront"/>
       <a:lightRig rig="threePt" dir="t"/>
     </dgm:scene3d>
+    <dgm:sp3d/>
     <dgm:txPr/>
     <dgm:style>
       <a:lnRef idx="2">
@@ -6763,6 +6794,7 @@
       <a:camera prst="orthographicFront"/>
       <a:lightRig rig="threePt" dir="t"/>
     </dgm:scene3d>
+    <dgm:sp3d/>
     <dgm:txPr/>
     <dgm:style>
       <a:lnRef idx="2">
@@ -6784,6 +6816,7 @@
       <a:camera prst="orthographicFront"/>
       <a:lightRig rig="threePt" dir="t"/>
     </dgm:scene3d>
+    <dgm:sp3d/>
     <dgm:txPr/>
     <dgm:style>
       <a:lnRef idx="2">
@@ -6803,6 +6836,7 @@
       <a:camera prst="orthographicFront"/>
       <a:lightRig rig="threePt" dir="t"/>
     </dgm:scene3d>
+    <dgm:sp3d/>
     <dgm:txPr/>
     <dgm:style>
       <a:lnRef idx="2">
@@ -6822,6 +6856,7 @@
       <a:camera prst="orthographicFront"/>
       <a:lightRig rig="threePt" dir="t"/>
     </dgm:scene3d>
+    <dgm:sp3d/>
     <dgm:txPr/>
     <dgm:style>
       <a:lnRef idx="2">
@@ -6841,6 +6876,7 @@
       <a:camera prst="orthographicFront"/>
       <a:lightRig rig="threePt" dir="t"/>
     </dgm:scene3d>
+    <dgm:sp3d/>
     <dgm:txPr/>
     <dgm:style>
       <a:lnRef idx="0">
@@ -6860,6 +6896,7 @@
       <a:camera prst="orthographicFront"/>
       <a:lightRig rig="threePt" dir="t"/>
     </dgm:scene3d>
+    <dgm:sp3d/>
     <dgm:txPr/>
     <dgm:style>
       <a:lnRef idx="0">
@@ -6881,6 +6918,7 @@
       <a:camera prst="orthographicFront"/>
       <a:lightRig rig="threePt" dir="t"/>
     </dgm:scene3d>
+    <dgm:sp3d/>
     <dgm:txPr/>
     <dgm:style>
       <a:lnRef idx="2">
@@ -6900,6 +6938,7 @@
       <a:camera prst="orthographicFront"/>
       <a:lightRig rig="threePt" dir="t"/>
     </dgm:scene3d>
+    <dgm:sp3d/>
     <dgm:txPr/>
     <dgm:style>
       <a:lnRef idx="2">
@@ -6919,6 +6958,7 @@
       <a:camera prst="orthographicFront"/>
       <a:lightRig rig="threePt" dir="t"/>
     </dgm:scene3d>
+    <dgm:sp3d/>
     <dgm:txPr/>
     <dgm:style>
       <a:lnRef idx="0">
@@ -6938,6 +6978,7 @@
       <a:camera prst="orthographicFront"/>
       <a:lightRig rig="threePt" dir="t"/>
     </dgm:scene3d>
+    <dgm:sp3d/>
     <dgm:txPr/>
     <dgm:style>
       <a:lnRef idx="2">
@@ -6957,6 +6998,7 @@
       <a:camera prst="orthographicFront"/>
       <a:lightRig rig="threePt" dir="t"/>
     </dgm:scene3d>
+    <dgm:sp3d/>
     <dgm:txPr/>
     <dgm:style>
       <a:lnRef idx="2">
@@ -6976,6 +7018,7 @@
       <a:camera prst="orthographicFront"/>
       <a:lightRig rig="threePt" dir="t"/>
     </dgm:scene3d>
+    <dgm:sp3d/>
     <dgm:txPr/>
     <dgm:style>
       <a:lnRef idx="2">
@@ -6995,6 +7038,7 @@
       <a:camera prst="orthographicFront"/>
       <a:lightRig rig="threePt" dir="t"/>
     </dgm:scene3d>
+    <dgm:sp3d/>
     <dgm:txPr/>
     <dgm:style>
       <a:lnRef idx="2">
@@ -7014,6 +7058,7 @@
       <a:camera prst="orthographicFront"/>
       <a:lightRig rig="threePt" dir="t"/>
     </dgm:scene3d>
+    <dgm:sp3d/>
     <dgm:txPr/>
     <dgm:style>
       <a:lnRef idx="2">
@@ -7033,6 +7078,7 @@
       <a:camera prst="orthographicFront"/>
       <a:lightRig rig="threePt" dir="t"/>
     </dgm:scene3d>
+    <dgm:sp3d/>
     <dgm:txPr/>
     <dgm:style>
       <a:lnRef idx="2">
@@ -7052,6 +7098,7 @@
       <a:camera prst="orthographicFront"/>
       <a:lightRig rig="threePt" dir="t"/>
     </dgm:scene3d>
+    <dgm:sp3d/>
     <dgm:txPr/>
     <dgm:style>
       <a:lnRef idx="2">
@@ -7071,6 +7118,7 @@
       <a:camera prst="orthographicFront"/>
       <a:lightRig rig="threePt" dir="t"/>
     </dgm:scene3d>
+    <dgm:sp3d/>
     <dgm:txPr/>
     <dgm:style>
       <a:lnRef idx="2">
@@ -7090,6 +7138,7 @@
       <a:camera prst="orthographicFront"/>
       <a:lightRig rig="threePt" dir="t"/>
     </dgm:scene3d>
+    <dgm:sp3d/>
     <dgm:txPr/>
     <dgm:style>
       <a:lnRef idx="0">
@@ -7111,6 +7160,7 @@
       <a:camera prst="orthographicFront"/>
       <a:lightRig rig="threePt" dir="t"/>
     </dgm:scene3d>
+    <dgm:sp3d/>
     <dgm:txPr/>
     <dgm:style>
       <a:lnRef idx="2">
@@ -7132,6 +7182,7 @@
       <a:camera prst="orthographicFront"/>
       <a:lightRig rig="threePt" dir="t"/>
     </dgm:scene3d>
+    <dgm:sp3d/>
     <dgm:txPr/>
     <dgm:style>
       <a:lnRef idx="2">
@@ -7153,6 +7204,7 @@
       <a:camera prst="orthographicFront"/>
       <a:lightRig rig="threePt" dir="t"/>
     </dgm:scene3d>
+    <dgm:sp3d/>
     <dgm:txPr/>
     <dgm:style>
       <a:lnRef idx="2">
@@ -7174,6 +7226,7 @@
       <a:camera prst="orthographicFront"/>
       <a:lightRig rig="threePt" dir="t"/>
     </dgm:scene3d>
+    <dgm:sp3d/>
     <dgm:txPr/>
     <dgm:style>
       <a:lnRef idx="2">
@@ -7195,6 +7248,7 @@
       <a:camera prst="orthographicFront"/>
       <a:lightRig rig="threePt" dir="t"/>
     </dgm:scene3d>
+    <dgm:sp3d/>
     <dgm:txPr/>
     <dgm:style>
       <a:lnRef idx="2">
@@ -7216,6 +7270,7 @@
       <a:camera prst="orthographicFront"/>
       <a:lightRig rig="threePt" dir="t"/>
     </dgm:scene3d>
+    <dgm:sp3d/>
     <dgm:txPr/>
     <dgm:style>
       <a:lnRef idx="2">
@@ -7237,6 +7292,7 @@
       <a:camera prst="orthographicFront"/>
       <a:lightRig rig="threePt" dir="t"/>
     </dgm:scene3d>
+    <dgm:sp3d/>
     <dgm:txPr/>
     <dgm:style>
       <a:lnRef idx="2">
@@ -7256,6 +7312,7 @@
       <a:camera prst="orthographicFront"/>
       <a:lightRig rig="threePt" dir="t"/>
     </dgm:scene3d>
+    <dgm:sp3d/>
     <dgm:txPr/>
     <dgm:style>
       <a:lnRef idx="2">
@@ -7275,6 +7332,7 @@
       <a:camera prst="orthographicFront"/>
       <a:lightRig rig="threePt" dir="t"/>
     </dgm:scene3d>
+    <dgm:sp3d/>
     <dgm:txPr/>
     <dgm:style>
       <a:lnRef idx="2">
@@ -7294,6 +7352,7 @@
       <a:camera prst="orthographicFront"/>
       <a:lightRig rig="threePt" dir="t"/>
     </dgm:scene3d>
+    <dgm:sp3d/>
     <dgm:txPr/>
     <dgm:style>
       <a:lnRef idx="2">
@@ -7313,6 +7372,7 @@
       <a:camera prst="orthographicFront"/>
       <a:lightRig rig="threePt" dir="t"/>
     </dgm:scene3d>
+    <dgm:sp3d/>
     <dgm:txPr/>
     <dgm:style>
       <a:lnRef idx="2">
@@ -7334,6 +7394,7 @@
       <a:camera prst="orthographicFront"/>
       <a:lightRig rig="threePt" dir="t"/>
     </dgm:scene3d>
+    <dgm:sp3d/>
     <dgm:txPr/>
     <dgm:style>
       <a:lnRef idx="2">
@@ -7355,6 +7416,7 @@
       <a:camera prst="orthographicFront"/>
       <a:lightRig rig="threePt" dir="t"/>
     </dgm:scene3d>
+    <dgm:sp3d/>
     <dgm:txPr/>
     <dgm:style>
       <a:lnRef idx="2">
@@ -7376,6 +7438,7 @@
       <a:camera prst="orthographicFront"/>
       <a:lightRig rig="threePt" dir="t"/>
     </dgm:scene3d>
+    <dgm:sp3d/>
     <dgm:txPr/>
     <dgm:style>
       <a:lnRef idx="2">
@@ -7397,6 +7460,7 @@
       <a:camera prst="orthographicFront"/>
       <a:lightRig rig="threePt" dir="t"/>
     </dgm:scene3d>
+    <dgm:sp3d/>
     <dgm:txPr/>
     <dgm:style>
       <a:lnRef idx="0">
@@ -7416,6 +7480,7 @@
       <a:camera prst="orthographicFront"/>
       <a:lightRig rig="threePt" dir="t"/>
     </dgm:scene3d>
+    <dgm:sp3d/>
     <dgm:txPr/>
     <dgm:style>
       <a:lnRef idx="1">
@@ -7435,6 +7500,7 @@
       <a:camera prst="orthographicFront"/>
       <a:lightRig rig="threePt" dir="t"/>
     </dgm:scene3d>
+    <dgm:sp3d/>
     <dgm:txPr/>
     <dgm:style>
       <a:lnRef idx="0">
@@ -7456,6 +7522,7 @@
       <a:camera prst="orthographicFront"/>
       <a:lightRig rig="threePt" dir="t"/>
     </dgm:scene3d>
+    <dgm:sp3d/>
     <dgm:txPr/>
     <dgm:style>
       <a:lnRef idx="2">
@@ -7475,6 +7542,7 @@
       <a:camera prst="orthographicFront"/>
       <a:lightRig rig="threePt" dir="t"/>
     </dgm:scene3d>
+    <dgm:sp3d/>
     <dgm:txPr/>
     <dgm:style>
       <a:lnRef idx="2">
@@ -7494,6 +7562,7 @@
       <a:camera prst="orthographicFront"/>
       <a:lightRig rig="threePt" dir="t"/>
     </dgm:scene3d>
+    <dgm:sp3d/>
     <dgm:txPr/>
     <dgm:style>
       <a:lnRef idx="2">
@@ -7513,6 +7582,7 @@
       <a:camera prst="orthographicFront"/>
       <a:lightRig rig="threePt" dir="t"/>
     </dgm:scene3d>
+    <dgm:sp3d/>
     <dgm:txPr/>
     <dgm:style>
       <a:lnRef idx="1">
@@ -7532,6 +7602,7 @@
       <a:camera prst="orthographicFront"/>
       <a:lightRig rig="threePt" dir="t"/>
     </dgm:scene3d>
+    <dgm:sp3d/>
     <dgm:txPr/>
     <dgm:style>
       <a:lnRef idx="0">
@@ -7551,6 +7622,7 @@
       <a:camera prst="orthographicFront"/>
       <a:lightRig rig="threePt" dir="t"/>
     </dgm:scene3d>
+    <dgm:sp3d/>
     <dgm:txPr/>
     <dgm:style>
       <a:lnRef idx="2">
@@ -7652,6 +7724,7 @@
           <a:p>
             <a:fld id="{2AA5BB14-8648-4606-A1BD-9421A15DF0F1}" type="datetimeFigureOut">
               <a:rPr lang="zh-CN" altLang="en-US" smtClean="0"/>
+              <a:t>2019/4/4</a:t>
             </a:fld>
             <a:endParaRPr lang="zh-CN" altLang="en-US"/>
           </a:p>
@@ -7718,7 +7791,6 @@
               <a:rPr lang="zh-CN" altLang="en-US"/>
               <a:t>编辑母版文本样式</a:t>
             </a:r>
-            <a:endParaRPr lang="zh-CN" altLang="en-US"/>
           </a:p>
           <a:p>
             <a:pPr lvl="1"/>
@@ -7726,7 +7798,6 @@
               <a:rPr lang="zh-CN" altLang="en-US"/>
               <a:t>第二级</a:t>
             </a:r>
-            <a:endParaRPr lang="zh-CN" altLang="en-US"/>
           </a:p>
           <a:p>
             <a:pPr lvl="2"/>
@@ -7734,7 +7805,6 @@
               <a:rPr lang="zh-CN" altLang="en-US"/>
               <a:t>第三级</a:t>
             </a:r>
-            <a:endParaRPr lang="zh-CN" altLang="en-US"/>
           </a:p>
           <a:p>
             <a:pPr lvl="3"/>
@@ -7742,7 +7812,6 @@
               <a:rPr lang="zh-CN" altLang="en-US"/>
               <a:t>第四级</a:t>
             </a:r>
-            <a:endParaRPr lang="zh-CN" altLang="en-US"/>
           </a:p>
           <a:p>
             <a:pPr lvl="4"/>
@@ -7750,7 +7819,6 @@
               <a:rPr lang="zh-CN" altLang="en-US"/>
               <a:t>第五级</a:t>
             </a:r>
-            <a:endParaRPr lang="zh-CN" altLang="en-US"/>
           </a:p>
         </p:txBody>
       </p:sp>
@@ -7814,6 +7882,7 @@
           <a:p>
             <a:fld id="{80DAA526-96C3-4A52-8C86-0F20201D56F5}" type="slidenum">
               <a:rPr lang="zh-CN" altLang="en-US" smtClean="0"/>
+              <a:t>‹#›</a:t>
             </a:fld>
             <a:endParaRPr lang="zh-CN" altLang="en-US"/>
           </a:p>
@@ -7987,6 +8056,7 @@
           <a:p>
             <a:fld id="{80DAA526-96C3-4A52-8C86-0F20201D56F5}" type="slidenum">
               <a:rPr lang="zh-CN" altLang="en-US" smtClean="0"/>
+              <a:t>1</a:t>
             </a:fld>
             <a:endParaRPr lang="zh-CN" altLang="en-US"/>
           </a:p>
@@ -8070,6 +8140,7 @@
           <a:p>
             <a:fld id="{80DAA526-96C3-4A52-8C86-0F20201D56F5}" type="slidenum">
               <a:rPr lang="zh-CN" altLang="en-US" smtClean="0"/>
+              <a:t>2</a:t>
             </a:fld>
             <a:endParaRPr lang="zh-CN" altLang="en-US"/>
           </a:p>
@@ -8153,6 +8224,7 @@
           <a:p>
             <a:fld id="{80DAA526-96C3-4A52-8C86-0F20201D56F5}" type="slidenum">
               <a:rPr lang="zh-CN" altLang="en-US" smtClean="0"/>
+              <a:t>3</a:t>
             </a:fld>
             <a:endParaRPr lang="zh-CN" altLang="en-US"/>
           </a:p>
@@ -8241,9 +8313,6 @@
               </a:rPr>
               <a:t>看源码的方法：</a:t>
             </a:r>
-            <a:endParaRPr lang="zh-CN" altLang="en-US" dirty="0" smtClean="0">
-              <a:sym typeface="+mn-ea"/>
-            </a:endParaRPr>
           </a:p>
           <a:p>
             <a:pPr indent="0">
@@ -8335,9 +8404,6 @@
               </a:rPr>
               <a:t>。</a:t>
             </a:r>
-            <a:endParaRPr lang="zh-CN" altLang="en-US" dirty="0">
-              <a:sym typeface="+mn-ea"/>
-            </a:endParaRPr>
           </a:p>
           <a:p>
             <a:pPr marL="285750" indent="-285750">
@@ -8393,9 +8459,6 @@
               </a:rPr>
               <a:t>搞清楚有状态重试是什么</a:t>
             </a:r>
-            <a:endParaRPr lang="zh-CN" altLang="en-US" dirty="0" smtClean="0">
-              <a:sym typeface="+mn-ea"/>
-            </a:endParaRPr>
           </a:p>
           <a:p>
             <a:endParaRPr lang="en-US" altLang="zh-CN" dirty="0" smtClean="0"/>
@@ -8419,6 +8482,7 @@
           <a:p>
             <a:fld id="{80DAA526-96C3-4A52-8C86-0F20201D56F5}" type="slidenum">
               <a:rPr lang="zh-CN" altLang="en-US" smtClean="0"/>
+              <a:t>4</a:t>
             </a:fld>
             <a:endParaRPr lang="zh-CN" altLang="en-US"/>
           </a:p>
@@ -8502,6 +8566,7 @@
           <a:p>
             <a:fld id="{80DAA526-96C3-4A52-8C86-0F20201D56F5}" type="slidenum">
               <a:rPr lang="zh-CN" altLang="en-US" smtClean="0"/>
+              <a:t>5</a:t>
             </a:fld>
             <a:endParaRPr lang="zh-CN" altLang="en-US"/>
           </a:p>
@@ -8585,6 +8650,7 @@
           <a:p>
             <a:fld id="{80DAA526-96C3-4A52-8C86-0F20201D56F5}" type="slidenum">
               <a:rPr lang="zh-CN" altLang="en-US" smtClean="0"/>
+              <a:t>6</a:t>
             </a:fld>
             <a:endParaRPr lang="zh-CN" altLang="en-US"/>
           </a:p>
@@ -8683,7 +8749,6 @@
               <a:rPr lang="en-US" altLang="zh-CN" dirty="0" smtClean="0"/>
               <a:t>response</a:t>
             </a:r>
-            <a:endParaRPr lang="en-US" altLang="zh-CN" dirty="0" smtClean="0"/>
           </a:p>
           <a:p>
             <a:endParaRPr lang="en-US" altLang="zh-CN" dirty="0" smtClean="0"/>
@@ -8705,7 +8770,6 @@
               <a:rPr lang="en-US" altLang="zh-CN" baseline="0" dirty="0" err="1" smtClean="0"/>
               <a:t>Exception</a:t>
             </a:r>
-            <a:endParaRPr lang="en-US" altLang="zh-CN" baseline="0" dirty="0" err="1" smtClean="0"/>
           </a:p>
           <a:p>
             <a:endParaRPr lang="en-US" altLang="zh-CN" dirty="0" smtClean="0"/>
@@ -8751,6 +8815,7 @@
           <a:p>
             <a:fld id="{80DAA526-96C3-4A52-8C86-0F20201D56F5}" type="slidenum">
               <a:rPr lang="zh-CN" altLang="en-US" smtClean="0"/>
+              <a:t>7</a:t>
             </a:fld>
             <a:endParaRPr lang="zh-CN" altLang="en-US"/>
           </a:p>
@@ -8834,9 +8899,6 @@
               </a:rPr>
               <a:t>看源码的方法：</a:t>
             </a:r>
-            <a:endParaRPr lang="zh-CN" altLang="en-US" dirty="0" smtClean="0">
-              <a:sym typeface="+mn-ea"/>
-            </a:endParaRPr>
           </a:p>
           <a:p>
             <a:pPr indent="0">
@@ -8928,9 +8990,6 @@
               </a:rPr>
               <a:t>。</a:t>
             </a:r>
-            <a:endParaRPr lang="zh-CN" altLang="en-US" dirty="0">
-              <a:sym typeface="+mn-ea"/>
-            </a:endParaRPr>
           </a:p>
           <a:p>
             <a:pPr marL="285750" indent="-285750">
@@ -8986,9 +9045,6 @@
               </a:rPr>
               <a:t>搞清楚有状态重试是什么</a:t>
             </a:r>
-            <a:endParaRPr lang="zh-CN" altLang="en-US" dirty="0" smtClean="0">
-              <a:sym typeface="+mn-ea"/>
-            </a:endParaRPr>
           </a:p>
           <a:p>
             <a:pPr marL="285750" indent="-285750">
@@ -9054,7 +9110,6 @@
               <a:rPr lang="zh-CN" altLang="en-US" dirty="0"/>
               <a:t>）框架理念等</a:t>
             </a:r>
-            <a:endParaRPr lang="zh-CN" altLang="en-US" dirty="0"/>
           </a:p>
         </p:txBody>
       </p:sp>
@@ -9075,6 +9130,7 @@
           <a:p>
             <a:fld id="{7392B679-AE23-4750-8FB0-6513430B8953}" type="slidenum">
               <a:rPr lang="zh-CN" altLang="en-US" smtClean="0"/>
+              <a:t>8</a:t>
             </a:fld>
             <a:endParaRPr lang="zh-CN" altLang="en-US"/>
           </a:p>
@@ -9219,6 +9275,7 @@
           <a:p>
             <a:fld id="{F2C3DB7C-2D6B-4C00-98DC-0DA6EC76AE3B}" type="datetimeFigureOut">
               <a:rPr lang="zh-CN" altLang="en-US" smtClean="0"/>
+              <a:t>2019/4/4</a:t>
             </a:fld>
             <a:endParaRPr lang="zh-CN" altLang="en-US"/>
           </a:p>
@@ -9260,6 +9317,7 @@
           <a:p>
             <a:fld id="{706651A3-21E8-4EF8-877E-30E54495478B}" type="slidenum">
               <a:rPr lang="zh-CN" altLang="en-US" smtClean="0"/>
+              <a:t>‹#›</a:t>
             </a:fld>
             <a:endParaRPr lang="zh-CN" altLang="en-US"/>
           </a:p>
@@ -9333,7 +9391,6 @@
               <a:rPr lang="zh-CN" altLang="en-US"/>
               <a:t>单击此处编辑母版文本样式</a:t>
             </a:r>
-            <a:endParaRPr lang="zh-CN" altLang="en-US"/>
           </a:p>
           <a:p>
             <a:pPr lvl="1"/>
@@ -9341,7 +9398,6 @@
               <a:rPr lang="zh-CN" altLang="en-US"/>
               <a:t>第二级</a:t>
             </a:r>
-            <a:endParaRPr lang="zh-CN" altLang="en-US"/>
           </a:p>
           <a:p>
             <a:pPr lvl="2"/>
@@ -9349,7 +9405,6 @@
               <a:rPr lang="zh-CN" altLang="en-US"/>
               <a:t>第三级</a:t>
             </a:r>
-            <a:endParaRPr lang="zh-CN" altLang="en-US"/>
           </a:p>
           <a:p>
             <a:pPr lvl="3"/>
@@ -9357,7 +9412,6 @@
               <a:rPr lang="zh-CN" altLang="en-US"/>
               <a:t>第四级</a:t>
             </a:r>
-            <a:endParaRPr lang="zh-CN" altLang="en-US"/>
           </a:p>
           <a:p>
             <a:pPr lvl="4"/>
@@ -9386,6 +9440,7 @@
           <a:p>
             <a:fld id="{F2C3DB7C-2D6B-4C00-98DC-0DA6EC76AE3B}" type="datetimeFigureOut">
               <a:rPr lang="zh-CN" altLang="en-US" smtClean="0"/>
+              <a:t>2019/4/4</a:t>
             </a:fld>
             <a:endParaRPr lang="zh-CN" altLang="en-US"/>
           </a:p>
@@ -9427,6 +9482,7 @@
           <a:p>
             <a:fld id="{706651A3-21E8-4EF8-877E-30E54495478B}" type="slidenum">
               <a:rPr lang="zh-CN" altLang="en-US" smtClean="0"/>
+              <a:t>‹#›</a:t>
             </a:fld>
             <a:endParaRPr lang="zh-CN" altLang="en-US"/>
           </a:p>
@@ -9510,7 +9566,6 @@
               <a:rPr lang="zh-CN" altLang="en-US"/>
               <a:t>单击此处编辑母版文本样式</a:t>
             </a:r>
-            <a:endParaRPr lang="zh-CN" altLang="en-US"/>
           </a:p>
           <a:p>
             <a:pPr lvl="1"/>
@@ -9518,7 +9573,6 @@
               <a:rPr lang="zh-CN" altLang="en-US"/>
               <a:t>第二级</a:t>
             </a:r>
-            <a:endParaRPr lang="zh-CN" altLang="en-US"/>
           </a:p>
           <a:p>
             <a:pPr lvl="2"/>
@@ -9526,7 +9580,6 @@
               <a:rPr lang="zh-CN" altLang="en-US"/>
               <a:t>第三级</a:t>
             </a:r>
-            <a:endParaRPr lang="zh-CN" altLang="en-US"/>
           </a:p>
           <a:p>
             <a:pPr lvl="3"/>
@@ -9534,7 +9587,6 @@
               <a:rPr lang="zh-CN" altLang="en-US"/>
               <a:t>第四级</a:t>
             </a:r>
-            <a:endParaRPr lang="zh-CN" altLang="en-US"/>
           </a:p>
           <a:p>
             <a:pPr lvl="4"/>
@@ -9563,6 +9615,7 @@
           <a:p>
             <a:fld id="{F2C3DB7C-2D6B-4C00-98DC-0DA6EC76AE3B}" type="datetimeFigureOut">
               <a:rPr lang="zh-CN" altLang="en-US" smtClean="0"/>
+              <a:t>2019/4/4</a:t>
             </a:fld>
             <a:endParaRPr lang="zh-CN" altLang="en-US"/>
           </a:p>
@@ -9604,6 +9657,7 @@
           <a:p>
             <a:fld id="{706651A3-21E8-4EF8-877E-30E54495478B}" type="slidenum">
               <a:rPr lang="zh-CN" altLang="en-US" smtClean="0"/>
+              <a:t>‹#›</a:t>
             </a:fld>
             <a:endParaRPr lang="zh-CN" altLang="en-US"/>
           </a:p>
@@ -9677,7 +9731,6 @@
               <a:rPr lang="zh-CN" altLang="en-US" smtClean="0"/>
               <a:t>编辑母版文本样式</a:t>
             </a:r>
-            <a:endParaRPr lang="zh-CN" altLang="en-US" smtClean="0"/>
           </a:p>
           <a:p>
             <a:pPr lvl="1"/>
@@ -9685,7 +9738,6 @@
               <a:rPr lang="zh-CN" altLang="en-US" smtClean="0"/>
               <a:t>第二级</a:t>
             </a:r>
-            <a:endParaRPr lang="zh-CN" altLang="en-US" smtClean="0"/>
           </a:p>
           <a:p>
             <a:pPr lvl="2"/>
@@ -9693,7 +9745,6 @@
               <a:rPr lang="zh-CN" altLang="en-US" smtClean="0"/>
               <a:t>第三级</a:t>
             </a:r>
-            <a:endParaRPr lang="zh-CN" altLang="en-US" smtClean="0"/>
           </a:p>
           <a:p>
             <a:pPr lvl="3"/>
@@ -9701,7 +9752,6 @@
               <a:rPr lang="zh-CN" altLang="en-US" smtClean="0"/>
               <a:t>第四级</a:t>
             </a:r>
-            <a:endParaRPr lang="zh-CN" altLang="en-US" smtClean="0"/>
           </a:p>
           <a:p>
             <a:pPr lvl="4"/>
@@ -9730,6 +9780,7 @@
           <a:p>
             <a:fld id="{91570989-F794-4776-9639-6FD2DDE93F87}" type="datetimeFigureOut">
               <a:rPr lang="zh-CN" altLang="en-US" smtClean="0"/>
+              <a:t>2019/4/4</a:t>
             </a:fld>
             <a:endParaRPr lang="zh-CN" altLang="en-US"/>
           </a:p>
@@ -9771,6 +9822,7 @@
           <a:p>
             <a:fld id="{3A6169C9-0F47-4633-8197-B55C640D5B6D}" type="slidenum">
               <a:rPr lang="zh-CN" altLang="en-US" smtClean="0"/>
+              <a:t>‹#›</a:t>
             </a:fld>
             <a:endParaRPr lang="zh-CN" altLang="en-US"/>
           </a:p>
@@ -9938,7 +9990,6 @@
               <a:rPr lang="zh-CN" altLang="en-US"/>
               <a:t>单击此处编辑母版文本样式</a:t>
             </a:r>
-            <a:endParaRPr lang="zh-CN" altLang="en-US"/>
           </a:p>
           <a:p>
             <a:pPr lvl="1"/>
@@ -9946,7 +9997,6 @@
               <a:rPr lang="zh-CN" altLang="en-US"/>
               <a:t>第二级</a:t>
             </a:r>
-            <a:endParaRPr lang="zh-CN" altLang="en-US"/>
           </a:p>
           <a:p>
             <a:pPr lvl="2"/>
@@ -9954,7 +10004,6 @@
               <a:rPr lang="zh-CN" altLang="en-US"/>
               <a:t>第三级</a:t>
             </a:r>
-            <a:endParaRPr lang="zh-CN" altLang="en-US"/>
           </a:p>
           <a:p>
             <a:pPr lvl="3"/>
@@ -9962,7 +10011,6 @@
               <a:rPr lang="zh-CN" altLang="en-US"/>
               <a:t>第四级</a:t>
             </a:r>
-            <a:endParaRPr lang="zh-CN" altLang="en-US"/>
           </a:p>
           <a:p>
             <a:pPr lvl="4"/>
@@ -9999,7 +10047,6 @@
               <a:rPr lang="zh-CN" altLang="en-US"/>
               <a:t>单击此处编辑母版文本样式</a:t>
             </a:r>
-            <a:endParaRPr lang="zh-CN" altLang="en-US"/>
           </a:p>
           <a:p>
             <a:pPr lvl="1"/>
@@ -10007,7 +10054,6 @@
               <a:rPr lang="zh-CN" altLang="en-US"/>
               <a:t>第二级</a:t>
             </a:r>
-            <a:endParaRPr lang="zh-CN" altLang="en-US"/>
           </a:p>
           <a:p>
             <a:pPr lvl="2"/>
@@ -10015,7 +10061,6 @@
               <a:rPr lang="zh-CN" altLang="en-US"/>
               <a:t>第三级</a:t>
             </a:r>
-            <a:endParaRPr lang="zh-CN" altLang="en-US"/>
           </a:p>
           <a:p>
             <a:pPr lvl="3"/>
@@ -10023,7 +10068,6 @@
               <a:rPr lang="zh-CN" altLang="en-US"/>
               <a:t>第四级</a:t>
             </a:r>
-            <a:endParaRPr lang="zh-CN" altLang="en-US"/>
           </a:p>
           <a:p>
             <a:pPr lvl="4"/>
@@ -10052,6 +10096,7 @@
           <a:p>
             <a:fld id="{F2C3DB7C-2D6B-4C00-98DC-0DA6EC76AE3B}" type="datetimeFigureOut">
               <a:rPr lang="zh-CN" altLang="en-US" smtClean="0"/>
+              <a:t>2019/4/4</a:t>
             </a:fld>
             <a:endParaRPr lang="zh-CN" altLang="en-US"/>
           </a:p>
@@ -10093,6 +10138,7 @@
           <a:p>
             <a:fld id="{706651A3-21E8-4EF8-877E-30E54495478B}" type="slidenum">
               <a:rPr lang="zh-CN" altLang="en-US" smtClean="0"/>
+              <a:t>‹#›</a:t>
             </a:fld>
             <a:endParaRPr lang="zh-CN" altLang="en-US"/>
           </a:p>
@@ -10213,7 +10259,6 @@
               <a:rPr lang="zh-CN" altLang="en-US"/>
               <a:t>单击此处编辑母版文本样式</a:t>
             </a:r>
-            <a:endParaRPr lang="zh-CN" altLang="en-US"/>
           </a:p>
         </p:txBody>
       </p:sp>
@@ -10242,7 +10287,6 @@
               <a:rPr lang="zh-CN" altLang="en-US"/>
               <a:t>单击此处编辑母版文本样式</a:t>
             </a:r>
-            <a:endParaRPr lang="zh-CN" altLang="en-US"/>
           </a:p>
           <a:p>
             <a:pPr lvl="1"/>
@@ -10250,7 +10294,6 @@
               <a:rPr lang="zh-CN" altLang="en-US"/>
               <a:t>第二级</a:t>
             </a:r>
-            <a:endParaRPr lang="zh-CN" altLang="en-US"/>
           </a:p>
           <a:p>
             <a:pPr lvl="2"/>
@@ -10258,7 +10301,6 @@
               <a:rPr lang="zh-CN" altLang="en-US"/>
               <a:t>第三级</a:t>
             </a:r>
-            <a:endParaRPr lang="zh-CN" altLang="en-US"/>
           </a:p>
           <a:p>
             <a:pPr lvl="3"/>
@@ -10266,7 +10308,6 @@
               <a:rPr lang="zh-CN" altLang="en-US"/>
               <a:t>第四级</a:t>
             </a:r>
-            <a:endParaRPr lang="zh-CN" altLang="en-US"/>
           </a:p>
           <a:p>
             <a:pPr lvl="4"/>
@@ -10340,7 +10381,6 @@
               <a:rPr lang="zh-CN" altLang="en-US"/>
               <a:t>单击此处编辑母版文本样式</a:t>
             </a:r>
-            <a:endParaRPr lang="zh-CN" altLang="en-US"/>
           </a:p>
         </p:txBody>
       </p:sp>
@@ -10369,7 +10409,6 @@
               <a:rPr lang="zh-CN" altLang="en-US"/>
               <a:t>单击此处编辑母版文本样式</a:t>
             </a:r>
-            <a:endParaRPr lang="zh-CN" altLang="en-US"/>
           </a:p>
           <a:p>
             <a:pPr lvl="1"/>
@@ -10377,7 +10416,6 @@
               <a:rPr lang="zh-CN" altLang="en-US"/>
               <a:t>第二级</a:t>
             </a:r>
-            <a:endParaRPr lang="zh-CN" altLang="en-US"/>
           </a:p>
           <a:p>
             <a:pPr lvl="2"/>
@@ -10385,7 +10423,6 @@
               <a:rPr lang="zh-CN" altLang="en-US"/>
               <a:t>第三级</a:t>
             </a:r>
-            <a:endParaRPr lang="zh-CN" altLang="en-US"/>
           </a:p>
           <a:p>
             <a:pPr lvl="3"/>
@@ -10393,7 +10430,6 @@
               <a:rPr lang="zh-CN" altLang="en-US"/>
               <a:t>第四级</a:t>
             </a:r>
-            <a:endParaRPr lang="zh-CN" altLang="en-US"/>
           </a:p>
           <a:p>
             <a:pPr lvl="4"/>
@@ -10422,6 +10458,7 @@
           <a:p>
             <a:fld id="{F2C3DB7C-2D6B-4C00-98DC-0DA6EC76AE3B}" type="datetimeFigureOut">
               <a:rPr lang="zh-CN" altLang="en-US" smtClean="0"/>
+              <a:t>2019/4/4</a:t>
             </a:fld>
             <a:endParaRPr lang="zh-CN" altLang="en-US"/>
           </a:p>
@@ -10463,6 +10500,7 @@
           <a:p>
             <a:fld id="{706651A3-21E8-4EF8-877E-30E54495478B}" type="slidenum">
               <a:rPr lang="zh-CN" altLang="en-US" smtClean="0"/>
+              <a:t>‹#›</a:t>
             </a:fld>
             <a:endParaRPr lang="zh-CN" altLang="en-US"/>
           </a:p>
@@ -10533,6 +10571,7 @@
           <a:p>
             <a:fld id="{F2C3DB7C-2D6B-4C00-98DC-0DA6EC76AE3B}" type="datetimeFigureOut">
               <a:rPr lang="zh-CN" altLang="en-US" smtClean="0"/>
+              <a:t>2019/4/4</a:t>
             </a:fld>
             <a:endParaRPr lang="zh-CN" altLang="en-US"/>
           </a:p>
@@ -10574,6 +10613,7 @@
           <a:p>
             <a:fld id="{706651A3-21E8-4EF8-877E-30E54495478B}" type="slidenum">
               <a:rPr lang="zh-CN" altLang="en-US" smtClean="0"/>
+              <a:t>‹#›</a:t>
             </a:fld>
             <a:endParaRPr lang="zh-CN" altLang="en-US"/>
           </a:p>
@@ -10621,6 +10661,7 @@
           <a:p>
             <a:fld id="{F2C3DB7C-2D6B-4C00-98DC-0DA6EC76AE3B}" type="datetimeFigureOut">
               <a:rPr lang="zh-CN" altLang="en-US" smtClean="0"/>
+              <a:t>2019/4/4</a:t>
             </a:fld>
             <a:endParaRPr lang="zh-CN" altLang="en-US"/>
           </a:p>
@@ -10662,6 +10703,7 @@
           <a:p>
             <a:fld id="{706651A3-21E8-4EF8-877E-30E54495478B}" type="slidenum">
               <a:rPr lang="zh-CN" altLang="en-US" smtClean="0"/>
+              <a:t>‹#›</a:t>
             </a:fld>
             <a:endParaRPr lang="zh-CN" altLang="en-US"/>
           </a:p>
@@ -10777,7 +10819,6 @@
               <a:rPr lang="zh-CN" altLang="en-US"/>
               <a:t>单击此处编辑母版文本样式</a:t>
             </a:r>
-            <a:endParaRPr lang="zh-CN" altLang="en-US"/>
           </a:p>
           <a:p>
             <a:pPr lvl="1"/>
@@ -10785,7 +10826,6 @@
               <a:rPr lang="zh-CN" altLang="en-US"/>
               <a:t>第二级</a:t>
             </a:r>
-            <a:endParaRPr lang="zh-CN" altLang="en-US"/>
           </a:p>
           <a:p>
             <a:pPr lvl="2"/>
@@ -10793,7 +10833,6 @@
               <a:rPr lang="zh-CN" altLang="en-US"/>
               <a:t>第三级</a:t>
             </a:r>
-            <a:endParaRPr lang="zh-CN" altLang="en-US"/>
           </a:p>
           <a:p>
             <a:pPr lvl="3"/>
@@ -10801,7 +10840,6 @@
               <a:rPr lang="zh-CN" altLang="en-US"/>
               <a:t>第四级</a:t>
             </a:r>
-            <a:endParaRPr lang="zh-CN" altLang="en-US"/>
           </a:p>
           <a:p>
             <a:pPr lvl="4"/>
@@ -10875,7 +10913,6 @@
               <a:rPr lang="zh-CN" altLang="en-US"/>
               <a:t>单击此处编辑母版文本样式</a:t>
             </a:r>
-            <a:endParaRPr lang="zh-CN" altLang="en-US"/>
           </a:p>
         </p:txBody>
       </p:sp>
@@ -10896,6 +10933,7 @@
           <a:p>
             <a:fld id="{F2C3DB7C-2D6B-4C00-98DC-0DA6EC76AE3B}" type="datetimeFigureOut">
               <a:rPr lang="zh-CN" altLang="en-US" smtClean="0"/>
+              <a:t>2019/4/4</a:t>
             </a:fld>
             <a:endParaRPr lang="zh-CN" altLang="en-US"/>
           </a:p>
@@ -10937,6 +10975,7 @@
           <a:p>
             <a:fld id="{706651A3-21E8-4EF8-877E-30E54495478B}" type="slidenum">
               <a:rPr lang="zh-CN" altLang="en-US" smtClean="0"/>
+              <a:t>‹#›</a:t>
             </a:fld>
             <a:endParaRPr lang="zh-CN" altLang="en-US"/>
           </a:p>
@@ -11126,7 +11165,6 @@
               <a:rPr lang="zh-CN" altLang="en-US"/>
               <a:t>单击此处编辑母版文本样式</a:t>
             </a:r>
-            <a:endParaRPr lang="zh-CN" altLang="en-US"/>
           </a:p>
         </p:txBody>
       </p:sp>
@@ -11147,6 +11185,7 @@
           <a:p>
             <a:fld id="{F2C3DB7C-2D6B-4C00-98DC-0DA6EC76AE3B}" type="datetimeFigureOut">
               <a:rPr lang="zh-CN" altLang="en-US" smtClean="0"/>
+              <a:t>2019/4/4</a:t>
             </a:fld>
             <a:endParaRPr lang="zh-CN" altLang="en-US"/>
           </a:p>
@@ -11188,6 +11227,7 @@
           <a:p>
             <a:fld id="{706651A3-21E8-4EF8-877E-30E54495478B}" type="slidenum">
               <a:rPr lang="zh-CN" altLang="en-US" smtClean="0"/>
+              <a:t>‹#›</a:t>
             </a:fld>
             <a:endParaRPr lang="zh-CN" altLang="en-US"/>
           </a:p>
@@ -11207,7 +11247,7 @@
     <p:bg>
       <p:bgPr>
         <a:blipFill dpi="0" rotWithShape="1">
-          <a:blip r:embed="rId14">
+          <a:blip r:embed="rId15">
             <a:lum/>
           </a:blip>
           <a:srcRect/>
@@ -11295,7 +11335,6 @@
               <a:rPr lang="zh-CN" altLang="en-US"/>
               <a:t>单击此处编辑母版文本样式</a:t>
             </a:r>
-            <a:endParaRPr lang="zh-CN" altLang="en-US"/>
           </a:p>
           <a:p>
             <a:pPr lvl="1"/>
@@ -11303,7 +11342,6 @@
               <a:rPr lang="zh-CN" altLang="en-US"/>
               <a:t>第二级</a:t>
             </a:r>
-            <a:endParaRPr lang="zh-CN" altLang="en-US"/>
           </a:p>
           <a:p>
             <a:pPr lvl="2"/>
@@ -11311,7 +11349,6 @@
               <a:rPr lang="zh-CN" altLang="en-US"/>
               <a:t>第三级</a:t>
             </a:r>
-            <a:endParaRPr lang="zh-CN" altLang="en-US"/>
           </a:p>
           <a:p>
             <a:pPr lvl="3"/>
@@ -11319,7 +11356,6 @@
               <a:rPr lang="zh-CN" altLang="en-US"/>
               <a:t>第四级</a:t>
             </a:r>
-            <a:endParaRPr lang="zh-CN" altLang="en-US"/>
           </a:p>
           <a:p>
             <a:pPr lvl="4"/>
@@ -11366,6 +11402,7 @@
           <a:p>
             <a:fld id="{F2C3DB7C-2D6B-4C00-98DC-0DA6EC76AE3B}" type="datetimeFigureOut">
               <a:rPr lang="zh-CN" altLang="en-US" smtClean="0"/>
+              <a:t>2019/4/4</a:t>
             </a:fld>
             <a:endParaRPr lang="zh-CN" altLang="en-US"/>
           </a:p>
@@ -11443,6 +11480,7 @@
           <a:p>
             <a:fld id="{706651A3-21E8-4EF8-877E-30E54495478B}" type="slidenum">
               <a:rPr lang="zh-CN" altLang="en-US" smtClean="0"/>
+              <a:t>‹#›</a:t>
             </a:fld>
             <a:endParaRPr lang="zh-CN" altLang="en-US"/>
           </a:p>
@@ -11762,7 +11800,7 @@
     <p:bg>
       <p:bgPr>
         <a:blipFill dpi="0" rotWithShape="1">
-          <a:blip r:embed="rId1">
+          <a:blip r:embed="rId3">
             <a:lum/>
           </a:blip>
           <a:srcRect/>
@@ -11820,13 +11858,6 @@
               </a:rPr>
               <a:t>Spring Retry</a:t>
             </a:r>
-            <a:endParaRPr lang="en-US" altLang="zh-CN" sz="4000" dirty="0">
-              <a:solidFill>
-                <a:schemeClr val="bg1">
-                  <a:lumMod val="65000"/>
-                </a:schemeClr>
-              </a:solidFill>
-            </a:endParaRPr>
           </a:p>
         </p:txBody>
       </p:sp>
@@ -11945,13 +11976,6 @@
               </a:rPr>
               <a:t>拉鲁克</a:t>
             </a:r>
-            <a:endParaRPr lang="zh-CN" altLang="en-US" sz="1400" dirty="0" smtClean="0">
-              <a:solidFill>
-                <a:schemeClr val="bg1">
-                  <a:lumMod val="75000"/>
-                </a:schemeClr>
-              </a:solidFill>
-            </a:endParaRPr>
           </a:p>
           <a:p>
             <a:pPr algn="ctr"/>
@@ -12124,7 +12148,7 @@
         </p:xfrm>
         <a:graphic>
           <a:graphicData uri="http://schemas.openxmlformats.org/drawingml/2006/diagram">
-            <dgm:relIds xmlns:dgm="http://schemas.openxmlformats.org/drawingml/2006/diagram" xmlns:r="http://schemas.openxmlformats.org/officeDocument/2006/relationships" r:dm="rId1" r:lo="rId2" r:qs="rId3" r:cs="rId4"/>
+            <dgm:relIds xmlns:dgm="http://schemas.openxmlformats.org/drawingml/2006/diagram" xmlns:r="http://schemas.openxmlformats.org/officeDocument/2006/relationships" r:dm="rId3" r:lo="rId4" r:qs="rId5" r:cs="rId6"/>
           </a:graphicData>
         </a:graphic>
       </p:graphicFrame>
@@ -12265,10 +12289,6 @@
               </a:rPr>
               <a:t>介绍</a:t>
             </a:r>
-            <a:endParaRPr lang="zh-CN" altLang="en-US" sz="2800" b="1" dirty="0">
-              <a:latin typeface="微软雅黑" panose="020B0503020204020204" pitchFamily="34" charset="-122"/>
-              <a:ea typeface="微软雅黑" panose="020B0503020204020204" pitchFamily="34" charset="-122"/>
-            </a:endParaRPr>
           </a:p>
         </p:txBody>
       </p:sp>
@@ -12312,7 +12332,6 @@
               <a:rPr lang="zh-CN" altLang="en-US" dirty="0" smtClean="0"/>
               <a:t>官方介绍：</a:t>
             </a:r>
-            <a:endParaRPr lang="zh-CN" altLang="en-US" dirty="0" smtClean="0"/>
           </a:p>
           <a:p>
             <a:r>
@@ -12363,7 +12382,6 @@
               <a:rPr lang="zh-CN" altLang="en-US" dirty="0" smtClean="0"/>
               <a:t>快速介绍：</a:t>
             </a:r>
-            <a:endParaRPr lang="zh-CN" altLang="en-US" dirty="0" smtClean="0"/>
           </a:p>
           <a:p>
             <a:r>
@@ -12778,7 +12796,6 @@
               <a:rPr lang="zh-CN" altLang="en-US" dirty="0"/>
               <a:t>上下文</a:t>
             </a:r>
-            <a:endParaRPr lang="zh-CN" altLang="en-US" dirty="0"/>
           </a:p>
           <a:p>
             <a:pPr lvl="1">
@@ -12806,7 +12823,6 @@
               <a:rPr lang="zh-CN" altLang="en-US" dirty="0"/>
               <a:t>重试达到上限时执行的回调，以保证业务恢复）</a:t>
             </a:r>
-            <a:endParaRPr lang="zh-CN" altLang="en-US" dirty="0"/>
           </a:p>
           <a:p>
             <a:pPr lvl="1">
@@ -12826,7 +12842,6 @@
               <a:rPr lang="zh-CN" altLang="en-US" dirty="0"/>
               <a:t>状态，分为有状态重试和无状态重试</a:t>
             </a:r>
-            <a:endParaRPr lang="zh-CN" altLang="en-US" dirty="0"/>
           </a:p>
           <a:p>
             <a:pPr lvl="1">
@@ -13091,8 +13106,12 @@
           <a:lstStyle/>
           <a:p>
             <a:r>
+              <a:rPr lang="zh-CN" altLang="en-US" dirty="0"/>
+              <a:t>问题</a:t>
+            </a:r>
+            <a:r>
               <a:rPr lang="zh-CN" altLang="en-US" dirty="0" smtClean="0"/>
-              <a:t>绝命三问：</a:t>
+              <a:t>：</a:t>
             </a:r>
             <a:endParaRPr lang="en-US" altLang="zh-CN" dirty="0" smtClean="0"/>
           </a:p>
@@ -13108,7 +13127,6 @@
               <a:rPr lang="zh-CN" altLang="en-US" dirty="0" smtClean="0"/>
               <a:t>重试框架是如何进行重试的？</a:t>
             </a:r>
-            <a:endParaRPr lang="zh-CN" altLang="en-US" dirty="0" smtClean="0"/>
           </a:p>
           <a:p>
             <a:endParaRPr lang="zh-CN" altLang="en-US" dirty="0" smtClean="0"/>
@@ -13128,7 +13146,6 @@
               <a:rPr lang="zh-CN" altLang="en-US" dirty="0" smtClean="0"/>
               <a:t>有无状态重试的区别？</a:t>
             </a:r>
-            <a:endParaRPr lang="zh-CN" altLang="en-US" dirty="0" smtClean="0"/>
           </a:p>
           <a:p>
             <a:endParaRPr lang="zh-CN" altLang="en-US" dirty="0" smtClean="0"/>
@@ -13150,37 +13167,12 @@
               <a:rPr lang="zh-CN" altLang="en-US" dirty="0"/>
               <a:t>有状态重试如何实现控制重试的次数？</a:t>
             </a:r>
-            <a:endParaRPr lang="zh-CN" altLang="en-US" dirty="0"/>
           </a:p>
           <a:p>
             <a:endParaRPr lang="en-US" altLang="zh-CN" dirty="0" smtClean="0"/>
           </a:p>
         </p:txBody>
       </p:sp>
-      <p:pic>
-        <p:nvPicPr>
-          <p:cNvPr id="3" name="图片 2"/>
-          <p:cNvPicPr>
-            <a:picLocks noChangeAspect="1"/>
-          </p:cNvPicPr>
-          <p:nvPr/>
-        </p:nvPicPr>
-        <p:blipFill>
-          <a:blip r:embed="rId1"/>
-          <a:stretch>
-            <a:fillRect/>
-          </a:stretch>
-        </p:blipFill>
-        <p:spPr>
-          <a:xfrm>
-            <a:off x="400685" y="866775"/>
-            <a:ext cx="6102985" cy="3481070"/>
-          </a:xfrm>
-          <a:prstGeom prst="rect">
-            <a:avLst/>
-          </a:prstGeom>
-        </p:spPr>
-      </p:pic>
     </p:spTree>
   </p:cSld>
   <p:clrMapOvr>
@@ -13210,67 +13202,14 @@
                             </p:stCondLst>
                             <p:childTnLst>
                               <p:par>
-                                <p:cTn id="5" presetID="5" presetClass="exit" presetSubtype="10" fill="hold" nodeType="clickEffect">
-                                  <p:stCondLst>
-                                    <p:cond delay="0"/>
-                                  </p:stCondLst>
-                                  <p:childTnLst>
-                                    <p:animEffect transition="out" filter="checkerboard(across)">
-                                      <p:cBhvr>
-                                        <p:cTn id="6" dur="500"/>
-                                        <p:tgtEl>
-                                          <p:spTgt spid="3"/>
-                                        </p:tgtEl>
-                                      </p:cBhvr>
-                                    </p:animEffect>
-                                    <p:set>
-                                      <p:cBhvr>
-                                        <p:cTn id="7" dur="1" fill="hold">
-                                          <p:stCondLst>
-                                            <p:cond delay="499"/>
-                                          </p:stCondLst>
-                                        </p:cTn>
-                                        <p:tgtEl>
-                                          <p:spTgt spid="3"/>
-                                        </p:tgtEl>
-                                        <p:attrNameLst>
-                                          <p:attrName>style.visibility</p:attrName>
-                                        </p:attrNameLst>
-                                      </p:cBhvr>
-                                      <p:to>
-                                        <p:strVal val="hidden"/>
-                                      </p:to>
-                                    </p:set>
-                                  </p:childTnLst>
-                                </p:cTn>
-                              </p:par>
-                            </p:childTnLst>
-                          </p:cTn>
-                        </p:par>
-                      </p:childTnLst>
-                    </p:cTn>
-                  </p:par>
-                  <p:par>
-                    <p:cTn id="8" fill="hold">
-                      <p:stCondLst>
-                        <p:cond delay="indefinite"/>
-                      </p:stCondLst>
-                      <p:childTnLst>
-                        <p:par>
-                          <p:cTn id="9" fill="hold">
-                            <p:stCondLst>
-                              <p:cond delay="0"/>
-                            </p:stCondLst>
-                            <p:childTnLst>
-                              <p:par>
-                                <p:cTn id="10" presetID="2" presetClass="entr" presetSubtype="4" fill="hold" nodeType="clickEffect">
+                                <p:cTn id="5" presetID="2" presetClass="entr" presetSubtype="4" fill="hold" nodeType="clickEffect">
                                   <p:stCondLst>
                                     <p:cond delay="0"/>
                                   </p:stCondLst>
                                   <p:childTnLst>
                                     <p:set>
                                       <p:cBhvr>
-                                        <p:cTn id="11" dur="1" fill="hold">
+                                        <p:cTn id="6" dur="1" fill="hold">
                                           <p:stCondLst>
                                             <p:cond delay="0"/>
                                           </p:stCondLst>
@@ -13292,7 +13231,7 @@
                                     </p:set>
                                     <p:anim calcmode="lin" valueType="num">
                                       <p:cBhvr additive="base">
-                                        <p:cTn id="12" dur="500" fill="hold"/>
+                                        <p:cTn id="7" dur="500" fill="hold"/>
                                         <p:tgtEl>
                                           <p:spTgt spid="10">
                                             <p:txEl>
@@ -13319,7 +13258,7 @@
                                     </p:anim>
                                     <p:anim calcmode="lin" valueType="num">
                                       <p:cBhvr additive="base">
-                                        <p:cTn id="13" dur="500" fill="hold"/>
+                                        <p:cTn id="8" dur="500" fill="hold"/>
                                         <p:tgtEl>
                                           <p:spTgt spid="10">
                                             <p:txEl>
@@ -13354,26 +13293,26 @@
                     </p:cTn>
                   </p:par>
                   <p:par>
-                    <p:cTn id="14" fill="hold">
+                    <p:cTn id="9" fill="hold">
                       <p:stCondLst>
                         <p:cond delay="indefinite"/>
                       </p:stCondLst>
                       <p:childTnLst>
                         <p:par>
-                          <p:cTn id="15" fill="hold">
+                          <p:cTn id="10" fill="hold">
                             <p:stCondLst>
                               <p:cond delay="0"/>
                             </p:stCondLst>
                             <p:childTnLst>
                               <p:par>
-                                <p:cTn id="16" presetID="4" presetClass="entr" presetSubtype="16" fill="hold" nodeType="clickEffect">
+                                <p:cTn id="11" presetID="4" presetClass="entr" presetSubtype="16" fill="hold" nodeType="clickEffect">
                                   <p:stCondLst>
                                     <p:cond delay="0"/>
                                   </p:stCondLst>
                                   <p:childTnLst>
                                     <p:set>
                                       <p:cBhvr>
-                                        <p:cTn id="17" dur="1" fill="hold">
+                                        <p:cTn id="12" dur="1" fill="hold">
                                           <p:stCondLst>
                                             <p:cond delay="0"/>
                                           </p:stCondLst>
@@ -13395,7 +13334,7 @@
                                     </p:set>
                                     <p:animEffect transition="in" filter="box(in)">
                                       <p:cBhvr>
-                                        <p:cTn id="18" dur="2000"/>
+                                        <p:cTn id="13" dur="2000"/>
                                         <p:tgtEl>
                                           <p:spTgt spid="10">
                                             <p:txEl>
@@ -13409,14 +13348,14 @@
                                 </p:cTn>
                               </p:par>
                               <p:par>
-                                <p:cTn id="19" presetID="4" presetClass="entr" presetSubtype="16" fill="hold" nodeType="withEffect">
+                                <p:cTn id="14" presetID="4" presetClass="entr" presetSubtype="16" fill="hold" nodeType="withEffect">
                                   <p:stCondLst>
                                     <p:cond delay="0"/>
                                   </p:stCondLst>
                                   <p:childTnLst>
                                     <p:set>
                                       <p:cBhvr>
-                                        <p:cTn id="20" dur="1" fill="hold">
+                                        <p:cTn id="15" dur="1" fill="hold">
                                           <p:stCondLst>
                                             <p:cond delay="0"/>
                                           </p:stCondLst>
@@ -13438,7 +13377,7 @@
                                     </p:set>
                                     <p:animEffect transition="in" filter="box(in)">
                                       <p:cBhvr>
-                                        <p:cTn id="21" dur="2000"/>
+                                        <p:cTn id="16" dur="2000"/>
                                         <p:tgtEl>
                                           <p:spTgt spid="10">
                                             <p:txEl>
@@ -13452,14 +13391,14 @@
                                 </p:cTn>
                               </p:par>
                               <p:par>
-                                <p:cTn id="22" presetID="4" presetClass="entr" presetSubtype="16" fill="hold" nodeType="withEffect">
+                                <p:cTn id="17" presetID="4" presetClass="entr" presetSubtype="16" fill="hold" nodeType="withEffect">
                                   <p:stCondLst>
                                     <p:cond delay="0"/>
                                   </p:stCondLst>
                                   <p:childTnLst>
                                     <p:set>
                                       <p:cBhvr>
-                                        <p:cTn id="23" dur="1" fill="hold">
+                                        <p:cTn id="18" dur="1" fill="hold">
                                           <p:stCondLst>
                                             <p:cond delay="0"/>
                                           </p:stCondLst>
@@ -13481,7 +13420,7 @@
                                     </p:set>
                                     <p:animEffect transition="in" filter="box(in)">
                                       <p:cBhvr>
-                                        <p:cTn id="24" dur="2000"/>
+                                        <p:cTn id="19" dur="2000"/>
                                         <p:tgtEl>
                                           <p:spTgt spid="10">
                                             <p:txEl>
@@ -13656,7 +13595,7 @@
         <p:spPr>
           <a:xfrm>
             <a:off x="400685" y="866775"/>
-            <a:ext cx="11437620" cy="8955405"/>
+            <a:ext cx="11437620" cy="8956298"/>
           </a:xfrm>
           <a:prstGeom prst="rect">
             <a:avLst/>
@@ -13691,7 +13630,6 @@
               <a:rPr lang="zh-CN" altLang="en-US" dirty="0" smtClean="0"/>
               <a:t>异常的规范使用：</a:t>
             </a:r>
-            <a:endParaRPr lang="zh-CN" altLang="en-US" dirty="0" smtClean="0"/>
           </a:p>
           <a:p>
             <a:pPr marL="800100" lvl="1" indent="-342900">
@@ -13822,7 +13760,6 @@
               <a:rPr lang="zh-CN" altLang="en-US" dirty="0" smtClean="0"/>
               <a:t>业务使用注意点：</a:t>
             </a:r>
-            <a:endParaRPr lang="zh-CN" altLang="en-US" dirty="0" smtClean="0"/>
           </a:p>
           <a:p>
             <a:pPr marL="971550" lvl="2" indent="-342900">
@@ -13830,14 +13767,59 @@
               <a:buAutoNum type="arabicPeriod"/>
             </a:pPr>
             <a:r>
+              <a:rPr lang="zh-CN" altLang="en-US" dirty="0">
+                <a:sym typeface="+mn-ea"/>
+              </a:rPr>
+              <a:t>重试回退策略实际是把当前执行线程休眠方式一定时间</a:t>
+            </a:r>
+            <a:r>
+              <a:rPr lang="zh-CN" altLang="en-US">
+                <a:sym typeface="+mn-ea"/>
+              </a:rPr>
+              <a:t>来</a:t>
+            </a:r>
+            <a:r>
+              <a:rPr lang="zh-CN" altLang="en-US" smtClean="0">
+                <a:sym typeface="+mn-ea"/>
+              </a:rPr>
+              <a:t>实现</a:t>
+            </a:r>
+            <a:r>
+              <a:rPr lang="zh-CN" altLang="en-US">
+                <a:sym typeface="+mn-ea"/>
+              </a:rPr>
+              <a:t>回退</a:t>
+            </a:r>
+            <a:r>
+              <a:rPr lang="zh-CN" altLang="en-US" smtClean="0">
+                <a:sym typeface="+mn-ea"/>
+              </a:rPr>
+              <a:t>，</a:t>
+            </a:r>
+            <a:r>
+              <a:rPr lang="zh-CN" altLang="en-US" dirty="0">
+                <a:sym typeface="+mn-ea"/>
+              </a:rPr>
+              <a:t>假如业务量大可能导致线程池的工作线程全部休眠，</a:t>
+            </a:r>
+            <a:r>
               <a:rPr lang="zh-CN" altLang="en-US" dirty="0" smtClean="0">
                 <a:sym typeface="+mn-ea"/>
               </a:rPr>
-              <a:t>不要把退让时间设置过长，防止工作线程被全部占用引起服务拒绝。回退时间根据具体业务场景而定，业务量小但是重要的请求可以将回退时间调大，甚至使用指数回退。业务量大的场景应该把回退时间减小。  </a:t>
-            </a:r>
-            <a:endParaRPr lang="zh-CN" altLang="en-US" dirty="0" smtClean="0">
-              <a:sym typeface="+mn-ea"/>
-            </a:endParaRPr>
+              <a:t>因此</a:t>
+            </a:r>
+            <a:r>
+              <a:rPr lang="zh-CN" altLang="en-US" dirty="0" smtClean="0">
+                <a:sym typeface="+mn-ea"/>
+              </a:rPr>
+              <a:t>不要</a:t>
+            </a:r>
+            <a:r>
+              <a:rPr lang="zh-CN" altLang="en-US" dirty="0" smtClean="0">
+                <a:sym typeface="+mn-ea"/>
+              </a:rPr>
+              <a:t>把退让时间设置过长，防止工作线程被全部占用引起服务拒绝。回退时间根据具体业务场景而定，业务量小但是重要的请求可以将回退时间调大，甚至使用指数回退。业务量大的场景应该把回退时间减小。  </a:t>
+            </a:r>
           </a:p>
           <a:p>
             <a:pPr marL="971550" lvl="2" indent="-342900">
@@ -13850,9 +13832,6 @@
               </a:rPr>
               <a:t>重试如果不设置超时或次数上限，容易造成大量重试，可能引起平台降级限流，另一方面抛出异常时会记录堆栈开销比较重。</a:t>
             </a:r>
-            <a:endParaRPr lang="zh-CN" altLang="en-US" dirty="0" smtClean="0">
-              <a:sym typeface="+mn-ea"/>
-            </a:endParaRPr>
           </a:p>
           <a:p>
             <a:pPr marL="971550" lvl="2" indent="-342900">
@@ -13865,22 +13844,6 @@
               </a:rPr>
               <a:t>不要捕捉被声明可重试的异常。</a:t>
             </a:r>
-            <a:endParaRPr lang="zh-CN" altLang="en-US" dirty="0" smtClean="0">
-              <a:sym typeface="+mn-ea"/>
-            </a:endParaRPr>
-          </a:p>
-          <a:p>
-            <a:pPr marL="971550" lvl="2" indent="-342900">
-              <a:buFont typeface="Arial" panose="020B0604020202090204" pitchFamily="34" charset="0"/>
-              <a:buAutoNum type="arabicPeriod"/>
-            </a:pPr>
-            <a:r>
-              <a:rPr lang="zh-CN" altLang="en-US" dirty="0" smtClean="0">
-                <a:sym typeface="+mn-ea"/>
-              </a:rPr>
-              <a:t>重试回退策略实际是把当前执行线程休眠方式一定时间来实现delay，假如业务量大可能导致线程池的工作线程全部休眠，因此不能把delay时间设置过长。</a:t>
-            </a:r>
-            <a:endParaRPr lang="zh-CN" altLang="en-US" dirty="0" smtClean="0"/>
           </a:p>
           <a:p>
             <a:pPr lvl="1" indent="0">
@@ -13898,7 +13861,6 @@
               <a:rPr lang="zh-CN" altLang="en-US" dirty="0" smtClean="0"/>
               <a:t>声明式使用注意点：</a:t>
             </a:r>
-            <a:endParaRPr lang="zh-CN" altLang="en-US" dirty="0" smtClean="0"/>
           </a:p>
           <a:p>
             <a:pPr marL="800100" lvl="1" indent="-342900">
@@ -13909,7 +13871,6 @@
               <a:rPr lang="zh-CN" altLang="en-US" dirty="0" smtClean="0"/>
               <a:t>声明式调用是采用代理方式将重试模板由Spring AOP织入，如果被声明为`@Retryable`的方法是通过内部调用，proxy对象就不会生成，导致切面失效无法重试。</a:t>
             </a:r>
-            <a:endParaRPr lang="zh-CN" altLang="en-US" dirty="0" smtClean="0"/>
           </a:p>
           <a:p>
             <a:pPr indent="0">
@@ -14606,15 +14567,33 @@
                                   </p:childTnLst>
                                 </p:cTn>
                               </p:par>
+                            </p:childTnLst>
+                          </p:cTn>
+                        </p:par>
+                      </p:childTnLst>
+                    </p:cTn>
+                  </p:par>
+                  <p:par>
+                    <p:cTn id="41" fill="hold">
+                      <p:stCondLst>
+                        <p:cond delay="indefinite"/>
+                      </p:stCondLst>
+                      <p:childTnLst>
+                        <p:par>
+                          <p:cTn id="42" fill="hold">
+                            <p:stCondLst>
+                              <p:cond delay="0"/>
+                            </p:stCondLst>
+                            <p:childTnLst>
                               <p:par>
-                                <p:cTn id="41" presetID="2" presetClass="entr" presetSubtype="4" fill="hold" nodeType="withEffect">
+                                <p:cTn id="43" presetID="8" presetClass="entr" presetSubtype="16" fill="hold" nodeType="clickEffect">
                                   <p:stCondLst>
                                     <p:cond delay="0"/>
                                   </p:stCondLst>
                                   <p:childTnLst>
                                     <p:set>
                                       <p:cBhvr>
-                                        <p:cTn id="42" dur="1" fill="hold">
+                                        <p:cTn id="44" dur="1" fill="hold">
                                           <p:stCondLst>
                                             <p:cond delay="0"/>
                                           </p:stCondLst>
@@ -14622,7 +14601,7 @@
                                         <p:tgtEl>
                                           <p:spTgt spid="10">
                                             <p:txEl>
-                                              <p:pRg st="11" end="11"/>
+                                              <p:pRg st="12" end="12"/>
                                             </p:txEl>
                                           </p:spTgt>
                                         </p:tgtEl>
@@ -14634,90 +14613,30 @@
                                         <p:strVal val="visible"/>
                                       </p:to>
                                     </p:set>
-                                    <p:anim calcmode="lin" valueType="num">
-                                      <p:cBhvr additive="base">
-                                        <p:cTn id="43" dur="500" fill="hold"/>
+                                    <p:animEffect transition="in" filter="diamond(in)">
+                                      <p:cBhvr>
+                                        <p:cTn id="45" dur="2000"/>
                                         <p:tgtEl>
                                           <p:spTgt spid="10">
                                             <p:txEl>
-                                              <p:pRg st="11" end="11"/>
+                                              <p:pRg st="12" end="12"/>
                                             </p:txEl>
                                           </p:spTgt>
                                         </p:tgtEl>
-                                        <p:attrNameLst>
-                                          <p:attrName>ppt_x</p:attrName>
-                                        </p:attrNameLst>
                                       </p:cBhvr>
-                                      <p:tavLst>
-                                        <p:tav tm="0">
-                                          <p:val>
-                                            <p:strVal val="#ppt_x"/>
-                                          </p:val>
-                                        </p:tav>
-                                        <p:tav tm="100000">
-                                          <p:val>
-                                            <p:strVal val="#ppt_x"/>
-                                          </p:val>
-                                        </p:tav>
-                                      </p:tavLst>
-                                    </p:anim>
-                                    <p:anim calcmode="lin" valueType="num">
-                                      <p:cBhvr additive="base">
-                                        <p:cTn id="44" dur="500" fill="hold"/>
-                                        <p:tgtEl>
-                                          <p:spTgt spid="10">
-                                            <p:txEl>
-                                              <p:pRg st="11" end="11"/>
-                                            </p:txEl>
-                                          </p:spTgt>
-                                        </p:tgtEl>
-                                        <p:attrNameLst>
-                                          <p:attrName>ppt_y</p:attrName>
-                                        </p:attrNameLst>
-                                      </p:cBhvr>
-                                      <p:tavLst>
-                                        <p:tav tm="0">
-                                          <p:val>
-                                            <p:strVal val="1+#ppt_h/2"/>
-                                          </p:val>
-                                        </p:tav>
-                                        <p:tav tm="100000">
-                                          <p:val>
-                                            <p:strVal val="#ppt_y"/>
-                                          </p:val>
-                                        </p:tav>
-                                      </p:tavLst>
-                                    </p:anim>
+                                    </p:animEffect>
                                   </p:childTnLst>
                                 </p:cTn>
                               </p:par>
-                            </p:childTnLst>
-                          </p:cTn>
-                        </p:par>
-                      </p:childTnLst>
-                    </p:cTn>
-                  </p:par>
-                  <p:par>
-                    <p:cTn id="45" fill="hold">
-                      <p:stCondLst>
-                        <p:cond delay="indefinite"/>
-                      </p:stCondLst>
-                      <p:childTnLst>
-                        <p:par>
-                          <p:cTn id="46" fill="hold">
-                            <p:stCondLst>
-                              <p:cond delay="0"/>
-                            </p:stCondLst>
-                            <p:childTnLst>
                               <p:par>
-                                <p:cTn id="47" presetID="8" presetClass="entr" presetSubtype="16" fill="hold" nodeType="clickEffect">
+                                <p:cTn id="46" presetID="8" presetClass="entr" presetSubtype="16" fill="hold" nodeType="withEffect">
                                   <p:stCondLst>
                                     <p:cond delay="0"/>
                                   </p:stCondLst>
                                   <p:childTnLst>
                                     <p:set>
                                       <p:cBhvr>
-                                        <p:cTn id="48" dur="1" fill="hold">
+                                        <p:cTn id="47" dur="1" fill="hold">
                                           <p:stCondLst>
                                             <p:cond delay="0"/>
                                           </p:stCondLst>
@@ -14739,54 +14658,11 @@
                                     </p:set>
                                     <p:animEffect transition="in" filter="diamond(in)">
                                       <p:cBhvr>
-                                        <p:cTn id="49" dur="2000"/>
+                                        <p:cTn id="48" dur="2000"/>
                                         <p:tgtEl>
                                           <p:spTgt spid="10">
                                             <p:txEl>
                                               <p:pRg st="13" end="13"/>
-                                            </p:txEl>
-                                          </p:spTgt>
-                                        </p:tgtEl>
-                                      </p:cBhvr>
-                                    </p:animEffect>
-                                  </p:childTnLst>
-                                </p:cTn>
-                              </p:par>
-                              <p:par>
-                                <p:cTn id="50" presetID="8" presetClass="entr" presetSubtype="16" fill="hold" nodeType="withEffect">
-                                  <p:stCondLst>
-                                    <p:cond delay="0"/>
-                                  </p:stCondLst>
-                                  <p:childTnLst>
-                                    <p:set>
-                                      <p:cBhvr>
-                                        <p:cTn id="51" dur="1" fill="hold">
-                                          <p:stCondLst>
-                                            <p:cond delay="0"/>
-                                          </p:stCondLst>
-                                        </p:cTn>
-                                        <p:tgtEl>
-                                          <p:spTgt spid="10">
-                                            <p:txEl>
-                                              <p:pRg st="14" end="14"/>
-                                            </p:txEl>
-                                          </p:spTgt>
-                                        </p:tgtEl>
-                                        <p:attrNameLst>
-                                          <p:attrName>style.visibility</p:attrName>
-                                        </p:attrNameLst>
-                                      </p:cBhvr>
-                                      <p:to>
-                                        <p:strVal val="visible"/>
-                                      </p:to>
-                                    </p:set>
-                                    <p:animEffect transition="in" filter="diamond(in)">
-                                      <p:cBhvr>
-                                        <p:cTn id="52" dur="2000"/>
-                                        <p:tgtEl>
-                                          <p:spTgt spid="10">
-                                            <p:txEl>
-                                              <p:pRg st="14" end="14"/>
                                             </p:txEl>
                                           </p:spTgt>
                                         </p:tgtEl>
@@ -14967,7 +14843,7 @@
         </p:xfrm>
         <a:graphic>
           <a:graphicData uri="http://schemas.openxmlformats.org/drawingml/2006/diagram">
-            <dgm:relIds xmlns:dgm="http://schemas.openxmlformats.org/drawingml/2006/diagram" xmlns:r="http://schemas.openxmlformats.org/officeDocument/2006/relationships" r:dm="rId1" r:lo="rId2" r:qs="rId3" r:cs="rId4"/>
+            <dgm:relIds xmlns:dgm="http://schemas.openxmlformats.org/drawingml/2006/diagram" xmlns:r="http://schemas.openxmlformats.org/officeDocument/2006/relationships" r:dm="rId3" r:lo="rId4" r:qs="rId5" r:cs="rId6"/>
           </a:graphicData>
         </a:graphic>
       </p:graphicFrame>
@@ -15279,7 +15155,6 @@
               <a:rPr lang="zh-CN" altLang="en-US" sz="1600" dirty="0" smtClean="0"/>
               <a:t>可以重试的异常</a:t>
             </a:r>
-            <a:endParaRPr lang="zh-CN" altLang="en-US" sz="1600" dirty="0" smtClean="0"/>
           </a:p>
         </p:txBody>
       </p:sp>
@@ -15349,7 +15224,6 @@
               <a:rPr lang="zh-CN" altLang="en-US" sz="1600" dirty="0" smtClean="0"/>
               <a:t>异常等，做出相应响应动作</a:t>
             </a:r>
-            <a:endParaRPr lang="zh-CN" altLang="en-US" sz="1600" dirty="0" smtClean="0"/>
           </a:p>
         </p:txBody>
       </p:sp>
@@ -15412,7 +15286,6 @@
               <a:rPr lang="zh-CN" altLang="en-US" sz="1600" dirty="0" smtClean="0"/>
               <a:t>外部重试依据</a:t>
             </a:r>
-            <a:endParaRPr lang="zh-CN" altLang="en-US" sz="1600" dirty="0" smtClean="0"/>
           </a:p>
         </p:txBody>
       </p:sp>
@@ -15449,12 +15322,12 @@
           <a:bodyPr wrap="square" rtlCol="0">
             <a:spAutoFit/>
           </a:bodyPr>
+          <a:lstStyle/>
           <a:p>
             <a:r>
               <a:rPr lang="zh-CN" altLang="en-US" sz="2800" dirty="0" smtClean="0"/>
               <a:t>基于消息重试</a:t>
             </a:r>
-            <a:endParaRPr lang="zh-CN" altLang="en-US" sz="2800" dirty="0" smtClean="0"/>
           </a:p>
         </p:txBody>
       </p:sp>
@@ -15491,6 +15364,7 @@
           <a:bodyPr wrap="square" rtlCol="0">
             <a:spAutoFit/>
           </a:bodyPr>
+          <a:lstStyle/>
           <a:p>
             <a:r>
               <a:rPr lang="zh-CN" altLang="en-US" sz="2800" dirty="0" smtClean="0"/>
@@ -15504,7 +15378,6 @@
               <a:rPr lang="zh-CN" altLang="en-US" sz="2800" dirty="0" smtClean="0"/>
               <a:t>重试</a:t>
             </a:r>
-            <a:endParaRPr lang="zh-CN" altLang="en-US" sz="2800" dirty="0" smtClean="0"/>
           </a:p>
         </p:txBody>
       </p:sp>
@@ -15735,7 +15608,7 @@
           <p:nvPr/>
         </p:nvPicPr>
         <p:blipFill>
-          <a:blip r:embed="rId1">
+          <a:blip r:embed="rId3">
             <a:clrChange>
               <a:clrFrom>
                 <a:srgbClr val="FFFFFF"/>
@@ -15766,13 +15639,13 @@
   <p:clrMapOvr>
     <a:masterClrMapping/>
   </p:clrMapOvr>
-  <mc:AlternateContent xmlns:mc="http://schemas.openxmlformats.org/markup-compatibility/2006">
-    <mc:Choice xmlns:p14="http://schemas.microsoft.com/office/powerpoint/2010/main" Requires="p14">
+  <mc:AlternateContent xmlns:mc="http://schemas.openxmlformats.org/markup-compatibility/2006" xmlns:p14="http://schemas.microsoft.com/office/powerpoint/2010/main">
+    <mc:Choice Requires="p14">
       <p:transition spd="slow" p14:dur="2000" advClick="0">
         <p14:flip dir="r"/>
       </p:transition>
     </mc:Choice>
-    <mc:Fallback>
+    <mc:Fallback xmlns="">
       <p:transition spd="slow" advClick="0">
         <p:fade/>
       </p:transition>
@@ -16066,6 +15939,7 @@
       </a:style>
     </a:txDef>
   </a:objectDefaults>
+  <a:extraClrSchemeLst/>
   <a:extLst>
     <a:ext uri="{05A4C25C-085E-4340-85A3-A5531E510DB2}">
       <thm15:themeFamily xmlns:thm15="http://schemas.microsoft.com/office/thememl/2012/main" name="Office Theme" id="{62F939B6-93AF-4DB8-9C6B-D6C7DFDC589F}" vid="{4A3C46E8-61CC-4603-A589-7422A47A8E4A}"/>
@@ -16325,6 +16199,8 @@
       </a:bgFillStyleLst>
     </a:fmtScheme>
   </a:themeElements>
+  <a:objectDefaults/>
+  <a:extraClrSchemeLst/>
   <a:extLst>
     <a:ext uri="{05A4C25C-085E-4340-85A3-A5531E510DB2}">
       <thm15:themeFamily xmlns:thm15="http://schemas.microsoft.com/office/thememl/2012/main" name="Office Theme" id="{62F939B6-93AF-4DB8-9C6B-D6C7DFDC589F}" vid="{4A3C46E8-61CC-4603-A589-7422A47A8E4A}"/>

--- a/Spring-Retry.pptx
+++ b/Spring-Retry.pptx
@@ -11963,7 +11963,7 @@
                   </a:schemeClr>
                 </a:solidFill>
               </a:rPr>
-              <a:t>2019-04-02</a:t>
+              <a:t>2019-04-19</a:t>
             </a:r>
             <a:endParaRPr lang="zh-CN" altLang="en-US" sz="1400" dirty="0">
               <a:solidFill>
@@ -12332,7 +12332,7 @@
         <p:spPr>
           <a:xfrm>
             <a:off x="400723" y="1948497"/>
-            <a:ext cx="11372177" cy="4801314"/>
+            <a:ext cx="11372177" cy="4523105"/>
           </a:xfrm>
           <a:prstGeom prst="rect">
             <a:avLst/>
@@ -12494,25 +12494,11 @@
             </a:r>
             <a:r>
               <a:rPr lang="zh-CN" altLang="en-US" dirty="0" smtClean="0"/>
-              <a:t>在分布式的使用展开，但是使用</a:t>
-            </a:r>
-            <a:r>
-              <a:rPr lang="zh-CN" altLang="en-US" dirty="0" smtClean="0">
-                <a:sym typeface="+mn-ea"/>
-              </a:rPr>
-              <a:t>理念也大致相同，据我所知在</a:t>
-            </a:r>
-            <a:r>
-              <a:rPr lang="en-US" altLang="zh-CN" dirty="0" smtClean="0">
-                <a:sym typeface="+mn-ea"/>
-              </a:rPr>
-              <a:t>RPC</a:t>
-            </a:r>
-            <a:r>
-              <a:rPr lang="zh-CN" altLang="en-US" dirty="0" smtClean="0">
-                <a:sym typeface="+mn-ea"/>
-              </a:rPr>
-              <a:t>调用中较为实用。</a:t>
+              <a:t>在分布式项目</a:t>
+            </a:r>
+            <a:r>
+              <a:rPr lang="zh-CN" altLang="en-US" dirty="0" smtClean="0"/>
+              <a:t>的使用展开。</a:t>
             </a:r>
             <a:endParaRPr lang="en-US" altLang="zh-CN" dirty="0" smtClean="0"/>
           </a:p>
@@ -13092,7 +13078,7 @@
           <a:p>
             <a:r>
               <a:rPr lang="zh-CN" altLang="en-US" dirty="0" smtClean="0"/>
-              <a:t>绝命三问：</a:t>
+              <a:t>问题：</a:t>
             </a:r>
             <a:endParaRPr lang="en-US" altLang="zh-CN" dirty="0" smtClean="0"/>
           </a:p>
@@ -13157,30 +13143,6 @@
           </a:p>
         </p:txBody>
       </p:sp>
-      <p:pic>
-        <p:nvPicPr>
-          <p:cNvPr id="3" name="图片 2"/>
-          <p:cNvPicPr>
-            <a:picLocks noChangeAspect="1"/>
-          </p:cNvPicPr>
-          <p:nvPr/>
-        </p:nvPicPr>
-        <p:blipFill>
-          <a:blip r:embed="rId1"/>
-          <a:stretch>
-            <a:fillRect/>
-          </a:stretch>
-        </p:blipFill>
-        <p:spPr>
-          <a:xfrm>
-            <a:off x="400685" y="866775"/>
-            <a:ext cx="6102985" cy="3481070"/>
-          </a:xfrm>
-          <a:prstGeom prst="rect">
-            <a:avLst/>
-          </a:prstGeom>
-        </p:spPr>
-      </p:pic>
     </p:spTree>
   </p:cSld>
   <p:clrMapOvr>
@@ -13210,67 +13172,14 @@
                             </p:stCondLst>
                             <p:childTnLst>
                               <p:par>
-                                <p:cTn id="5" presetID="5" presetClass="exit" presetSubtype="10" fill="hold" nodeType="clickEffect">
-                                  <p:stCondLst>
-                                    <p:cond delay="0"/>
-                                  </p:stCondLst>
-                                  <p:childTnLst>
-                                    <p:animEffect transition="out" filter="checkerboard(across)">
-                                      <p:cBhvr>
-                                        <p:cTn id="6" dur="500"/>
-                                        <p:tgtEl>
-                                          <p:spTgt spid="3"/>
-                                        </p:tgtEl>
-                                      </p:cBhvr>
-                                    </p:animEffect>
-                                    <p:set>
-                                      <p:cBhvr>
-                                        <p:cTn id="7" dur="1" fill="hold">
-                                          <p:stCondLst>
-                                            <p:cond delay="499"/>
-                                          </p:stCondLst>
-                                        </p:cTn>
-                                        <p:tgtEl>
-                                          <p:spTgt spid="3"/>
-                                        </p:tgtEl>
-                                        <p:attrNameLst>
-                                          <p:attrName>style.visibility</p:attrName>
-                                        </p:attrNameLst>
-                                      </p:cBhvr>
-                                      <p:to>
-                                        <p:strVal val="hidden"/>
-                                      </p:to>
-                                    </p:set>
-                                  </p:childTnLst>
-                                </p:cTn>
-                              </p:par>
-                            </p:childTnLst>
-                          </p:cTn>
-                        </p:par>
-                      </p:childTnLst>
-                    </p:cTn>
-                  </p:par>
-                  <p:par>
-                    <p:cTn id="8" fill="hold">
-                      <p:stCondLst>
-                        <p:cond delay="indefinite"/>
-                      </p:stCondLst>
-                      <p:childTnLst>
-                        <p:par>
-                          <p:cTn id="9" fill="hold">
-                            <p:stCondLst>
-                              <p:cond delay="0"/>
-                            </p:stCondLst>
-                            <p:childTnLst>
-                              <p:par>
-                                <p:cTn id="10" presetID="2" presetClass="entr" presetSubtype="4" fill="hold" nodeType="clickEffect">
+                                <p:cTn id="5" presetID="2" presetClass="entr" presetSubtype="4" fill="hold" nodeType="clickEffect">
                                   <p:stCondLst>
                                     <p:cond delay="0"/>
                                   </p:stCondLst>
                                   <p:childTnLst>
                                     <p:set>
                                       <p:cBhvr>
-                                        <p:cTn id="11" dur="1" fill="hold">
+                                        <p:cTn id="6" dur="1" fill="hold">
                                           <p:stCondLst>
                                             <p:cond delay="0"/>
                                           </p:stCondLst>
@@ -13292,7 +13201,7 @@
                                     </p:set>
                                     <p:anim calcmode="lin" valueType="num">
                                       <p:cBhvr additive="base">
-                                        <p:cTn id="12" dur="500" fill="hold"/>
+                                        <p:cTn id="7" dur="500" fill="hold"/>
                                         <p:tgtEl>
                                           <p:spTgt spid="10">
                                             <p:txEl>
@@ -13319,7 +13228,7 @@
                                     </p:anim>
                                     <p:anim calcmode="lin" valueType="num">
                                       <p:cBhvr additive="base">
-                                        <p:cTn id="13" dur="500" fill="hold"/>
+                                        <p:cTn id="8" dur="500" fill="hold"/>
                                         <p:tgtEl>
                                           <p:spTgt spid="10">
                                             <p:txEl>
@@ -13354,26 +13263,26 @@
                     </p:cTn>
                   </p:par>
                   <p:par>
-                    <p:cTn id="14" fill="hold">
+                    <p:cTn id="9" fill="hold">
                       <p:stCondLst>
                         <p:cond delay="indefinite"/>
                       </p:stCondLst>
                       <p:childTnLst>
                         <p:par>
-                          <p:cTn id="15" fill="hold">
+                          <p:cTn id="10" fill="hold">
                             <p:stCondLst>
                               <p:cond delay="0"/>
                             </p:stCondLst>
                             <p:childTnLst>
                               <p:par>
-                                <p:cTn id="16" presetID="4" presetClass="entr" presetSubtype="16" fill="hold" nodeType="clickEffect">
+                                <p:cTn id="11" presetID="4" presetClass="entr" presetSubtype="16" fill="hold" nodeType="clickEffect">
                                   <p:stCondLst>
                                     <p:cond delay="0"/>
                                   </p:stCondLst>
                                   <p:childTnLst>
                                     <p:set>
                                       <p:cBhvr>
-                                        <p:cTn id="17" dur="1" fill="hold">
+                                        <p:cTn id="12" dur="1" fill="hold">
                                           <p:stCondLst>
                                             <p:cond delay="0"/>
                                           </p:stCondLst>
@@ -13395,7 +13304,7 @@
                                     </p:set>
                                     <p:animEffect transition="in" filter="box(in)">
                                       <p:cBhvr>
-                                        <p:cTn id="18" dur="2000"/>
+                                        <p:cTn id="13" dur="2000"/>
                                         <p:tgtEl>
                                           <p:spTgt spid="10">
                                             <p:txEl>
@@ -13409,14 +13318,14 @@
                                 </p:cTn>
                               </p:par>
                               <p:par>
-                                <p:cTn id="19" presetID="4" presetClass="entr" presetSubtype="16" fill="hold" nodeType="withEffect">
+                                <p:cTn id="14" presetID="4" presetClass="entr" presetSubtype="16" fill="hold" nodeType="withEffect">
                                   <p:stCondLst>
                                     <p:cond delay="0"/>
                                   </p:stCondLst>
                                   <p:childTnLst>
                                     <p:set>
                                       <p:cBhvr>
-                                        <p:cTn id="20" dur="1" fill="hold">
+                                        <p:cTn id="15" dur="1" fill="hold">
                                           <p:stCondLst>
                                             <p:cond delay="0"/>
                                           </p:stCondLst>
@@ -13438,7 +13347,7 @@
                                     </p:set>
                                     <p:animEffect transition="in" filter="box(in)">
                                       <p:cBhvr>
-                                        <p:cTn id="21" dur="2000"/>
+                                        <p:cTn id="16" dur="2000"/>
                                         <p:tgtEl>
                                           <p:spTgt spid="10">
                                             <p:txEl>
@@ -13452,14 +13361,14 @@
                                 </p:cTn>
                               </p:par>
                               <p:par>
-                                <p:cTn id="22" presetID="4" presetClass="entr" presetSubtype="16" fill="hold" nodeType="withEffect">
+                                <p:cTn id="17" presetID="4" presetClass="entr" presetSubtype="16" fill="hold" nodeType="withEffect">
                                   <p:stCondLst>
                                     <p:cond delay="0"/>
                                   </p:stCondLst>
                                   <p:childTnLst>
                                     <p:set>
                                       <p:cBhvr>
-                                        <p:cTn id="23" dur="1" fill="hold">
+                                        <p:cTn id="18" dur="1" fill="hold">
                                           <p:stCondLst>
                                             <p:cond delay="0"/>
                                           </p:stCondLst>
@@ -13481,7 +13390,7 @@
                                     </p:set>
                                     <p:animEffect transition="in" filter="box(in)">
                                       <p:cBhvr>
-                                        <p:cTn id="24" dur="2000"/>
+                                        <p:cTn id="19" dur="2000"/>
                                         <p:tgtEl>
                                           <p:spTgt spid="10">
                                             <p:txEl>

--- a/Spring-Retry.pptx
+++ b/Spring-Retry.pptx
@@ -5,17 +5,17 @@
     <p:sldMasterId id="2147483648" r:id="rId1"/>
   </p:sldMasterIdLst>
   <p:notesMasterIdLst>
-    <p:notesMasterId r:id="rId10"/>
+    <p:notesMasterId r:id="rId4"/>
   </p:notesMasterIdLst>
   <p:sldIdLst>
-    <p:sldId id="256" r:id="rId2"/>
-    <p:sldId id="289" r:id="rId3"/>
-    <p:sldId id="281" r:id="rId4"/>
-    <p:sldId id="305" r:id="rId5"/>
-    <p:sldId id="304" r:id="rId6"/>
-    <p:sldId id="302" r:id="rId7"/>
-    <p:sldId id="303" r:id="rId8"/>
-    <p:sldId id="301" r:id="rId9"/>
+    <p:sldId id="256" r:id="rId3"/>
+    <p:sldId id="289" r:id="rId5"/>
+    <p:sldId id="281" r:id="rId6"/>
+    <p:sldId id="305" r:id="rId7"/>
+    <p:sldId id="304" r:id="rId8"/>
+    <p:sldId id="302" r:id="rId9"/>
+    <p:sldId id="303" r:id="rId10"/>
+    <p:sldId id="301" r:id="rId11"/>
   </p:sldIdLst>
   <p:sldSz cx="12192000" cy="6858000"/>
   <p:notesSz cx="6858000" cy="9144000"/>
@@ -114,11 +114,6 @@
       </a:defRPr>
     </a:lvl9pPr>
   </p:defaultTextStyle>
-  <p:extLst>
-    <p:ext uri="{EFAFB233-063F-42B5-8137-9DF3F51BA10A}">
-      <p15:sldGuideLst xmlns:p15="http://schemas.microsoft.com/office/powerpoint/2012/main"/>
-    </p:ext>
-  </p:extLst>
 </p:presentation>
 </file>
 
@@ -1048,7 +1043,7 @@
 </file>
 
 <file path=ppt/diagrams/colors2.xml><?xml version="1.0" encoding="utf-8"?>
-<dgm:colorsDef xmlns:dgm="http://schemas.openxmlformats.org/drawingml/2006/diagram" xmlns:a="http://schemas.openxmlformats.org/drawingml/2006/main" uniqueId="urn:microsoft.com/office/officeart/2005/8/colors/accent6_3#1">
+<dgm:colorsDef xmlns:dgm="http://schemas.openxmlformats.org/drawingml/2006/diagram" xmlns:a="http://schemas.openxmlformats.org/drawingml/2006/main" uniqueId="urn:microsoft.com/office/officeart/2005/8/colors/accent6_3">
   <dgm:title val=""/>
   <dgm:desc val=""/>
   <dgm:catLst>
@@ -1956,7 +1951,7 @@
         </a:p>
       </dgm:t>
     </dgm:pt>
-    <dgm:pt modelId="{967D024D-AE7D-415F-95F3-F78D13B9A825}" type="parTrans" cxnId="{7C09AE3D-C538-49C6-9C4F-4BA5498E54BF}">
+    <dgm:pt modelId="{967D024D-AE7D-415F-95F3-F78D13B9A825}" cxnId="{7C09AE3D-C538-49C6-9C4F-4BA5498E54BF}" type="parTrans">
       <dgm:prSet/>
       <dgm:spPr/>
       <dgm:t>
@@ -1968,7 +1963,7 @@
         </a:p>
       </dgm:t>
     </dgm:pt>
-    <dgm:pt modelId="{9DCD3634-0F2E-4B76-BDBA-9F2D9776E448}" type="sibTrans" cxnId="{7C09AE3D-C538-49C6-9C4F-4BA5498E54BF}">
+    <dgm:pt modelId="{9DCD3634-0F2E-4B76-BDBA-9F2D9776E448}" cxnId="{7C09AE3D-C538-49C6-9C4F-4BA5498E54BF}" type="sibTrans">
       <dgm:prSet/>
       <dgm:spPr/>
       <dgm:t>
@@ -2000,7 +1995,7 @@
         </a:p>
       </dgm:t>
     </dgm:pt>
-    <dgm:pt modelId="{CE770824-E0BB-4E5F-AB82-694DB1BAD0AD}" type="parTrans" cxnId="{F97EC9B4-66FF-46B9-A5A6-36FC45CD66AF}">
+    <dgm:pt modelId="{CE770824-E0BB-4E5F-AB82-694DB1BAD0AD}" cxnId="{F97EC9B4-66FF-46B9-A5A6-36FC45CD66AF}" type="parTrans">
       <dgm:prSet/>
       <dgm:spPr/>
       <dgm:t>
@@ -2012,7 +2007,7 @@
         </a:p>
       </dgm:t>
     </dgm:pt>
-    <dgm:pt modelId="{76E32F19-06D9-475F-ADF2-A320495C2B20}" type="sibTrans" cxnId="{F97EC9B4-66FF-46B9-A5A6-36FC45CD66AF}">
+    <dgm:pt modelId="{76E32F19-06D9-475F-ADF2-A320495C2B20}" cxnId="{F97EC9B4-66FF-46B9-A5A6-36FC45CD66AF}" type="sibTrans">
       <dgm:prSet/>
       <dgm:spPr/>
       <dgm:t>
@@ -2040,7 +2035,7 @@
         </a:p>
       </dgm:t>
     </dgm:pt>
-    <dgm:pt modelId="{DA4570EA-FA31-46C4-A153-34837E9C85D4}" type="parTrans" cxnId="{9F66FA3A-4589-4316-A1DD-27EFA135E5CA}">
+    <dgm:pt modelId="{DA4570EA-FA31-46C4-A153-34837E9C85D4}" cxnId="{9F66FA3A-4589-4316-A1DD-27EFA135E5CA}" type="parTrans">
       <dgm:prSet/>
       <dgm:spPr/>
       <dgm:t>
@@ -2052,7 +2047,7 @@
         </a:p>
       </dgm:t>
     </dgm:pt>
-    <dgm:pt modelId="{78C9D5E7-1260-4A43-9A5F-88AB784355E4}" type="sibTrans" cxnId="{9F66FA3A-4589-4316-A1DD-27EFA135E5CA}">
+    <dgm:pt modelId="{78C9D5E7-1260-4A43-9A5F-88AB784355E4}" cxnId="{9F66FA3A-4589-4316-A1DD-27EFA135E5CA}" type="sibTrans">
       <dgm:prSet/>
       <dgm:spPr/>
       <dgm:t>
@@ -2076,7 +2071,7 @@
         </a:p>
       </dgm:t>
     </dgm:pt>
-    <dgm:pt modelId="{D0BB5149-8725-40B2-879B-694DDECD64E0}" type="parTrans" cxnId="{47462745-2BE4-4BDF-9E16-FF0A341A2181}">
+    <dgm:pt modelId="{D0BB5149-8725-40B2-879B-694DDECD64E0}" cxnId="{47462745-2BE4-4BDF-9E16-FF0A341A2181}" type="parTrans">
       <dgm:prSet/>
       <dgm:spPr/>
       <dgm:t>
@@ -2088,7 +2083,7 @@
         </a:p>
       </dgm:t>
     </dgm:pt>
-    <dgm:pt modelId="{9EDB1689-254D-4B92-A76C-5F0DD9D819D4}" type="sibTrans" cxnId="{47462745-2BE4-4BDF-9E16-FF0A341A2181}">
+    <dgm:pt modelId="{9EDB1689-254D-4B92-A76C-5F0DD9D819D4}" cxnId="{47462745-2BE4-4BDF-9E16-FF0A341A2181}" type="sibTrans">
       <dgm:prSet/>
       <dgm:spPr/>
       <dgm:t>
@@ -2112,7 +2107,7 @@
         </a:p>
       </dgm:t>
     </dgm:pt>
-    <dgm:pt modelId="{F5AB92B9-543B-4FB0-9D72-D3B756E7B269}" type="parTrans" cxnId="{F9470995-6380-484B-B16E-D19C510FE7A9}">
+    <dgm:pt modelId="{F5AB92B9-543B-4FB0-9D72-D3B756E7B269}" cxnId="{F9470995-6380-484B-B16E-D19C510FE7A9}" type="parTrans">
       <dgm:prSet/>
       <dgm:spPr/>
       <dgm:t>
@@ -2124,7 +2119,7 @@
         </a:p>
       </dgm:t>
     </dgm:pt>
-    <dgm:pt modelId="{C62D895A-0E29-40A1-A54A-6F7409D5F5BE}" type="sibTrans" cxnId="{F9470995-6380-484B-B16E-D19C510FE7A9}">
+    <dgm:pt modelId="{C62D895A-0E29-40A1-A54A-6F7409D5F5BE}" cxnId="{F9470995-6380-484B-B16E-D19C510FE7A9}" type="sibTrans">
       <dgm:prSet/>
       <dgm:spPr/>
       <dgm:t>
@@ -2148,7 +2143,7 @@
         </a:p>
       </dgm:t>
     </dgm:pt>
-    <dgm:pt modelId="{C08E08F1-775F-4A9A-BB6E-20C6F5DE36B6}" type="parTrans" cxnId="{D262D8BF-89DC-49D2-AD6E-14C7EEDF0B8D}">
+    <dgm:pt modelId="{C08E08F1-775F-4A9A-BB6E-20C6F5DE36B6}" cxnId="{D262D8BF-89DC-49D2-AD6E-14C7EEDF0B8D}" type="parTrans">
       <dgm:prSet/>
       <dgm:spPr/>
       <dgm:t>
@@ -2160,7 +2155,7 @@
         </a:p>
       </dgm:t>
     </dgm:pt>
-    <dgm:pt modelId="{A88E5EA8-20E7-4462-8585-A847E27AB3D9}" type="sibTrans" cxnId="{D262D8BF-89DC-49D2-AD6E-14C7EEDF0B8D}">
+    <dgm:pt modelId="{A88E5EA8-20E7-4462-8585-A847E27AB3D9}" cxnId="{D262D8BF-89DC-49D2-AD6E-14C7EEDF0B8D}" type="sibTrans">
       <dgm:prSet/>
       <dgm:spPr/>
       <dgm:t>
@@ -2192,7 +2187,7 @@
         </a:p>
       </dgm:t>
     </dgm:pt>
-    <dgm:pt modelId="{084575AA-19FC-418A-9D15-850EA8006CBF}" type="parTrans" cxnId="{41A61110-F3B2-4808-A1BA-BBB791C07945}">
+    <dgm:pt modelId="{084575AA-19FC-418A-9D15-850EA8006CBF}" cxnId="{41A61110-F3B2-4808-A1BA-BBB791C07945}" type="parTrans">
       <dgm:prSet/>
       <dgm:spPr/>
       <dgm:t>
@@ -2204,7 +2199,7 @@
         </a:p>
       </dgm:t>
     </dgm:pt>
-    <dgm:pt modelId="{B4E3CCFD-EC1D-4AD8-9D39-AAC71520AE23}" type="sibTrans" cxnId="{41A61110-F3B2-4808-A1BA-BBB791C07945}">
+    <dgm:pt modelId="{B4E3CCFD-EC1D-4AD8-9D39-AAC71520AE23}" cxnId="{41A61110-F3B2-4808-A1BA-BBB791C07945}" type="sibTrans">
       <dgm:prSet/>
       <dgm:spPr/>
       <dgm:t>
@@ -2228,7 +2223,7 @@
         </a:p>
       </dgm:t>
     </dgm:pt>
-    <dgm:pt modelId="{5D6EEA00-6603-479D-8D9B-72F274CDE5A5}" type="parTrans" cxnId="{15A2F3B4-86C0-4F1E-81DA-5F0DA1BA3865}">
+    <dgm:pt modelId="{5D6EEA00-6603-479D-8D9B-72F274CDE5A5}" cxnId="{15A2F3B4-86C0-4F1E-81DA-5F0DA1BA3865}" type="parTrans">
       <dgm:prSet/>
       <dgm:spPr/>
       <dgm:t>
@@ -2240,7 +2235,7 @@
         </a:p>
       </dgm:t>
     </dgm:pt>
-    <dgm:pt modelId="{4DD0E6FE-1ED7-44D7-923D-9129CA249713}" type="sibTrans" cxnId="{15A2F3B4-86C0-4F1E-81DA-5F0DA1BA3865}">
+    <dgm:pt modelId="{4DD0E6FE-1ED7-44D7-923D-9129CA249713}" cxnId="{15A2F3B4-86C0-4F1E-81DA-5F0DA1BA3865}" type="sibTrans">
       <dgm:prSet/>
       <dgm:spPr/>
       <dgm:t>
@@ -2424,7 +2419,7 @@
   <dgm:whole/>
   <dgm:extLst>
     <a:ext uri="http://schemas.microsoft.com/office/drawing/2008/diagram">
-      <dsp:dataModelExt xmlns:dsp="http://schemas.microsoft.com/office/drawing/2008/diagram" relId="rId7" minVer="http://schemas.openxmlformats.org/drawingml/2006/diagram"/>
+      <dsp:dataModelExt xmlns:dsp="http://schemas.microsoft.com/office/drawing/2008/diagram" relId="rId5" minVer="http://schemas.openxmlformats.org/drawingml/2006/diagram"/>
     </a:ext>
   </dgm:extLst>
 </dgm:dataModel>
@@ -2434,7 +2429,7 @@
 <dgm:dataModel xmlns:dgm="http://schemas.openxmlformats.org/drawingml/2006/diagram" xmlns:a="http://schemas.openxmlformats.org/drawingml/2006/main">
   <dgm:ptLst>
     <dgm:pt modelId="{79FDB13B-82F1-4172-A298-CD0400206101}" type="doc">
-      <dgm:prSet loTypeId="urn:microsoft.com/office/officeart/2005/8/layout/process4" loCatId="list" qsTypeId="urn:microsoft.com/office/officeart/2005/8/quickstyle/simple1#1" qsCatId="simple" csTypeId="urn:microsoft.com/office/officeart/2005/8/colors/accent6_3#1" csCatId="accent6" phldr="1"/>
+      <dgm:prSet loTypeId="urn:microsoft.com/office/officeart/2005/8/layout/process4" loCatId="list" qsTypeId="urn:microsoft.com/office/officeart/2005/8/quickstyle/simple1" qsCatId="simple" csTypeId="urn:microsoft.com/office/officeart/2005/8/colors/accent6_3" csCatId="accent6" phldr="1"/>
       <dgm:spPr/>
       <dgm:t>
         <a:bodyPr/>
@@ -2490,7 +2485,7 @@
         </a:p>
       </dgm:t>
     </dgm:pt>
-    <dgm:pt modelId="{9A6ACFDE-AB62-4909-9801-8CFE747D2191}" type="parTrans" cxnId="{A543502D-19A7-4FFF-A499-13EEDFC7FCA8}">
+    <dgm:pt modelId="{9A6ACFDE-AB62-4909-9801-8CFE747D2191}" cxnId="{A543502D-19A7-4FFF-A499-13EEDFC7FCA8}" type="parTrans">
       <dgm:prSet/>
       <dgm:spPr/>
       <dgm:t>
@@ -2501,7 +2496,7 @@
         </a:p>
       </dgm:t>
     </dgm:pt>
-    <dgm:pt modelId="{F33CDDA6-F67B-4F01-9139-74B2226927C2}" type="sibTrans" cxnId="{A543502D-19A7-4FFF-A499-13EEDFC7FCA8}">
+    <dgm:pt modelId="{F33CDDA6-F67B-4F01-9139-74B2226927C2}" cxnId="{A543502D-19A7-4FFF-A499-13EEDFC7FCA8}" type="sibTrans">
       <dgm:prSet/>
       <dgm:spPr/>
       <dgm:t>
@@ -2558,7 +2553,7 @@
         </a:p>
       </dgm:t>
     </dgm:pt>
-    <dgm:pt modelId="{48652E3F-108D-4B91-BA8D-B3D6CB99DB2A}" type="parTrans" cxnId="{038C68B7-E288-4BBE-AFE1-17F8F095892C}">
+    <dgm:pt modelId="{48652E3F-108D-4B91-BA8D-B3D6CB99DB2A}" cxnId="{038C68B7-E288-4BBE-AFE1-17F8F095892C}" type="parTrans">
       <dgm:prSet/>
       <dgm:spPr/>
       <dgm:t>
@@ -2569,7 +2564,7 @@
         </a:p>
       </dgm:t>
     </dgm:pt>
-    <dgm:pt modelId="{6A2F08A1-2217-49AD-A9C3-C7534D2375A8}" type="sibTrans" cxnId="{038C68B7-E288-4BBE-AFE1-17F8F095892C}">
+    <dgm:pt modelId="{6A2F08A1-2217-49AD-A9C3-C7534D2375A8}" cxnId="{038C68B7-E288-4BBE-AFE1-17F8F095892C}" type="sibTrans">
       <dgm:prSet/>
       <dgm:spPr/>
       <dgm:t>
@@ -2619,7 +2614,7 @@
         </a:p>
       </dgm:t>
     </dgm:pt>
-    <dgm:pt modelId="{3D3FA08F-8045-47BB-A080-4C0920E0F128}" type="sibTrans" cxnId="{695D3E18-0500-4462-A639-08EEFF3B55A3}">
+    <dgm:pt modelId="{3D3FA08F-8045-47BB-A080-4C0920E0F128}" cxnId="{695D3E18-0500-4462-A639-08EEFF3B55A3}" type="sibTrans">
       <dgm:prSet/>
       <dgm:spPr/>
       <dgm:t>
@@ -2630,7 +2625,7 @@
         </a:p>
       </dgm:t>
     </dgm:pt>
-    <dgm:pt modelId="{63D572C2-D754-4D13-8837-1AA02E0FF445}" type="parTrans" cxnId="{695D3E18-0500-4462-A639-08EEFF3B55A3}">
+    <dgm:pt modelId="{63D572C2-D754-4D13-8837-1AA02E0FF445}" cxnId="{695D3E18-0500-4462-A639-08EEFF3B55A3}" type="parTrans">
       <dgm:prSet/>
       <dgm:spPr/>
       <dgm:t>
@@ -2680,7 +2675,7 @@
         </a:p>
       </dgm:t>
     </dgm:pt>
-    <dgm:pt modelId="{CDAE582C-46FF-4818-AEAA-78E1ECED82AF}" type="sibTrans" cxnId="{3BB5C2E6-FDA1-4D1C-AFC7-5A3A568DF54E}">
+    <dgm:pt modelId="{CDAE582C-46FF-4818-AEAA-78E1ECED82AF}" cxnId="{3BB5C2E6-FDA1-4D1C-AFC7-5A3A568DF54E}" type="sibTrans">
       <dgm:prSet/>
       <dgm:spPr/>
       <dgm:t>
@@ -2691,7 +2686,7 @@
         </a:p>
       </dgm:t>
     </dgm:pt>
-    <dgm:pt modelId="{118F0B4B-E3D8-4B85-9365-FE08E47BD567}" type="parTrans" cxnId="{3BB5C2E6-FDA1-4D1C-AFC7-5A3A568DF54E}">
+    <dgm:pt modelId="{118F0B4B-E3D8-4B85-9365-FE08E47BD567}" cxnId="{3BB5C2E6-FDA1-4D1C-AFC7-5A3A568DF54E}" type="parTrans">
       <dgm:prSet/>
       <dgm:spPr/>
       <dgm:t>
@@ -2741,7 +2736,7 @@
         </a:p>
       </dgm:t>
     </dgm:pt>
-    <dgm:pt modelId="{0A7E8889-AE8E-4045-8A7F-B22DBDE898EA}" type="parTrans" cxnId="{EEEB0A0B-F3AB-4A9F-BD41-30EABF792E05}">
+    <dgm:pt modelId="{0A7E8889-AE8E-4045-8A7F-B22DBDE898EA}" cxnId="{EEEB0A0B-F3AB-4A9F-BD41-30EABF792E05}" type="parTrans">
       <dgm:prSet/>
       <dgm:spPr/>
       <dgm:t>
@@ -2752,7 +2747,7 @@
         </a:p>
       </dgm:t>
     </dgm:pt>
-    <dgm:pt modelId="{BF65E45C-C26A-4977-BADB-2D1944716D69}" type="sibTrans" cxnId="{EEEB0A0B-F3AB-4A9F-BD41-30EABF792E05}">
+    <dgm:pt modelId="{BF65E45C-C26A-4977-BADB-2D1944716D69}" cxnId="{EEEB0A0B-F3AB-4A9F-BD41-30EABF792E05}" type="sibTrans">
       <dgm:prSet/>
       <dgm:spPr/>
       <dgm:t>
@@ -2802,7 +2797,7 @@
         </a:p>
       </dgm:t>
     </dgm:pt>
-    <dgm:pt modelId="{D2649378-29DC-4BE7-8694-6D17D80F2FE7}" type="parTrans" cxnId="{260B1D0D-F0A1-45A0-AFE4-CB10E888D704}">
+    <dgm:pt modelId="{D2649378-29DC-4BE7-8694-6D17D80F2FE7}" cxnId="{260B1D0D-F0A1-45A0-AFE4-CB10E888D704}" type="parTrans">
       <dgm:prSet/>
       <dgm:spPr/>
       <dgm:t>
@@ -2813,7 +2808,7 @@
         </a:p>
       </dgm:t>
     </dgm:pt>
-    <dgm:pt modelId="{066B406A-1554-4182-A02D-F6BD32D9EBED}" type="sibTrans" cxnId="{260B1D0D-F0A1-45A0-AFE4-CB10E888D704}">
+    <dgm:pt modelId="{066B406A-1554-4182-A02D-F6BD32D9EBED}" cxnId="{260B1D0D-F0A1-45A0-AFE4-CB10E888D704}" type="sibTrans">
       <dgm:prSet/>
       <dgm:spPr/>
       <dgm:t>
@@ -2863,7 +2858,16 @@
               </a:solidFill>
               <a:effectLst/>
             </a:rPr>
-            <a:t>层）</a:t>
+            <a:t>层</a:t>
+          </a:r>
+          <a:r>
+            <a:rPr lang="zh-CN" altLang="en-US" dirty="0" smtClean="0">
+              <a:solidFill>
+                <a:schemeClr val="tx1"/>
+              </a:solidFill>
+              <a:effectLst/>
+            </a:rPr>
+            <a:t>）</a:t>
           </a:r>
           <a:r>
             <a:rPr lang="en-US" altLang="zh-CN" dirty="0" smtClean="0">
@@ -2892,7 +2896,7 @@
         </a:p>
       </dgm:t>
     </dgm:pt>
-    <dgm:pt modelId="{781D991E-A389-4F1B-80B0-98B445587BC6}" type="parTrans" cxnId="{38BE4D77-C352-4EF4-81B6-70FE54F22930}">
+    <dgm:pt modelId="{781D991E-A389-4F1B-80B0-98B445587BC6}" cxnId="{38BE4D77-C352-4EF4-81B6-70FE54F22930}" type="parTrans">
       <dgm:prSet/>
       <dgm:spPr/>
       <dgm:t>
@@ -2903,7 +2907,7 @@
         </a:p>
       </dgm:t>
     </dgm:pt>
-    <dgm:pt modelId="{77841B8A-E0F4-4C60-9E00-157BC9C928C0}" type="sibTrans" cxnId="{38BE4D77-C352-4EF4-81B6-70FE54F22930}">
+    <dgm:pt modelId="{77841B8A-E0F4-4C60-9E00-157BC9C928C0}" cxnId="{38BE4D77-C352-4EF4-81B6-70FE54F22930}" type="sibTrans">
       <dgm:prSet/>
       <dgm:spPr/>
       <dgm:t>
@@ -2937,7 +2941,7 @@
         </a:p>
       </dgm:t>
     </dgm:pt>
-    <dgm:pt modelId="{339D106E-5958-4FD1-BD23-C69058841A26}" type="parTrans" cxnId="{422E0F57-D61F-4B15-819E-D454D57FDF0A}">
+    <dgm:pt modelId="{339D106E-5958-4FD1-BD23-C69058841A26}" cxnId="{422E0F57-D61F-4B15-819E-D454D57FDF0A}" type="parTrans">
       <dgm:prSet/>
       <dgm:spPr/>
       <dgm:t>
@@ -2948,7 +2952,7 @@
         </a:p>
       </dgm:t>
     </dgm:pt>
-    <dgm:pt modelId="{B3A345D6-C761-4275-BD88-188C62B3184F}" type="sibTrans" cxnId="{422E0F57-D61F-4B15-819E-D454D57FDF0A}">
+    <dgm:pt modelId="{B3A345D6-C761-4275-BD88-188C62B3184F}" cxnId="{422E0F57-D61F-4B15-819E-D454D57FDF0A}" type="sibTrans">
       <dgm:prSet/>
       <dgm:spPr/>
       <dgm:t>
@@ -2982,7 +2986,7 @@
         </a:p>
       </dgm:t>
     </dgm:pt>
-    <dgm:pt modelId="{6BD9BA3A-21EC-4F52-9F65-E0E161A744F0}" type="parTrans" cxnId="{1CD03763-405D-4495-88A5-31E64359524D}">
+    <dgm:pt modelId="{6BD9BA3A-21EC-4F52-9F65-E0E161A744F0}" cxnId="{1CD03763-405D-4495-88A5-31E64359524D}" type="parTrans">
       <dgm:prSet/>
       <dgm:spPr/>
       <dgm:t>
@@ -2993,7 +2997,7 @@
         </a:p>
       </dgm:t>
     </dgm:pt>
-    <dgm:pt modelId="{67974DDF-8290-4690-82CC-A81742226857}" type="sibTrans" cxnId="{1CD03763-405D-4495-88A5-31E64359524D}">
+    <dgm:pt modelId="{67974DDF-8290-4690-82CC-A81742226857}" cxnId="{1CD03763-405D-4495-88A5-31E64359524D}" type="sibTrans">
       <dgm:prSet/>
       <dgm:spPr/>
       <dgm:t>
@@ -3034,7 +3038,7 @@
         </a:p>
       </dgm:t>
     </dgm:pt>
-    <dgm:pt modelId="{C6E9C1E2-7B7D-4939-A5AE-AB42EBA231B4}" type="parTrans" cxnId="{1C22D11D-EE19-4D3A-9F08-ACD69DC55CC5}">
+    <dgm:pt modelId="{C6E9C1E2-7B7D-4939-A5AE-AB42EBA231B4}" cxnId="{1C22D11D-EE19-4D3A-9F08-ACD69DC55CC5}" type="parTrans">
       <dgm:prSet/>
       <dgm:spPr/>
       <dgm:t>
@@ -3045,7 +3049,7 @@
         </a:p>
       </dgm:t>
     </dgm:pt>
-    <dgm:pt modelId="{49619E9D-0D45-4F60-82B5-2F9E931E3E83}" type="sibTrans" cxnId="{1C22D11D-EE19-4D3A-9F08-ACD69DC55CC5}">
+    <dgm:pt modelId="{49619E9D-0D45-4F60-82B5-2F9E931E3E83}" cxnId="{1C22D11D-EE19-4D3A-9F08-ACD69DC55CC5}" type="sibTrans">
       <dgm:prSet/>
       <dgm:spPr/>
       <dgm:t>
@@ -3334,7 +3338,7 @@
   <dgm:whole/>
   <dgm:extLst>
     <a:ext uri="http://schemas.microsoft.com/office/drawing/2008/diagram">
-      <dsp:dataModelExt xmlns:dsp="http://schemas.microsoft.com/office/drawing/2008/diagram" relId="rId7" minVer="http://schemas.openxmlformats.org/drawingml/2006/diagram"/>
+      <dsp:dataModelExt xmlns:dsp="http://schemas.microsoft.com/office/drawing/2008/diagram" relId="rId5" minVer="http://schemas.openxmlformats.org/drawingml/2006/diagram"/>
     </a:ext>
   </dgm:extLst>
 </dgm:dataModel>
@@ -4197,7 +4201,16 @@
               </a:solidFill>
               <a:effectLst/>
             </a:rPr>
-            <a:t>层）</a:t>
+            <a:t>层</a:t>
+          </a:r>
+          <a:r>
+            <a:rPr lang="zh-CN" altLang="en-US" sz="2100" kern="1200" dirty="0" smtClean="0">
+              <a:solidFill>
+                <a:schemeClr val="tx1"/>
+              </a:solidFill>
+              <a:effectLst/>
+            </a:rPr>
+            <a:t>）</a:t>
           </a:r>
           <a:r>
             <a:rPr lang="en-US" altLang="zh-CN" sz="2100" kern="1200" dirty="0" smtClean="0">
@@ -5464,7 +5477,7 @@
                   </dgm:shape>
                 </dgm:if>
                 <dgm:else name="Name23">
-                  <dgm:shape xmlns:r="http://schemas.openxmlformats.org/officeDocument/2006/relationships" rot="180" type="upArrowCallout" r:blip="">
+                  <dgm:shape xmlns:r="http://schemas.openxmlformats.org/officeDocument/2006/relationships" type="upArrowCallout" r:blip="" rot="180">
                     <dgm:adjLst/>
                   </dgm:shape>
                 </dgm:else>
@@ -5479,7 +5492,7 @@
               <dgm:if name="Name25" axis="ch" ptType="node" func="cnt" op="gte" val="1">
                 <dgm:layoutNode name="arrow">
                   <dgm:alg type="sp"/>
-                  <dgm:shape xmlns:r="http://schemas.openxmlformats.org/officeDocument/2006/relationships" rot="180" type="upArrowCallout" r:blip="">
+                  <dgm:shape xmlns:r="http://schemas.openxmlformats.org/officeDocument/2006/relationships" type="upArrowCallout" r:blip="" rot="180">
                     <dgm:adjLst/>
                   </dgm:shape>
                   <dgm:presOf axis="self"/>
@@ -5564,7 +5577,6 @@
       <a:camera prst="orthographicFront"/>
       <a:lightRig rig="threePt" dir="t"/>
     </dgm:scene3d>
-    <dgm:sp3d/>
     <dgm:txPr/>
     <dgm:style>
       <a:lnRef idx="1">
@@ -5584,7 +5596,6 @@
       <a:camera prst="orthographicFront"/>
       <a:lightRig rig="threePt" dir="t"/>
     </dgm:scene3d>
-    <dgm:sp3d/>
     <dgm:txPr/>
     <dgm:style>
       <a:lnRef idx="1">
@@ -5604,7 +5615,6 @@
       <a:camera prst="orthographicFront"/>
       <a:lightRig rig="threePt" dir="t"/>
     </dgm:scene3d>
-    <dgm:sp3d/>
     <dgm:txPr/>
     <dgm:style>
       <a:lnRef idx="1">
@@ -5624,7 +5634,6 @@
       <a:camera prst="orthographicFront"/>
       <a:lightRig rig="threePt" dir="t"/>
     </dgm:scene3d>
-    <dgm:sp3d/>
     <dgm:txPr/>
     <dgm:style>
       <a:lnRef idx="1">
@@ -5766,7 +5775,6 @@
       <a:camera prst="orthographicFront"/>
       <a:lightRig rig="threePt" dir="t"/>
     </dgm:scene3d>
-    <dgm:sp3d/>
     <dgm:txPr/>
     <dgm:style>
       <a:lnRef idx="1">
@@ -5786,7 +5794,6 @@
       <a:camera prst="orthographicFront"/>
       <a:lightRig rig="threePt" dir="t"/>
     </dgm:scene3d>
-    <dgm:sp3d/>
     <dgm:txPr/>
     <dgm:style>
       <a:lnRef idx="1">
@@ -5806,7 +5813,6 @@
       <a:camera prst="orthographicFront"/>
       <a:lightRig rig="threePt" dir="t"/>
     </dgm:scene3d>
-    <dgm:sp3d/>
     <dgm:txPr/>
     <dgm:style>
       <a:lnRef idx="1">
@@ -5826,7 +5832,6 @@
       <a:camera prst="orthographicFront"/>
       <a:lightRig rig="threePt" dir="t"/>
     </dgm:scene3d>
-    <dgm:sp3d/>
     <dgm:txPr/>
     <dgm:style>
       <a:lnRef idx="0">
@@ -5846,7 +5851,6 @@
       <a:camera prst="orthographicFront"/>
       <a:lightRig rig="threePt" dir="t"/>
     </dgm:scene3d>
-    <dgm:sp3d/>
     <dgm:txPr/>
     <dgm:style>
       <a:lnRef idx="0">
@@ -5868,7 +5872,6 @@
       <a:camera prst="orthographicFront"/>
       <a:lightRig rig="threePt" dir="t"/>
     </dgm:scene3d>
-    <dgm:sp3d/>
     <dgm:txPr/>
     <dgm:style>
       <a:lnRef idx="1">
@@ -5888,7 +5891,6 @@
       <a:camera prst="orthographicFront"/>
       <a:lightRig rig="threePt" dir="t"/>
     </dgm:scene3d>
-    <dgm:sp3d/>
     <dgm:txPr/>
     <dgm:style>
       <a:lnRef idx="1">
@@ -5908,7 +5910,6 @@
       <a:camera prst="orthographicFront"/>
       <a:lightRig rig="threePt" dir="t"/>
     </dgm:scene3d>
-    <dgm:sp3d/>
     <dgm:txPr/>
     <dgm:style>
       <a:lnRef idx="0">
@@ -5928,7 +5929,6 @@
       <a:camera prst="orthographicFront"/>
       <a:lightRig rig="threePt" dir="t"/>
     </dgm:scene3d>
-    <dgm:sp3d/>
     <dgm:txPr/>
     <dgm:style>
       <a:lnRef idx="1">
@@ -5948,7 +5948,6 @@
       <a:camera prst="orthographicFront"/>
       <a:lightRig rig="threePt" dir="t"/>
     </dgm:scene3d>
-    <dgm:sp3d/>
     <dgm:txPr/>
     <dgm:style>
       <a:lnRef idx="1">
@@ -5968,7 +5967,6 @@
       <a:camera prst="orthographicFront"/>
       <a:lightRig rig="threePt" dir="t"/>
     </dgm:scene3d>
-    <dgm:sp3d/>
     <dgm:txPr/>
     <dgm:style>
       <a:lnRef idx="1">
@@ -5988,7 +5986,6 @@
       <a:camera prst="orthographicFront"/>
       <a:lightRig rig="threePt" dir="t"/>
     </dgm:scene3d>
-    <dgm:sp3d/>
     <dgm:txPr/>
     <dgm:style>
       <a:lnRef idx="1">
@@ -6008,7 +6005,6 @@
       <a:camera prst="orthographicFront"/>
       <a:lightRig rig="threePt" dir="t"/>
     </dgm:scene3d>
-    <dgm:sp3d/>
     <dgm:txPr/>
     <dgm:style>
       <a:lnRef idx="1">
@@ -6028,7 +6024,6 @@
       <a:camera prst="orthographicFront"/>
       <a:lightRig rig="threePt" dir="t"/>
     </dgm:scene3d>
-    <dgm:sp3d/>
     <dgm:txPr/>
     <dgm:style>
       <a:lnRef idx="1">
@@ -6048,7 +6043,6 @@
       <a:camera prst="orthographicFront"/>
       <a:lightRig rig="threePt" dir="t"/>
     </dgm:scene3d>
-    <dgm:sp3d/>
     <dgm:txPr/>
     <dgm:style>
       <a:lnRef idx="1">
@@ -6090,7 +6084,6 @@
       <a:camera prst="orthographicFront"/>
       <a:lightRig rig="threePt" dir="t"/>
     </dgm:scene3d>
-    <dgm:sp3d/>
     <dgm:txPr/>
     <dgm:style>
       <a:lnRef idx="0">
@@ -6256,7 +6249,6 @@
       <a:camera prst="orthographicFront"/>
       <a:lightRig rig="threePt" dir="t"/>
     </dgm:scene3d>
-    <dgm:sp3d/>
     <dgm:txPr/>
     <dgm:style>
       <a:lnRef idx="2">
@@ -6276,7 +6268,6 @@
       <a:camera prst="orthographicFront"/>
       <a:lightRig rig="threePt" dir="t"/>
     </dgm:scene3d>
-    <dgm:sp3d/>
     <dgm:txPr/>
     <dgm:style>
       <a:lnRef idx="2">
@@ -6296,7 +6287,6 @@
       <a:camera prst="orthographicFront"/>
       <a:lightRig rig="threePt" dir="t"/>
     </dgm:scene3d>
-    <dgm:sp3d/>
     <dgm:txPr/>
     <dgm:style>
       <a:lnRef idx="2">
@@ -6316,7 +6306,6 @@
       <a:camera prst="orthographicFront"/>
       <a:lightRig rig="threePt" dir="t"/>
     </dgm:scene3d>
-    <dgm:sp3d/>
     <dgm:txPr/>
     <dgm:style>
       <a:lnRef idx="2">
@@ -6336,7 +6325,6 @@
       <a:camera prst="orthographicFront"/>
       <a:lightRig rig="threePt" dir="t"/>
     </dgm:scene3d>
-    <dgm:sp3d/>
     <dgm:txPr/>
     <dgm:style>
       <a:lnRef idx="1">
@@ -6358,7 +6346,6 @@
       <a:camera prst="orthographicFront"/>
       <a:lightRig rig="threePt" dir="t"/>
     </dgm:scene3d>
-    <dgm:sp3d/>
     <dgm:txPr/>
     <dgm:style>
       <a:lnRef idx="1">
@@ -6380,7 +6367,6 @@
       <a:camera prst="orthographicFront"/>
       <a:lightRig rig="threePt" dir="t"/>
     </dgm:scene3d>
-    <dgm:sp3d/>
     <dgm:txPr/>
     <dgm:style>
       <a:lnRef idx="1">
@@ -6402,7 +6388,6 @@
       <a:camera prst="orthographicFront"/>
       <a:lightRig rig="threePt" dir="t"/>
     </dgm:scene3d>
-    <dgm:sp3d/>
     <dgm:txPr/>
     <dgm:style>
       <a:lnRef idx="1">
@@ -6424,7 +6409,6 @@
       <a:camera prst="orthographicFront"/>
       <a:lightRig rig="threePt" dir="t"/>
     </dgm:scene3d>
-    <dgm:sp3d/>
     <dgm:txPr/>
     <dgm:style>
       <a:lnRef idx="0">
@@ -6444,7 +6428,6 @@
       <a:camera prst="orthographicFront"/>
       <a:lightRig rig="threePt" dir="t"/>
     </dgm:scene3d>
-    <dgm:sp3d/>
     <dgm:txPr/>
     <dgm:style>
       <a:lnRef idx="1">
@@ -6464,7 +6447,6 @@
       <a:camera prst="orthographicFront"/>
       <a:lightRig rig="threePt" dir="t"/>
     </dgm:scene3d>
-    <dgm:sp3d/>
     <dgm:txPr/>
     <dgm:style>
       <a:lnRef idx="0">
@@ -6486,7 +6468,6 @@
       <a:camera prst="orthographicFront"/>
       <a:lightRig rig="threePt" dir="t"/>
     </dgm:scene3d>
-    <dgm:sp3d/>
     <dgm:txPr/>
     <dgm:style>
       <a:lnRef idx="1">
@@ -6506,7 +6487,6 @@
       <a:camera prst="orthographicFront"/>
       <a:lightRig rig="threePt" dir="t"/>
     </dgm:scene3d>
-    <dgm:sp3d/>
     <dgm:txPr/>
     <dgm:style>
       <a:lnRef idx="1">
@@ -6526,7 +6506,6 @@
       <a:camera prst="orthographicFront"/>
       <a:lightRig rig="threePt" dir="t"/>
     </dgm:scene3d>
-    <dgm:sp3d/>
     <dgm:txPr/>
     <dgm:style>
       <a:lnRef idx="1">
@@ -6546,7 +6525,6 @@
       <a:camera prst="orthographicFront"/>
       <a:lightRig rig="threePt" dir="t"/>
     </dgm:scene3d>
-    <dgm:sp3d/>
     <dgm:txPr/>
     <dgm:style>
       <a:lnRef idx="1">
@@ -6566,7 +6544,6 @@
       <a:camera prst="orthographicFront"/>
       <a:lightRig rig="threePt" dir="t"/>
     </dgm:scene3d>
-    <dgm:sp3d/>
     <dgm:txPr/>
     <dgm:style>
       <a:lnRef idx="0">
@@ -6609,7 +6586,7 @@
 </file>
 
 <file path=ppt/diagrams/quickStyle2.xml><?xml version="1.0" encoding="utf-8"?>
-<dgm:styleDef xmlns:dgm="http://schemas.openxmlformats.org/drawingml/2006/diagram" xmlns:a="http://schemas.openxmlformats.org/drawingml/2006/main" uniqueId="urn:microsoft.com/office/officeart/2005/8/quickstyle/simple1#1">
+<dgm:styleDef xmlns:dgm="http://schemas.openxmlformats.org/drawingml/2006/diagram" xmlns:a="http://schemas.openxmlformats.org/drawingml/2006/main" uniqueId="urn:microsoft.com/office/officeart/2005/8/quickstyle/simple1">
   <dgm:title val=""/>
   <dgm:desc val=""/>
   <dgm:catLst>
@@ -6624,7 +6601,6 @@
       <a:camera prst="orthographicFront"/>
       <a:lightRig rig="threePt" dir="t"/>
     </dgm:scene3d>
-    <dgm:sp3d/>
     <dgm:txPr/>
     <dgm:style>
       <a:lnRef idx="2">
@@ -6644,7 +6620,6 @@
       <a:camera prst="orthographicFront"/>
       <a:lightRig rig="threePt" dir="t"/>
     </dgm:scene3d>
-    <dgm:sp3d/>
     <dgm:txPr/>
     <dgm:style>
       <a:lnRef idx="2">
@@ -6664,7 +6639,6 @@
       <a:camera prst="orthographicFront"/>
       <a:lightRig rig="threePt" dir="t"/>
     </dgm:scene3d>
-    <dgm:sp3d/>
     <dgm:txPr/>
     <dgm:style>
       <a:lnRef idx="2">
@@ -6684,7 +6658,6 @@
       <a:camera prst="orthographicFront"/>
       <a:lightRig rig="threePt" dir="t"/>
     </dgm:scene3d>
-    <dgm:sp3d/>
     <dgm:txPr/>
     <dgm:style>
       <a:lnRef idx="2">
@@ -6706,7 +6679,6 @@
       <a:camera prst="orthographicFront"/>
       <a:lightRig rig="threePt" dir="t"/>
     </dgm:scene3d>
-    <dgm:sp3d/>
     <dgm:txPr/>
     <dgm:style>
       <a:lnRef idx="2">
@@ -6728,7 +6700,6 @@
       <a:camera prst="orthographicFront"/>
       <a:lightRig rig="threePt" dir="t"/>
     </dgm:scene3d>
-    <dgm:sp3d/>
     <dgm:txPr/>
     <dgm:style>
       <a:lnRef idx="2">
@@ -6750,7 +6721,6 @@
       <a:camera prst="orthographicFront"/>
       <a:lightRig rig="threePt" dir="t"/>
     </dgm:scene3d>
-    <dgm:sp3d/>
     <dgm:txPr/>
     <dgm:style>
       <a:lnRef idx="2">
@@ -6772,7 +6742,6 @@
       <a:camera prst="orthographicFront"/>
       <a:lightRig rig="threePt" dir="t"/>
     </dgm:scene3d>
-    <dgm:sp3d/>
     <dgm:txPr/>
     <dgm:style>
       <a:lnRef idx="2">
@@ -6794,7 +6763,6 @@
       <a:camera prst="orthographicFront"/>
       <a:lightRig rig="threePt" dir="t"/>
     </dgm:scene3d>
-    <dgm:sp3d/>
     <dgm:txPr/>
     <dgm:style>
       <a:lnRef idx="2">
@@ -6816,7 +6784,6 @@
       <a:camera prst="orthographicFront"/>
       <a:lightRig rig="threePt" dir="t"/>
     </dgm:scene3d>
-    <dgm:sp3d/>
     <dgm:txPr/>
     <dgm:style>
       <a:lnRef idx="2">
@@ -6836,7 +6803,6 @@
       <a:camera prst="orthographicFront"/>
       <a:lightRig rig="threePt" dir="t"/>
     </dgm:scene3d>
-    <dgm:sp3d/>
     <dgm:txPr/>
     <dgm:style>
       <a:lnRef idx="2">
@@ -6856,7 +6822,6 @@
       <a:camera prst="orthographicFront"/>
       <a:lightRig rig="threePt" dir="t"/>
     </dgm:scene3d>
-    <dgm:sp3d/>
     <dgm:txPr/>
     <dgm:style>
       <a:lnRef idx="2">
@@ -6876,7 +6841,6 @@
       <a:camera prst="orthographicFront"/>
       <a:lightRig rig="threePt" dir="t"/>
     </dgm:scene3d>
-    <dgm:sp3d/>
     <dgm:txPr/>
     <dgm:style>
       <a:lnRef idx="0">
@@ -6896,7 +6860,6 @@
       <a:camera prst="orthographicFront"/>
       <a:lightRig rig="threePt" dir="t"/>
     </dgm:scene3d>
-    <dgm:sp3d/>
     <dgm:txPr/>
     <dgm:style>
       <a:lnRef idx="0">
@@ -6918,7 +6881,6 @@
       <a:camera prst="orthographicFront"/>
       <a:lightRig rig="threePt" dir="t"/>
     </dgm:scene3d>
-    <dgm:sp3d/>
     <dgm:txPr/>
     <dgm:style>
       <a:lnRef idx="2">
@@ -6938,7 +6900,6 @@
       <a:camera prst="orthographicFront"/>
       <a:lightRig rig="threePt" dir="t"/>
     </dgm:scene3d>
-    <dgm:sp3d/>
     <dgm:txPr/>
     <dgm:style>
       <a:lnRef idx="2">
@@ -6958,7 +6919,6 @@
       <a:camera prst="orthographicFront"/>
       <a:lightRig rig="threePt" dir="t"/>
     </dgm:scene3d>
-    <dgm:sp3d/>
     <dgm:txPr/>
     <dgm:style>
       <a:lnRef idx="0">
@@ -6978,7 +6938,6 @@
       <a:camera prst="orthographicFront"/>
       <a:lightRig rig="threePt" dir="t"/>
     </dgm:scene3d>
-    <dgm:sp3d/>
     <dgm:txPr/>
     <dgm:style>
       <a:lnRef idx="2">
@@ -6998,7 +6957,6 @@
       <a:camera prst="orthographicFront"/>
       <a:lightRig rig="threePt" dir="t"/>
     </dgm:scene3d>
-    <dgm:sp3d/>
     <dgm:txPr/>
     <dgm:style>
       <a:lnRef idx="2">
@@ -7018,7 +6976,6 @@
       <a:camera prst="orthographicFront"/>
       <a:lightRig rig="threePt" dir="t"/>
     </dgm:scene3d>
-    <dgm:sp3d/>
     <dgm:txPr/>
     <dgm:style>
       <a:lnRef idx="2">
@@ -7038,7 +6995,6 @@
       <a:camera prst="orthographicFront"/>
       <a:lightRig rig="threePt" dir="t"/>
     </dgm:scene3d>
-    <dgm:sp3d/>
     <dgm:txPr/>
     <dgm:style>
       <a:lnRef idx="2">
@@ -7058,7 +7014,6 @@
       <a:camera prst="orthographicFront"/>
       <a:lightRig rig="threePt" dir="t"/>
     </dgm:scene3d>
-    <dgm:sp3d/>
     <dgm:txPr/>
     <dgm:style>
       <a:lnRef idx="2">
@@ -7078,7 +7033,6 @@
       <a:camera prst="orthographicFront"/>
       <a:lightRig rig="threePt" dir="t"/>
     </dgm:scene3d>
-    <dgm:sp3d/>
     <dgm:txPr/>
     <dgm:style>
       <a:lnRef idx="2">
@@ -7098,7 +7052,6 @@
       <a:camera prst="orthographicFront"/>
       <a:lightRig rig="threePt" dir="t"/>
     </dgm:scene3d>
-    <dgm:sp3d/>
     <dgm:txPr/>
     <dgm:style>
       <a:lnRef idx="2">
@@ -7118,7 +7071,6 @@
       <a:camera prst="orthographicFront"/>
       <a:lightRig rig="threePt" dir="t"/>
     </dgm:scene3d>
-    <dgm:sp3d/>
     <dgm:txPr/>
     <dgm:style>
       <a:lnRef idx="2">
@@ -7138,7 +7090,6 @@
       <a:camera prst="orthographicFront"/>
       <a:lightRig rig="threePt" dir="t"/>
     </dgm:scene3d>
-    <dgm:sp3d/>
     <dgm:txPr/>
     <dgm:style>
       <a:lnRef idx="0">
@@ -7160,7 +7111,6 @@
       <a:camera prst="orthographicFront"/>
       <a:lightRig rig="threePt" dir="t"/>
     </dgm:scene3d>
-    <dgm:sp3d/>
     <dgm:txPr/>
     <dgm:style>
       <a:lnRef idx="2">
@@ -7182,7 +7132,6 @@
       <a:camera prst="orthographicFront"/>
       <a:lightRig rig="threePt" dir="t"/>
     </dgm:scene3d>
-    <dgm:sp3d/>
     <dgm:txPr/>
     <dgm:style>
       <a:lnRef idx="2">
@@ -7204,7 +7153,6 @@
       <a:camera prst="orthographicFront"/>
       <a:lightRig rig="threePt" dir="t"/>
     </dgm:scene3d>
-    <dgm:sp3d/>
     <dgm:txPr/>
     <dgm:style>
       <a:lnRef idx="2">
@@ -7226,7 +7174,6 @@
       <a:camera prst="orthographicFront"/>
       <a:lightRig rig="threePt" dir="t"/>
     </dgm:scene3d>
-    <dgm:sp3d/>
     <dgm:txPr/>
     <dgm:style>
       <a:lnRef idx="2">
@@ -7248,7 +7195,6 @@
       <a:camera prst="orthographicFront"/>
       <a:lightRig rig="threePt" dir="t"/>
     </dgm:scene3d>
-    <dgm:sp3d/>
     <dgm:txPr/>
     <dgm:style>
       <a:lnRef idx="2">
@@ -7270,7 +7216,6 @@
       <a:camera prst="orthographicFront"/>
       <a:lightRig rig="threePt" dir="t"/>
     </dgm:scene3d>
-    <dgm:sp3d/>
     <dgm:txPr/>
     <dgm:style>
       <a:lnRef idx="2">
@@ -7292,7 +7237,6 @@
       <a:camera prst="orthographicFront"/>
       <a:lightRig rig="threePt" dir="t"/>
     </dgm:scene3d>
-    <dgm:sp3d/>
     <dgm:txPr/>
     <dgm:style>
       <a:lnRef idx="2">
@@ -7312,7 +7256,6 @@
       <a:camera prst="orthographicFront"/>
       <a:lightRig rig="threePt" dir="t"/>
     </dgm:scene3d>
-    <dgm:sp3d/>
     <dgm:txPr/>
     <dgm:style>
       <a:lnRef idx="2">
@@ -7332,7 +7275,6 @@
       <a:camera prst="orthographicFront"/>
       <a:lightRig rig="threePt" dir="t"/>
     </dgm:scene3d>
-    <dgm:sp3d/>
     <dgm:txPr/>
     <dgm:style>
       <a:lnRef idx="2">
@@ -7352,7 +7294,6 @@
       <a:camera prst="orthographicFront"/>
       <a:lightRig rig="threePt" dir="t"/>
     </dgm:scene3d>
-    <dgm:sp3d/>
     <dgm:txPr/>
     <dgm:style>
       <a:lnRef idx="2">
@@ -7372,7 +7313,6 @@
       <a:camera prst="orthographicFront"/>
       <a:lightRig rig="threePt" dir="t"/>
     </dgm:scene3d>
-    <dgm:sp3d/>
     <dgm:txPr/>
     <dgm:style>
       <a:lnRef idx="2">
@@ -7394,7 +7334,6 @@
       <a:camera prst="orthographicFront"/>
       <a:lightRig rig="threePt" dir="t"/>
     </dgm:scene3d>
-    <dgm:sp3d/>
     <dgm:txPr/>
     <dgm:style>
       <a:lnRef idx="2">
@@ -7416,7 +7355,6 @@
       <a:camera prst="orthographicFront"/>
       <a:lightRig rig="threePt" dir="t"/>
     </dgm:scene3d>
-    <dgm:sp3d/>
     <dgm:txPr/>
     <dgm:style>
       <a:lnRef idx="2">
@@ -7438,7 +7376,6 @@
       <a:camera prst="orthographicFront"/>
       <a:lightRig rig="threePt" dir="t"/>
     </dgm:scene3d>
-    <dgm:sp3d/>
     <dgm:txPr/>
     <dgm:style>
       <a:lnRef idx="2">
@@ -7460,7 +7397,6 @@
       <a:camera prst="orthographicFront"/>
       <a:lightRig rig="threePt" dir="t"/>
     </dgm:scene3d>
-    <dgm:sp3d/>
     <dgm:txPr/>
     <dgm:style>
       <a:lnRef idx="0">
@@ -7480,7 +7416,6 @@
       <a:camera prst="orthographicFront"/>
       <a:lightRig rig="threePt" dir="t"/>
     </dgm:scene3d>
-    <dgm:sp3d/>
     <dgm:txPr/>
     <dgm:style>
       <a:lnRef idx="1">
@@ -7500,7 +7435,6 @@
       <a:camera prst="orthographicFront"/>
       <a:lightRig rig="threePt" dir="t"/>
     </dgm:scene3d>
-    <dgm:sp3d/>
     <dgm:txPr/>
     <dgm:style>
       <a:lnRef idx="0">
@@ -7522,7 +7456,6 @@
       <a:camera prst="orthographicFront"/>
       <a:lightRig rig="threePt" dir="t"/>
     </dgm:scene3d>
-    <dgm:sp3d/>
     <dgm:txPr/>
     <dgm:style>
       <a:lnRef idx="2">
@@ -7542,7 +7475,6 @@
       <a:camera prst="orthographicFront"/>
       <a:lightRig rig="threePt" dir="t"/>
     </dgm:scene3d>
-    <dgm:sp3d/>
     <dgm:txPr/>
     <dgm:style>
       <a:lnRef idx="2">
@@ -7562,7 +7494,6 @@
       <a:camera prst="orthographicFront"/>
       <a:lightRig rig="threePt" dir="t"/>
     </dgm:scene3d>
-    <dgm:sp3d/>
     <dgm:txPr/>
     <dgm:style>
       <a:lnRef idx="2">
@@ -7582,7 +7513,6 @@
       <a:camera prst="orthographicFront"/>
       <a:lightRig rig="threePt" dir="t"/>
     </dgm:scene3d>
-    <dgm:sp3d/>
     <dgm:txPr/>
     <dgm:style>
       <a:lnRef idx="1">
@@ -7602,7 +7532,6 @@
       <a:camera prst="orthographicFront"/>
       <a:lightRig rig="threePt" dir="t"/>
     </dgm:scene3d>
-    <dgm:sp3d/>
     <dgm:txPr/>
     <dgm:style>
       <a:lnRef idx="0">
@@ -7622,7 +7551,6 @@
       <a:camera prst="orthographicFront"/>
       <a:lightRig rig="threePt" dir="t"/>
     </dgm:scene3d>
-    <dgm:sp3d/>
     <dgm:txPr/>
     <dgm:style>
       <a:lnRef idx="2">
@@ -7724,7 +7652,6 @@
           <a:p>
             <a:fld id="{2AA5BB14-8648-4606-A1BD-9421A15DF0F1}" type="datetimeFigureOut">
               <a:rPr lang="zh-CN" altLang="en-US" smtClean="0"/>
-              <a:t>2019/4/4</a:t>
             </a:fld>
             <a:endParaRPr lang="zh-CN" altLang="en-US"/>
           </a:p>
@@ -7791,6 +7718,7 @@
               <a:rPr lang="zh-CN" altLang="en-US"/>
               <a:t>编辑母版文本样式</a:t>
             </a:r>
+            <a:endParaRPr lang="zh-CN" altLang="en-US"/>
           </a:p>
           <a:p>
             <a:pPr lvl="1"/>
@@ -7798,6 +7726,7 @@
               <a:rPr lang="zh-CN" altLang="en-US"/>
               <a:t>第二级</a:t>
             </a:r>
+            <a:endParaRPr lang="zh-CN" altLang="en-US"/>
           </a:p>
           <a:p>
             <a:pPr lvl="2"/>
@@ -7805,6 +7734,7 @@
               <a:rPr lang="zh-CN" altLang="en-US"/>
               <a:t>第三级</a:t>
             </a:r>
+            <a:endParaRPr lang="zh-CN" altLang="en-US"/>
           </a:p>
           <a:p>
             <a:pPr lvl="3"/>
@@ -7812,6 +7742,7 @@
               <a:rPr lang="zh-CN" altLang="en-US"/>
               <a:t>第四级</a:t>
             </a:r>
+            <a:endParaRPr lang="zh-CN" altLang="en-US"/>
           </a:p>
           <a:p>
             <a:pPr lvl="4"/>
@@ -7819,6 +7750,7 @@
               <a:rPr lang="zh-CN" altLang="en-US"/>
               <a:t>第五级</a:t>
             </a:r>
+            <a:endParaRPr lang="zh-CN" altLang="en-US"/>
           </a:p>
         </p:txBody>
       </p:sp>
@@ -7882,7 +7814,6 @@
           <a:p>
             <a:fld id="{80DAA526-96C3-4A52-8C86-0F20201D56F5}" type="slidenum">
               <a:rPr lang="zh-CN" altLang="en-US" smtClean="0"/>
-              <a:t>‹#›</a:t>
             </a:fld>
             <a:endParaRPr lang="zh-CN" altLang="en-US"/>
           </a:p>
@@ -8056,7 +7987,6 @@
           <a:p>
             <a:fld id="{80DAA526-96C3-4A52-8C86-0F20201D56F5}" type="slidenum">
               <a:rPr lang="zh-CN" altLang="en-US" smtClean="0"/>
-              <a:t>1</a:t>
             </a:fld>
             <a:endParaRPr lang="zh-CN" altLang="en-US"/>
           </a:p>
@@ -8140,7 +8070,6 @@
           <a:p>
             <a:fld id="{80DAA526-96C3-4A52-8C86-0F20201D56F5}" type="slidenum">
               <a:rPr lang="zh-CN" altLang="en-US" smtClean="0"/>
-              <a:t>2</a:t>
             </a:fld>
             <a:endParaRPr lang="zh-CN" altLang="en-US"/>
           </a:p>
@@ -8224,7 +8153,6 @@
           <a:p>
             <a:fld id="{80DAA526-96C3-4A52-8C86-0F20201D56F5}" type="slidenum">
               <a:rPr lang="zh-CN" altLang="en-US" smtClean="0"/>
-              <a:t>3</a:t>
             </a:fld>
             <a:endParaRPr lang="zh-CN" altLang="en-US"/>
           </a:p>
@@ -8313,6 +8241,9 @@
               </a:rPr>
               <a:t>看源码的方法：</a:t>
             </a:r>
+            <a:endParaRPr lang="zh-CN" altLang="en-US" dirty="0" smtClean="0">
+              <a:sym typeface="+mn-ea"/>
+            </a:endParaRPr>
           </a:p>
           <a:p>
             <a:pPr indent="0">
@@ -8404,6 +8335,9 @@
               </a:rPr>
               <a:t>。</a:t>
             </a:r>
+            <a:endParaRPr lang="zh-CN" altLang="en-US" dirty="0">
+              <a:sym typeface="+mn-ea"/>
+            </a:endParaRPr>
           </a:p>
           <a:p>
             <a:pPr marL="285750" indent="-285750">
@@ -8459,6 +8393,9 @@
               </a:rPr>
               <a:t>搞清楚有状态重试是什么</a:t>
             </a:r>
+            <a:endParaRPr lang="zh-CN" altLang="en-US" dirty="0" smtClean="0">
+              <a:sym typeface="+mn-ea"/>
+            </a:endParaRPr>
           </a:p>
           <a:p>
             <a:endParaRPr lang="en-US" altLang="zh-CN" dirty="0" smtClean="0"/>
@@ -8482,7 +8419,6 @@
           <a:p>
             <a:fld id="{80DAA526-96C3-4A52-8C86-0F20201D56F5}" type="slidenum">
               <a:rPr lang="zh-CN" altLang="en-US" smtClean="0"/>
-              <a:t>4</a:t>
             </a:fld>
             <a:endParaRPr lang="zh-CN" altLang="en-US"/>
           </a:p>
@@ -8566,7 +8502,6 @@
           <a:p>
             <a:fld id="{80DAA526-96C3-4A52-8C86-0F20201D56F5}" type="slidenum">
               <a:rPr lang="zh-CN" altLang="en-US" smtClean="0"/>
-              <a:t>5</a:t>
             </a:fld>
             <a:endParaRPr lang="zh-CN" altLang="en-US"/>
           </a:p>
@@ -8650,7 +8585,6 @@
           <a:p>
             <a:fld id="{80DAA526-96C3-4A52-8C86-0F20201D56F5}" type="slidenum">
               <a:rPr lang="zh-CN" altLang="en-US" smtClean="0"/>
-              <a:t>6</a:t>
             </a:fld>
             <a:endParaRPr lang="zh-CN" altLang="en-US"/>
           </a:p>
@@ -8749,6 +8683,7 @@
               <a:rPr lang="en-US" altLang="zh-CN" dirty="0" smtClean="0"/>
               <a:t>response</a:t>
             </a:r>
+            <a:endParaRPr lang="en-US" altLang="zh-CN" dirty="0" smtClean="0"/>
           </a:p>
           <a:p>
             <a:endParaRPr lang="en-US" altLang="zh-CN" dirty="0" smtClean="0"/>
@@ -8770,6 +8705,7 @@
               <a:rPr lang="en-US" altLang="zh-CN" baseline="0" dirty="0" err="1" smtClean="0"/>
               <a:t>Exception</a:t>
             </a:r>
+            <a:endParaRPr lang="en-US" altLang="zh-CN" baseline="0" dirty="0" err="1" smtClean="0"/>
           </a:p>
           <a:p>
             <a:endParaRPr lang="en-US" altLang="zh-CN" dirty="0" smtClean="0"/>
@@ -8815,7 +8751,6 @@
           <a:p>
             <a:fld id="{80DAA526-96C3-4A52-8C86-0F20201D56F5}" type="slidenum">
               <a:rPr lang="zh-CN" altLang="en-US" smtClean="0"/>
-              <a:t>7</a:t>
             </a:fld>
             <a:endParaRPr lang="zh-CN" altLang="en-US"/>
           </a:p>
@@ -8899,6 +8834,9 @@
               </a:rPr>
               <a:t>看源码的方法：</a:t>
             </a:r>
+            <a:endParaRPr lang="zh-CN" altLang="en-US" dirty="0" smtClean="0">
+              <a:sym typeface="+mn-ea"/>
+            </a:endParaRPr>
           </a:p>
           <a:p>
             <a:pPr indent="0">
@@ -8990,6 +8928,9 @@
               </a:rPr>
               <a:t>。</a:t>
             </a:r>
+            <a:endParaRPr lang="zh-CN" altLang="en-US" dirty="0">
+              <a:sym typeface="+mn-ea"/>
+            </a:endParaRPr>
           </a:p>
           <a:p>
             <a:pPr marL="285750" indent="-285750">
@@ -9045,6 +8986,9 @@
               </a:rPr>
               <a:t>搞清楚有状态重试是什么</a:t>
             </a:r>
+            <a:endParaRPr lang="zh-CN" altLang="en-US" dirty="0" smtClean="0">
+              <a:sym typeface="+mn-ea"/>
+            </a:endParaRPr>
           </a:p>
           <a:p>
             <a:pPr marL="285750" indent="-285750">
@@ -9110,6 +9054,7 @@
               <a:rPr lang="zh-CN" altLang="en-US" dirty="0"/>
               <a:t>）框架理念等</a:t>
             </a:r>
+            <a:endParaRPr lang="zh-CN" altLang="en-US" dirty="0"/>
           </a:p>
         </p:txBody>
       </p:sp>
@@ -9130,7 +9075,6 @@
           <a:p>
             <a:fld id="{7392B679-AE23-4750-8FB0-6513430B8953}" type="slidenum">
               <a:rPr lang="zh-CN" altLang="en-US" smtClean="0"/>
-              <a:t>8</a:t>
             </a:fld>
             <a:endParaRPr lang="zh-CN" altLang="en-US"/>
           </a:p>
@@ -9275,7 +9219,6 @@
           <a:p>
             <a:fld id="{F2C3DB7C-2D6B-4C00-98DC-0DA6EC76AE3B}" type="datetimeFigureOut">
               <a:rPr lang="zh-CN" altLang="en-US" smtClean="0"/>
-              <a:t>2019/4/4</a:t>
             </a:fld>
             <a:endParaRPr lang="zh-CN" altLang="en-US"/>
           </a:p>
@@ -9317,7 +9260,6 @@
           <a:p>
             <a:fld id="{706651A3-21E8-4EF8-877E-30E54495478B}" type="slidenum">
               <a:rPr lang="zh-CN" altLang="en-US" smtClean="0"/>
-              <a:t>‹#›</a:t>
             </a:fld>
             <a:endParaRPr lang="zh-CN" altLang="en-US"/>
           </a:p>
@@ -9391,6 +9333,7 @@
               <a:rPr lang="zh-CN" altLang="en-US"/>
               <a:t>单击此处编辑母版文本样式</a:t>
             </a:r>
+            <a:endParaRPr lang="zh-CN" altLang="en-US"/>
           </a:p>
           <a:p>
             <a:pPr lvl="1"/>
@@ -9398,6 +9341,7 @@
               <a:rPr lang="zh-CN" altLang="en-US"/>
               <a:t>第二级</a:t>
             </a:r>
+            <a:endParaRPr lang="zh-CN" altLang="en-US"/>
           </a:p>
           <a:p>
             <a:pPr lvl="2"/>
@@ -9405,6 +9349,7 @@
               <a:rPr lang="zh-CN" altLang="en-US"/>
               <a:t>第三级</a:t>
             </a:r>
+            <a:endParaRPr lang="zh-CN" altLang="en-US"/>
           </a:p>
           <a:p>
             <a:pPr lvl="3"/>
@@ -9412,6 +9357,7 @@
               <a:rPr lang="zh-CN" altLang="en-US"/>
               <a:t>第四级</a:t>
             </a:r>
+            <a:endParaRPr lang="zh-CN" altLang="en-US"/>
           </a:p>
           <a:p>
             <a:pPr lvl="4"/>
@@ -9440,7 +9386,6 @@
           <a:p>
             <a:fld id="{F2C3DB7C-2D6B-4C00-98DC-0DA6EC76AE3B}" type="datetimeFigureOut">
               <a:rPr lang="zh-CN" altLang="en-US" smtClean="0"/>
-              <a:t>2019/4/4</a:t>
             </a:fld>
             <a:endParaRPr lang="zh-CN" altLang="en-US"/>
           </a:p>
@@ -9482,7 +9427,6 @@
           <a:p>
             <a:fld id="{706651A3-21E8-4EF8-877E-30E54495478B}" type="slidenum">
               <a:rPr lang="zh-CN" altLang="en-US" smtClean="0"/>
-              <a:t>‹#›</a:t>
             </a:fld>
             <a:endParaRPr lang="zh-CN" altLang="en-US"/>
           </a:p>
@@ -9566,6 +9510,7 @@
               <a:rPr lang="zh-CN" altLang="en-US"/>
               <a:t>单击此处编辑母版文本样式</a:t>
             </a:r>
+            <a:endParaRPr lang="zh-CN" altLang="en-US"/>
           </a:p>
           <a:p>
             <a:pPr lvl="1"/>
@@ -9573,6 +9518,7 @@
               <a:rPr lang="zh-CN" altLang="en-US"/>
               <a:t>第二级</a:t>
             </a:r>
+            <a:endParaRPr lang="zh-CN" altLang="en-US"/>
           </a:p>
           <a:p>
             <a:pPr lvl="2"/>
@@ -9580,6 +9526,7 @@
               <a:rPr lang="zh-CN" altLang="en-US"/>
               <a:t>第三级</a:t>
             </a:r>
+            <a:endParaRPr lang="zh-CN" altLang="en-US"/>
           </a:p>
           <a:p>
             <a:pPr lvl="3"/>
@@ -9587,6 +9534,7 @@
               <a:rPr lang="zh-CN" altLang="en-US"/>
               <a:t>第四级</a:t>
             </a:r>
+            <a:endParaRPr lang="zh-CN" altLang="en-US"/>
           </a:p>
           <a:p>
             <a:pPr lvl="4"/>
@@ -9615,7 +9563,6 @@
           <a:p>
             <a:fld id="{F2C3DB7C-2D6B-4C00-98DC-0DA6EC76AE3B}" type="datetimeFigureOut">
               <a:rPr lang="zh-CN" altLang="en-US" smtClean="0"/>
-              <a:t>2019/4/4</a:t>
             </a:fld>
             <a:endParaRPr lang="zh-CN" altLang="en-US"/>
           </a:p>
@@ -9657,7 +9604,6 @@
           <a:p>
             <a:fld id="{706651A3-21E8-4EF8-877E-30E54495478B}" type="slidenum">
               <a:rPr lang="zh-CN" altLang="en-US" smtClean="0"/>
-              <a:t>‹#›</a:t>
             </a:fld>
             <a:endParaRPr lang="zh-CN" altLang="en-US"/>
           </a:p>
@@ -9731,6 +9677,7 @@
               <a:rPr lang="zh-CN" altLang="en-US" smtClean="0"/>
               <a:t>编辑母版文本样式</a:t>
             </a:r>
+            <a:endParaRPr lang="zh-CN" altLang="en-US" smtClean="0"/>
           </a:p>
           <a:p>
             <a:pPr lvl="1"/>
@@ -9738,6 +9685,7 @@
               <a:rPr lang="zh-CN" altLang="en-US" smtClean="0"/>
               <a:t>第二级</a:t>
             </a:r>
+            <a:endParaRPr lang="zh-CN" altLang="en-US" smtClean="0"/>
           </a:p>
           <a:p>
             <a:pPr lvl="2"/>
@@ -9745,6 +9693,7 @@
               <a:rPr lang="zh-CN" altLang="en-US" smtClean="0"/>
               <a:t>第三级</a:t>
             </a:r>
+            <a:endParaRPr lang="zh-CN" altLang="en-US" smtClean="0"/>
           </a:p>
           <a:p>
             <a:pPr lvl="3"/>
@@ -9752,6 +9701,7 @@
               <a:rPr lang="zh-CN" altLang="en-US" smtClean="0"/>
               <a:t>第四级</a:t>
             </a:r>
+            <a:endParaRPr lang="zh-CN" altLang="en-US" smtClean="0"/>
           </a:p>
           <a:p>
             <a:pPr lvl="4"/>
@@ -9780,7 +9730,6 @@
           <a:p>
             <a:fld id="{91570989-F794-4776-9639-6FD2DDE93F87}" type="datetimeFigureOut">
               <a:rPr lang="zh-CN" altLang="en-US" smtClean="0"/>
-              <a:t>2019/4/4</a:t>
             </a:fld>
             <a:endParaRPr lang="zh-CN" altLang="en-US"/>
           </a:p>
@@ -9822,7 +9771,6 @@
           <a:p>
             <a:fld id="{3A6169C9-0F47-4633-8197-B55C640D5B6D}" type="slidenum">
               <a:rPr lang="zh-CN" altLang="en-US" smtClean="0"/>
-              <a:t>‹#›</a:t>
             </a:fld>
             <a:endParaRPr lang="zh-CN" altLang="en-US"/>
           </a:p>
@@ -9990,6 +9938,7 @@
               <a:rPr lang="zh-CN" altLang="en-US"/>
               <a:t>单击此处编辑母版文本样式</a:t>
             </a:r>
+            <a:endParaRPr lang="zh-CN" altLang="en-US"/>
           </a:p>
           <a:p>
             <a:pPr lvl="1"/>
@@ -9997,6 +9946,7 @@
               <a:rPr lang="zh-CN" altLang="en-US"/>
               <a:t>第二级</a:t>
             </a:r>
+            <a:endParaRPr lang="zh-CN" altLang="en-US"/>
           </a:p>
           <a:p>
             <a:pPr lvl="2"/>
@@ -10004,6 +9954,7 @@
               <a:rPr lang="zh-CN" altLang="en-US"/>
               <a:t>第三级</a:t>
             </a:r>
+            <a:endParaRPr lang="zh-CN" altLang="en-US"/>
           </a:p>
           <a:p>
             <a:pPr lvl="3"/>
@@ -10011,6 +9962,7 @@
               <a:rPr lang="zh-CN" altLang="en-US"/>
               <a:t>第四级</a:t>
             </a:r>
+            <a:endParaRPr lang="zh-CN" altLang="en-US"/>
           </a:p>
           <a:p>
             <a:pPr lvl="4"/>
@@ -10047,6 +9999,7 @@
               <a:rPr lang="zh-CN" altLang="en-US"/>
               <a:t>单击此处编辑母版文本样式</a:t>
             </a:r>
+            <a:endParaRPr lang="zh-CN" altLang="en-US"/>
           </a:p>
           <a:p>
             <a:pPr lvl="1"/>
@@ -10054,6 +10007,7 @@
               <a:rPr lang="zh-CN" altLang="en-US"/>
               <a:t>第二级</a:t>
             </a:r>
+            <a:endParaRPr lang="zh-CN" altLang="en-US"/>
           </a:p>
           <a:p>
             <a:pPr lvl="2"/>
@@ -10061,6 +10015,7 @@
               <a:rPr lang="zh-CN" altLang="en-US"/>
               <a:t>第三级</a:t>
             </a:r>
+            <a:endParaRPr lang="zh-CN" altLang="en-US"/>
           </a:p>
           <a:p>
             <a:pPr lvl="3"/>
@@ -10068,6 +10023,7 @@
               <a:rPr lang="zh-CN" altLang="en-US"/>
               <a:t>第四级</a:t>
             </a:r>
+            <a:endParaRPr lang="zh-CN" altLang="en-US"/>
           </a:p>
           <a:p>
             <a:pPr lvl="4"/>
@@ -10096,7 +10052,6 @@
           <a:p>
             <a:fld id="{F2C3DB7C-2D6B-4C00-98DC-0DA6EC76AE3B}" type="datetimeFigureOut">
               <a:rPr lang="zh-CN" altLang="en-US" smtClean="0"/>
-              <a:t>2019/4/4</a:t>
             </a:fld>
             <a:endParaRPr lang="zh-CN" altLang="en-US"/>
           </a:p>
@@ -10138,7 +10093,6 @@
           <a:p>
             <a:fld id="{706651A3-21E8-4EF8-877E-30E54495478B}" type="slidenum">
               <a:rPr lang="zh-CN" altLang="en-US" smtClean="0"/>
-              <a:t>‹#›</a:t>
             </a:fld>
             <a:endParaRPr lang="zh-CN" altLang="en-US"/>
           </a:p>
@@ -10259,6 +10213,7 @@
               <a:rPr lang="zh-CN" altLang="en-US"/>
               <a:t>单击此处编辑母版文本样式</a:t>
             </a:r>
+            <a:endParaRPr lang="zh-CN" altLang="en-US"/>
           </a:p>
         </p:txBody>
       </p:sp>
@@ -10287,6 +10242,7 @@
               <a:rPr lang="zh-CN" altLang="en-US"/>
               <a:t>单击此处编辑母版文本样式</a:t>
             </a:r>
+            <a:endParaRPr lang="zh-CN" altLang="en-US"/>
           </a:p>
           <a:p>
             <a:pPr lvl="1"/>
@@ -10294,6 +10250,7 @@
               <a:rPr lang="zh-CN" altLang="en-US"/>
               <a:t>第二级</a:t>
             </a:r>
+            <a:endParaRPr lang="zh-CN" altLang="en-US"/>
           </a:p>
           <a:p>
             <a:pPr lvl="2"/>
@@ -10301,6 +10258,7 @@
               <a:rPr lang="zh-CN" altLang="en-US"/>
               <a:t>第三级</a:t>
             </a:r>
+            <a:endParaRPr lang="zh-CN" altLang="en-US"/>
           </a:p>
           <a:p>
             <a:pPr lvl="3"/>
@@ -10308,6 +10266,7 @@
               <a:rPr lang="zh-CN" altLang="en-US"/>
               <a:t>第四级</a:t>
             </a:r>
+            <a:endParaRPr lang="zh-CN" altLang="en-US"/>
           </a:p>
           <a:p>
             <a:pPr lvl="4"/>
@@ -10381,6 +10340,7 @@
               <a:rPr lang="zh-CN" altLang="en-US"/>
               <a:t>单击此处编辑母版文本样式</a:t>
             </a:r>
+            <a:endParaRPr lang="zh-CN" altLang="en-US"/>
           </a:p>
         </p:txBody>
       </p:sp>
@@ -10409,6 +10369,7 @@
               <a:rPr lang="zh-CN" altLang="en-US"/>
               <a:t>单击此处编辑母版文本样式</a:t>
             </a:r>
+            <a:endParaRPr lang="zh-CN" altLang="en-US"/>
           </a:p>
           <a:p>
             <a:pPr lvl="1"/>
@@ -10416,6 +10377,7 @@
               <a:rPr lang="zh-CN" altLang="en-US"/>
               <a:t>第二级</a:t>
             </a:r>
+            <a:endParaRPr lang="zh-CN" altLang="en-US"/>
           </a:p>
           <a:p>
             <a:pPr lvl="2"/>
@@ -10423,6 +10385,7 @@
               <a:rPr lang="zh-CN" altLang="en-US"/>
               <a:t>第三级</a:t>
             </a:r>
+            <a:endParaRPr lang="zh-CN" altLang="en-US"/>
           </a:p>
           <a:p>
             <a:pPr lvl="3"/>
@@ -10430,6 +10393,7 @@
               <a:rPr lang="zh-CN" altLang="en-US"/>
               <a:t>第四级</a:t>
             </a:r>
+            <a:endParaRPr lang="zh-CN" altLang="en-US"/>
           </a:p>
           <a:p>
             <a:pPr lvl="4"/>
@@ -10458,7 +10422,6 @@
           <a:p>
             <a:fld id="{F2C3DB7C-2D6B-4C00-98DC-0DA6EC76AE3B}" type="datetimeFigureOut">
               <a:rPr lang="zh-CN" altLang="en-US" smtClean="0"/>
-              <a:t>2019/4/4</a:t>
             </a:fld>
             <a:endParaRPr lang="zh-CN" altLang="en-US"/>
           </a:p>
@@ -10500,7 +10463,6 @@
           <a:p>
             <a:fld id="{706651A3-21E8-4EF8-877E-30E54495478B}" type="slidenum">
               <a:rPr lang="zh-CN" altLang="en-US" smtClean="0"/>
-              <a:t>‹#›</a:t>
             </a:fld>
             <a:endParaRPr lang="zh-CN" altLang="en-US"/>
           </a:p>
@@ -10571,7 +10533,6 @@
           <a:p>
             <a:fld id="{F2C3DB7C-2D6B-4C00-98DC-0DA6EC76AE3B}" type="datetimeFigureOut">
               <a:rPr lang="zh-CN" altLang="en-US" smtClean="0"/>
-              <a:t>2019/4/4</a:t>
             </a:fld>
             <a:endParaRPr lang="zh-CN" altLang="en-US"/>
           </a:p>
@@ -10613,7 +10574,6 @@
           <a:p>
             <a:fld id="{706651A3-21E8-4EF8-877E-30E54495478B}" type="slidenum">
               <a:rPr lang="zh-CN" altLang="en-US" smtClean="0"/>
-              <a:t>‹#›</a:t>
             </a:fld>
             <a:endParaRPr lang="zh-CN" altLang="en-US"/>
           </a:p>
@@ -10661,7 +10621,6 @@
           <a:p>
             <a:fld id="{F2C3DB7C-2D6B-4C00-98DC-0DA6EC76AE3B}" type="datetimeFigureOut">
               <a:rPr lang="zh-CN" altLang="en-US" smtClean="0"/>
-              <a:t>2019/4/4</a:t>
             </a:fld>
             <a:endParaRPr lang="zh-CN" altLang="en-US"/>
           </a:p>
@@ -10703,7 +10662,6 @@
           <a:p>
             <a:fld id="{706651A3-21E8-4EF8-877E-30E54495478B}" type="slidenum">
               <a:rPr lang="zh-CN" altLang="en-US" smtClean="0"/>
-              <a:t>‹#›</a:t>
             </a:fld>
             <a:endParaRPr lang="zh-CN" altLang="en-US"/>
           </a:p>
@@ -10819,6 +10777,7 @@
               <a:rPr lang="zh-CN" altLang="en-US"/>
               <a:t>单击此处编辑母版文本样式</a:t>
             </a:r>
+            <a:endParaRPr lang="zh-CN" altLang="en-US"/>
           </a:p>
           <a:p>
             <a:pPr lvl="1"/>
@@ -10826,6 +10785,7 @@
               <a:rPr lang="zh-CN" altLang="en-US"/>
               <a:t>第二级</a:t>
             </a:r>
+            <a:endParaRPr lang="zh-CN" altLang="en-US"/>
           </a:p>
           <a:p>
             <a:pPr lvl="2"/>
@@ -10833,6 +10793,7 @@
               <a:rPr lang="zh-CN" altLang="en-US"/>
               <a:t>第三级</a:t>
             </a:r>
+            <a:endParaRPr lang="zh-CN" altLang="en-US"/>
           </a:p>
           <a:p>
             <a:pPr lvl="3"/>
@@ -10840,6 +10801,7 @@
               <a:rPr lang="zh-CN" altLang="en-US"/>
               <a:t>第四级</a:t>
             </a:r>
+            <a:endParaRPr lang="zh-CN" altLang="en-US"/>
           </a:p>
           <a:p>
             <a:pPr lvl="4"/>
@@ -10913,6 +10875,7 @@
               <a:rPr lang="zh-CN" altLang="en-US"/>
               <a:t>单击此处编辑母版文本样式</a:t>
             </a:r>
+            <a:endParaRPr lang="zh-CN" altLang="en-US"/>
           </a:p>
         </p:txBody>
       </p:sp>
@@ -10933,7 +10896,6 @@
           <a:p>
             <a:fld id="{F2C3DB7C-2D6B-4C00-98DC-0DA6EC76AE3B}" type="datetimeFigureOut">
               <a:rPr lang="zh-CN" altLang="en-US" smtClean="0"/>
-              <a:t>2019/4/4</a:t>
             </a:fld>
             <a:endParaRPr lang="zh-CN" altLang="en-US"/>
           </a:p>
@@ -10975,7 +10937,6 @@
           <a:p>
             <a:fld id="{706651A3-21E8-4EF8-877E-30E54495478B}" type="slidenum">
               <a:rPr lang="zh-CN" altLang="en-US" smtClean="0"/>
-              <a:t>‹#›</a:t>
             </a:fld>
             <a:endParaRPr lang="zh-CN" altLang="en-US"/>
           </a:p>
@@ -11165,6 +11126,7 @@
               <a:rPr lang="zh-CN" altLang="en-US"/>
               <a:t>单击此处编辑母版文本样式</a:t>
             </a:r>
+            <a:endParaRPr lang="zh-CN" altLang="en-US"/>
           </a:p>
         </p:txBody>
       </p:sp>
@@ -11185,7 +11147,6 @@
           <a:p>
             <a:fld id="{F2C3DB7C-2D6B-4C00-98DC-0DA6EC76AE3B}" type="datetimeFigureOut">
               <a:rPr lang="zh-CN" altLang="en-US" smtClean="0"/>
-              <a:t>2019/4/4</a:t>
             </a:fld>
             <a:endParaRPr lang="zh-CN" altLang="en-US"/>
           </a:p>
@@ -11227,7 +11188,6 @@
           <a:p>
             <a:fld id="{706651A3-21E8-4EF8-877E-30E54495478B}" type="slidenum">
               <a:rPr lang="zh-CN" altLang="en-US" smtClean="0"/>
-              <a:t>‹#›</a:t>
             </a:fld>
             <a:endParaRPr lang="zh-CN" altLang="en-US"/>
           </a:p>
@@ -11247,7 +11207,7 @@
     <p:bg>
       <p:bgPr>
         <a:blipFill dpi="0" rotWithShape="1">
-          <a:blip r:embed="rId15">
+          <a:blip r:embed="rId14">
             <a:lum/>
           </a:blip>
           <a:srcRect/>
@@ -11335,6 +11295,7 @@
               <a:rPr lang="zh-CN" altLang="en-US"/>
               <a:t>单击此处编辑母版文本样式</a:t>
             </a:r>
+            <a:endParaRPr lang="zh-CN" altLang="en-US"/>
           </a:p>
           <a:p>
             <a:pPr lvl="1"/>
@@ -11342,6 +11303,7 @@
               <a:rPr lang="zh-CN" altLang="en-US"/>
               <a:t>第二级</a:t>
             </a:r>
+            <a:endParaRPr lang="zh-CN" altLang="en-US"/>
           </a:p>
           <a:p>
             <a:pPr lvl="2"/>
@@ -11349,6 +11311,7 @@
               <a:rPr lang="zh-CN" altLang="en-US"/>
               <a:t>第三级</a:t>
             </a:r>
+            <a:endParaRPr lang="zh-CN" altLang="en-US"/>
           </a:p>
           <a:p>
             <a:pPr lvl="3"/>
@@ -11356,6 +11319,7 @@
               <a:rPr lang="zh-CN" altLang="en-US"/>
               <a:t>第四级</a:t>
             </a:r>
+            <a:endParaRPr lang="zh-CN" altLang="en-US"/>
           </a:p>
           <a:p>
             <a:pPr lvl="4"/>
@@ -11402,7 +11366,6 @@
           <a:p>
             <a:fld id="{F2C3DB7C-2D6B-4C00-98DC-0DA6EC76AE3B}" type="datetimeFigureOut">
               <a:rPr lang="zh-CN" altLang="en-US" smtClean="0"/>
-              <a:t>2019/4/4</a:t>
             </a:fld>
             <a:endParaRPr lang="zh-CN" altLang="en-US"/>
           </a:p>
@@ -11480,7 +11443,6 @@
           <a:p>
             <a:fld id="{706651A3-21E8-4EF8-877E-30E54495478B}" type="slidenum">
               <a:rPr lang="zh-CN" altLang="en-US" smtClean="0"/>
-              <a:t>‹#›</a:t>
             </a:fld>
             <a:endParaRPr lang="zh-CN" altLang="en-US"/>
           </a:p>
@@ -11800,7 +11762,7 @@
     <p:bg>
       <p:bgPr>
         <a:blipFill dpi="0" rotWithShape="1">
-          <a:blip r:embed="rId3">
+          <a:blip r:embed="rId1">
             <a:lum/>
           </a:blip>
           <a:srcRect/>
@@ -11858,6 +11820,13 @@
               </a:rPr>
               <a:t>Spring Retry</a:t>
             </a:r>
+            <a:endParaRPr lang="en-US" altLang="zh-CN" sz="4000" dirty="0">
+              <a:solidFill>
+                <a:schemeClr val="bg1">
+                  <a:lumMod val="65000"/>
+                </a:schemeClr>
+              </a:solidFill>
+            </a:endParaRPr>
           </a:p>
         </p:txBody>
       </p:sp>
@@ -11976,6 +11945,13 @@
               </a:rPr>
               <a:t>拉鲁克</a:t>
             </a:r>
+            <a:endParaRPr lang="zh-CN" altLang="en-US" sz="1400" dirty="0" smtClean="0">
+              <a:solidFill>
+                <a:schemeClr val="bg1">
+                  <a:lumMod val="75000"/>
+                </a:schemeClr>
+              </a:solidFill>
+            </a:endParaRPr>
           </a:p>
           <a:p>
             <a:pPr algn="ctr"/>
@@ -11987,7 +11963,7 @@
                   </a:schemeClr>
                 </a:solidFill>
               </a:rPr>
-              <a:t>2019-04-02</a:t>
+              <a:t>2019-04-19</a:t>
             </a:r>
             <a:endParaRPr lang="zh-CN" altLang="en-US" sz="1400" dirty="0">
               <a:solidFill>
@@ -12148,7 +12124,7 @@
         </p:xfrm>
         <a:graphic>
           <a:graphicData uri="http://schemas.openxmlformats.org/drawingml/2006/diagram">
-            <dgm:relIds xmlns:dgm="http://schemas.openxmlformats.org/drawingml/2006/diagram" xmlns:r="http://schemas.openxmlformats.org/officeDocument/2006/relationships" r:dm="rId3" r:lo="rId4" r:qs="rId5" r:cs="rId6"/>
+            <dgm:relIds xmlns:dgm="http://schemas.openxmlformats.org/drawingml/2006/diagram" xmlns:r="http://schemas.openxmlformats.org/officeDocument/2006/relationships" r:dm="rId1" r:lo="rId2" r:qs="rId3" r:cs="rId4"/>
           </a:graphicData>
         </a:graphic>
       </p:graphicFrame>
@@ -12289,6 +12265,10 @@
               </a:rPr>
               <a:t>介绍</a:t>
             </a:r>
+            <a:endParaRPr lang="zh-CN" altLang="en-US" sz="2800" b="1" dirty="0">
+              <a:latin typeface="微软雅黑" panose="020B0503020204020204" pitchFamily="34" charset="-122"/>
+              <a:ea typeface="微软雅黑" panose="020B0503020204020204" pitchFamily="34" charset="-122"/>
+            </a:endParaRPr>
           </a:p>
         </p:txBody>
       </p:sp>
@@ -12332,6 +12312,7 @@
               <a:rPr lang="zh-CN" altLang="en-US" dirty="0" smtClean="0"/>
               <a:t>官方介绍：</a:t>
             </a:r>
+            <a:endParaRPr lang="zh-CN" altLang="en-US" dirty="0" smtClean="0"/>
           </a:p>
           <a:p>
             <a:r>
@@ -12351,7 +12332,7 @@
         <p:spPr>
           <a:xfrm>
             <a:off x="400723" y="1948497"/>
-            <a:ext cx="11372177" cy="4801314"/>
+            <a:ext cx="11372177" cy="4523105"/>
           </a:xfrm>
           <a:prstGeom prst="rect">
             <a:avLst/>
@@ -12382,6 +12363,7 @@
               <a:rPr lang="zh-CN" altLang="en-US" dirty="0" smtClean="0"/>
               <a:t>快速介绍：</a:t>
             </a:r>
+            <a:endParaRPr lang="zh-CN" altLang="en-US" dirty="0" smtClean="0"/>
           </a:p>
           <a:p>
             <a:r>
@@ -12512,25 +12494,11 @@
             </a:r>
             <a:r>
               <a:rPr lang="zh-CN" altLang="en-US" dirty="0" smtClean="0"/>
-              <a:t>在分布式的使用展开，但是使用</a:t>
-            </a:r>
-            <a:r>
-              <a:rPr lang="zh-CN" altLang="en-US" dirty="0" smtClean="0">
-                <a:sym typeface="+mn-ea"/>
-              </a:rPr>
-              <a:t>理念也大致相同，据我所知在</a:t>
-            </a:r>
-            <a:r>
-              <a:rPr lang="en-US" altLang="zh-CN" dirty="0" smtClean="0">
-                <a:sym typeface="+mn-ea"/>
-              </a:rPr>
-              <a:t>RPC</a:t>
-            </a:r>
-            <a:r>
-              <a:rPr lang="zh-CN" altLang="en-US" dirty="0" smtClean="0">
-                <a:sym typeface="+mn-ea"/>
-              </a:rPr>
-              <a:t>调用中较为实用。</a:t>
+              <a:t>在分布式项目</a:t>
+            </a:r>
+            <a:r>
+              <a:rPr lang="zh-CN" altLang="en-US" dirty="0" smtClean="0"/>
+              <a:t>的使用展开。</a:t>
             </a:r>
             <a:endParaRPr lang="en-US" altLang="zh-CN" dirty="0" smtClean="0"/>
           </a:p>
@@ -12796,6 +12764,7 @@
               <a:rPr lang="zh-CN" altLang="en-US" dirty="0"/>
               <a:t>上下文</a:t>
             </a:r>
+            <a:endParaRPr lang="zh-CN" altLang="en-US" dirty="0"/>
           </a:p>
           <a:p>
             <a:pPr lvl="1">
@@ -12823,6 +12792,7 @@
               <a:rPr lang="zh-CN" altLang="en-US" dirty="0"/>
               <a:t>重试达到上限时执行的回调，以保证业务恢复）</a:t>
             </a:r>
+            <a:endParaRPr lang="zh-CN" altLang="en-US" dirty="0"/>
           </a:p>
           <a:p>
             <a:pPr lvl="1">
@@ -12842,6 +12812,7 @@
               <a:rPr lang="zh-CN" altLang="en-US" dirty="0"/>
               <a:t>状态，分为有状态重试和无状态重试</a:t>
             </a:r>
+            <a:endParaRPr lang="zh-CN" altLang="en-US" dirty="0"/>
           </a:p>
           <a:p>
             <a:pPr lvl="1">
@@ -13106,12 +13077,8 @@
           <a:lstStyle/>
           <a:p>
             <a:r>
-              <a:rPr lang="zh-CN" altLang="en-US" dirty="0"/>
-              <a:t>问题</a:t>
-            </a:r>
-            <a:r>
               <a:rPr lang="zh-CN" altLang="en-US" dirty="0" smtClean="0"/>
-              <a:t>：</a:t>
+              <a:t>问题：</a:t>
             </a:r>
             <a:endParaRPr lang="en-US" altLang="zh-CN" dirty="0" smtClean="0"/>
           </a:p>
@@ -13127,6 +13094,7 @@
               <a:rPr lang="zh-CN" altLang="en-US" dirty="0" smtClean="0"/>
               <a:t>重试框架是如何进行重试的？</a:t>
             </a:r>
+            <a:endParaRPr lang="zh-CN" altLang="en-US" dirty="0" smtClean="0"/>
           </a:p>
           <a:p>
             <a:endParaRPr lang="zh-CN" altLang="en-US" dirty="0" smtClean="0"/>
@@ -13146,6 +13114,7 @@
               <a:rPr lang="zh-CN" altLang="en-US" dirty="0" smtClean="0"/>
               <a:t>有无状态重试的区别？</a:t>
             </a:r>
+            <a:endParaRPr lang="zh-CN" altLang="en-US" dirty="0" smtClean="0"/>
           </a:p>
           <a:p>
             <a:endParaRPr lang="zh-CN" altLang="en-US" dirty="0" smtClean="0"/>
@@ -13167,6 +13136,7 @@
               <a:rPr lang="zh-CN" altLang="en-US" dirty="0"/>
               <a:t>有状态重试如何实现控制重试的次数？</a:t>
             </a:r>
+            <a:endParaRPr lang="zh-CN" altLang="en-US" dirty="0"/>
           </a:p>
           <a:p>
             <a:endParaRPr lang="en-US" altLang="zh-CN" dirty="0" smtClean="0"/>
@@ -13595,7 +13565,7 @@
         <p:spPr>
           <a:xfrm>
             <a:off x="400685" y="866775"/>
-            <a:ext cx="11437620" cy="8956298"/>
+            <a:ext cx="11437620" cy="8955405"/>
           </a:xfrm>
           <a:prstGeom prst="rect">
             <a:avLst/>
@@ -13630,6 +13600,7 @@
               <a:rPr lang="zh-CN" altLang="en-US" dirty="0" smtClean="0"/>
               <a:t>异常的规范使用：</a:t>
             </a:r>
+            <a:endParaRPr lang="zh-CN" altLang="en-US" dirty="0" smtClean="0"/>
           </a:p>
           <a:p>
             <a:pPr marL="800100" lvl="1" indent="-342900">
@@ -13760,6 +13731,7 @@
               <a:rPr lang="zh-CN" altLang="en-US" dirty="0" smtClean="0"/>
               <a:t>业务使用注意点：</a:t>
             </a:r>
+            <a:endParaRPr lang="zh-CN" altLang="en-US" dirty="0" smtClean="0"/>
           </a:p>
           <a:p>
             <a:pPr marL="971550" lvl="2" indent="-342900">
@@ -13767,59 +13739,14 @@
               <a:buAutoNum type="arabicPeriod"/>
             </a:pPr>
             <a:r>
-              <a:rPr lang="zh-CN" altLang="en-US" dirty="0">
-                <a:sym typeface="+mn-ea"/>
-              </a:rPr>
-              <a:t>重试回退策略实际是把当前执行线程休眠方式一定时间</a:t>
-            </a:r>
-            <a:r>
-              <a:rPr lang="zh-CN" altLang="en-US">
-                <a:sym typeface="+mn-ea"/>
-              </a:rPr>
-              <a:t>来</a:t>
-            </a:r>
-            <a:r>
-              <a:rPr lang="zh-CN" altLang="en-US" smtClean="0">
-                <a:sym typeface="+mn-ea"/>
-              </a:rPr>
-              <a:t>实现</a:t>
-            </a:r>
-            <a:r>
-              <a:rPr lang="zh-CN" altLang="en-US">
-                <a:sym typeface="+mn-ea"/>
-              </a:rPr>
-              <a:t>回退</a:t>
-            </a:r>
-            <a:r>
-              <a:rPr lang="zh-CN" altLang="en-US" smtClean="0">
-                <a:sym typeface="+mn-ea"/>
-              </a:rPr>
-              <a:t>，</a:t>
-            </a:r>
-            <a:r>
-              <a:rPr lang="zh-CN" altLang="en-US" dirty="0">
-                <a:sym typeface="+mn-ea"/>
-              </a:rPr>
-              <a:t>假如业务量大可能导致线程池的工作线程全部休眠，</a:t>
-            </a:r>
-            <a:r>
               <a:rPr lang="zh-CN" altLang="en-US" dirty="0" smtClean="0">
                 <a:sym typeface="+mn-ea"/>
               </a:rPr>
-              <a:t>因此</a:t>
-            </a:r>
-            <a:r>
-              <a:rPr lang="zh-CN" altLang="en-US" dirty="0" smtClean="0">
-                <a:sym typeface="+mn-ea"/>
-              </a:rPr>
-              <a:t>不要</a:t>
-            </a:r>
-            <a:r>
-              <a:rPr lang="zh-CN" altLang="en-US" dirty="0" smtClean="0">
-                <a:sym typeface="+mn-ea"/>
-              </a:rPr>
-              <a:t>把退让时间设置过长，防止工作线程被全部占用引起服务拒绝。回退时间根据具体业务场景而定，业务量小但是重要的请求可以将回退时间调大，甚至使用指数回退。业务量大的场景应该把回退时间减小。  </a:t>
-            </a:r>
+              <a:t>不要把退让时间设置过长，防止工作线程被全部占用引起服务拒绝。回退时间根据具体业务场景而定，业务量小但是重要的请求可以将回退时间调大，甚至使用指数回退。业务量大的场景应该把回退时间减小。  </a:t>
+            </a:r>
+            <a:endParaRPr lang="zh-CN" altLang="en-US" dirty="0" smtClean="0">
+              <a:sym typeface="+mn-ea"/>
+            </a:endParaRPr>
           </a:p>
           <a:p>
             <a:pPr marL="971550" lvl="2" indent="-342900">
@@ -13832,6 +13759,9 @@
               </a:rPr>
               <a:t>重试如果不设置超时或次数上限，容易造成大量重试，可能引起平台降级限流，另一方面抛出异常时会记录堆栈开销比较重。</a:t>
             </a:r>
+            <a:endParaRPr lang="zh-CN" altLang="en-US" dirty="0" smtClean="0">
+              <a:sym typeface="+mn-ea"/>
+            </a:endParaRPr>
           </a:p>
           <a:p>
             <a:pPr marL="971550" lvl="2" indent="-342900">
@@ -13844,6 +13774,22 @@
               </a:rPr>
               <a:t>不要捕捉被声明可重试的异常。</a:t>
             </a:r>
+            <a:endParaRPr lang="zh-CN" altLang="en-US" dirty="0" smtClean="0">
+              <a:sym typeface="+mn-ea"/>
+            </a:endParaRPr>
+          </a:p>
+          <a:p>
+            <a:pPr marL="971550" lvl="2" indent="-342900">
+              <a:buFont typeface="Arial" panose="020B0604020202090204" pitchFamily="34" charset="0"/>
+              <a:buAutoNum type="arabicPeriod"/>
+            </a:pPr>
+            <a:r>
+              <a:rPr lang="zh-CN" altLang="en-US" dirty="0" smtClean="0">
+                <a:sym typeface="+mn-ea"/>
+              </a:rPr>
+              <a:t>重试回退策略实际是把当前执行线程休眠方式一定时间来实现delay，假如业务量大可能导致线程池的工作线程全部休眠，因此不能把delay时间设置过长。</a:t>
+            </a:r>
+            <a:endParaRPr lang="zh-CN" altLang="en-US" dirty="0" smtClean="0"/>
           </a:p>
           <a:p>
             <a:pPr lvl="1" indent="0">
@@ -13861,6 +13807,7 @@
               <a:rPr lang="zh-CN" altLang="en-US" dirty="0" smtClean="0"/>
               <a:t>声明式使用注意点：</a:t>
             </a:r>
+            <a:endParaRPr lang="zh-CN" altLang="en-US" dirty="0" smtClean="0"/>
           </a:p>
           <a:p>
             <a:pPr marL="800100" lvl="1" indent="-342900">
@@ -13871,6 +13818,7 @@
               <a:rPr lang="zh-CN" altLang="en-US" dirty="0" smtClean="0"/>
               <a:t>声明式调用是采用代理方式将重试模板由Spring AOP织入，如果被声明为`@Retryable`的方法是通过内部调用，proxy对象就不会生成，导致切面失效无法重试。</a:t>
             </a:r>
+            <a:endParaRPr lang="zh-CN" altLang="en-US" dirty="0" smtClean="0"/>
           </a:p>
           <a:p>
             <a:pPr indent="0">
@@ -14567,33 +14515,15 @@
                                   </p:childTnLst>
                                 </p:cTn>
                               </p:par>
-                            </p:childTnLst>
-                          </p:cTn>
-                        </p:par>
-                      </p:childTnLst>
-                    </p:cTn>
-                  </p:par>
-                  <p:par>
-                    <p:cTn id="41" fill="hold">
-                      <p:stCondLst>
-                        <p:cond delay="indefinite"/>
-                      </p:stCondLst>
-                      <p:childTnLst>
-                        <p:par>
-                          <p:cTn id="42" fill="hold">
-                            <p:stCondLst>
-                              <p:cond delay="0"/>
-                            </p:stCondLst>
-                            <p:childTnLst>
                               <p:par>
-                                <p:cTn id="43" presetID="8" presetClass="entr" presetSubtype="16" fill="hold" nodeType="clickEffect">
+                                <p:cTn id="41" presetID="2" presetClass="entr" presetSubtype="4" fill="hold" nodeType="withEffect">
                                   <p:stCondLst>
                                     <p:cond delay="0"/>
                                   </p:stCondLst>
                                   <p:childTnLst>
                                     <p:set>
                                       <p:cBhvr>
-                                        <p:cTn id="44" dur="1" fill="hold">
+                                        <p:cTn id="42" dur="1" fill="hold">
                                           <p:stCondLst>
                                             <p:cond delay="0"/>
                                           </p:stCondLst>
@@ -14601,7 +14531,7 @@
                                         <p:tgtEl>
                                           <p:spTgt spid="10">
                                             <p:txEl>
-                                              <p:pRg st="12" end="12"/>
+                                              <p:pRg st="11" end="11"/>
                                             </p:txEl>
                                           </p:spTgt>
                                         </p:tgtEl>
@@ -14613,30 +14543,90 @@
                                         <p:strVal val="visible"/>
                                       </p:to>
                                     </p:set>
-                                    <p:animEffect transition="in" filter="diamond(in)">
-                                      <p:cBhvr>
-                                        <p:cTn id="45" dur="2000"/>
+                                    <p:anim calcmode="lin" valueType="num">
+                                      <p:cBhvr additive="base">
+                                        <p:cTn id="43" dur="500" fill="hold"/>
                                         <p:tgtEl>
                                           <p:spTgt spid="10">
                                             <p:txEl>
-                                              <p:pRg st="12" end="12"/>
+                                              <p:pRg st="11" end="11"/>
                                             </p:txEl>
                                           </p:spTgt>
                                         </p:tgtEl>
+                                        <p:attrNameLst>
+                                          <p:attrName>ppt_x</p:attrName>
+                                        </p:attrNameLst>
                                       </p:cBhvr>
-                                    </p:animEffect>
+                                      <p:tavLst>
+                                        <p:tav tm="0">
+                                          <p:val>
+                                            <p:strVal val="#ppt_x"/>
+                                          </p:val>
+                                        </p:tav>
+                                        <p:tav tm="100000">
+                                          <p:val>
+                                            <p:strVal val="#ppt_x"/>
+                                          </p:val>
+                                        </p:tav>
+                                      </p:tavLst>
+                                    </p:anim>
+                                    <p:anim calcmode="lin" valueType="num">
+                                      <p:cBhvr additive="base">
+                                        <p:cTn id="44" dur="500" fill="hold"/>
+                                        <p:tgtEl>
+                                          <p:spTgt spid="10">
+                                            <p:txEl>
+                                              <p:pRg st="11" end="11"/>
+                                            </p:txEl>
+                                          </p:spTgt>
+                                        </p:tgtEl>
+                                        <p:attrNameLst>
+                                          <p:attrName>ppt_y</p:attrName>
+                                        </p:attrNameLst>
+                                      </p:cBhvr>
+                                      <p:tavLst>
+                                        <p:tav tm="0">
+                                          <p:val>
+                                            <p:strVal val="1+#ppt_h/2"/>
+                                          </p:val>
+                                        </p:tav>
+                                        <p:tav tm="100000">
+                                          <p:val>
+                                            <p:strVal val="#ppt_y"/>
+                                          </p:val>
+                                        </p:tav>
+                                      </p:tavLst>
+                                    </p:anim>
                                   </p:childTnLst>
                                 </p:cTn>
                               </p:par>
+                            </p:childTnLst>
+                          </p:cTn>
+                        </p:par>
+                      </p:childTnLst>
+                    </p:cTn>
+                  </p:par>
+                  <p:par>
+                    <p:cTn id="45" fill="hold">
+                      <p:stCondLst>
+                        <p:cond delay="indefinite"/>
+                      </p:stCondLst>
+                      <p:childTnLst>
+                        <p:par>
+                          <p:cTn id="46" fill="hold">
+                            <p:stCondLst>
+                              <p:cond delay="0"/>
+                            </p:stCondLst>
+                            <p:childTnLst>
                               <p:par>
-                                <p:cTn id="46" presetID="8" presetClass="entr" presetSubtype="16" fill="hold" nodeType="withEffect">
+                                <p:cTn id="47" presetID="8" presetClass="entr" presetSubtype="16" fill="hold" nodeType="clickEffect">
                                   <p:stCondLst>
                                     <p:cond delay="0"/>
                                   </p:stCondLst>
                                   <p:childTnLst>
                                     <p:set>
                                       <p:cBhvr>
-                                        <p:cTn id="47" dur="1" fill="hold">
+                                        <p:cTn id="48" dur="1" fill="hold">
                                           <p:stCondLst>
                                             <p:cond delay="0"/>
                                           </p:stCondLst>
@@ -14658,11 +14648,54 @@
                                     </p:set>
                                     <p:animEffect transition="in" filter="diamond(in)">
                                       <p:cBhvr>
-                                        <p:cTn id="48" dur="2000"/>
+                                        <p:cTn id="49" dur="2000"/>
                                         <p:tgtEl>
                                           <p:spTgt spid="10">
                                             <p:txEl>
                                               <p:pRg st="13" end="13"/>
+                                            </p:txEl>
+                                          </p:spTgt>
+                                        </p:tgtEl>
+                                      </p:cBhvr>
+                                    </p:animEffect>
+                                  </p:childTnLst>
+                                </p:cTn>
+                              </p:par>
+                              <p:par>
+                                <p:cTn id="50" presetID="8" presetClass="entr" presetSubtype="16" fill="hold" nodeType="withEffect">
+                                  <p:stCondLst>
+                                    <p:cond delay="0"/>
+                                  </p:stCondLst>
+                                  <p:childTnLst>
+                                    <p:set>
+                                      <p:cBhvr>
+                                        <p:cTn id="51" dur="1" fill="hold">
+                                          <p:stCondLst>
+                                            <p:cond delay="0"/>
+                                          </p:stCondLst>
+                                        </p:cTn>
+                                        <p:tgtEl>
+                                          <p:spTgt spid="10">
+                                            <p:txEl>
+                                              <p:pRg st="14" end="14"/>
+                                            </p:txEl>
+                                          </p:spTgt>
+                                        </p:tgtEl>
+                                        <p:attrNameLst>
+                                          <p:attrName>style.visibility</p:attrName>
+                                        </p:attrNameLst>
+                                      </p:cBhvr>
+                                      <p:to>
+                                        <p:strVal val="visible"/>
+                                      </p:to>
+                                    </p:set>
+                                    <p:animEffect transition="in" filter="diamond(in)">
+                                      <p:cBhvr>
+                                        <p:cTn id="52" dur="2000"/>
+                                        <p:tgtEl>
+                                          <p:spTgt spid="10">
+                                            <p:txEl>
+                                              <p:pRg st="14" end="14"/>
                                             </p:txEl>
                                           </p:spTgt>
                                         </p:tgtEl>
@@ -14843,7 +14876,7 @@
         </p:xfrm>
         <a:graphic>
           <a:graphicData uri="http://schemas.openxmlformats.org/drawingml/2006/diagram">
-            <dgm:relIds xmlns:dgm="http://schemas.openxmlformats.org/drawingml/2006/diagram" xmlns:r="http://schemas.openxmlformats.org/officeDocument/2006/relationships" r:dm="rId3" r:lo="rId4" r:qs="rId5" r:cs="rId6"/>
+            <dgm:relIds xmlns:dgm="http://schemas.openxmlformats.org/drawingml/2006/diagram" xmlns:r="http://schemas.openxmlformats.org/officeDocument/2006/relationships" r:dm="rId1" r:lo="rId2" r:qs="rId3" r:cs="rId4"/>
           </a:graphicData>
         </a:graphic>
       </p:graphicFrame>
@@ -15155,6 +15188,7 @@
               <a:rPr lang="zh-CN" altLang="en-US" sz="1600" dirty="0" smtClean="0"/>
               <a:t>可以重试的异常</a:t>
             </a:r>
+            <a:endParaRPr lang="zh-CN" altLang="en-US" sz="1600" dirty="0" smtClean="0"/>
           </a:p>
         </p:txBody>
       </p:sp>
@@ -15224,6 +15258,7 @@
               <a:rPr lang="zh-CN" altLang="en-US" sz="1600" dirty="0" smtClean="0"/>
               <a:t>异常等，做出相应响应动作</a:t>
             </a:r>
+            <a:endParaRPr lang="zh-CN" altLang="en-US" sz="1600" dirty="0" smtClean="0"/>
           </a:p>
         </p:txBody>
       </p:sp>
@@ -15286,6 +15321,7 @@
               <a:rPr lang="zh-CN" altLang="en-US" sz="1600" dirty="0" smtClean="0"/>
               <a:t>外部重试依据</a:t>
             </a:r>
+            <a:endParaRPr lang="zh-CN" altLang="en-US" sz="1600" dirty="0" smtClean="0"/>
           </a:p>
         </p:txBody>
       </p:sp>
@@ -15322,12 +15358,12 @@
           <a:bodyPr wrap="square" rtlCol="0">
             <a:spAutoFit/>
           </a:bodyPr>
-          <a:lstStyle/>
           <a:p>
             <a:r>
               <a:rPr lang="zh-CN" altLang="en-US" sz="2800" dirty="0" smtClean="0"/>
               <a:t>基于消息重试</a:t>
             </a:r>
+            <a:endParaRPr lang="zh-CN" altLang="en-US" sz="2800" dirty="0" smtClean="0"/>
           </a:p>
         </p:txBody>
       </p:sp>
@@ -15364,7 +15400,6 @@
           <a:bodyPr wrap="square" rtlCol="0">
             <a:spAutoFit/>
           </a:bodyPr>
-          <a:lstStyle/>
           <a:p>
             <a:r>
               <a:rPr lang="zh-CN" altLang="en-US" sz="2800" dirty="0" smtClean="0"/>
@@ -15378,6 +15413,7 @@
               <a:rPr lang="zh-CN" altLang="en-US" sz="2800" dirty="0" smtClean="0"/>
               <a:t>重试</a:t>
             </a:r>
+            <a:endParaRPr lang="zh-CN" altLang="en-US" sz="2800" dirty="0" smtClean="0"/>
           </a:p>
         </p:txBody>
       </p:sp>
@@ -15608,7 +15644,7 @@
           <p:nvPr/>
         </p:nvPicPr>
         <p:blipFill>
-          <a:blip r:embed="rId3">
+          <a:blip r:embed="rId1">
             <a:clrChange>
               <a:clrFrom>
                 <a:srgbClr val="FFFFFF"/>
@@ -15639,13 +15675,13 @@
   <p:clrMapOvr>
     <a:masterClrMapping/>
   </p:clrMapOvr>
-  <mc:AlternateContent xmlns:mc="http://schemas.openxmlformats.org/markup-compatibility/2006" xmlns:p14="http://schemas.microsoft.com/office/powerpoint/2010/main">
-    <mc:Choice Requires="p14">
+  <mc:AlternateContent xmlns:mc="http://schemas.openxmlformats.org/markup-compatibility/2006">
+    <mc:Choice xmlns:p14="http://schemas.microsoft.com/office/powerpoint/2010/main" Requires="p14">
       <p:transition spd="slow" p14:dur="2000" advClick="0">
         <p14:flip dir="r"/>
       </p:transition>
     </mc:Choice>
-    <mc:Fallback xmlns="">
+    <mc:Fallback>
       <p:transition spd="slow" advClick="0">
         <p:fade/>
       </p:transition>
@@ -15939,7 +15975,6 @@
       </a:style>
     </a:txDef>
   </a:objectDefaults>
-  <a:extraClrSchemeLst/>
   <a:extLst>
     <a:ext uri="{05A4C25C-085E-4340-85A3-A5531E510DB2}">
       <thm15:themeFamily xmlns:thm15="http://schemas.microsoft.com/office/thememl/2012/main" name="Office Theme" id="{62F939B6-93AF-4DB8-9C6B-D6C7DFDC589F}" vid="{4A3C46E8-61CC-4603-A589-7422A47A8E4A}"/>
@@ -16199,8 +16234,6 @@
       </a:bgFillStyleLst>
     </a:fmtScheme>
   </a:themeElements>
-  <a:objectDefaults/>
-  <a:extraClrSchemeLst/>
   <a:extLst>
     <a:ext uri="{05A4C25C-085E-4340-85A3-A5531E510DB2}">
       <thm15:themeFamily xmlns:thm15="http://schemas.microsoft.com/office/thememl/2012/main" name="Office Theme" id="{62F939B6-93AF-4DB8-9C6B-D6C7DFDC589F}" vid="{4A3C46E8-61CC-4603-A589-7422A47A8E4A}"/>

--- a/Spring-Retry.pptx
+++ b/Spring-Retry.pptx
@@ -5,12 +5,14 @@
     <p:sldMasterId id="2147483648" r:id="rId1"/>
   </p:sldMasterIdLst>
   <p:notesMasterIdLst>
-    <p:notesMasterId r:id="rId4"/>
+    <p:notesMasterId r:id="rId12"/>
   </p:notesMasterIdLst>
   <p:sldIdLst>
-    <p:sldId id="256" r:id="rId3"/>
-    <p:sldId id="289" r:id="rId5"/>
-    <p:sldId id="281" r:id="rId6"/>
+    <p:sldId id="256" r:id="rId2"/>
+    <p:sldId id="289" r:id="rId3"/>
+    <p:sldId id="281" r:id="rId4"/>
+    <p:sldId id="306" r:id="rId5"/>
+    <p:sldId id="307" r:id="rId6"/>
     <p:sldId id="305" r:id="rId7"/>
     <p:sldId id="304" r:id="rId8"/>
     <p:sldId id="302" r:id="rId9"/>
@@ -114,6 +116,11 @@
       </a:defRPr>
     </a:lvl9pPr>
   </p:defaultTextStyle>
+  <p:extLst>
+    <p:ext uri="{EFAFB233-063F-42B5-8137-9DF3F51BA10A}">
+      <p15:sldGuideLst xmlns:p15="http://schemas.microsoft.com/office/powerpoint/2012/main"/>
+    </p:ext>
+  </p:extLst>
 </p:presentation>
 </file>
 
@@ -1043,7 +1050,7 @@
 </file>
 
 <file path=ppt/diagrams/colors2.xml><?xml version="1.0" encoding="utf-8"?>
-<dgm:colorsDef xmlns:dgm="http://schemas.openxmlformats.org/drawingml/2006/diagram" xmlns:a="http://schemas.openxmlformats.org/drawingml/2006/main" uniqueId="urn:microsoft.com/office/officeart/2005/8/colors/accent6_3">
+<dgm:colorsDef xmlns:dgm="http://schemas.openxmlformats.org/drawingml/2006/diagram" xmlns:a="http://schemas.openxmlformats.org/drawingml/2006/main" uniqueId="urn:microsoft.com/office/officeart/2005/8/colors/accent6_3#1">
   <dgm:title val=""/>
   <dgm:desc val=""/>
   <dgm:catLst>
@@ -1951,7 +1958,7 @@
         </a:p>
       </dgm:t>
     </dgm:pt>
-    <dgm:pt modelId="{967D024D-AE7D-415F-95F3-F78D13B9A825}" cxnId="{7C09AE3D-C538-49C6-9C4F-4BA5498E54BF}" type="parTrans">
+    <dgm:pt modelId="{967D024D-AE7D-415F-95F3-F78D13B9A825}" type="parTrans" cxnId="{7C09AE3D-C538-49C6-9C4F-4BA5498E54BF}">
       <dgm:prSet/>
       <dgm:spPr/>
       <dgm:t>
@@ -1963,7 +1970,7 @@
         </a:p>
       </dgm:t>
     </dgm:pt>
-    <dgm:pt modelId="{9DCD3634-0F2E-4B76-BDBA-9F2D9776E448}" cxnId="{7C09AE3D-C538-49C6-9C4F-4BA5498E54BF}" type="sibTrans">
+    <dgm:pt modelId="{9DCD3634-0F2E-4B76-BDBA-9F2D9776E448}" type="sibTrans" cxnId="{7C09AE3D-C538-49C6-9C4F-4BA5498E54BF}">
       <dgm:prSet/>
       <dgm:spPr/>
       <dgm:t>
@@ -1995,7 +2002,7 @@
         </a:p>
       </dgm:t>
     </dgm:pt>
-    <dgm:pt modelId="{CE770824-E0BB-4E5F-AB82-694DB1BAD0AD}" cxnId="{F97EC9B4-66FF-46B9-A5A6-36FC45CD66AF}" type="parTrans">
+    <dgm:pt modelId="{CE770824-E0BB-4E5F-AB82-694DB1BAD0AD}" type="parTrans" cxnId="{F97EC9B4-66FF-46B9-A5A6-36FC45CD66AF}">
       <dgm:prSet/>
       <dgm:spPr/>
       <dgm:t>
@@ -2007,7 +2014,7 @@
         </a:p>
       </dgm:t>
     </dgm:pt>
-    <dgm:pt modelId="{76E32F19-06D9-475F-ADF2-A320495C2B20}" cxnId="{F97EC9B4-66FF-46B9-A5A6-36FC45CD66AF}" type="sibTrans">
+    <dgm:pt modelId="{76E32F19-06D9-475F-ADF2-A320495C2B20}" type="sibTrans" cxnId="{F97EC9B4-66FF-46B9-A5A6-36FC45CD66AF}">
       <dgm:prSet/>
       <dgm:spPr/>
       <dgm:t>
@@ -2035,7 +2042,7 @@
         </a:p>
       </dgm:t>
     </dgm:pt>
-    <dgm:pt modelId="{DA4570EA-FA31-46C4-A153-34837E9C85D4}" cxnId="{9F66FA3A-4589-4316-A1DD-27EFA135E5CA}" type="parTrans">
+    <dgm:pt modelId="{DA4570EA-FA31-46C4-A153-34837E9C85D4}" type="parTrans" cxnId="{9F66FA3A-4589-4316-A1DD-27EFA135E5CA}">
       <dgm:prSet/>
       <dgm:spPr/>
       <dgm:t>
@@ -2047,7 +2054,7 @@
         </a:p>
       </dgm:t>
     </dgm:pt>
-    <dgm:pt modelId="{78C9D5E7-1260-4A43-9A5F-88AB784355E4}" cxnId="{9F66FA3A-4589-4316-A1DD-27EFA135E5CA}" type="sibTrans">
+    <dgm:pt modelId="{78C9D5E7-1260-4A43-9A5F-88AB784355E4}" type="sibTrans" cxnId="{9F66FA3A-4589-4316-A1DD-27EFA135E5CA}">
       <dgm:prSet/>
       <dgm:spPr/>
       <dgm:t>
@@ -2071,7 +2078,7 @@
         </a:p>
       </dgm:t>
     </dgm:pt>
-    <dgm:pt modelId="{D0BB5149-8725-40B2-879B-694DDECD64E0}" cxnId="{47462745-2BE4-4BDF-9E16-FF0A341A2181}" type="parTrans">
+    <dgm:pt modelId="{D0BB5149-8725-40B2-879B-694DDECD64E0}" type="parTrans" cxnId="{47462745-2BE4-4BDF-9E16-FF0A341A2181}">
       <dgm:prSet/>
       <dgm:spPr/>
       <dgm:t>
@@ -2083,7 +2090,7 @@
         </a:p>
       </dgm:t>
     </dgm:pt>
-    <dgm:pt modelId="{9EDB1689-254D-4B92-A76C-5F0DD9D819D4}" cxnId="{47462745-2BE4-4BDF-9E16-FF0A341A2181}" type="sibTrans">
+    <dgm:pt modelId="{9EDB1689-254D-4B92-A76C-5F0DD9D819D4}" type="sibTrans" cxnId="{47462745-2BE4-4BDF-9E16-FF0A341A2181}">
       <dgm:prSet/>
       <dgm:spPr/>
       <dgm:t>
@@ -2107,7 +2114,7 @@
         </a:p>
       </dgm:t>
     </dgm:pt>
-    <dgm:pt modelId="{F5AB92B9-543B-4FB0-9D72-D3B756E7B269}" cxnId="{F9470995-6380-484B-B16E-D19C510FE7A9}" type="parTrans">
+    <dgm:pt modelId="{F5AB92B9-543B-4FB0-9D72-D3B756E7B269}" type="parTrans" cxnId="{F9470995-6380-484B-B16E-D19C510FE7A9}">
       <dgm:prSet/>
       <dgm:spPr/>
       <dgm:t>
@@ -2119,7 +2126,7 @@
         </a:p>
       </dgm:t>
     </dgm:pt>
-    <dgm:pt modelId="{C62D895A-0E29-40A1-A54A-6F7409D5F5BE}" cxnId="{F9470995-6380-484B-B16E-D19C510FE7A9}" type="sibTrans">
+    <dgm:pt modelId="{C62D895A-0E29-40A1-A54A-6F7409D5F5BE}" type="sibTrans" cxnId="{F9470995-6380-484B-B16E-D19C510FE7A9}">
       <dgm:prSet/>
       <dgm:spPr/>
       <dgm:t>
@@ -2143,7 +2150,7 @@
         </a:p>
       </dgm:t>
     </dgm:pt>
-    <dgm:pt modelId="{C08E08F1-775F-4A9A-BB6E-20C6F5DE36B6}" cxnId="{D262D8BF-89DC-49D2-AD6E-14C7EEDF0B8D}" type="parTrans">
+    <dgm:pt modelId="{C08E08F1-775F-4A9A-BB6E-20C6F5DE36B6}" type="parTrans" cxnId="{D262D8BF-89DC-49D2-AD6E-14C7EEDF0B8D}">
       <dgm:prSet/>
       <dgm:spPr/>
       <dgm:t>
@@ -2155,7 +2162,7 @@
         </a:p>
       </dgm:t>
     </dgm:pt>
-    <dgm:pt modelId="{A88E5EA8-20E7-4462-8585-A847E27AB3D9}" cxnId="{D262D8BF-89DC-49D2-AD6E-14C7EEDF0B8D}" type="sibTrans">
+    <dgm:pt modelId="{A88E5EA8-20E7-4462-8585-A847E27AB3D9}" type="sibTrans" cxnId="{D262D8BF-89DC-49D2-AD6E-14C7EEDF0B8D}">
       <dgm:prSet/>
       <dgm:spPr/>
       <dgm:t>
@@ -2187,7 +2194,7 @@
         </a:p>
       </dgm:t>
     </dgm:pt>
-    <dgm:pt modelId="{084575AA-19FC-418A-9D15-850EA8006CBF}" cxnId="{41A61110-F3B2-4808-A1BA-BBB791C07945}" type="parTrans">
+    <dgm:pt modelId="{084575AA-19FC-418A-9D15-850EA8006CBF}" type="parTrans" cxnId="{41A61110-F3B2-4808-A1BA-BBB791C07945}">
       <dgm:prSet/>
       <dgm:spPr/>
       <dgm:t>
@@ -2199,7 +2206,7 @@
         </a:p>
       </dgm:t>
     </dgm:pt>
-    <dgm:pt modelId="{B4E3CCFD-EC1D-4AD8-9D39-AAC71520AE23}" cxnId="{41A61110-F3B2-4808-A1BA-BBB791C07945}" type="sibTrans">
+    <dgm:pt modelId="{B4E3CCFD-EC1D-4AD8-9D39-AAC71520AE23}" type="sibTrans" cxnId="{41A61110-F3B2-4808-A1BA-BBB791C07945}">
       <dgm:prSet/>
       <dgm:spPr/>
       <dgm:t>
@@ -2223,7 +2230,7 @@
         </a:p>
       </dgm:t>
     </dgm:pt>
-    <dgm:pt modelId="{5D6EEA00-6603-479D-8D9B-72F274CDE5A5}" cxnId="{15A2F3B4-86C0-4F1E-81DA-5F0DA1BA3865}" type="parTrans">
+    <dgm:pt modelId="{5D6EEA00-6603-479D-8D9B-72F274CDE5A5}" type="parTrans" cxnId="{15A2F3B4-86C0-4F1E-81DA-5F0DA1BA3865}">
       <dgm:prSet/>
       <dgm:spPr/>
       <dgm:t>
@@ -2235,7 +2242,7 @@
         </a:p>
       </dgm:t>
     </dgm:pt>
-    <dgm:pt modelId="{4DD0E6FE-1ED7-44D7-923D-9129CA249713}" cxnId="{15A2F3B4-86C0-4F1E-81DA-5F0DA1BA3865}" type="sibTrans">
+    <dgm:pt modelId="{4DD0E6FE-1ED7-44D7-923D-9129CA249713}" type="sibTrans" cxnId="{15A2F3B4-86C0-4F1E-81DA-5F0DA1BA3865}">
       <dgm:prSet/>
       <dgm:spPr/>
       <dgm:t>
@@ -2419,7 +2426,7 @@
   <dgm:whole/>
   <dgm:extLst>
     <a:ext uri="http://schemas.microsoft.com/office/drawing/2008/diagram">
-      <dsp:dataModelExt xmlns:dsp="http://schemas.microsoft.com/office/drawing/2008/diagram" relId="rId5" minVer="http://schemas.openxmlformats.org/drawingml/2006/diagram"/>
+      <dsp:dataModelExt xmlns:dsp="http://schemas.microsoft.com/office/drawing/2008/diagram" relId="rId7" minVer="http://schemas.openxmlformats.org/drawingml/2006/diagram"/>
     </a:ext>
   </dgm:extLst>
 </dgm:dataModel>
@@ -2429,7 +2436,7 @@
 <dgm:dataModel xmlns:dgm="http://schemas.openxmlformats.org/drawingml/2006/diagram" xmlns:a="http://schemas.openxmlformats.org/drawingml/2006/main">
   <dgm:ptLst>
     <dgm:pt modelId="{79FDB13B-82F1-4172-A298-CD0400206101}" type="doc">
-      <dgm:prSet loTypeId="urn:microsoft.com/office/officeart/2005/8/layout/process4" loCatId="list" qsTypeId="urn:microsoft.com/office/officeart/2005/8/quickstyle/simple1" qsCatId="simple" csTypeId="urn:microsoft.com/office/officeart/2005/8/colors/accent6_3" csCatId="accent6" phldr="1"/>
+      <dgm:prSet loTypeId="urn:microsoft.com/office/officeart/2005/8/layout/process4" loCatId="list" qsTypeId="urn:microsoft.com/office/officeart/2005/8/quickstyle/simple1#1" qsCatId="simple" csTypeId="urn:microsoft.com/office/officeart/2005/8/colors/accent6_3#1" csCatId="accent6" phldr="1"/>
       <dgm:spPr/>
       <dgm:t>
         <a:bodyPr/>
@@ -2485,7 +2492,7 @@
         </a:p>
       </dgm:t>
     </dgm:pt>
-    <dgm:pt modelId="{9A6ACFDE-AB62-4909-9801-8CFE747D2191}" cxnId="{A543502D-19A7-4FFF-A499-13EEDFC7FCA8}" type="parTrans">
+    <dgm:pt modelId="{9A6ACFDE-AB62-4909-9801-8CFE747D2191}" type="parTrans" cxnId="{A543502D-19A7-4FFF-A499-13EEDFC7FCA8}">
       <dgm:prSet/>
       <dgm:spPr/>
       <dgm:t>
@@ -2496,7 +2503,7 @@
         </a:p>
       </dgm:t>
     </dgm:pt>
-    <dgm:pt modelId="{F33CDDA6-F67B-4F01-9139-74B2226927C2}" cxnId="{A543502D-19A7-4FFF-A499-13EEDFC7FCA8}" type="sibTrans">
+    <dgm:pt modelId="{F33CDDA6-F67B-4F01-9139-74B2226927C2}" type="sibTrans" cxnId="{A543502D-19A7-4FFF-A499-13EEDFC7FCA8}">
       <dgm:prSet/>
       <dgm:spPr/>
       <dgm:t>
@@ -2553,7 +2560,7 @@
         </a:p>
       </dgm:t>
     </dgm:pt>
-    <dgm:pt modelId="{48652E3F-108D-4B91-BA8D-B3D6CB99DB2A}" cxnId="{038C68B7-E288-4BBE-AFE1-17F8F095892C}" type="parTrans">
+    <dgm:pt modelId="{48652E3F-108D-4B91-BA8D-B3D6CB99DB2A}" type="parTrans" cxnId="{038C68B7-E288-4BBE-AFE1-17F8F095892C}">
       <dgm:prSet/>
       <dgm:spPr/>
       <dgm:t>
@@ -2564,7 +2571,7 @@
         </a:p>
       </dgm:t>
     </dgm:pt>
-    <dgm:pt modelId="{6A2F08A1-2217-49AD-A9C3-C7534D2375A8}" cxnId="{038C68B7-E288-4BBE-AFE1-17F8F095892C}" type="sibTrans">
+    <dgm:pt modelId="{6A2F08A1-2217-49AD-A9C3-C7534D2375A8}" type="sibTrans" cxnId="{038C68B7-E288-4BBE-AFE1-17F8F095892C}">
       <dgm:prSet/>
       <dgm:spPr/>
       <dgm:t>
@@ -2614,7 +2621,7 @@
         </a:p>
       </dgm:t>
     </dgm:pt>
-    <dgm:pt modelId="{3D3FA08F-8045-47BB-A080-4C0920E0F128}" cxnId="{695D3E18-0500-4462-A639-08EEFF3B55A3}" type="sibTrans">
+    <dgm:pt modelId="{3D3FA08F-8045-47BB-A080-4C0920E0F128}" type="sibTrans" cxnId="{695D3E18-0500-4462-A639-08EEFF3B55A3}">
       <dgm:prSet/>
       <dgm:spPr/>
       <dgm:t>
@@ -2625,7 +2632,7 @@
         </a:p>
       </dgm:t>
     </dgm:pt>
-    <dgm:pt modelId="{63D572C2-D754-4D13-8837-1AA02E0FF445}" cxnId="{695D3E18-0500-4462-A639-08EEFF3B55A3}" type="parTrans">
+    <dgm:pt modelId="{63D572C2-D754-4D13-8837-1AA02E0FF445}" type="parTrans" cxnId="{695D3E18-0500-4462-A639-08EEFF3B55A3}">
       <dgm:prSet/>
       <dgm:spPr/>
       <dgm:t>
@@ -2675,7 +2682,7 @@
         </a:p>
       </dgm:t>
     </dgm:pt>
-    <dgm:pt modelId="{CDAE582C-46FF-4818-AEAA-78E1ECED82AF}" cxnId="{3BB5C2E6-FDA1-4D1C-AFC7-5A3A568DF54E}" type="sibTrans">
+    <dgm:pt modelId="{CDAE582C-46FF-4818-AEAA-78E1ECED82AF}" type="sibTrans" cxnId="{3BB5C2E6-FDA1-4D1C-AFC7-5A3A568DF54E}">
       <dgm:prSet/>
       <dgm:spPr/>
       <dgm:t>
@@ -2686,7 +2693,7 @@
         </a:p>
       </dgm:t>
     </dgm:pt>
-    <dgm:pt modelId="{118F0B4B-E3D8-4B85-9365-FE08E47BD567}" cxnId="{3BB5C2E6-FDA1-4D1C-AFC7-5A3A568DF54E}" type="parTrans">
+    <dgm:pt modelId="{118F0B4B-E3D8-4B85-9365-FE08E47BD567}" type="parTrans" cxnId="{3BB5C2E6-FDA1-4D1C-AFC7-5A3A568DF54E}">
       <dgm:prSet/>
       <dgm:spPr/>
       <dgm:t>
@@ -2736,7 +2743,7 @@
         </a:p>
       </dgm:t>
     </dgm:pt>
-    <dgm:pt modelId="{0A7E8889-AE8E-4045-8A7F-B22DBDE898EA}" cxnId="{EEEB0A0B-F3AB-4A9F-BD41-30EABF792E05}" type="parTrans">
+    <dgm:pt modelId="{0A7E8889-AE8E-4045-8A7F-B22DBDE898EA}" type="parTrans" cxnId="{EEEB0A0B-F3AB-4A9F-BD41-30EABF792E05}">
       <dgm:prSet/>
       <dgm:spPr/>
       <dgm:t>
@@ -2747,7 +2754,7 @@
         </a:p>
       </dgm:t>
     </dgm:pt>
-    <dgm:pt modelId="{BF65E45C-C26A-4977-BADB-2D1944716D69}" cxnId="{EEEB0A0B-F3AB-4A9F-BD41-30EABF792E05}" type="sibTrans">
+    <dgm:pt modelId="{BF65E45C-C26A-4977-BADB-2D1944716D69}" type="sibTrans" cxnId="{EEEB0A0B-F3AB-4A9F-BD41-30EABF792E05}">
       <dgm:prSet/>
       <dgm:spPr/>
       <dgm:t>
@@ -2797,7 +2804,7 @@
         </a:p>
       </dgm:t>
     </dgm:pt>
-    <dgm:pt modelId="{D2649378-29DC-4BE7-8694-6D17D80F2FE7}" cxnId="{260B1D0D-F0A1-45A0-AFE4-CB10E888D704}" type="parTrans">
+    <dgm:pt modelId="{D2649378-29DC-4BE7-8694-6D17D80F2FE7}" type="parTrans" cxnId="{260B1D0D-F0A1-45A0-AFE4-CB10E888D704}">
       <dgm:prSet/>
       <dgm:spPr/>
       <dgm:t>
@@ -2808,7 +2815,7 @@
         </a:p>
       </dgm:t>
     </dgm:pt>
-    <dgm:pt modelId="{066B406A-1554-4182-A02D-F6BD32D9EBED}" cxnId="{260B1D0D-F0A1-45A0-AFE4-CB10E888D704}" type="sibTrans">
+    <dgm:pt modelId="{066B406A-1554-4182-A02D-F6BD32D9EBED}" type="sibTrans" cxnId="{260B1D0D-F0A1-45A0-AFE4-CB10E888D704}">
       <dgm:prSet/>
       <dgm:spPr/>
       <dgm:t>
@@ -2858,16 +2865,7 @@
               </a:solidFill>
               <a:effectLst/>
             </a:rPr>
-            <a:t>层</a:t>
-          </a:r>
-          <a:r>
-            <a:rPr lang="zh-CN" altLang="en-US" dirty="0" smtClean="0">
-              <a:solidFill>
-                <a:schemeClr val="tx1"/>
-              </a:solidFill>
-              <a:effectLst/>
-            </a:rPr>
-            <a:t>）</a:t>
+            <a:t>层）</a:t>
           </a:r>
           <a:r>
             <a:rPr lang="en-US" altLang="zh-CN" dirty="0" smtClean="0">
@@ -2896,7 +2894,7 @@
         </a:p>
       </dgm:t>
     </dgm:pt>
-    <dgm:pt modelId="{781D991E-A389-4F1B-80B0-98B445587BC6}" cxnId="{38BE4D77-C352-4EF4-81B6-70FE54F22930}" type="parTrans">
+    <dgm:pt modelId="{781D991E-A389-4F1B-80B0-98B445587BC6}" type="parTrans" cxnId="{38BE4D77-C352-4EF4-81B6-70FE54F22930}">
       <dgm:prSet/>
       <dgm:spPr/>
       <dgm:t>
@@ -2907,7 +2905,7 @@
         </a:p>
       </dgm:t>
     </dgm:pt>
-    <dgm:pt modelId="{77841B8A-E0F4-4C60-9E00-157BC9C928C0}" cxnId="{38BE4D77-C352-4EF4-81B6-70FE54F22930}" type="sibTrans">
+    <dgm:pt modelId="{77841B8A-E0F4-4C60-9E00-157BC9C928C0}" type="sibTrans" cxnId="{38BE4D77-C352-4EF4-81B6-70FE54F22930}">
       <dgm:prSet/>
       <dgm:spPr/>
       <dgm:t>
@@ -2941,7 +2939,7 @@
         </a:p>
       </dgm:t>
     </dgm:pt>
-    <dgm:pt modelId="{339D106E-5958-4FD1-BD23-C69058841A26}" cxnId="{422E0F57-D61F-4B15-819E-D454D57FDF0A}" type="parTrans">
+    <dgm:pt modelId="{339D106E-5958-4FD1-BD23-C69058841A26}" type="parTrans" cxnId="{422E0F57-D61F-4B15-819E-D454D57FDF0A}">
       <dgm:prSet/>
       <dgm:spPr/>
       <dgm:t>
@@ -2952,7 +2950,7 @@
         </a:p>
       </dgm:t>
     </dgm:pt>
-    <dgm:pt modelId="{B3A345D6-C761-4275-BD88-188C62B3184F}" cxnId="{422E0F57-D61F-4B15-819E-D454D57FDF0A}" type="sibTrans">
+    <dgm:pt modelId="{B3A345D6-C761-4275-BD88-188C62B3184F}" type="sibTrans" cxnId="{422E0F57-D61F-4B15-819E-D454D57FDF0A}">
       <dgm:prSet/>
       <dgm:spPr/>
       <dgm:t>
@@ -2986,7 +2984,7 @@
         </a:p>
       </dgm:t>
     </dgm:pt>
-    <dgm:pt modelId="{6BD9BA3A-21EC-4F52-9F65-E0E161A744F0}" cxnId="{1CD03763-405D-4495-88A5-31E64359524D}" type="parTrans">
+    <dgm:pt modelId="{6BD9BA3A-21EC-4F52-9F65-E0E161A744F0}" type="parTrans" cxnId="{1CD03763-405D-4495-88A5-31E64359524D}">
       <dgm:prSet/>
       <dgm:spPr/>
       <dgm:t>
@@ -2997,7 +2995,7 @@
         </a:p>
       </dgm:t>
     </dgm:pt>
-    <dgm:pt modelId="{67974DDF-8290-4690-82CC-A81742226857}" cxnId="{1CD03763-405D-4495-88A5-31E64359524D}" type="sibTrans">
+    <dgm:pt modelId="{67974DDF-8290-4690-82CC-A81742226857}" type="sibTrans" cxnId="{1CD03763-405D-4495-88A5-31E64359524D}">
       <dgm:prSet/>
       <dgm:spPr/>
       <dgm:t>
@@ -3038,7 +3036,7 @@
         </a:p>
       </dgm:t>
     </dgm:pt>
-    <dgm:pt modelId="{C6E9C1E2-7B7D-4939-A5AE-AB42EBA231B4}" cxnId="{1C22D11D-EE19-4D3A-9F08-ACD69DC55CC5}" type="parTrans">
+    <dgm:pt modelId="{C6E9C1E2-7B7D-4939-A5AE-AB42EBA231B4}" type="parTrans" cxnId="{1C22D11D-EE19-4D3A-9F08-ACD69DC55CC5}">
       <dgm:prSet/>
       <dgm:spPr/>
       <dgm:t>
@@ -3049,7 +3047,7 @@
         </a:p>
       </dgm:t>
     </dgm:pt>
-    <dgm:pt modelId="{49619E9D-0D45-4F60-82B5-2F9E931E3E83}" cxnId="{1C22D11D-EE19-4D3A-9F08-ACD69DC55CC5}" type="sibTrans">
+    <dgm:pt modelId="{49619E9D-0D45-4F60-82B5-2F9E931E3E83}" type="sibTrans" cxnId="{1C22D11D-EE19-4D3A-9F08-ACD69DC55CC5}">
       <dgm:prSet/>
       <dgm:spPr/>
       <dgm:t>
@@ -3338,7 +3336,7 @@
   <dgm:whole/>
   <dgm:extLst>
     <a:ext uri="http://schemas.microsoft.com/office/drawing/2008/diagram">
-      <dsp:dataModelExt xmlns:dsp="http://schemas.microsoft.com/office/drawing/2008/diagram" relId="rId5" minVer="http://schemas.openxmlformats.org/drawingml/2006/diagram"/>
+      <dsp:dataModelExt xmlns:dsp="http://schemas.microsoft.com/office/drawing/2008/diagram" relId="rId7" minVer="http://schemas.openxmlformats.org/drawingml/2006/diagram"/>
     </a:ext>
   </dgm:extLst>
 </dgm:dataModel>
@@ -4201,16 +4199,7 @@
               </a:solidFill>
               <a:effectLst/>
             </a:rPr>
-            <a:t>层</a:t>
-          </a:r>
-          <a:r>
-            <a:rPr lang="zh-CN" altLang="en-US" sz="2100" kern="1200" dirty="0" smtClean="0">
-              <a:solidFill>
-                <a:schemeClr val="tx1"/>
-              </a:solidFill>
-              <a:effectLst/>
-            </a:rPr>
-            <a:t>）</a:t>
+            <a:t>层）</a:t>
           </a:r>
           <a:r>
             <a:rPr lang="en-US" altLang="zh-CN" sz="2100" kern="1200" dirty="0" smtClean="0">
@@ -5477,7 +5466,7 @@
                   </dgm:shape>
                 </dgm:if>
                 <dgm:else name="Name23">
-                  <dgm:shape xmlns:r="http://schemas.openxmlformats.org/officeDocument/2006/relationships" type="upArrowCallout" r:blip="" rot="180">
+                  <dgm:shape xmlns:r="http://schemas.openxmlformats.org/officeDocument/2006/relationships" rot="180" type="upArrowCallout" r:blip="">
                     <dgm:adjLst/>
                   </dgm:shape>
                 </dgm:else>
@@ -5492,7 +5481,7 @@
               <dgm:if name="Name25" axis="ch" ptType="node" func="cnt" op="gte" val="1">
                 <dgm:layoutNode name="arrow">
                   <dgm:alg type="sp"/>
-                  <dgm:shape xmlns:r="http://schemas.openxmlformats.org/officeDocument/2006/relationships" type="upArrowCallout" r:blip="" rot="180">
+                  <dgm:shape xmlns:r="http://schemas.openxmlformats.org/officeDocument/2006/relationships" rot="180" type="upArrowCallout" r:blip="">
                     <dgm:adjLst/>
                   </dgm:shape>
                   <dgm:presOf axis="self"/>
@@ -5577,6 +5566,7 @@
       <a:camera prst="orthographicFront"/>
       <a:lightRig rig="threePt" dir="t"/>
     </dgm:scene3d>
+    <dgm:sp3d/>
     <dgm:txPr/>
     <dgm:style>
       <a:lnRef idx="1">
@@ -5596,6 +5586,7 @@
       <a:camera prst="orthographicFront"/>
       <a:lightRig rig="threePt" dir="t"/>
     </dgm:scene3d>
+    <dgm:sp3d/>
     <dgm:txPr/>
     <dgm:style>
       <a:lnRef idx="1">
@@ -5615,6 +5606,7 @@
       <a:camera prst="orthographicFront"/>
       <a:lightRig rig="threePt" dir="t"/>
     </dgm:scene3d>
+    <dgm:sp3d/>
     <dgm:txPr/>
     <dgm:style>
       <a:lnRef idx="1">
@@ -5634,6 +5626,7 @@
       <a:camera prst="orthographicFront"/>
       <a:lightRig rig="threePt" dir="t"/>
     </dgm:scene3d>
+    <dgm:sp3d/>
     <dgm:txPr/>
     <dgm:style>
       <a:lnRef idx="1">
@@ -5775,6 +5768,7 @@
       <a:camera prst="orthographicFront"/>
       <a:lightRig rig="threePt" dir="t"/>
     </dgm:scene3d>
+    <dgm:sp3d/>
     <dgm:txPr/>
     <dgm:style>
       <a:lnRef idx="1">
@@ -5794,6 +5788,7 @@
       <a:camera prst="orthographicFront"/>
       <a:lightRig rig="threePt" dir="t"/>
     </dgm:scene3d>
+    <dgm:sp3d/>
     <dgm:txPr/>
     <dgm:style>
       <a:lnRef idx="1">
@@ -5813,6 +5808,7 @@
       <a:camera prst="orthographicFront"/>
       <a:lightRig rig="threePt" dir="t"/>
     </dgm:scene3d>
+    <dgm:sp3d/>
     <dgm:txPr/>
     <dgm:style>
       <a:lnRef idx="1">
@@ -5832,6 +5828,7 @@
       <a:camera prst="orthographicFront"/>
       <a:lightRig rig="threePt" dir="t"/>
     </dgm:scene3d>
+    <dgm:sp3d/>
     <dgm:txPr/>
     <dgm:style>
       <a:lnRef idx="0">
@@ -5851,6 +5848,7 @@
       <a:camera prst="orthographicFront"/>
       <a:lightRig rig="threePt" dir="t"/>
     </dgm:scene3d>
+    <dgm:sp3d/>
     <dgm:txPr/>
     <dgm:style>
       <a:lnRef idx="0">
@@ -5872,6 +5870,7 @@
       <a:camera prst="orthographicFront"/>
       <a:lightRig rig="threePt" dir="t"/>
     </dgm:scene3d>
+    <dgm:sp3d/>
     <dgm:txPr/>
     <dgm:style>
       <a:lnRef idx="1">
@@ -5891,6 +5890,7 @@
       <a:camera prst="orthographicFront"/>
       <a:lightRig rig="threePt" dir="t"/>
     </dgm:scene3d>
+    <dgm:sp3d/>
     <dgm:txPr/>
     <dgm:style>
       <a:lnRef idx="1">
@@ -5910,6 +5910,7 @@
       <a:camera prst="orthographicFront"/>
       <a:lightRig rig="threePt" dir="t"/>
     </dgm:scene3d>
+    <dgm:sp3d/>
     <dgm:txPr/>
     <dgm:style>
       <a:lnRef idx="0">
@@ -5929,6 +5930,7 @@
       <a:camera prst="orthographicFront"/>
       <a:lightRig rig="threePt" dir="t"/>
     </dgm:scene3d>
+    <dgm:sp3d/>
     <dgm:txPr/>
     <dgm:style>
       <a:lnRef idx="1">
@@ -5948,6 +5950,7 @@
       <a:camera prst="orthographicFront"/>
       <a:lightRig rig="threePt" dir="t"/>
     </dgm:scene3d>
+    <dgm:sp3d/>
     <dgm:txPr/>
     <dgm:style>
       <a:lnRef idx="1">
@@ -5967,6 +5970,7 @@
       <a:camera prst="orthographicFront"/>
       <a:lightRig rig="threePt" dir="t"/>
     </dgm:scene3d>
+    <dgm:sp3d/>
     <dgm:txPr/>
     <dgm:style>
       <a:lnRef idx="1">
@@ -5986,6 +5990,7 @@
       <a:camera prst="orthographicFront"/>
       <a:lightRig rig="threePt" dir="t"/>
     </dgm:scene3d>
+    <dgm:sp3d/>
     <dgm:txPr/>
     <dgm:style>
       <a:lnRef idx="1">
@@ -6005,6 +6010,7 @@
       <a:camera prst="orthographicFront"/>
       <a:lightRig rig="threePt" dir="t"/>
     </dgm:scene3d>
+    <dgm:sp3d/>
     <dgm:txPr/>
     <dgm:style>
       <a:lnRef idx="1">
@@ -6024,6 +6030,7 @@
       <a:camera prst="orthographicFront"/>
       <a:lightRig rig="threePt" dir="t"/>
     </dgm:scene3d>
+    <dgm:sp3d/>
     <dgm:txPr/>
     <dgm:style>
       <a:lnRef idx="1">
@@ -6043,6 +6050,7 @@
       <a:camera prst="orthographicFront"/>
       <a:lightRig rig="threePt" dir="t"/>
     </dgm:scene3d>
+    <dgm:sp3d/>
     <dgm:txPr/>
     <dgm:style>
       <a:lnRef idx="1">
@@ -6084,6 +6092,7 @@
       <a:camera prst="orthographicFront"/>
       <a:lightRig rig="threePt" dir="t"/>
     </dgm:scene3d>
+    <dgm:sp3d/>
     <dgm:txPr/>
     <dgm:style>
       <a:lnRef idx="0">
@@ -6249,6 +6258,7 @@
       <a:camera prst="orthographicFront"/>
       <a:lightRig rig="threePt" dir="t"/>
     </dgm:scene3d>
+    <dgm:sp3d/>
     <dgm:txPr/>
     <dgm:style>
       <a:lnRef idx="2">
@@ -6268,6 +6278,7 @@
       <a:camera prst="orthographicFront"/>
       <a:lightRig rig="threePt" dir="t"/>
     </dgm:scene3d>
+    <dgm:sp3d/>
     <dgm:txPr/>
     <dgm:style>
       <a:lnRef idx="2">
@@ -6287,6 +6298,7 @@
       <a:camera prst="orthographicFront"/>
       <a:lightRig rig="threePt" dir="t"/>
     </dgm:scene3d>
+    <dgm:sp3d/>
     <dgm:txPr/>
     <dgm:style>
       <a:lnRef idx="2">
@@ -6306,6 +6318,7 @@
       <a:camera prst="orthographicFront"/>
       <a:lightRig rig="threePt" dir="t"/>
     </dgm:scene3d>
+    <dgm:sp3d/>
     <dgm:txPr/>
     <dgm:style>
       <a:lnRef idx="2">
@@ -6325,6 +6338,7 @@
       <a:camera prst="orthographicFront"/>
       <a:lightRig rig="threePt" dir="t"/>
     </dgm:scene3d>
+    <dgm:sp3d/>
     <dgm:txPr/>
     <dgm:style>
       <a:lnRef idx="1">
@@ -6346,6 +6360,7 @@
       <a:camera prst="orthographicFront"/>
       <a:lightRig rig="threePt" dir="t"/>
     </dgm:scene3d>
+    <dgm:sp3d/>
     <dgm:txPr/>
     <dgm:style>
       <a:lnRef idx="1">
@@ -6367,6 +6382,7 @@
       <a:camera prst="orthographicFront"/>
       <a:lightRig rig="threePt" dir="t"/>
     </dgm:scene3d>
+    <dgm:sp3d/>
     <dgm:txPr/>
     <dgm:style>
       <a:lnRef idx="1">
@@ -6388,6 +6404,7 @@
       <a:camera prst="orthographicFront"/>
       <a:lightRig rig="threePt" dir="t"/>
     </dgm:scene3d>
+    <dgm:sp3d/>
     <dgm:txPr/>
     <dgm:style>
       <a:lnRef idx="1">
@@ -6409,6 +6426,7 @@
       <a:camera prst="orthographicFront"/>
       <a:lightRig rig="threePt" dir="t"/>
     </dgm:scene3d>
+    <dgm:sp3d/>
     <dgm:txPr/>
     <dgm:style>
       <a:lnRef idx="0">
@@ -6428,6 +6446,7 @@
       <a:camera prst="orthographicFront"/>
       <a:lightRig rig="threePt" dir="t"/>
     </dgm:scene3d>
+    <dgm:sp3d/>
     <dgm:txPr/>
     <dgm:style>
       <a:lnRef idx="1">
@@ -6447,6 +6466,7 @@
       <a:camera prst="orthographicFront"/>
       <a:lightRig rig="threePt" dir="t"/>
     </dgm:scene3d>
+    <dgm:sp3d/>
     <dgm:txPr/>
     <dgm:style>
       <a:lnRef idx="0">
@@ -6468,6 +6488,7 @@
       <a:camera prst="orthographicFront"/>
       <a:lightRig rig="threePt" dir="t"/>
     </dgm:scene3d>
+    <dgm:sp3d/>
     <dgm:txPr/>
     <dgm:style>
       <a:lnRef idx="1">
@@ -6487,6 +6508,7 @@
       <a:camera prst="orthographicFront"/>
       <a:lightRig rig="threePt" dir="t"/>
     </dgm:scene3d>
+    <dgm:sp3d/>
     <dgm:txPr/>
     <dgm:style>
       <a:lnRef idx="1">
@@ -6506,6 +6528,7 @@
       <a:camera prst="orthographicFront"/>
       <a:lightRig rig="threePt" dir="t"/>
     </dgm:scene3d>
+    <dgm:sp3d/>
     <dgm:txPr/>
     <dgm:style>
       <a:lnRef idx="1">
@@ -6525,6 +6548,7 @@
       <a:camera prst="orthographicFront"/>
       <a:lightRig rig="threePt" dir="t"/>
     </dgm:scene3d>
+    <dgm:sp3d/>
     <dgm:txPr/>
     <dgm:style>
       <a:lnRef idx="1">
@@ -6544,6 +6568,7 @@
       <a:camera prst="orthographicFront"/>
       <a:lightRig rig="threePt" dir="t"/>
     </dgm:scene3d>
+    <dgm:sp3d/>
     <dgm:txPr/>
     <dgm:style>
       <a:lnRef idx="0">
@@ -6586,7 +6611,7 @@
 </file>
 
 <file path=ppt/diagrams/quickStyle2.xml><?xml version="1.0" encoding="utf-8"?>
-<dgm:styleDef xmlns:dgm="http://schemas.openxmlformats.org/drawingml/2006/diagram" xmlns:a="http://schemas.openxmlformats.org/drawingml/2006/main" uniqueId="urn:microsoft.com/office/officeart/2005/8/quickstyle/simple1">
+<dgm:styleDef xmlns:dgm="http://schemas.openxmlformats.org/drawingml/2006/diagram" xmlns:a="http://schemas.openxmlformats.org/drawingml/2006/main" uniqueId="urn:microsoft.com/office/officeart/2005/8/quickstyle/simple1#1">
   <dgm:title val=""/>
   <dgm:desc val=""/>
   <dgm:catLst>
@@ -6601,6 +6626,7 @@
       <a:camera prst="orthographicFront"/>
       <a:lightRig rig="threePt" dir="t"/>
     </dgm:scene3d>
+    <dgm:sp3d/>
     <dgm:txPr/>
     <dgm:style>
       <a:lnRef idx="2">
@@ -6620,6 +6646,7 @@
       <a:camera prst="orthographicFront"/>
       <a:lightRig rig="threePt" dir="t"/>
     </dgm:scene3d>
+    <dgm:sp3d/>
     <dgm:txPr/>
     <dgm:style>
       <a:lnRef idx="2">
@@ -6639,6 +6666,7 @@
       <a:camera prst="orthographicFront"/>
       <a:lightRig rig="threePt" dir="t"/>
     </dgm:scene3d>
+    <dgm:sp3d/>
     <dgm:txPr/>
     <dgm:style>
       <a:lnRef idx="2">
@@ -6658,6 +6686,7 @@
       <a:camera prst="orthographicFront"/>
       <a:lightRig rig="threePt" dir="t"/>
     </dgm:scene3d>
+    <dgm:sp3d/>
     <dgm:txPr/>
     <dgm:style>
       <a:lnRef idx="2">
@@ -6679,6 +6708,7 @@
       <a:camera prst="orthographicFront"/>
       <a:lightRig rig="threePt" dir="t"/>
     </dgm:scene3d>
+    <dgm:sp3d/>
     <dgm:txPr/>
     <dgm:style>
       <a:lnRef idx="2">
@@ -6700,6 +6730,7 @@
       <a:camera prst="orthographicFront"/>
       <a:lightRig rig="threePt" dir="t"/>
     </dgm:scene3d>
+    <dgm:sp3d/>
     <dgm:txPr/>
     <dgm:style>
       <a:lnRef idx="2">
@@ -6721,6 +6752,7 @@
       <a:camera prst="orthographicFront"/>
       <a:lightRig rig="threePt" dir="t"/>
     </dgm:scene3d>
+    <dgm:sp3d/>
     <dgm:txPr/>
     <dgm:style>
       <a:lnRef idx="2">
@@ -6742,6 +6774,7 @@
       <a:camera prst="orthographicFront"/>
       <a:lightRig rig="threePt" dir="t"/>
     </dgm:scene3d>
+    <dgm:sp3d/>
     <dgm:txPr/>
     <dgm:style>
       <a:lnRef idx="2">
@@ -6763,6 +6796,7 @@
       <a:camera prst="orthographicFront"/>
       <a:lightRig rig="threePt" dir="t"/>
     </dgm:scene3d>
+    <dgm:sp3d/>
     <dgm:txPr/>
     <dgm:style>
       <a:lnRef idx="2">
@@ -6784,6 +6818,7 @@
       <a:camera prst="orthographicFront"/>
       <a:lightRig rig="threePt" dir="t"/>
     </dgm:scene3d>
+    <dgm:sp3d/>
     <dgm:txPr/>
     <dgm:style>
       <a:lnRef idx="2">
@@ -6803,6 +6838,7 @@
       <a:camera prst="orthographicFront"/>
       <a:lightRig rig="threePt" dir="t"/>
     </dgm:scene3d>
+    <dgm:sp3d/>
     <dgm:txPr/>
     <dgm:style>
       <a:lnRef idx="2">
@@ -6822,6 +6858,7 @@
       <a:camera prst="orthographicFront"/>
       <a:lightRig rig="threePt" dir="t"/>
     </dgm:scene3d>
+    <dgm:sp3d/>
     <dgm:txPr/>
     <dgm:style>
       <a:lnRef idx="2">
@@ -6841,6 +6878,7 @@
       <a:camera prst="orthographicFront"/>
       <a:lightRig rig="threePt" dir="t"/>
     </dgm:scene3d>
+    <dgm:sp3d/>
     <dgm:txPr/>
     <dgm:style>
       <a:lnRef idx="0">
@@ -6860,6 +6898,7 @@
       <a:camera prst="orthographicFront"/>
       <a:lightRig rig="threePt" dir="t"/>
     </dgm:scene3d>
+    <dgm:sp3d/>
     <dgm:txPr/>
     <dgm:style>
       <a:lnRef idx="0">
@@ -6881,6 +6920,7 @@
       <a:camera prst="orthographicFront"/>
       <a:lightRig rig="threePt" dir="t"/>
     </dgm:scene3d>
+    <dgm:sp3d/>
     <dgm:txPr/>
     <dgm:style>
       <a:lnRef idx="2">
@@ -6900,6 +6940,7 @@
       <a:camera prst="orthographicFront"/>
       <a:lightRig rig="threePt" dir="t"/>
     </dgm:scene3d>
+    <dgm:sp3d/>
     <dgm:txPr/>
     <dgm:style>
       <a:lnRef idx="2">
@@ -6919,6 +6960,7 @@
       <a:camera prst="orthographicFront"/>
       <a:lightRig rig="threePt" dir="t"/>
     </dgm:scene3d>
+    <dgm:sp3d/>
     <dgm:txPr/>
     <dgm:style>
       <a:lnRef idx="0">
@@ -6938,6 +6980,7 @@
       <a:camera prst="orthographicFront"/>
       <a:lightRig rig="threePt" dir="t"/>
     </dgm:scene3d>
+    <dgm:sp3d/>
     <dgm:txPr/>
     <dgm:style>
       <a:lnRef idx="2">
@@ -6957,6 +7000,7 @@
       <a:camera prst="orthographicFront"/>
       <a:lightRig rig="threePt" dir="t"/>
     </dgm:scene3d>
+    <dgm:sp3d/>
     <dgm:txPr/>
     <dgm:style>
       <a:lnRef idx="2">
@@ -6976,6 +7020,7 @@
       <a:camera prst="orthographicFront"/>
       <a:lightRig rig="threePt" dir="t"/>
     </dgm:scene3d>
+    <dgm:sp3d/>
     <dgm:txPr/>
     <dgm:style>
       <a:lnRef idx="2">
@@ -6995,6 +7040,7 @@
       <a:camera prst="orthographicFront"/>
       <a:lightRig rig="threePt" dir="t"/>
     </dgm:scene3d>
+    <dgm:sp3d/>
     <dgm:txPr/>
     <dgm:style>
       <a:lnRef idx="2">
@@ -7014,6 +7060,7 @@
       <a:camera prst="orthographicFront"/>
       <a:lightRig rig="threePt" dir="t"/>
     </dgm:scene3d>
+    <dgm:sp3d/>
     <dgm:txPr/>
     <dgm:style>
       <a:lnRef idx="2">
@@ -7033,6 +7080,7 @@
       <a:camera prst="orthographicFront"/>
       <a:lightRig rig="threePt" dir="t"/>
     </dgm:scene3d>
+    <dgm:sp3d/>
     <dgm:txPr/>
     <dgm:style>
       <a:lnRef idx="2">
@@ -7052,6 +7100,7 @@
       <a:camera prst="orthographicFront"/>
       <a:lightRig rig="threePt" dir="t"/>
     </dgm:scene3d>
+    <dgm:sp3d/>
     <dgm:txPr/>
     <dgm:style>
       <a:lnRef idx="2">
@@ -7071,6 +7120,7 @@
       <a:camera prst="orthographicFront"/>
       <a:lightRig rig="threePt" dir="t"/>
     </dgm:scene3d>
+    <dgm:sp3d/>
     <dgm:txPr/>
     <dgm:style>
       <a:lnRef idx="2">
@@ -7090,6 +7140,7 @@
       <a:camera prst="orthographicFront"/>
       <a:lightRig rig="threePt" dir="t"/>
     </dgm:scene3d>
+    <dgm:sp3d/>
     <dgm:txPr/>
     <dgm:style>
       <a:lnRef idx="0">
@@ -7111,6 +7162,7 @@
       <a:camera prst="orthographicFront"/>
       <a:lightRig rig="threePt" dir="t"/>
     </dgm:scene3d>
+    <dgm:sp3d/>
     <dgm:txPr/>
     <dgm:style>
       <a:lnRef idx="2">
@@ -7132,6 +7184,7 @@
       <a:camera prst="orthographicFront"/>
       <a:lightRig rig="threePt" dir="t"/>
     </dgm:scene3d>
+    <dgm:sp3d/>
     <dgm:txPr/>
     <dgm:style>
       <a:lnRef idx="2">
@@ -7153,6 +7206,7 @@
       <a:camera prst="orthographicFront"/>
       <a:lightRig rig="threePt" dir="t"/>
     </dgm:scene3d>
+    <dgm:sp3d/>
     <dgm:txPr/>
     <dgm:style>
       <a:lnRef idx="2">
@@ -7174,6 +7228,7 @@
       <a:camera prst="orthographicFront"/>
       <a:lightRig rig="threePt" dir="t"/>
     </dgm:scene3d>
+    <dgm:sp3d/>
     <dgm:txPr/>
     <dgm:style>
       <a:lnRef idx="2">
@@ -7195,6 +7250,7 @@
       <a:camera prst="orthographicFront"/>
       <a:lightRig rig="threePt" dir="t"/>
     </dgm:scene3d>
+    <dgm:sp3d/>
     <dgm:txPr/>
     <dgm:style>
       <a:lnRef idx="2">
@@ -7216,6 +7272,7 @@
       <a:camera prst="orthographicFront"/>
       <a:lightRig rig="threePt" dir="t"/>
     </dgm:scene3d>
+    <dgm:sp3d/>
     <dgm:txPr/>
     <dgm:style>
       <a:lnRef idx="2">
@@ -7237,6 +7294,7 @@
       <a:camera prst="orthographicFront"/>
       <a:lightRig rig="threePt" dir="t"/>
     </dgm:scene3d>
+    <dgm:sp3d/>
     <dgm:txPr/>
     <dgm:style>
       <a:lnRef idx="2">
@@ -7256,6 +7314,7 @@
       <a:camera prst="orthographicFront"/>
       <a:lightRig rig="threePt" dir="t"/>
     </dgm:scene3d>
+    <dgm:sp3d/>
     <dgm:txPr/>
     <dgm:style>
       <a:lnRef idx="2">
@@ -7275,6 +7334,7 @@
       <a:camera prst="orthographicFront"/>
       <a:lightRig rig="threePt" dir="t"/>
     </dgm:scene3d>
+    <dgm:sp3d/>
     <dgm:txPr/>
     <dgm:style>
       <a:lnRef idx="2">
@@ -7294,6 +7354,7 @@
       <a:camera prst="orthographicFront"/>
       <a:lightRig rig="threePt" dir="t"/>
     </dgm:scene3d>
+    <dgm:sp3d/>
     <dgm:txPr/>
     <dgm:style>
       <a:lnRef idx="2">
@@ -7313,6 +7374,7 @@
       <a:camera prst="orthographicFront"/>
       <a:lightRig rig="threePt" dir="t"/>
     </dgm:scene3d>
+    <dgm:sp3d/>
     <dgm:txPr/>
     <dgm:style>
       <a:lnRef idx="2">
@@ -7334,6 +7396,7 @@
       <a:camera prst="orthographicFront"/>
       <a:lightRig rig="threePt" dir="t"/>
     </dgm:scene3d>
+    <dgm:sp3d/>
     <dgm:txPr/>
     <dgm:style>
       <a:lnRef idx="2">
@@ -7355,6 +7418,7 @@
       <a:camera prst="orthographicFront"/>
       <a:lightRig rig="threePt" dir="t"/>
     </dgm:scene3d>
+    <dgm:sp3d/>
     <dgm:txPr/>
     <dgm:style>
       <a:lnRef idx="2">
@@ -7376,6 +7440,7 @@
       <a:camera prst="orthographicFront"/>
       <a:lightRig rig="threePt" dir="t"/>
     </dgm:scene3d>
+    <dgm:sp3d/>
     <dgm:txPr/>
     <dgm:style>
       <a:lnRef idx="2">
@@ -7397,6 +7462,7 @@
       <a:camera prst="orthographicFront"/>
       <a:lightRig rig="threePt" dir="t"/>
     </dgm:scene3d>
+    <dgm:sp3d/>
     <dgm:txPr/>
     <dgm:style>
       <a:lnRef idx="0">
@@ -7416,6 +7482,7 @@
       <a:camera prst="orthographicFront"/>
       <a:lightRig rig="threePt" dir="t"/>
     </dgm:scene3d>
+    <dgm:sp3d/>
     <dgm:txPr/>
     <dgm:style>
       <a:lnRef idx="1">
@@ -7435,6 +7502,7 @@
       <a:camera prst="orthographicFront"/>
       <a:lightRig rig="threePt" dir="t"/>
     </dgm:scene3d>
+    <dgm:sp3d/>
     <dgm:txPr/>
     <dgm:style>
       <a:lnRef idx="0">
@@ -7456,6 +7524,7 @@
       <a:camera prst="orthographicFront"/>
       <a:lightRig rig="threePt" dir="t"/>
     </dgm:scene3d>
+    <dgm:sp3d/>
     <dgm:txPr/>
     <dgm:style>
       <a:lnRef idx="2">
@@ -7475,6 +7544,7 @@
       <a:camera prst="orthographicFront"/>
       <a:lightRig rig="threePt" dir="t"/>
     </dgm:scene3d>
+    <dgm:sp3d/>
     <dgm:txPr/>
     <dgm:style>
       <a:lnRef idx="2">
@@ -7494,6 +7564,7 @@
       <a:camera prst="orthographicFront"/>
       <a:lightRig rig="threePt" dir="t"/>
     </dgm:scene3d>
+    <dgm:sp3d/>
     <dgm:txPr/>
     <dgm:style>
       <a:lnRef idx="2">
@@ -7513,6 +7584,7 @@
       <a:camera prst="orthographicFront"/>
       <a:lightRig rig="threePt" dir="t"/>
     </dgm:scene3d>
+    <dgm:sp3d/>
     <dgm:txPr/>
     <dgm:style>
       <a:lnRef idx="1">
@@ -7532,6 +7604,7 @@
       <a:camera prst="orthographicFront"/>
       <a:lightRig rig="threePt" dir="t"/>
     </dgm:scene3d>
+    <dgm:sp3d/>
     <dgm:txPr/>
     <dgm:style>
       <a:lnRef idx="0">
@@ -7551,6 +7624,7 @@
       <a:camera prst="orthographicFront"/>
       <a:lightRig rig="threePt" dir="t"/>
     </dgm:scene3d>
+    <dgm:sp3d/>
     <dgm:txPr/>
     <dgm:style>
       <a:lnRef idx="2">
@@ -7652,6 +7726,7 @@
           <a:p>
             <a:fld id="{2AA5BB14-8648-4606-A1BD-9421A15DF0F1}" type="datetimeFigureOut">
               <a:rPr lang="zh-CN" altLang="en-US" smtClean="0"/>
+              <a:t>2019/4/19</a:t>
             </a:fld>
             <a:endParaRPr lang="zh-CN" altLang="en-US"/>
           </a:p>
@@ -7718,7 +7793,6 @@
               <a:rPr lang="zh-CN" altLang="en-US"/>
               <a:t>编辑母版文本样式</a:t>
             </a:r>
-            <a:endParaRPr lang="zh-CN" altLang="en-US"/>
           </a:p>
           <a:p>
             <a:pPr lvl="1"/>
@@ -7726,7 +7800,6 @@
               <a:rPr lang="zh-CN" altLang="en-US"/>
               <a:t>第二级</a:t>
             </a:r>
-            <a:endParaRPr lang="zh-CN" altLang="en-US"/>
           </a:p>
           <a:p>
             <a:pPr lvl="2"/>
@@ -7734,7 +7807,6 @@
               <a:rPr lang="zh-CN" altLang="en-US"/>
               <a:t>第三级</a:t>
             </a:r>
-            <a:endParaRPr lang="zh-CN" altLang="en-US"/>
           </a:p>
           <a:p>
             <a:pPr lvl="3"/>
@@ -7742,7 +7814,6 @@
               <a:rPr lang="zh-CN" altLang="en-US"/>
               <a:t>第四级</a:t>
             </a:r>
-            <a:endParaRPr lang="zh-CN" altLang="en-US"/>
           </a:p>
           <a:p>
             <a:pPr lvl="4"/>
@@ -7750,7 +7821,6 @@
               <a:rPr lang="zh-CN" altLang="en-US"/>
               <a:t>第五级</a:t>
             </a:r>
-            <a:endParaRPr lang="zh-CN" altLang="en-US"/>
           </a:p>
         </p:txBody>
       </p:sp>
@@ -7814,6 +7884,7 @@
           <a:p>
             <a:fld id="{80DAA526-96C3-4A52-8C86-0F20201D56F5}" type="slidenum">
               <a:rPr lang="zh-CN" altLang="en-US" smtClean="0"/>
+              <a:t>‹#›</a:t>
             </a:fld>
             <a:endParaRPr lang="zh-CN" altLang="en-US"/>
           </a:p>
@@ -7987,6 +8058,145 @@
           <a:p>
             <a:fld id="{80DAA526-96C3-4A52-8C86-0F20201D56F5}" type="slidenum">
               <a:rPr lang="zh-CN" altLang="en-US" smtClean="0"/>
+              <a:t>1</a:t>
+            </a:fld>
+            <a:endParaRPr lang="zh-CN" altLang="en-US"/>
+          </a:p>
+        </p:txBody>
+      </p:sp>
+    </p:spTree>
+  </p:cSld>
+  <p:clrMapOvr>
+    <a:masterClrMapping/>
+  </p:clrMapOvr>
+</p:notes>
+</file>
+
+<file path=ppt/notesSlides/notesSlide10.xml><?xml version="1.0" encoding="utf-8"?>
+<p:notes xmlns:a="http://schemas.openxmlformats.org/drawingml/2006/main" xmlns:r="http://schemas.openxmlformats.org/officeDocument/2006/relationships" xmlns:p="http://schemas.openxmlformats.org/presentationml/2006/main">
+  <p:cSld>
+    <p:spTree>
+      <p:nvGrpSpPr>
+        <p:cNvPr id="1" name=""/>
+        <p:cNvGrpSpPr/>
+        <p:nvPr/>
+      </p:nvGrpSpPr>
+      <p:grpSpPr>
+        <a:xfrm>
+          <a:off x="0" y="0"/>
+          <a:ext cx="0" cy="0"/>
+          <a:chOff x="0" y="0"/>
+          <a:chExt cx="0" cy="0"/>
+        </a:xfrm>
+      </p:grpSpPr>
+      <p:sp>
+        <p:nvSpPr>
+          <p:cNvPr id="2" name="幻灯片图像占位符 1"/>
+          <p:cNvSpPr>
+            <a:spLocks noGrp="1" noRot="1" noChangeAspect="1"/>
+          </p:cNvSpPr>
+          <p:nvPr>
+            <p:ph type="sldImg"/>
+          </p:nvPr>
+        </p:nvSpPr>
+        <p:spPr/>
+      </p:sp>
+      <p:sp>
+        <p:nvSpPr>
+          <p:cNvPr id="3" name="备注占位符 2"/>
+          <p:cNvSpPr>
+            <a:spLocks noGrp="1"/>
+          </p:cNvSpPr>
+          <p:nvPr>
+            <p:ph type="body" idx="1"/>
+          </p:nvPr>
+        </p:nvSpPr>
+        <p:spPr/>
+        <p:txBody>
+          <a:bodyPr/>
+          <a:lstStyle/>
+          <a:p>
+            <a:pPr marL="0" indent="0">
+              <a:buFont typeface="Arial" panose="020B0604020202090204" pitchFamily="34" charset="0"/>
+              <a:buNone/>
+            </a:pPr>
+            <a:r>
+              <a:rPr lang="zh-CN" altLang="en-US" dirty="0" smtClean="0"/>
+              <a:t>分享</a:t>
+            </a:r>
+            <a:r>
+              <a:rPr lang="zh-CN" altLang="en-US" dirty="0"/>
+              <a:t>学习方向：</a:t>
+            </a:r>
+            <a:r>
+              <a:rPr lang="en-US" altLang="zh-CN" dirty="0"/>
+              <a:t>1</a:t>
+            </a:r>
+            <a:r>
+              <a:rPr lang="zh-CN" altLang="en-US" dirty="0"/>
+              <a:t>）</a:t>
+            </a:r>
+            <a:r>
+              <a:rPr lang="en-US" altLang="zh-CN" dirty="0"/>
+              <a:t> </a:t>
+            </a:r>
+            <a:r>
+              <a:rPr lang="zh-CN" altLang="en-US" dirty="0"/>
+              <a:t>代码规范  </a:t>
+            </a:r>
+            <a:r>
+              <a:rPr lang="en-US" altLang="zh-CN" dirty="0"/>
+              <a:t>2</a:t>
+            </a:r>
+            <a:r>
+              <a:rPr lang="zh-CN" altLang="en-US" dirty="0"/>
+              <a:t>）</a:t>
+            </a:r>
+            <a:r>
+              <a:rPr lang="en-US" altLang="zh-CN" dirty="0"/>
+              <a:t> Java</a:t>
+            </a:r>
+            <a:r>
+              <a:rPr lang="zh-CN" altLang="en-US" dirty="0"/>
+              <a:t>基础 </a:t>
+            </a:r>
+            <a:r>
+              <a:rPr lang="en-US" altLang="zh-CN" dirty="0"/>
+              <a:t>3</a:t>
+            </a:r>
+            <a:r>
+              <a:rPr lang="zh-CN" altLang="en-US" dirty="0"/>
+              <a:t>）设计模式 </a:t>
+            </a:r>
+            <a:r>
+              <a:rPr lang="en-US" altLang="zh-CN" dirty="0"/>
+              <a:t>4</a:t>
+            </a:r>
+            <a:r>
+              <a:rPr lang="zh-CN" altLang="en-US" dirty="0"/>
+              <a:t>）框架理念等</a:t>
+            </a:r>
+          </a:p>
+        </p:txBody>
+      </p:sp>
+      <p:sp>
+        <p:nvSpPr>
+          <p:cNvPr id="4" name="灯片编号占位符 3"/>
+          <p:cNvSpPr>
+            <a:spLocks noGrp="1"/>
+          </p:cNvSpPr>
+          <p:nvPr>
+            <p:ph type="sldNum" sz="quarter" idx="10"/>
+          </p:nvPr>
+        </p:nvSpPr>
+        <p:spPr/>
+        <p:txBody>
+          <a:bodyPr/>
+          <a:lstStyle/>
+          <a:p>
+            <a:fld id="{7392B679-AE23-4750-8FB0-6513430B8953}" type="slidenum">
+              <a:rPr lang="zh-CN" altLang="en-US" smtClean="0"/>
+              <a:t>10</a:t>
             </a:fld>
             <a:endParaRPr lang="zh-CN" altLang="en-US"/>
           </a:p>
@@ -8070,6 +8280,7 @@
           <a:p>
             <a:fld id="{80DAA526-96C3-4A52-8C86-0F20201D56F5}" type="slidenum">
               <a:rPr lang="zh-CN" altLang="en-US" smtClean="0"/>
+              <a:t>2</a:t>
             </a:fld>
             <a:endParaRPr lang="zh-CN" altLang="en-US"/>
           </a:p>
@@ -8153,6 +8364,7 @@
           <a:p>
             <a:fld id="{80DAA526-96C3-4A52-8C86-0F20201D56F5}" type="slidenum">
               <a:rPr lang="zh-CN" altLang="en-US" smtClean="0"/>
+              <a:t>3</a:t>
             </a:fld>
             <a:endParaRPr lang="zh-CN" altLang="en-US"/>
           </a:p>
@@ -8215,190 +8427,7 @@
           <a:bodyPr/>
           <a:lstStyle/>
           <a:p>
-            <a:pPr marL="285750" indent="-285750">
-              <a:buFont typeface="Arial" panose="020B0604020202090204" pitchFamily="34" charset="0"/>
-              <a:buChar char="•"/>
-            </a:pPr>
-            <a:r>
-              <a:rPr lang="zh-CN" altLang="en-US" dirty="0" smtClean="0">
-                <a:sym typeface="+mn-ea"/>
-              </a:rPr>
-              <a:t>看源码的目的：不只是为了看源码而看源码，绝大部分情况下问题都不需要看源码而解决。我们看源码的目的是为了解决疑惑，学习大牛代码。</a:t>
-            </a:r>
-            <a:endParaRPr lang="en-US" altLang="zh-CN" dirty="0" smtClean="0"/>
-          </a:p>
-          <a:p>
-            <a:endParaRPr lang="en-US" altLang="zh-CN" dirty="0" smtClean="0"/>
-          </a:p>
-          <a:p>
-            <a:pPr marL="285750" indent="-285750">
-              <a:buFont typeface="Arial" panose="020B0604020202090204" pitchFamily="34" charset="0"/>
-              <a:buChar char="•"/>
-            </a:pPr>
-            <a:r>
-              <a:rPr lang="zh-CN" altLang="en-US" dirty="0" smtClean="0">
-                <a:sym typeface="+mn-ea"/>
-              </a:rPr>
-              <a:t>看源码的方法：</a:t>
-            </a:r>
-            <a:endParaRPr lang="zh-CN" altLang="en-US" dirty="0" smtClean="0">
-              <a:sym typeface="+mn-ea"/>
-            </a:endParaRPr>
-          </a:p>
-          <a:p>
-            <a:pPr indent="0">
-              <a:buFont typeface="Arial" panose="020B0604020202090204" pitchFamily="34" charset="0"/>
-              <a:buNone/>
-            </a:pPr>
-            <a:r>
-              <a:rPr lang="en-US" altLang="zh-CN" dirty="0" smtClean="0">
-                <a:sym typeface="+mn-ea"/>
-              </a:rPr>
-              <a:t>	</a:t>
-            </a:r>
-            <a:r>
-              <a:rPr lang="zh-CN" altLang="en-US" dirty="0" smtClean="0">
-                <a:sym typeface="+mn-ea"/>
-              </a:rPr>
-              <a:t>（</a:t>
-            </a:r>
-            <a:r>
-              <a:rPr lang="en-US" altLang="zh-CN" dirty="0" smtClean="0">
-                <a:sym typeface="+mn-ea"/>
-              </a:rPr>
-              <a:t>1</a:t>
-            </a:r>
-            <a:r>
-              <a:rPr lang="zh-CN" altLang="en-US" dirty="0" smtClean="0">
-                <a:sym typeface="+mn-ea"/>
-              </a:rPr>
-              <a:t>）列出需要看源码而解决的问题，或者自己想弄清楚的点。</a:t>
-            </a:r>
-            <a:endParaRPr lang="en-US" altLang="zh-CN" dirty="0" smtClean="0"/>
-          </a:p>
-          <a:p>
-            <a:pPr indent="0">
-              <a:buFont typeface="Arial" panose="020B0604020202090204" pitchFamily="34" charset="0"/>
-              <a:buNone/>
-            </a:pPr>
-            <a:r>
-              <a:rPr lang="en-US" altLang="zh-CN" dirty="0" smtClean="0">
-                <a:sym typeface="+mn-ea"/>
-              </a:rPr>
-              <a:t>	</a:t>
-            </a:r>
-            <a:r>
-              <a:rPr lang="zh-CN" altLang="en-US" dirty="0" smtClean="0">
-                <a:sym typeface="+mn-ea"/>
-              </a:rPr>
-              <a:t>（</a:t>
-            </a:r>
-            <a:r>
-              <a:rPr lang="en-US" altLang="zh-CN" dirty="0" smtClean="0">
-                <a:sym typeface="+mn-ea"/>
-              </a:rPr>
-              <a:t>2</a:t>
-            </a:r>
-            <a:r>
-              <a:rPr lang="zh-CN" altLang="en-US" dirty="0" smtClean="0">
-                <a:sym typeface="+mn-ea"/>
-              </a:rPr>
-              <a:t>）</a:t>
-            </a:r>
-            <a:r>
-              <a:rPr lang="en-US" altLang="zh-CN" dirty="0" smtClean="0">
-                <a:sym typeface="+mn-ea"/>
-              </a:rPr>
-              <a:t>GitHub</a:t>
-            </a:r>
-            <a:r>
-              <a:rPr lang="zh-CN" altLang="en-US" dirty="0" smtClean="0">
-                <a:sym typeface="+mn-ea"/>
-              </a:rPr>
-              <a:t>中</a:t>
-            </a:r>
-            <a:r>
-              <a:rPr lang="en-US" altLang="zh-CN" dirty="0" smtClean="0">
-                <a:sym typeface="+mn-ea"/>
-              </a:rPr>
-              <a:t>Fork</a:t>
-            </a:r>
-            <a:r>
-              <a:rPr lang="zh-CN" altLang="en-US" dirty="0" smtClean="0">
-                <a:sym typeface="+mn-ea"/>
-              </a:rPr>
-              <a:t>开源项目拉取自己的分支</a:t>
-            </a:r>
-            <a:r>
-              <a:rPr lang="zh-CN" altLang="en-US" dirty="0">
-                <a:sym typeface="+mn-ea"/>
-              </a:rPr>
-              <a:t>。</a:t>
-            </a:r>
-            <a:endParaRPr lang="zh-CN" altLang="en-US" dirty="0">
-              <a:sym typeface="+mn-ea"/>
-            </a:endParaRPr>
-          </a:p>
-          <a:p>
-            <a:pPr marL="285750" indent="-285750">
-              <a:buFont typeface="Arial" panose="020B0604020202090204" pitchFamily="34" charset="0"/>
-              <a:buChar char="•"/>
-            </a:pPr>
-            <a:endParaRPr lang="en-US" altLang="zh-CN" dirty="0" smtClean="0"/>
-          </a:p>
-          <a:p>
-            <a:pPr marL="285750" indent="-285750">
-              <a:buFont typeface="Arial" panose="020B0604020202090204" pitchFamily="34" charset="0"/>
-              <a:buChar char="•"/>
-            </a:pPr>
-            <a:r>
-              <a:rPr lang="zh-CN" altLang="en-US" dirty="0" smtClean="0">
-                <a:sym typeface="+mn-ea"/>
-              </a:rPr>
-              <a:t>看</a:t>
-            </a:r>
-            <a:r>
-              <a:rPr lang="en-US" altLang="zh-CN" dirty="0" smtClean="0">
-                <a:sym typeface="+mn-ea"/>
-              </a:rPr>
-              <a:t>sprint-retry</a:t>
-            </a:r>
-            <a:r>
-              <a:rPr lang="zh-CN" altLang="en-US" dirty="0" smtClean="0">
-                <a:sym typeface="+mn-ea"/>
-              </a:rPr>
-              <a:t>源码目的：</a:t>
-            </a:r>
-            <a:r>
-              <a:rPr lang="en-US" altLang="zh-CN" dirty="0" smtClean="0">
-                <a:sym typeface="+mn-ea"/>
-              </a:rPr>
-              <a:t>1.</a:t>
-            </a:r>
-            <a:r>
-              <a:rPr lang="zh-CN" altLang="en-US" dirty="0" smtClean="0">
-                <a:sym typeface="+mn-ea"/>
-              </a:rPr>
-              <a:t>搞清楚怎么实现重试   </a:t>
-            </a:r>
-            <a:r>
-              <a:rPr lang="en-US" altLang="zh-CN" dirty="0" smtClean="0">
-                <a:sym typeface="+mn-ea"/>
-              </a:rPr>
-              <a:t>2.</a:t>
-            </a:r>
-            <a:r>
-              <a:rPr lang="zh-CN" altLang="en-US" dirty="0" smtClean="0">
-                <a:sym typeface="+mn-ea"/>
-              </a:rPr>
-              <a:t>搞清楚有状态重试是什么</a:t>
-            </a:r>
-            <a:endParaRPr lang="zh-CN" altLang="en-US" dirty="0" smtClean="0">
-              <a:sym typeface="+mn-ea"/>
-            </a:endParaRPr>
-          </a:p>
-          <a:p>
-            <a:endParaRPr lang="en-US" altLang="zh-CN" dirty="0" smtClean="0"/>
+            <a:endParaRPr lang="zh-CN" altLang="en-US" dirty="0" smtClean="0"/>
           </a:p>
         </p:txBody>
       </p:sp>
@@ -8419,12 +8448,18 @@
           <a:p>
             <a:fld id="{80DAA526-96C3-4A52-8C86-0F20201D56F5}" type="slidenum">
               <a:rPr lang="zh-CN" altLang="en-US" smtClean="0"/>
+              <a:t>4</a:t>
             </a:fld>
             <a:endParaRPr lang="zh-CN" altLang="en-US"/>
           </a:p>
         </p:txBody>
       </p:sp>
     </p:spTree>
+    <p:extLst>
+      <p:ext uri="{BB962C8B-B14F-4D97-AF65-F5344CB8AC3E}">
+        <p14:creationId xmlns:p14="http://schemas.microsoft.com/office/powerpoint/2010/main" val="1733006494"/>
+      </p:ext>
+    </p:extLst>
   </p:cSld>
   <p:clrMapOvr>
     <a:masterClrMapping/>
@@ -8481,7 +8516,7 @@
           <a:bodyPr/>
           <a:lstStyle/>
           <a:p>
-            <a:endParaRPr lang="en-US" altLang="zh-CN" dirty="0" smtClean="0"/>
+            <a:endParaRPr lang="zh-CN" altLang="en-US" dirty="0" smtClean="0"/>
           </a:p>
         </p:txBody>
       </p:sp>
@@ -8502,12 +8537,18 @@
           <a:p>
             <a:fld id="{80DAA526-96C3-4A52-8C86-0F20201D56F5}" type="slidenum">
               <a:rPr lang="zh-CN" altLang="en-US" smtClean="0"/>
+              <a:t>5</a:t>
             </a:fld>
             <a:endParaRPr lang="zh-CN" altLang="en-US"/>
           </a:p>
         </p:txBody>
       </p:sp>
     </p:spTree>
+    <p:extLst>
+      <p:ext uri="{BB962C8B-B14F-4D97-AF65-F5344CB8AC3E}">
+        <p14:creationId xmlns:p14="http://schemas.microsoft.com/office/powerpoint/2010/main" val="2983506707"/>
+      </p:ext>
+    </p:extLst>
   </p:cSld>
   <p:clrMapOvr>
     <a:masterClrMapping/>
@@ -8564,6 +8605,180 @@
           <a:bodyPr/>
           <a:lstStyle/>
           <a:p>
+            <a:pPr marL="285750" indent="-285750">
+              <a:buFont typeface="Arial" panose="020B0604020202090204" pitchFamily="34" charset="0"/>
+              <a:buChar char="•"/>
+            </a:pPr>
+            <a:r>
+              <a:rPr lang="zh-CN" altLang="en-US" dirty="0" smtClean="0">
+                <a:sym typeface="+mn-ea"/>
+              </a:rPr>
+              <a:t>看源码的目的：不只是为了看源码而看源码，绝大部分情况下问题都不需要看源码而解决。我们看源码的目的是为了解决疑惑，学习大牛代码。</a:t>
+            </a:r>
+            <a:endParaRPr lang="en-US" altLang="zh-CN" dirty="0" smtClean="0"/>
+          </a:p>
+          <a:p>
+            <a:endParaRPr lang="en-US" altLang="zh-CN" dirty="0" smtClean="0"/>
+          </a:p>
+          <a:p>
+            <a:pPr marL="285750" indent="-285750">
+              <a:buFont typeface="Arial" panose="020B0604020202090204" pitchFamily="34" charset="0"/>
+              <a:buChar char="•"/>
+            </a:pPr>
+            <a:r>
+              <a:rPr lang="zh-CN" altLang="en-US" dirty="0" smtClean="0">
+                <a:sym typeface="+mn-ea"/>
+              </a:rPr>
+              <a:t>看源码的方法：</a:t>
+            </a:r>
+          </a:p>
+          <a:p>
+            <a:pPr indent="0">
+              <a:buFont typeface="Arial" panose="020B0604020202090204" pitchFamily="34" charset="0"/>
+              <a:buNone/>
+            </a:pPr>
+            <a:r>
+              <a:rPr lang="en-US" altLang="zh-CN" dirty="0" smtClean="0">
+                <a:sym typeface="+mn-ea"/>
+              </a:rPr>
+              <a:t>	</a:t>
+            </a:r>
+            <a:r>
+              <a:rPr lang="zh-CN" altLang="en-US" dirty="0" smtClean="0">
+                <a:sym typeface="+mn-ea"/>
+              </a:rPr>
+              <a:t>（</a:t>
+            </a:r>
+            <a:r>
+              <a:rPr lang="en-US" altLang="zh-CN" dirty="0" smtClean="0">
+                <a:sym typeface="+mn-ea"/>
+              </a:rPr>
+              <a:t>1</a:t>
+            </a:r>
+            <a:r>
+              <a:rPr lang="zh-CN" altLang="en-US" dirty="0" smtClean="0">
+                <a:sym typeface="+mn-ea"/>
+              </a:rPr>
+              <a:t>）列出需要看源码而解决的问题，或者自己想弄清楚的点。</a:t>
+            </a:r>
+            <a:endParaRPr lang="en-US" altLang="zh-CN" dirty="0" smtClean="0"/>
+          </a:p>
+          <a:p>
+            <a:pPr indent="0">
+              <a:buFont typeface="Arial" panose="020B0604020202090204" pitchFamily="34" charset="0"/>
+              <a:buNone/>
+            </a:pPr>
+            <a:r>
+              <a:rPr lang="en-US" altLang="zh-CN" dirty="0" smtClean="0">
+                <a:sym typeface="+mn-ea"/>
+              </a:rPr>
+              <a:t>	</a:t>
+            </a:r>
+            <a:r>
+              <a:rPr lang="zh-CN" altLang="en-US" dirty="0" smtClean="0">
+                <a:sym typeface="+mn-ea"/>
+              </a:rPr>
+              <a:t>（</a:t>
+            </a:r>
+            <a:r>
+              <a:rPr lang="en-US" altLang="zh-CN" dirty="0" smtClean="0">
+                <a:sym typeface="+mn-ea"/>
+              </a:rPr>
+              <a:t>2</a:t>
+            </a:r>
+            <a:r>
+              <a:rPr lang="zh-CN" altLang="en-US" dirty="0" smtClean="0">
+                <a:sym typeface="+mn-ea"/>
+              </a:rPr>
+              <a:t>）</a:t>
+            </a:r>
+            <a:r>
+              <a:rPr lang="en-US" altLang="zh-CN" dirty="0" smtClean="0">
+                <a:sym typeface="+mn-ea"/>
+              </a:rPr>
+              <a:t>GitHub</a:t>
+            </a:r>
+            <a:r>
+              <a:rPr lang="zh-CN" altLang="en-US" dirty="0" smtClean="0">
+                <a:sym typeface="+mn-ea"/>
+              </a:rPr>
+              <a:t>中</a:t>
+            </a:r>
+            <a:r>
+              <a:rPr lang="en-US" altLang="zh-CN" dirty="0" smtClean="0">
+                <a:sym typeface="+mn-ea"/>
+              </a:rPr>
+              <a:t>Fork</a:t>
+            </a:r>
+            <a:r>
+              <a:rPr lang="zh-CN" altLang="en-US" dirty="0" smtClean="0">
+                <a:sym typeface="+mn-ea"/>
+              </a:rPr>
+              <a:t>开源项目拉取自己的分支</a:t>
+            </a:r>
+            <a:r>
+              <a:rPr lang="zh-CN" altLang="en-US" dirty="0">
+                <a:sym typeface="+mn-ea"/>
+              </a:rPr>
+              <a:t>。</a:t>
+            </a:r>
+          </a:p>
+          <a:p>
+            <a:pPr marL="285750" indent="-285750">
+              <a:buFont typeface="Arial" panose="020B0604020202090204" pitchFamily="34" charset="0"/>
+              <a:buChar char="•"/>
+            </a:pPr>
+            <a:endParaRPr lang="en-US" altLang="zh-CN" dirty="0" smtClean="0"/>
+          </a:p>
+          <a:p>
+            <a:pPr marL="285750" indent="-285750">
+              <a:buFont typeface="Arial" panose="020B0604020202090204" pitchFamily="34" charset="0"/>
+              <a:buChar char="•"/>
+            </a:pPr>
+            <a:r>
+              <a:rPr lang="zh-CN" altLang="en-US" dirty="0" smtClean="0">
+                <a:sym typeface="+mn-ea"/>
+              </a:rPr>
+              <a:t>看</a:t>
+            </a:r>
+            <a:r>
+              <a:rPr lang="en-US" altLang="zh-CN" dirty="0" smtClean="0">
+                <a:sym typeface="+mn-ea"/>
+              </a:rPr>
+              <a:t>sprint-retry</a:t>
+            </a:r>
+            <a:r>
+              <a:rPr lang="zh-CN" altLang="en-US" dirty="0" smtClean="0">
+                <a:sym typeface="+mn-ea"/>
+              </a:rPr>
+              <a:t>源码目的：</a:t>
+            </a:r>
+            <a:r>
+              <a:rPr lang="en-US" altLang="zh-CN" dirty="0" smtClean="0">
+                <a:sym typeface="+mn-ea"/>
+              </a:rPr>
+              <a:t>1.</a:t>
+            </a:r>
+            <a:r>
+              <a:rPr lang="zh-CN" altLang="en-US" dirty="0" smtClean="0">
+                <a:sym typeface="+mn-ea"/>
+              </a:rPr>
+              <a:t>搞清楚怎么实现重试   </a:t>
+            </a:r>
+            <a:r>
+              <a:rPr lang="en-US" altLang="zh-CN" dirty="0" smtClean="0">
+                <a:sym typeface="+mn-ea"/>
+              </a:rPr>
+              <a:t>2.</a:t>
+            </a:r>
+            <a:r>
+              <a:rPr lang="zh-CN" altLang="en-US" dirty="0" smtClean="0">
+                <a:sym typeface="+mn-ea"/>
+              </a:rPr>
+              <a:t>搞清楚有状态重试是什么</a:t>
+            </a:r>
+          </a:p>
+          <a:p>
             <a:endParaRPr lang="en-US" altLang="zh-CN" dirty="0" smtClean="0"/>
           </a:p>
         </p:txBody>
@@ -8585,6 +8800,7 @@
           <a:p>
             <a:fld id="{80DAA526-96C3-4A52-8C86-0F20201D56F5}" type="slidenum">
               <a:rPr lang="zh-CN" altLang="en-US" smtClean="0"/>
+              <a:t>6</a:t>
             </a:fld>
             <a:endParaRPr lang="zh-CN" altLang="en-US"/>
           </a:p>
@@ -8647,89 +8863,6 @@
           <a:bodyPr/>
           <a:lstStyle/>
           <a:p>
-            <a:r>
-              <a:rPr lang="en-US" altLang="zh-CN" dirty="0" smtClean="0"/>
-              <a:t>BIZ</a:t>
-            </a:r>
-            <a:r>
-              <a:rPr lang="zh-CN" altLang="en-US" dirty="0" smtClean="0"/>
-              <a:t>层：与</a:t>
-            </a:r>
-            <a:r>
-              <a:rPr lang="en-US" altLang="zh-CN" dirty="0" smtClean="0"/>
-              <a:t>bridge</a:t>
-            </a:r>
-            <a:r>
-              <a:rPr lang="zh-CN" altLang="en-US" dirty="0" smtClean="0"/>
-              <a:t>交互用</a:t>
-            </a:r>
-            <a:r>
-              <a:rPr lang="en-US" altLang="zh-CN" dirty="0" smtClean="0"/>
-              <a:t>OMS</a:t>
-            </a:r>
-            <a:r>
-              <a:rPr lang="zh-CN" altLang="en-US" dirty="0" smtClean="0"/>
-              <a:t>的</a:t>
-            </a:r>
-            <a:r>
-              <a:rPr lang="en-US" altLang="zh-CN" dirty="0" smtClean="0"/>
-              <a:t>request</a:t>
-            </a:r>
-            <a:r>
-              <a:rPr lang="zh-CN" altLang="en-US" dirty="0" smtClean="0"/>
-              <a:t>和</a:t>
-            </a:r>
-            <a:r>
-              <a:rPr lang="en-US" altLang="zh-CN" dirty="0" smtClean="0"/>
-              <a:t>response</a:t>
-            </a:r>
-            <a:endParaRPr lang="en-US" altLang="zh-CN" dirty="0" smtClean="0"/>
-          </a:p>
-          <a:p>
-            <a:endParaRPr lang="en-US" altLang="zh-CN" dirty="0" smtClean="0"/>
-          </a:p>
-          <a:p>
-            <a:r>
-              <a:rPr lang="en-US" altLang="zh-CN" dirty="0" smtClean="0"/>
-              <a:t>Bridge</a:t>
-            </a:r>
-            <a:r>
-              <a:rPr lang="zh-CN" altLang="en-US" dirty="0" smtClean="0"/>
-              <a:t>层：确保异常不会上抛到业务层，特别是</a:t>
-            </a:r>
-            <a:r>
-              <a:rPr lang="en-US" altLang="zh-CN" dirty="0" err="1" smtClean="0"/>
-              <a:t>Runtime</a:t>
-            </a:r>
-            <a:r>
-              <a:rPr lang="en-US" altLang="zh-CN" baseline="0" dirty="0" err="1" smtClean="0"/>
-              <a:t>Exception</a:t>
-            </a:r>
-            <a:endParaRPr lang="en-US" altLang="zh-CN" baseline="0" dirty="0" err="1" smtClean="0"/>
-          </a:p>
-          <a:p>
-            <a:endParaRPr lang="en-US" altLang="zh-CN" dirty="0" smtClean="0"/>
-          </a:p>
-          <a:p>
-            <a:r>
-              <a:rPr lang="en-US" altLang="zh-CN" dirty="0" smtClean="0"/>
-              <a:t>mall</a:t>
-            </a:r>
-            <a:r>
-              <a:rPr lang="zh-CN" altLang="en-US" dirty="0" smtClean="0"/>
-              <a:t>层：处理重试及对响应错误或</a:t>
-            </a:r>
-            <a:r>
-              <a:rPr lang="en-US" altLang="zh-CN" dirty="0" smtClean="0"/>
-              <a:t>SDK</a:t>
-            </a:r>
-            <a:r>
-              <a:rPr lang="zh-CN" altLang="en-US" dirty="0" smtClean="0"/>
-              <a:t>上抛的异常进行转换：可重试、不可重试</a:t>
-            </a:r>
-            <a:endParaRPr lang="en-US" altLang="zh-CN" dirty="0" smtClean="0"/>
-          </a:p>
-          <a:p>
             <a:endParaRPr lang="en-US" altLang="zh-CN" dirty="0" smtClean="0"/>
           </a:p>
         </p:txBody>
@@ -8751,6 +8884,7 @@
           <a:p>
             <a:fld id="{80DAA526-96C3-4A52-8C86-0F20201D56F5}" type="slidenum">
               <a:rPr lang="zh-CN" altLang="en-US" smtClean="0"/>
+              <a:t>7</a:t>
             </a:fld>
             <a:endParaRPr lang="zh-CN" altLang="en-US"/>
           </a:p>
@@ -8791,7 +8925,12 @@
             <p:ph type="sldImg"/>
           </p:nvPr>
         </p:nvSpPr>
-        <p:spPr/>
+        <p:spPr>
+          <a:xfrm>
+            <a:off x="685800" y="1143000"/>
+            <a:ext cx="5486400" cy="3086100"/>
+          </a:xfrm>
+        </p:spPr>
       </p:sp>
       <p:sp>
         <p:nvSpPr>
@@ -8808,253 +8947,7 @@
           <a:bodyPr/>
           <a:lstStyle/>
           <a:p>
-            <a:pPr marL="285750" indent="-285750">
-              <a:buFont typeface="Arial" panose="020B0604020202090204" pitchFamily="34" charset="0"/>
-              <a:buChar char="•"/>
-            </a:pPr>
-            <a:r>
-              <a:rPr lang="zh-CN" altLang="en-US" dirty="0" smtClean="0">
-                <a:sym typeface="+mn-ea"/>
-              </a:rPr>
-              <a:t>看源码的目的：不只是为了看源码而看源码，绝大部分情况下问题都不需要看源码而解决。我们看源码的目的是为了解决疑惑，学习大牛代码。</a:t>
-            </a:r>
             <a:endParaRPr lang="en-US" altLang="zh-CN" dirty="0" smtClean="0"/>
-          </a:p>
-          <a:p>
-            <a:endParaRPr lang="en-US" altLang="zh-CN" dirty="0" smtClean="0"/>
-          </a:p>
-          <a:p>
-            <a:pPr marL="285750" indent="-285750">
-              <a:buFont typeface="Arial" panose="020B0604020202090204" pitchFamily="34" charset="0"/>
-              <a:buChar char="•"/>
-            </a:pPr>
-            <a:r>
-              <a:rPr lang="zh-CN" altLang="en-US" dirty="0" smtClean="0">
-                <a:sym typeface="+mn-ea"/>
-              </a:rPr>
-              <a:t>看源码的方法：</a:t>
-            </a:r>
-            <a:endParaRPr lang="zh-CN" altLang="en-US" dirty="0" smtClean="0">
-              <a:sym typeface="+mn-ea"/>
-            </a:endParaRPr>
-          </a:p>
-          <a:p>
-            <a:pPr indent="0">
-              <a:buFont typeface="Arial" panose="020B0604020202090204" pitchFamily="34" charset="0"/>
-              <a:buNone/>
-            </a:pPr>
-            <a:r>
-              <a:rPr lang="en-US" altLang="zh-CN" dirty="0" smtClean="0">
-                <a:sym typeface="+mn-ea"/>
-              </a:rPr>
-              <a:t>	</a:t>
-            </a:r>
-            <a:r>
-              <a:rPr lang="zh-CN" altLang="en-US" dirty="0" smtClean="0">
-                <a:sym typeface="+mn-ea"/>
-              </a:rPr>
-              <a:t>（</a:t>
-            </a:r>
-            <a:r>
-              <a:rPr lang="en-US" altLang="zh-CN" dirty="0" smtClean="0">
-                <a:sym typeface="+mn-ea"/>
-              </a:rPr>
-              <a:t>1</a:t>
-            </a:r>
-            <a:r>
-              <a:rPr lang="zh-CN" altLang="en-US" dirty="0" smtClean="0">
-                <a:sym typeface="+mn-ea"/>
-              </a:rPr>
-              <a:t>）列出需要看源码而解决的问题，或者自己想弄清楚的点。</a:t>
-            </a:r>
-            <a:endParaRPr lang="en-US" altLang="zh-CN" dirty="0" smtClean="0"/>
-          </a:p>
-          <a:p>
-            <a:pPr indent="0">
-              <a:buFont typeface="Arial" panose="020B0604020202090204" pitchFamily="34" charset="0"/>
-              <a:buNone/>
-            </a:pPr>
-            <a:r>
-              <a:rPr lang="en-US" altLang="zh-CN" dirty="0" smtClean="0">
-                <a:sym typeface="+mn-ea"/>
-              </a:rPr>
-              <a:t>	</a:t>
-            </a:r>
-            <a:r>
-              <a:rPr lang="zh-CN" altLang="en-US" dirty="0" smtClean="0">
-                <a:sym typeface="+mn-ea"/>
-              </a:rPr>
-              <a:t>（</a:t>
-            </a:r>
-            <a:r>
-              <a:rPr lang="en-US" altLang="zh-CN" dirty="0" smtClean="0">
-                <a:sym typeface="+mn-ea"/>
-              </a:rPr>
-              <a:t>2</a:t>
-            </a:r>
-            <a:r>
-              <a:rPr lang="zh-CN" altLang="en-US" dirty="0" smtClean="0">
-                <a:sym typeface="+mn-ea"/>
-              </a:rPr>
-              <a:t>）</a:t>
-            </a:r>
-            <a:r>
-              <a:rPr lang="en-US" altLang="zh-CN" dirty="0" smtClean="0">
-                <a:sym typeface="+mn-ea"/>
-              </a:rPr>
-              <a:t>GitHub</a:t>
-            </a:r>
-            <a:r>
-              <a:rPr lang="zh-CN" altLang="en-US" dirty="0" smtClean="0">
-                <a:sym typeface="+mn-ea"/>
-              </a:rPr>
-              <a:t>中</a:t>
-            </a:r>
-            <a:r>
-              <a:rPr lang="en-US" altLang="zh-CN" dirty="0" smtClean="0">
-                <a:sym typeface="+mn-ea"/>
-              </a:rPr>
-              <a:t>Fork</a:t>
-            </a:r>
-            <a:r>
-              <a:rPr lang="zh-CN" altLang="en-US" dirty="0" smtClean="0">
-                <a:sym typeface="+mn-ea"/>
-              </a:rPr>
-              <a:t>开源项目拉取自己的分支</a:t>
-            </a:r>
-            <a:r>
-              <a:rPr lang="zh-CN" altLang="en-US" dirty="0">
-                <a:sym typeface="+mn-ea"/>
-              </a:rPr>
-              <a:t>。</a:t>
-            </a:r>
-            <a:endParaRPr lang="zh-CN" altLang="en-US" dirty="0">
-              <a:sym typeface="+mn-ea"/>
-            </a:endParaRPr>
-          </a:p>
-          <a:p>
-            <a:pPr marL="285750" indent="-285750">
-              <a:buFont typeface="Arial" panose="020B0604020202090204" pitchFamily="34" charset="0"/>
-              <a:buChar char="•"/>
-            </a:pPr>
-            <a:endParaRPr lang="en-US" altLang="zh-CN" dirty="0" smtClean="0"/>
-          </a:p>
-          <a:p>
-            <a:pPr marL="285750" indent="-285750">
-              <a:buFont typeface="Arial" panose="020B0604020202090204" pitchFamily="34" charset="0"/>
-              <a:buChar char="•"/>
-            </a:pPr>
-            <a:r>
-              <a:rPr lang="zh-CN" altLang="en-US" dirty="0" smtClean="0">
-                <a:sym typeface="+mn-ea"/>
-              </a:rPr>
-              <a:t>看</a:t>
-            </a:r>
-            <a:r>
-              <a:rPr lang="en-US" altLang="zh-CN" dirty="0" smtClean="0">
-                <a:sym typeface="+mn-ea"/>
-              </a:rPr>
-              <a:t>sprint-retry</a:t>
-            </a:r>
-            <a:r>
-              <a:rPr lang="zh-CN" altLang="en-US" dirty="0" smtClean="0">
-                <a:sym typeface="+mn-ea"/>
-              </a:rPr>
-              <a:t>源码目的：</a:t>
-            </a:r>
-            <a:r>
-              <a:rPr lang="en-US" altLang="zh-CN" dirty="0" smtClean="0">
-                <a:sym typeface="+mn-ea"/>
-              </a:rPr>
-              <a:t>1.</a:t>
-            </a:r>
-            <a:r>
-              <a:rPr lang="zh-CN" altLang="en-US" dirty="0" smtClean="0">
-                <a:sym typeface="+mn-ea"/>
-              </a:rPr>
-              <a:t>搞清楚怎么实现重试   </a:t>
-            </a:r>
-            <a:r>
-              <a:rPr lang="en-US" altLang="zh-CN" dirty="0" smtClean="0">
-                <a:sym typeface="+mn-ea"/>
-              </a:rPr>
-              <a:t>2.</a:t>
-            </a:r>
-            <a:r>
-              <a:rPr lang="zh-CN" altLang="en-US" dirty="0" smtClean="0">
-                <a:sym typeface="+mn-ea"/>
-              </a:rPr>
-              <a:t>搞清楚有状态重试是什么</a:t>
-            </a:r>
-            <a:endParaRPr lang="zh-CN" altLang="en-US" dirty="0" smtClean="0">
-              <a:sym typeface="+mn-ea"/>
-            </a:endParaRPr>
-          </a:p>
-          <a:p>
-            <a:pPr marL="285750" indent="-285750">
-              <a:buFont typeface="Arial" panose="020B0604020202090204" pitchFamily="34" charset="0"/>
-              <a:buChar char="•"/>
-            </a:pPr>
-            <a:endParaRPr lang="zh-CN" altLang="en-US" dirty="0"/>
-          </a:p>
-          <a:p>
-            <a:pPr marL="285750" indent="-285750">
-              <a:buFont typeface="Arial" panose="020B0604020202090204" pitchFamily="34" charset="0"/>
-              <a:buChar char="•"/>
-            </a:pPr>
-            <a:r>
-              <a:rPr lang="zh-CN" altLang="en-US" dirty="0"/>
-              <a:t>分享学习方向：</a:t>
-            </a:r>
-            <a:r>
-              <a:rPr lang="en-US" altLang="zh-CN" dirty="0"/>
-              <a:t>1</a:t>
-            </a:r>
-            <a:r>
-              <a:rPr lang="zh-CN" altLang="en-US" dirty="0"/>
-              <a:t>）</a:t>
-            </a:r>
-            <a:r>
-              <a:rPr lang="en-US" altLang="zh-CN" dirty="0"/>
-              <a:t> </a:t>
-            </a:r>
-            <a:r>
-              <a:rPr lang="zh-CN" altLang="en-US" dirty="0"/>
-              <a:t>代码规范  </a:t>
-            </a:r>
-            <a:r>
-              <a:rPr lang="en-US" altLang="zh-CN" dirty="0"/>
-              <a:t>2</a:t>
-            </a:r>
-            <a:r>
-              <a:rPr lang="zh-CN" altLang="en-US" dirty="0"/>
-              <a:t>）</a:t>
-            </a:r>
-            <a:r>
-              <a:rPr lang="en-US" altLang="zh-CN" dirty="0"/>
-              <a:t> Java</a:t>
-            </a:r>
-            <a:r>
-              <a:rPr lang="zh-CN" altLang="en-US" dirty="0"/>
-              <a:t>基础 </a:t>
-            </a:r>
-            <a:r>
-              <a:rPr lang="en-US" altLang="zh-CN" dirty="0"/>
-              <a:t>3</a:t>
-            </a:r>
-            <a:r>
-              <a:rPr lang="zh-CN" altLang="en-US" dirty="0"/>
-              <a:t>）设计模式 </a:t>
-            </a:r>
-            <a:r>
-              <a:rPr lang="en-US" altLang="zh-CN" dirty="0"/>
-              <a:t>4</a:t>
-            </a:r>
-            <a:r>
-              <a:rPr lang="zh-CN" altLang="en-US" dirty="0"/>
-              <a:t>）框架理念等</a:t>
-            </a:r>
-            <a:endParaRPr lang="zh-CN" altLang="en-US" dirty="0"/>
           </a:p>
         </p:txBody>
       </p:sp>
@@ -9073,8 +8966,174 @@
           <a:bodyPr/>
           <a:lstStyle/>
           <a:p>
-            <a:fld id="{7392B679-AE23-4750-8FB0-6513430B8953}" type="slidenum">
+            <a:fld id="{80DAA526-96C3-4A52-8C86-0F20201D56F5}" type="slidenum">
               <a:rPr lang="zh-CN" altLang="en-US" smtClean="0"/>
+              <a:t>8</a:t>
+            </a:fld>
+            <a:endParaRPr lang="zh-CN" altLang="en-US"/>
+          </a:p>
+        </p:txBody>
+      </p:sp>
+    </p:spTree>
+  </p:cSld>
+  <p:clrMapOvr>
+    <a:masterClrMapping/>
+  </p:clrMapOvr>
+</p:notes>
+</file>
+
+<file path=ppt/notesSlides/notesSlide9.xml><?xml version="1.0" encoding="utf-8"?>
+<p:notes xmlns:a="http://schemas.openxmlformats.org/drawingml/2006/main" xmlns:r="http://schemas.openxmlformats.org/officeDocument/2006/relationships" xmlns:p="http://schemas.openxmlformats.org/presentationml/2006/main">
+  <p:cSld>
+    <p:spTree>
+      <p:nvGrpSpPr>
+        <p:cNvPr id="1" name=""/>
+        <p:cNvGrpSpPr/>
+        <p:nvPr/>
+      </p:nvGrpSpPr>
+      <p:grpSpPr>
+        <a:xfrm>
+          <a:off x="0" y="0"/>
+          <a:ext cx="0" cy="0"/>
+          <a:chOff x="0" y="0"/>
+          <a:chExt cx="0" cy="0"/>
+        </a:xfrm>
+      </p:grpSpPr>
+      <p:sp>
+        <p:nvSpPr>
+          <p:cNvPr id="2" name="幻灯片图像占位符 1"/>
+          <p:cNvSpPr>
+            <a:spLocks noGrp="1" noRot="1" noChangeAspect="1"/>
+          </p:cNvSpPr>
+          <p:nvPr>
+            <p:ph type="sldImg"/>
+          </p:nvPr>
+        </p:nvSpPr>
+        <p:spPr>
+          <a:xfrm>
+            <a:off x="685800" y="1143000"/>
+            <a:ext cx="5486400" cy="3086100"/>
+          </a:xfrm>
+        </p:spPr>
+      </p:sp>
+      <p:sp>
+        <p:nvSpPr>
+          <p:cNvPr id="3" name="备注占位符 2"/>
+          <p:cNvSpPr>
+            <a:spLocks noGrp="1"/>
+          </p:cNvSpPr>
+          <p:nvPr>
+            <p:ph type="body" idx="1"/>
+          </p:nvPr>
+        </p:nvSpPr>
+        <p:spPr/>
+        <p:txBody>
+          <a:bodyPr/>
+          <a:lstStyle/>
+          <a:p>
+            <a:r>
+              <a:rPr lang="en-US" altLang="zh-CN" dirty="0" smtClean="0"/>
+              <a:t>BIZ</a:t>
+            </a:r>
+            <a:r>
+              <a:rPr lang="zh-CN" altLang="en-US" dirty="0" smtClean="0"/>
+              <a:t>层：与</a:t>
+            </a:r>
+            <a:r>
+              <a:rPr lang="en-US" altLang="zh-CN" dirty="0" smtClean="0"/>
+              <a:t>bridge</a:t>
+            </a:r>
+            <a:r>
+              <a:rPr lang="zh-CN" altLang="en-US" dirty="0" smtClean="0"/>
+              <a:t>交互用</a:t>
+            </a:r>
+            <a:r>
+              <a:rPr lang="en-US" altLang="zh-CN" dirty="0" smtClean="0"/>
+              <a:t>OMS</a:t>
+            </a:r>
+            <a:r>
+              <a:rPr lang="zh-CN" altLang="en-US" dirty="0" smtClean="0"/>
+              <a:t>的</a:t>
+            </a:r>
+            <a:r>
+              <a:rPr lang="en-US" altLang="zh-CN" dirty="0" smtClean="0"/>
+              <a:t>request</a:t>
+            </a:r>
+            <a:r>
+              <a:rPr lang="zh-CN" altLang="en-US" dirty="0" smtClean="0"/>
+              <a:t>和</a:t>
+            </a:r>
+            <a:r>
+              <a:rPr lang="en-US" altLang="zh-CN" dirty="0" smtClean="0"/>
+              <a:t>response</a:t>
+            </a:r>
+          </a:p>
+          <a:p>
+            <a:endParaRPr lang="en-US" altLang="zh-CN" dirty="0" smtClean="0"/>
+          </a:p>
+          <a:p>
+            <a:r>
+              <a:rPr lang="en-US" altLang="zh-CN" dirty="0" smtClean="0"/>
+              <a:t>Bridge</a:t>
+            </a:r>
+            <a:r>
+              <a:rPr lang="zh-CN" altLang="en-US" dirty="0" smtClean="0"/>
+              <a:t>层：确保异常不会上抛到业务层，特别是</a:t>
+            </a:r>
+            <a:r>
+              <a:rPr lang="en-US" altLang="zh-CN" dirty="0" err="1" smtClean="0"/>
+              <a:t>Runtime</a:t>
+            </a:r>
+            <a:r>
+              <a:rPr lang="en-US" altLang="zh-CN" baseline="0" dirty="0" err="1" smtClean="0"/>
+              <a:t>Exception</a:t>
+            </a:r>
+          </a:p>
+          <a:p>
+            <a:endParaRPr lang="en-US" altLang="zh-CN" dirty="0" smtClean="0"/>
+          </a:p>
+          <a:p>
+            <a:r>
+              <a:rPr lang="en-US" altLang="zh-CN" dirty="0" smtClean="0"/>
+              <a:t>mall</a:t>
+            </a:r>
+            <a:r>
+              <a:rPr lang="zh-CN" altLang="en-US" dirty="0" smtClean="0"/>
+              <a:t>层：处理重试及对响应错误或</a:t>
+            </a:r>
+            <a:r>
+              <a:rPr lang="en-US" altLang="zh-CN" dirty="0" smtClean="0"/>
+              <a:t>SDK</a:t>
+            </a:r>
+            <a:r>
+              <a:rPr lang="zh-CN" altLang="en-US" dirty="0" smtClean="0"/>
+              <a:t>上抛的异常进行转换：可重试、不可重试</a:t>
+            </a:r>
+            <a:endParaRPr lang="en-US" altLang="zh-CN" dirty="0" smtClean="0"/>
+          </a:p>
+          <a:p>
+            <a:endParaRPr lang="en-US" altLang="zh-CN" dirty="0" smtClean="0"/>
+          </a:p>
+        </p:txBody>
+      </p:sp>
+      <p:sp>
+        <p:nvSpPr>
+          <p:cNvPr id="4" name="灯片编号占位符 3"/>
+          <p:cNvSpPr>
+            <a:spLocks noGrp="1"/>
+          </p:cNvSpPr>
+          <p:nvPr>
+            <p:ph type="sldNum" sz="quarter" idx="10"/>
+          </p:nvPr>
+        </p:nvSpPr>
+        <p:spPr/>
+        <p:txBody>
+          <a:bodyPr/>
+          <a:lstStyle/>
+          <a:p>
+            <a:fld id="{80DAA526-96C3-4A52-8C86-0F20201D56F5}" type="slidenum">
+              <a:rPr lang="zh-CN" altLang="en-US" smtClean="0"/>
+              <a:t>9</a:t>
             </a:fld>
             <a:endParaRPr lang="zh-CN" altLang="en-US"/>
           </a:p>
@@ -9219,6 +9278,7 @@
           <a:p>
             <a:fld id="{F2C3DB7C-2D6B-4C00-98DC-0DA6EC76AE3B}" type="datetimeFigureOut">
               <a:rPr lang="zh-CN" altLang="en-US" smtClean="0"/>
+              <a:t>2019/4/19</a:t>
             </a:fld>
             <a:endParaRPr lang="zh-CN" altLang="en-US"/>
           </a:p>
@@ -9260,6 +9320,7 @@
           <a:p>
             <a:fld id="{706651A3-21E8-4EF8-877E-30E54495478B}" type="slidenum">
               <a:rPr lang="zh-CN" altLang="en-US" smtClean="0"/>
+              <a:t>‹#›</a:t>
             </a:fld>
             <a:endParaRPr lang="zh-CN" altLang="en-US"/>
           </a:p>
@@ -9333,7 +9394,6 @@
               <a:rPr lang="zh-CN" altLang="en-US"/>
               <a:t>单击此处编辑母版文本样式</a:t>
             </a:r>
-            <a:endParaRPr lang="zh-CN" altLang="en-US"/>
           </a:p>
           <a:p>
             <a:pPr lvl="1"/>
@@ -9341,7 +9401,6 @@
               <a:rPr lang="zh-CN" altLang="en-US"/>
               <a:t>第二级</a:t>
             </a:r>
-            <a:endParaRPr lang="zh-CN" altLang="en-US"/>
           </a:p>
           <a:p>
             <a:pPr lvl="2"/>
@@ -9349,7 +9408,6 @@
               <a:rPr lang="zh-CN" altLang="en-US"/>
               <a:t>第三级</a:t>
             </a:r>
-            <a:endParaRPr lang="zh-CN" altLang="en-US"/>
           </a:p>
           <a:p>
             <a:pPr lvl="3"/>
@@ -9357,7 +9415,6 @@
               <a:rPr lang="zh-CN" altLang="en-US"/>
               <a:t>第四级</a:t>
             </a:r>
-            <a:endParaRPr lang="zh-CN" altLang="en-US"/>
           </a:p>
           <a:p>
             <a:pPr lvl="4"/>
@@ -9386,6 +9443,7 @@
           <a:p>
             <a:fld id="{F2C3DB7C-2D6B-4C00-98DC-0DA6EC76AE3B}" type="datetimeFigureOut">
               <a:rPr lang="zh-CN" altLang="en-US" smtClean="0"/>
+              <a:t>2019/4/19</a:t>
             </a:fld>
             <a:endParaRPr lang="zh-CN" altLang="en-US"/>
           </a:p>
@@ -9427,6 +9485,7 @@
           <a:p>
             <a:fld id="{706651A3-21E8-4EF8-877E-30E54495478B}" type="slidenum">
               <a:rPr lang="zh-CN" altLang="en-US" smtClean="0"/>
+              <a:t>‹#›</a:t>
             </a:fld>
             <a:endParaRPr lang="zh-CN" altLang="en-US"/>
           </a:p>
@@ -9510,7 +9569,6 @@
               <a:rPr lang="zh-CN" altLang="en-US"/>
               <a:t>单击此处编辑母版文本样式</a:t>
             </a:r>
-            <a:endParaRPr lang="zh-CN" altLang="en-US"/>
           </a:p>
           <a:p>
             <a:pPr lvl="1"/>
@@ -9518,7 +9576,6 @@
               <a:rPr lang="zh-CN" altLang="en-US"/>
               <a:t>第二级</a:t>
             </a:r>
-            <a:endParaRPr lang="zh-CN" altLang="en-US"/>
           </a:p>
           <a:p>
             <a:pPr lvl="2"/>
@@ -9526,7 +9583,6 @@
               <a:rPr lang="zh-CN" altLang="en-US"/>
               <a:t>第三级</a:t>
             </a:r>
-            <a:endParaRPr lang="zh-CN" altLang="en-US"/>
           </a:p>
           <a:p>
             <a:pPr lvl="3"/>
@@ -9534,7 +9590,6 @@
               <a:rPr lang="zh-CN" altLang="en-US"/>
               <a:t>第四级</a:t>
             </a:r>
-            <a:endParaRPr lang="zh-CN" altLang="en-US"/>
           </a:p>
           <a:p>
             <a:pPr lvl="4"/>
@@ -9563,6 +9618,7 @@
           <a:p>
             <a:fld id="{F2C3DB7C-2D6B-4C00-98DC-0DA6EC76AE3B}" type="datetimeFigureOut">
               <a:rPr lang="zh-CN" altLang="en-US" smtClean="0"/>
+              <a:t>2019/4/19</a:t>
             </a:fld>
             <a:endParaRPr lang="zh-CN" altLang="en-US"/>
           </a:p>
@@ -9604,6 +9660,7 @@
           <a:p>
             <a:fld id="{706651A3-21E8-4EF8-877E-30E54495478B}" type="slidenum">
               <a:rPr lang="zh-CN" altLang="en-US" smtClean="0"/>
+              <a:t>‹#›</a:t>
             </a:fld>
             <a:endParaRPr lang="zh-CN" altLang="en-US"/>
           </a:p>
@@ -9677,7 +9734,6 @@
               <a:rPr lang="zh-CN" altLang="en-US" smtClean="0"/>
               <a:t>编辑母版文本样式</a:t>
             </a:r>
-            <a:endParaRPr lang="zh-CN" altLang="en-US" smtClean="0"/>
           </a:p>
           <a:p>
             <a:pPr lvl="1"/>
@@ -9685,7 +9741,6 @@
               <a:rPr lang="zh-CN" altLang="en-US" smtClean="0"/>
               <a:t>第二级</a:t>
             </a:r>
-            <a:endParaRPr lang="zh-CN" altLang="en-US" smtClean="0"/>
           </a:p>
           <a:p>
             <a:pPr lvl="2"/>
@@ -9693,7 +9748,6 @@
               <a:rPr lang="zh-CN" altLang="en-US" smtClean="0"/>
               <a:t>第三级</a:t>
             </a:r>
-            <a:endParaRPr lang="zh-CN" altLang="en-US" smtClean="0"/>
           </a:p>
           <a:p>
             <a:pPr lvl="3"/>
@@ -9701,7 +9755,6 @@
               <a:rPr lang="zh-CN" altLang="en-US" smtClean="0"/>
               <a:t>第四级</a:t>
             </a:r>
-            <a:endParaRPr lang="zh-CN" altLang="en-US" smtClean="0"/>
           </a:p>
           <a:p>
             <a:pPr lvl="4"/>
@@ -9730,6 +9783,7 @@
           <a:p>
             <a:fld id="{91570989-F794-4776-9639-6FD2DDE93F87}" type="datetimeFigureOut">
               <a:rPr lang="zh-CN" altLang="en-US" smtClean="0"/>
+              <a:t>2019/4/19</a:t>
             </a:fld>
             <a:endParaRPr lang="zh-CN" altLang="en-US"/>
           </a:p>
@@ -9771,6 +9825,7 @@
           <a:p>
             <a:fld id="{3A6169C9-0F47-4633-8197-B55C640D5B6D}" type="slidenum">
               <a:rPr lang="zh-CN" altLang="en-US" smtClean="0"/>
+              <a:t>‹#›</a:t>
             </a:fld>
             <a:endParaRPr lang="zh-CN" altLang="en-US"/>
           </a:p>
@@ -9938,7 +9993,6 @@
               <a:rPr lang="zh-CN" altLang="en-US"/>
               <a:t>单击此处编辑母版文本样式</a:t>
             </a:r>
-            <a:endParaRPr lang="zh-CN" altLang="en-US"/>
           </a:p>
           <a:p>
             <a:pPr lvl="1"/>
@@ -9946,7 +10000,6 @@
               <a:rPr lang="zh-CN" altLang="en-US"/>
               <a:t>第二级</a:t>
             </a:r>
-            <a:endParaRPr lang="zh-CN" altLang="en-US"/>
           </a:p>
           <a:p>
             <a:pPr lvl="2"/>
@@ -9954,7 +10007,6 @@
               <a:rPr lang="zh-CN" altLang="en-US"/>
               <a:t>第三级</a:t>
             </a:r>
-            <a:endParaRPr lang="zh-CN" altLang="en-US"/>
           </a:p>
           <a:p>
             <a:pPr lvl="3"/>
@@ -9962,7 +10014,6 @@
               <a:rPr lang="zh-CN" altLang="en-US"/>
               <a:t>第四级</a:t>
             </a:r>
-            <a:endParaRPr lang="zh-CN" altLang="en-US"/>
           </a:p>
           <a:p>
             <a:pPr lvl="4"/>
@@ -9999,7 +10050,6 @@
               <a:rPr lang="zh-CN" altLang="en-US"/>
               <a:t>单击此处编辑母版文本样式</a:t>
             </a:r>
-            <a:endParaRPr lang="zh-CN" altLang="en-US"/>
           </a:p>
           <a:p>
             <a:pPr lvl="1"/>
@@ -10007,7 +10057,6 @@
               <a:rPr lang="zh-CN" altLang="en-US"/>
               <a:t>第二级</a:t>
             </a:r>
-            <a:endParaRPr lang="zh-CN" altLang="en-US"/>
           </a:p>
           <a:p>
             <a:pPr lvl="2"/>
@@ -10015,7 +10064,6 @@
               <a:rPr lang="zh-CN" altLang="en-US"/>
               <a:t>第三级</a:t>
             </a:r>
-            <a:endParaRPr lang="zh-CN" altLang="en-US"/>
           </a:p>
           <a:p>
             <a:pPr lvl="3"/>
@@ -10023,7 +10071,6 @@
               <a:rPr lang="zh-CN" altLang="en-US"/>
               <a:t>第四级</a:t>
             </a:r>
-            <a:endParaRPr lang="zh-CN" altLang="en-US"/>
           </a:p>
           <a:p>
             <a:pPr lvl="4"/>
@@ -10052,6 +10099,7 @@
           <a:p>
             <a:fld id="{F2C3DB7C-2D6B-4C00-98DC-0DA6EC76AE3B}" type="datetimeFigureOut">
               <a:rPr lang="zh-CN" altLang="en-US" smtClean="0"/>
+              <a:t>2019/4/19</a:t>
             </a:fld>
             <a:endParaRPr lang="zh-CN" altLang="en-US"/>
           </a:p>
@@ -10093,6 +10141,7 @@
           <a:p>
             <a:fld id="{706651A3-21E8-4EF8-877E-30E54495478B}" type="slidenum">
               <a:rPr lang="zh-CN" altLang="en-US" smtClean="0"/>
+              <a:t>‹#›</a:t>
             </a:fld>
             <a:endParaRPr lang="zh-CN" altLang="en-US"/>
           </a:p>
@@ -10213,7 +10262,6 @@
               <a:rPr lang="zh-CN" altLang="en-US"/>
               <a:t>单击此处编辑母版文本样式</a:t>
             </a:r>
-            <a:endParaRPr lang="zh-CN" altLang="en-US"/>
           </a:p>
         </p:txBody>
       </p:sp>
@@ -10242,7 +10290,6 @@
               <a:rPr lang="zh-CN" altLang="en-US"/>
               <a:t>单击此处编辑母版文本样式</a:t>
             </a:r>
-            <a:endParaRPr lang="zh-CN" altLang="en-US"/>
           </a:p>
           <a:p>
             <a:pPr lvl="1"/>
@@ -10250,7 +10297,6 @@
               <a:rPr lang="zh-CN" altLang="en-US"/>
               <a:t>第二级</a:t>
             </a:r>
-            <a:endParaRPr lang="zh-CN" altLang="en-US"/>
           </a:p>
           <a:p>
             <a:pPr lvl="2"/>
@@ -10258,7 +10304,6 @@
               <a:rPr lang="zh-CN" altLang="en-US"/>
               <a:t>第三级</a:t>
             </a:r>
-            <a:endParaRPr lang="zh-CN" altLang="en-US"/>
           </a:p>
           <a:p>
             <a:pPr lvl="3"/>
@@ -10266,7 +10311,6 @@
               <a:rPr lang="zh-CN" altLang="en-US"/>
               <a:t>第四级</a:t>
             </a:r>
-            <a:endParaRPr lang="zh-CN" altLang="en-US"/>
           </a:p>
           <a:p>
             <a:pPr lvl="4"/>
@@ -10340,7 +10384,6 @@
               <a:rPr lang="zh-CN" altLang="en-US"/>
               <a:t>单击此处编辑母版文本样式</a:t>
             </a:r>
-            <a:endParaRPr lang="zh-CN" altLang="en-US"/>
           </a:p>
         </p:txBody>
       </p:sp>
@@ -10369,7 +10412,6 @@
               <a:rPr lang="zh-CN" altLang="en-US"/>
               <a:t>单击此处编辑母版文本样式</a:t>
             </a:r>
-            <a:endParaRPr lang="zh-CN" altLang="en-US"/>
           </a:p>
           <a:p>
             <a:pPr lvl="1"/>
@@ -10377,7 +10419,6 @@
               <a:rPr lang="zh-CN" altLang="en-US"/>
               <a:t>第二级</a:t>
             </a:r>
-            <a:endParaRPr lang="zh-CN" altLang="en-US"/>
           </a:p>
           <a:p>
             <a:pPr lvl="2"/>
@@ -10385,7 +10426,6 @@
               <a:rPr lang="zh-CN" altLang="en-US"/>
               <a:t>第三级</a:t>
             </a:r>
-            <a:endParaRPr lang="zh-CN" altLang="en-US"/>
           </a:p>
           <a:p>
             <a:pPr lvl="3"/>
@@ -10393,7 +10433,6 @@
               <a:rPr lang="zh-CN" altLang="en-US"/>
               <a:t>第四级</a:t>
             </a:r>
-            <a:endParaRPr lang="zh-CN" altLang="en-US"/>
           </a:p>
           <a:p>
             <a:pPr lvl="4"/>
@@ -10422,6 +10461,7 @@
           <a:p>
             <a:fld id="{F2C3DB7C-2D6B-4C00-98DC-0DA6EC76AE3B}" type="datetimeFigureOut">
               <a:rPr lang="zh-CN" altLang="en-US" smtClean="0"/>
+              <a:t>2019/4/19</a:t>
             </a:fld>
             <a:endParaRPr lang="zh-CN" altLang="en-US"/>
           </a:p>
@@ -10463,6 +10503,7 @@
           <a:p>
             <a:fld id="{706651A3-21E8-4EF8-877E-30E54495478B}" type="slidenum">
               <a:rPr lang="zh-CN" altLang="en-US" smtClean="0"/>
+              <a:t>‹#›</a:t>
             </a:fld>
             <a:endParaRPr lang="zh-CN" altLang="en-US"/>
           </a:p>
@@ -10533,6 +10574,7 @@
           <a:p>
             <a:fld id="{F2C3DB7C-2D6B-4C00-98DC-0DA6EC76AE3B}" type="datetimeFigureOut">
               <a:rPr lang="zh-CN" altLang="en-US" smtClean="0"/>
+              <a:t>2019/4/19</a:t>
             </a:fld>
             <a:endParaRPr lang="zh-CN" altLang="en-US"/>
           </a:p>
@@ -10574,6 +10616,7 @@
           <a:p>
             <a:fld id="{706651A3-21E8-4EF8-877E-30E54495478B}" type="slidenum">
               <a:rPr lang="zh-CN" altLang="en-US" smtClean="0"/>
+              <a:t>‹#›</a:t>
             </a:fld>
             <a:endParaRPr lang="zh-CN" altLang="en-US"/>
           </a:p>
@@ -10621,6 +10664,7 @@
           <a:p>
             <a:fld id="{F2C3DB7C-2D6B-4C00-98DC-0DA6EC76AE3B}" type="datetimeFigureOut">
               <a:rPr lang="zh-CN" altLang="en-US" smtClean="0"/>
+              <a:t>2019/4/19</a:t>
             </a:fld>
             <a:endParaRPr lang="zh-CN" altLang="en-US"/>
           </a:p>
@@ -10662,6 +10706,7 @@
           <a:p>
             <a:fld id="{706651A3-21E8-4EF8-877E-30E54495478B}" type="slidenum">
               <a:rPr lang="zh-CN" altLang="en-US" smtClean="0"/>
+              <a:t>‹#›</a:t>
             </a:fld>
             <a:endParaRPr lang="zh-CN" altLang="en-US"/>
           </a:p>
@@ -10777,7 +10822,6 @@
               <a:rPr lang="zh-CN" altLang="en-US"/>
               <a:t>单击此处编辑母版文本样式</a:t>
             </a:r>
-            <a:endParaRPr lang="zh-CN" altLang="en-US"/>
           </a:p>
           <a:p>
             <a:pPr lvl="1"/>
@@ -10785,7 +10829,6 @@
               <a:rPr lang="zh-CN" altLang="en-US"/>
               <a:t>第二级</a:t>
             </a:r>
-            <a:endParaRPr lang="zh-CN" altLang="en-US"/>
           </a:p>
           <a:p>
             <a:pPr lvl="2"/>
@@ -10793,7 +10836,6 @@
               <a:rPr lang="zh-CN" altLang="en-US"/>
               <a:t>第三级</a:t>
             </a:r>
-            <a:endParaRPr lang="zh-CN" altLang="en-US"/>
           </a:p>
           <a:p>
             <a:pPr lvl="3"/>
@@ -10801,7 +10843,6 @@
               <a:rPr lang="zh-CN" altLang="en-US"/>
               <a:t>第四级</a:t>
             </a:r>
-            <a:endParaRPr lang="zh-CN" altLang="en-US"/>
           </a:p>
           <a:p>
             <a:pPr lvl="4"/>
@@ -10875,7 +10916,6 @@
               <a:rPr lang="zh-CN" altLang="en-US"/>
               <a:t>单击此处编辑母版文本样式</a:t>
             </a:r>
-            <a:endParaRPr lang="zh-CN" altLang="en-US"/>
           </a:p>
         </p:txBody>
       </p:sp>
@@ -10896,6 +10936,7 @@
           <a:p>
             <a:fld id="{F2C3DB7C-2D6B-4C00-98DC-0DA6EC76AE3B}" type="datetimeFigureOut">
               <a:rPr lang="zh-CN" altLang="en-US" smtClean="0"/>
+              <a:t>2019/4/19</a:t>
             </a:fld>
             <a:endParaRPr lang="zh-CN" altLang="en-US"/>
           </a:p>
@@ -10937,6 +10978,7 @@
           <a:p>
             <a:fld id="{706651A3-21E8-4EF8-877E-30E54495478B}" type="slidenum">
               <a:rPr lang="zh-CN" altLang="en-US" smtClean="0"/>
+              <a:t>‹#›</a:t>
             </a:fld>
             <a:endParaRPr lang="zh-CN" altLang="en-US"/>
           </a:p>
@@ -11126,7 +11168,6 @@
               <a:rPr lang="zh-CN" altLang="en-US"/>
               <a:t>单击此处编辑母版文本样式</a:t>
             </a:r>
-            <a:endParaRPr lang="zh-CN" altLang="en-US"/>
           </a:p>
         </p:txBody>
       </p:sp>
@@ -11147,6 +11188,7 @@
           <a:p>
             <a:fld id="{F2C3DB7C-2D6B-4C00-98DC-0DA6EC76AE3B}" type="datetimeFigureOut">
               <a:rPr lang="zh-CN" altLang="en-US" smtClean="0"/>
+              <a:t>2019/4/19</a:t>
             </a:fld>
             <a:endParaRPr lang="zh-CN" altLang="en-US"/>
           </a:p>
@@ -11188,6 +11230,7 @@
           <a:p>
             <a:fld id="{706651A3-21E8-4EF8-877E-30E54495478B}" type="slidenum">
               <a:rPr lang="zh-CN" altLang="en-US" smtClean="0"/>
+              <a:t>‹#›</a:t>
             </a:fld>
             <a:endParaRPr lang="zh-CN" altLang="en-US"/>
           </a:p>
@@ -11207,7 +11250,7 @@
     <p:bg>
       <p:bgPr>
         <a:blipFill dpi="0" rotWithShape="1">
-          <a:blip r:embed="rId14">
+          <a:blip r:embed="rId15">
             <a:lum/>
           </a:blip>
           <a:srcRect/>
@@ -11295,7 +11338,6 @@
               <a:rPr lang="zh-CN" altLang="en-US"/>
               <a:t>单击此处编辑母版文本样式</a:t>
             </a:r>
-            <a:endParaRPr lang="zh-CN" altLang="en-US"/>
           </a:p>
           <a:p>
             <a:pPr lvl="1"/>
@@ -11303,7 +11345,6 @@
               <a:rPr lang="zh-CN" altLang="en-US"/>
               <a:t>第二级</a:t>
             </a:r>
-            <a:endParaRPr lang="zh-CN" altLang="en-US"/>
           </a:p>
           <a:p>
             <a:pPr lvl="2"/>
@@ -11311,7 +11352,6 @@
               <a:rPr lang="zh-CN" altLang="en-US"/>
               <a:t>第三级</a:t>
             </a:r>
-            <a:endParaRPr lang="zh-CN" altLang="en-US"/>
           </a:p>
           <a:p>
             <a:pPr lvl="3"/>
@@ -11319,7 +11359,6 @@
               <a:rPr lang="zh-CN" altLang="en-US"/>
               <a:t>第四级</a:t>
             </a:r>
-            <a:endParaRPr lang="zh-CN" altLang="en-US"/>
           </a:p>
           <a:p>
             <a:pPr lvl="4"/>
@@ -11366,6 +11405,7 @@
           <a:p>
             <a:fld id="{F2C3DB7C-2D6B-4C00-98DC-0DA6EC76AE3B}" type="datetimeFigureOut">
               <a:rPr lang="zh-CN" altLang="en-US" smtClean="0"/>
+              <a:t>2019/4/19</a:t>
             </a:fld>
             <a:endParaRPr lang="zh-CN" altLang="en-US"/>
           </a:p>
@@ -11443,6 +11483,7 @@
           <a:p>
             <a:fld id="{706651A3-21E8-4EF8-877E-30E54495478B}" type="slidenum">
               <a:rPr lang="zh-CN" altLang="en-US" smtClean="0"/>
+              <a:t>‹#›</a:t>
             </a:fld>
             <a:endParaRPr lang="zh-CN" altLang="en-US"/>
           </a:p>
@@ -11762,7 +11803,7 @@
     <p:bg>
       <p:bgPr>
         <a:blipFill dpi="0" rotWithShape="1">
-          <a:blip r:embed="rId1">
+          <a:blip r:embed="rId3">
             <a:lum/>
           </a:blip>
           <a:srcRect/>
@@ -11820,13 +11861,6 @@
               </a:rPr>
               <a:t>Spring Retry</a:t>
             </a:r>
-            <a:endParaRPr lang="en-US" altLang="zh-CN" sz="4000" dirty="0">
-              <a:solidFill>
-                <a:schemeClr val="bg1">
-                  <a:lumMod val="65000"/>
-                </a:schemeClr>
-              </a:solidFill>
-            </a:endParaRPr>
           </a:p>
         </p:txBody>
       </p:sp>
@@ -11945,13 +11979,6 @@
               </a:rPr>
               <a:t>拉鲁克</a:t>
             </a:r>
-            <a:endParaRPr lang="zh-CN" altLang="en-US" sz="1400" dirty="0" smtClean="0">
-              <a:solidFill>
-                <a:schemeClr val="bg1">
-                  <a:lumMod val="75000"/>
-                </a:schemeClr>
-              </a:solidFill>
-            </a:endParaRPr>
           </a:p>
           <a:p>
             <a:pPr algn="ctr"/>
@@ -11980,6 +12007,85 @@
   <p:clrMapOvr>
     <a:masterClrMapping/>
   </p:clrMapOvr>
+  <p:timing>
+    <p:tnLst>
+      <p:par>
+        <p:cTn id="1" dur="indefinite" restart="never" nodeType="tmRoot"/>
+      </p:par>
+    </p:tnLst>
+  </p:timing>
+</p:sld>
+</file>
+
+<file path=ppt/slides/slide10.xml><?xml version="1.0" encoding="utf-8"?>
+<p:sld xmlns:a="http://schemas.openxmlformats.org/drawingml/2006/main" xmlns:r="http://schemas.openxmlformats.org/officeDocument/2006/relationships" xmlns:p="http://schemas.openxmlformats.org/presentationml/2006/main">
+  <p:cSld>
+    <p:spTree>
+      <p:nvGrpSpPr>
+        <p:cNvPr id="1" name=""/>
+        <p:cNvGrpSpPr/>
+        <p:nvPr/>
+      </p:nvGrpSpPr>
+      <p:grpSpPr>
+        <a:xfrm>
+          <a:off x="0" y="0"/>
+          <a:ext cx="0" cy="0"/>
+          <a:chOff x="0" y="0"/>
+          <a:chExt cx="0" cy="0"/>
+        </a:xfrm>
+      </p:grpSpPr>
+      <p:pic>
+        <p:nvPicPr>
+          <p:cNvPr id="5" name="图片 4"/>
+          <p:cNvPicPr>
+            <a:picLocks noChangeAspect="1"/>
+          </p:cNvPicPr>
+          <p:nvPr/>
+        </p:nvPicPr>
+        <p:blipFill>
+          <a:blip r:embed="rId3">
+            <a:clrChange>
+              <a:clrFrom>
+                <a:srgbClr val="FFFFFF"/>
+              </a:clrFrom>
+              <a:clrTo>
+                <a:srgbClr val="FFFFFF">
+                  <a:alpha val="0"/>
+                </a:srgbClr>
+              </a:clrTo>
+            </a:clrChange>
+          </a:blip>
+          <a:stretch>
+            <a:fillRect/>
+          </a:stretch>
+        </p:blipFill>
+        <p:spPr>
+          <a:xfrm>
+            <a:off x="2505988" y="2241977"/>
+            <a:ext cx="7467015" cy="2374046"/>
+          </a:xfrm>
+          <a:prstGeom prst="rect">
+            <a:avLst/>
+          </a:prstGeom>
+        </p:spPr>
+      </p:pic>
+    </p:spTree>
+  </p:cSld>
+  <p:clrMapOvr>
+    <a:masterClrMapping/>
+  </p:clrMapOvr>
+  <mc:AlternateContent xmlns:mc="http://schemas.openxmlformats.org/markup-compatibility/2006" xmlns:p14="http://schemas.microsoft.com/office/powerpoint/2010/main">
+    <mc:Choice Requires="p14">
+      <p:transition spd="slow" p14:dur="2000" advClick="0">
+        <p14:flip dir="r"/>
+      </p:transition>
+    </mc:Choice>
+    <mc:Fallback xmlns="">
+      <p:transition spd="slow" advClick="0">
+        <p:fade/>
+      </p:transition>
+    </mc:Fallback>
+  </mc:AlternateContent>
   <p:timing>
     <p:tnLst>
       <p:par>
@@ -12124,7 +12230,7 @@
         </p:xfrm>
         <a:graphic>
           <a:graphicData uri="http://schemas.openxmlformats.org/drawingml/2006/diagram">
-            <dgm:relIds xmlns:dgm="http://schemas.openxmlformats.org/drawingml/2006/diagram" xmlns:r="http://schemas.openxmlformats.org/officeDocument/2006/relationships" r:dm="rId1" r:lo="rId2" r:qs="rId3" r:cs="rId4"/>
+            <dgm:relIds xmlns:dgm="http://schemas.openxmlformats.org/drawingml/2006/diagram" xmlns:r="http://schemas.openxmlformats.org/officeDocument/2006/relationships" r:dm="rId3" r:lo="rId4" r:qs="rId5" r:cs="rId6"/>
           </a:graphicData>
         </a:graphic>
       </p:graphicFrame>
@@ -12265,10 +12371,6 @@
               </a:rPr>
               <a:t>介绍</a:t>
             </a:r>
-            <a:endParaRPr lang="zh-CN" altLang="en-US" sz="2800" b="1" dirty="0">
-              <a:latin typeface="微软雅黑" panose="020B0503020204020204" pitchFamily="34" charset="-122"/>
-              <a:ea typeface="微软雅黑" panose="020B0503020204020204" pitchFamily="34" charset="-122"/>
-            </a:endParaRPr>
           </a:p>
         </p:txBody>
       </p:sp>
@@ -12312,7 +12414,6 @@
               <a:rPr lang="zh-CN" altLang="en-US" dirty="0" smtClean="0"/>
               <a:t>官方介绍：</a:t>
             </a:r>
-            <a:endParaRPr lang="zh-CN" altLang="en-US" dirty="0" smtClean="0"/>
           </a:p>
           <a:p>
             <a:r>
@@ -12332,7 +12433,7 @@
         <p:spPr>
           <a:xfrm>
             <a:off x="400723" y="1948497"/>
-            <a:ext cx="11372177" cy="4523105"/>
+            <a:ext cx="11372177" cy="3970318"/>
           </a:xfrm>
           <a:prstGeom prst="rect">
             <a:avLst/>
@@ -12363,7 +12464,6 @@
               <a:rPr lang="zh-CN" altLang="en-US" dirty="0" smtClean="0"/>
               <a:t>快速介绍：</a:t>
             </a:r>
-            <a:endParaRPr lang="zh-CN" altLang="en-US" dirty="0" smtClean="0"/>
           </a:p>
           <a:p>
             <a:r>
@@ -12472,33 +12572,7 @@
             </a:r>
             <a:r>
               <a:rPr lang="zh-CN" altLang="en-US" dirty="0" smtClean="0"/>
-              <a:t>冲突</a:t>
-            </a:r>
-            <a:r>
-              <a:rPr lang="zh-CN" altLang="en-US" dirty="0"/>
-              <a:t>。</a:t>
-            </a:r>
-            <a:endParaRPr lang="en-US" altLang="zh-CN" dirty="0" smtClean="0"/>
-          </a:p>
-          <a:p>
-            <a:endParaRPr lang="zh-CN" altLang="en-US" dirty="0" smtClean="0"/>
-          </a:p>
-          <a:p>
-            <a:r>
-              <a:rPr lang="zh-CN" altLang="en-US" dirty="0" smtClean="0"/>
-              <a:t>最后，因为本人无微服务项目方面的经验，因此本次分享不对</a:t>
-            </a:r>
-            <a:r>
-              <a:rPr lang="en-US" altLang="zh-CN" dirty="0" smtClean="0"/>
-              <a:t>Spring Retry</a:t>
-            </a:r>
-            <a:r>
-              <a:rPr lang="zh-CN" altLang="en-US" dirty="0" smtClean="0"/>
-              <a:t>在分布式项目</a:t>
-            </a:r>
-            <a:r>
-              <a:rPr lang="zh-CN" altLang="en-US" dirty="0" smtClean="0"/>
-              <a:t>的使用展开。</a:t>
+              <a:t>冲突。</a:t>
             </a:r>
             <a:endParaRPr lang="en-US" altLang="zh-CN" dirty="0" smtClean="0"/>
           </a:p>
@@ -12628,36 +12702,32 @@
           </a:lstStyle>
           <a:p>
             <a:r>
-              <a:rPr lang="en-US" altLang="zh-CN" sz="2800" b="1" dirty="0" smtClean="0">
+              <a:rPr lang="en-US" altLang="zh-CN" sz="2800" b="1" dirty="0">
                 <a:latin typeface="微软雅黑" panose="020B0503020204020204" pitchFamily="34" charset="-122"/>
                 <a:ea typeface="微软雅黑" panose="020B0503020204020204" pitchFamily="34" charset="-122"/>
               </a:rPr>
               <a:t>Spring Retry</a:t>
             </a:r>
             <a:r>
-              <a:rPr lang="zh-CN" altLang="en-US" sz="2800" b="1" dirty="0" smtClean="0">
+              <a:rPr lang="zh-CN" altLang="en-US" sz="2800" b="1" dirty="0">
                 <a:latin typeface="微软雅黑" panose="020B0503020204020204" pitchFamily="34" charset="-122"/>
                 <a:ea typeface="微软雅黑" panose="020B0503020204020204" pitchFamily="34" charset="-122"/>
               </a:rPr>
-              <a:t>源码</a:t>
-            </a:r>
-            <a:endParaRPr lang="zh-CN" altLang="en-US" sz="2800" b="1" dirty="0">
-              <a:latin typeface="微软雅黑" panose="020B0503020204020204" pitchFamily="34" charset="-122"/>
-              <a:ea typeface="微软雅黑" panose="020B0503020204020204" pitchFamily="34" charset="-122"/>
-            </a:endParaRPr>
+              <a:t>介绍</a:t>
+            </a:r>
           </a:p>
         </p:txBody>
       </p:sp>
       <p:sp>
         <p:nvSpPr>
-          <p:cNvPr id="10" name="文本框 9"/>
+          <p:cNvPr id="6" name="文本框 5"/>
           <p:cNvSpPr txBox="1"/>
           <p:nvPr/>
         </p:nvSpPr>
         <p:spPr>
           <a:xfrm>
-            <a:off x="400723" y="866913"/>
-            <a:ext cx="11372177" cy="5354320"/>
+            <a:off x="400723" y="872310"/>
+            <a:ext cx="11372177" cy="5078313"/>
           </a:xfrm>
           <a:prstGeom prst="rect">
             <a:avLst/>
@@ -12686,217 +12756,275 @@
           <a:p>
             <a:r>
               <a:rPr lang="zh-CN" altLang="en-US" dirty="0" smtClean="0"/>
-              <a:t>主要接口：</a:t>
+              <a:t>重试策略：</a:t>
             </a:r>
             <a:endParaRPr lang="en-US" altLang="zh-CN" dirty="0" smtClean="0"/>
           </a:p>
           <a:p>
-            <a:pPr>
-              <a:lnSpc>
-                <a:spcPct val="200000"/>
-              </a:lnSpc>
+            <a:endParaRPr lang="en-US" altLang="zh-CN" dirty="0" smtClean="0"/>
+          </a:p>
+          <a:p>
+            <a:pPr marL="285750" indent="-285750">
+              <a:buFont typeface="Arial" panose="020B0604020202020204" pitchFamily="34" charset="0"/>
+              <a:buChar char="•"/>
             </a:pPr>
             <a:r>
+              <a:rPr lang="en-US" altLang="zh-CN" dirty="0" err="1"/>
+              <a:t>NeverRetryPolicy</a:t>
+            </a:r>
+            <a:r>
+              <a:rPr lang="zh-CN" altLang="en-US" dirty="0"/>
+              <a:t>：只允许调用</a:t>
+            </a:r>
+            <a:r>
+              <a:rPr lang="en-US" altLang="zh-CN" dirty="0" err="1"/>
+              <a:t>RetryCallback</a:t>
+            </a:r>
+            <a:r>
+              <a:rPr lang="zh-CN" altLang="en-US" dirty="0"/>
+              <a:t>一</a:t>
+            </a:r>
+            <a:r>
+              <a:rPr lang="zh-CN" altLang="en-US" dirty="0" smtClean="0"/>
+              <a:t>次（执行一次），</a:t>
+            </a:r>
+            <a:r>
+              <a:rPr lang="zh-CN" altLang="en-US" dirty="0"/>
+              <a:t>不允许</a:t>
+            </a:r>
+            <a:r>
+              <a:rPr lang="zh-CN" altLang="en-US" dirty="0" smtClean="0"/>
+              <a:t>重试</a:t>
+            </a:r>
+            <a:endParaRPr lang="en-US" altLang="zh-CN" dirty="0" smtClean="0"/>
+          </a:p>
+          <a:p>
+            <a:pPr marL="285750" indent="-285750">
+              <a:buFont typeface="Arial" panose="020B0604020202020204" pitchFamily="34" charset="0"/>
+              <a:buChar char="•"/>
+            </a:pPr>
+            <a:endParaRPr lang="en-US" altLang="zh-CN" dirty="0" smtClean="0"/>
+          </a:p>
+          <a:p>
+            <a:pPr marL="285750" indent="-285750">
+              <a:buFont typeface="Arial" panose="020B0604020202020204" pitchFamily="34" charset="0"/>
+              <a:buChar char="•"/>
+            </a:pPr>
+            <a:r>
               <a:rPr lang="en-US" altLang="zh-CN" dirty="0" err="1" smtClean="0"/>
-              <a:t>org.springframework.retry</a:t>
+              <a:t>AlwaysRetryPolicy</a:t>
+            </a:r>
+            <a:r>
+              <a:rPr lang="zh-CN" altLang="en-US" dirty="0"/>
+              <a:t>：允许无限重试，直到成功，此方式逻辑不当会导致死</a:t>
             </a:r>
             <a:r>
               <a:rPr lang="zh-CN" altLang="en-US" dirty="0" smtClean="0"/>
-              <a:t>：</a:t>
-            </a:r>
-            <a:endParaRPr lang="en-US" altLang="zh-CN" dirty="0"/>
-          </a:p>
-          <a:p>
-            <a:pPr lvl="1">
-              <a:lnSpc>
-                <a:spcPct val="200000"/>
-              </a:lnSpc>
+              <a:t>循环</a:t>
+            </a:r>
+            <a:endParaRPr lang="en-US" altLang="zh-CN" dirty="0" smtClean="0"/>
+          </a:p>
+          <a:p>
+            <a:pPr marL="285750" indent="-285750">
+              <a:buFont typeface="Arial" panose="020B0604020202020204" pitchFamily="34" charset="0"/>
+              <a:buChar char="•"/>
             </a:pPr>
+            <a:endParaRPr lang="en-US" altLang="zh-CN" dirty="0" smtClean="0"/>
+          </a:p>
+          <a:p>
+            <a:pPr marL="285750" indent="-285750">
+              <a:buFont typeface="Arial" panose="020B0604020202020204" pitchFamily="34" charset="0"/>
+              <a:buChar char="•"/>
+            </a:pPr>
             <a:r>
               <a:rPr lang="en-US" altLang="zh-CN" dirty="0" err="1" smtClean="0"/>
-              <a:t>RetryOperations</a:t>
+              <a:t>SimpleRetryPolicy</a:t>
+            </a:r>
+            <a:r>
+              <a:rPr lang="zh-CN" altLang="en-US" dirty="0"/>
+              <a:t>：固定次数重试策略，默认重试最大次数为</a:t>
+            </a:r>
+            <a:r>
+              <a:rPr lang="en-US" altLang="zh-CN" dirty="0"/>
+              <a:t>3</a:t>
+            </a:r>
+            <a:r>
+              <a:rPr lang="zh-CN" altLang="en-US" dirty="0"/>
+              <a:t>次，</a:t>
+            </a:r>
+            <a:r>
+              <a:rPr lang="en-US" altLang="zh-CN" dirty="0" err="1"/>
+              <a:t>RetryTemplate</a:t>
+            </a:r>
+            <a:r>
+              <a:rPr lang="zh-CN" altLang="en-US" dirty="0"/>
+              <a:t>默认使用的</a:t>
             </a:r>
             <a:r>
               <a:rPr lang="zh-CN" altLang="en-US" dirty="0" smtClean="0"/>
-              <a:t>：   重试操作，开启一次重试事件，</a:t>
+              <a:t>策略</a:t>
+            </a:r>
+            <a:endParaRPr lang="en-US" altLang="zh-CN" dirty="0" smtClean="0"/>
+          </a:p>
+          <a:p>
+            <a:pPr marL="285750" indent="-285750">
+              <a:buFont typeface="Arial" panose="020B0604020202020204" pitchFamily="34" charset="0"/>
+              <a:buChar char="•"/>
+            </a:pPr>
+            <a:endParaRPr lang="en-US" altLang="zh-CN" dirty="0" smtClean="0"/>
+          </a:p>
+          <a:p>
+            <a:pPr marL="285750" indent="-285750">
+              <a:buFont typeface="Arial" panose="020B0604020202020204" pitchFamily="34" charset="0"/>
+              <a:buChar char="•"/>
+            </a:pPr>
+            <a:r>
+              <a:rPr lang="en-US" altLang="zh-CN" dirty="0" err="1" smtClean="0"/>
+              <a:t>TimeoutRetryPolicy</a:t>
             </a:r>
             <a:r>
               <a:rPr lang="zh-CN" altLang="en-US" dirty="0"/>
-              <a:t>定义了几种执行重试的</a:t>
+              <a:t>：超时时间重试策略，默认超时时间为</a:t>
+            </a:r>
+            <a:r>
+              <a:rPr lang="en-US" altLang="zh-CN" dirty="0"/>
+              <a:t>1</a:t>
+            </a:r>
+            <a:r>
+              <a:rPr lang="zh-CN" altLang="en-US" dirty="0"/>
+              <a:t>秒，在指定的超时时间内允许</a:t>
             </a:r>
             <a:r>
               <a:rPr lang="zh-CN" altLang="en-US" dirty="0" smtClean="0"/>
-              <a:t>方式</a:t>
+              <a:t>重试</a:t>
+            </a:r>
+            <a:endParaRPr lang="en-US" altLang="zh-CN" dirty="0" smtClean="0"/>
+          </a:p>
+          <a:p>
+            <a:pPr marL="285750" indent="-285750">
+              <a:buFont typeface="Arial" panose="020B0604020202020204" pitchFamily="34" charset="0"/>
+              <a:buChar char="•"/>
+            </a:pPr>
+            <a:endParaRPr lang="en-US" altLang="zh-CN" dirty="0" smtClean="0"/>
+          </a:p>
+          <a:p>
+            <a:pPr marL="285750" indent="-285750">
+              <a:buFont typeface="Arial" panose="020B0604020202020204" pitchFamily="34" charset="0"/>
+              <a:buChar char="•"/>
+            </a:pPr>
+            <a:r>
+              <a:rPr lang="en-US" altLang="zh-CN" dirty="0" err="1" smtClean="0"/>
+              <a:t>ExceptionClassifierRetryPolicy</a:t>
+            </a:r>
+            <a:r>
+              <a:rPr lang="zh-CN" altLang="en-US" dirty="0"/>
+              <a:t>：设置不同异常的重试策略，类似组合重试策略，区别在于这里只区分不同异常的</a:t>
+            </a:r>
+            <a:r>
+              <a:rPr lang="zh-CN" altLang="en-US" dirty="0" smtClean="0"/>
+              <a:t>重试</a:t>
+            </a:r>
+            <a:endParaRPr lang="en-US" altLang="zh-CN" dirty="0" smtClean="0"/>
+          </a:p>
+          <a:p>
+            <a:pPr marL="285750" indent="-285750">
+              <a:buFont typeface="Arial" panose="020B0604020202020204" pitchFamily="34" charset="0"/>
+              <a:buChar char="•"/>
+            </a:pPr>
+            <a:endParaRPr lang="en-US" altLang="zh-CN" dirty="0" smtClean="0"/>
+          </a:p>
+          <a:p>
+            <a:pPr marL="285750" indent="-285750">
+              <a:buFont typeface="Arial" panose="020B0604020202020204" pitchFamily="34" charset="0"/>
+              <a:buChar char="•"/>
+            </a:pPr>
+            <a:r>
+              <a:rPr lang="en-US" altLang="zh-CN" dirty="0" err="1" smtClean="0"/>
+              <a:t>CircuitBreakerRetryPolicy</a:t>
+            </a:r>
+            <a:r>
+              <a:rPr lang="zh-CN" altLang="en-US" dirty="0"/>
+              <a:t>：有熔断功能的重试策略，需设置</a:t>
+            </a:r>
+            <a:r>
+              <a:rPr lang="en-US" altLang="zh-CN" dirty="0"/>
+              <a:t>3</a:t>
+            </a:r>
+            <a:r>
+              <a:rPr lang="zh-CN" altLang="en-US" dirty="0"/>
+              <a:t>个参数</a:t>
+            </a:r>
+            <a:r>
+              <a:rPr lang="en-US" altLang="zh-CN" dirty="0" err="1"/>
+              <a:t>openTimeout</a:t>
+            </a:r>
+            <a:r>
+              <a:rPr lang="zh-CN" altLang="en-US" dirty="0"/>
+              <a:t>、</a:t>
+            </a:r>
+            <a:r>
+              <a:rPr lang="en-US" altLang="zh-CN" dirty="0" err="1"/>
+              <a:t>resetTimeout</a:t>
+            </a:r>
+            <a:r>
+              <a:rPr lang="zh-CN" altLang="en-US" dirty="0"/>
+              <a:t>和</a:t>
+            </a:r>
+            <a:r>
+              <a:rPr lang="en-US" altLang="zh-CN" dirty="0" smtClean="0"/>
+              <a:t>delegate</a:t>
+            </a:r>
+          </a:p>
+          <a:p>
+            <a:pPr marL="285750" indent="-285750">
+              <a:buFont typeface="Arial" panose="020B0604020202020204" pitchFamily="34" charset="0"/>
+              <a:buChar char="•"/>
+            </a:pPr>
+            <a:endParaRPr lang="en-US" altLang="zh-CN" dirty="0" smtClean="0"/>
+          </a:p>
+          <a:p>
+            <a:pPr marL="285750" indent="-285750">
+              <a:buFont typeface="Arial" panose="020B0604020202020204" pitchFamily="34" charset="0"/>
+              <a:buChar char="•"/>
+            </a:pPr>
+            <a:r>
+              <a:rPr lang="en-US" altLang="zh-CN" dirty="0" err="1" smtClean="0"/>
+              <a:t>CompositeRetryPolicy</a:t>
+            </a:r>
+            <a:r>
+              <a:rPr lang="zh-CN" altLang="en-US" dirty="0"/>
+              <a:t>：组合重试策略，有两种组合方式，乐观组合重试策略是指只要有一个策略允许重试即可以，悲观组合重试策略是指只要有一个策略不允许重试</a:t>
+            </a:r>
+            <a:r>
+              <a:rPr lang="zh-CN" altLang="en-US" dirty="0" smtClean="0"/>
+              <a:t>即</a:t>
+            </a:r>
+            <a:r>
+              <a:rPr lang="zh-CN" altLang="en-US" dirty="0" smtClean="0"/>
+              <a:t>不重试</a:t>
+            </a:r>
+            <a:r>
+              <a:rPr lang="zh-CN" altLang="en-US" dirty="0" smtClean="0"/>
+              <a:t>，</a:t>
+            </a:r>
+            <a:r>
+              <a:rPr lang="zh-CN" altLang="en-US" dirty="0"/>
+              <a:t>但不管哪种组合方式，组合中的每一个策略都会</a:t>
+            </a:r>
+            <a:r>
+              <a:rPr lang="zh-CN" altLang="en-US" dirty="0" smtClean="0"/>
+              <a:t>执行</a:t>
             </a:r>
             <a:endParaRPr lang="zh-CN" altLang="en-US" dirty="0"/>
-          </a:p>
-          <a:p>
-            <a:pPr lvl="1">
-              <a:lnSpc>
-                <a:spcPct val="200000"/>
-              </a:lnSpc>
-            </a:pPr>
-            <a:r>
-              <a:rPr lang="en-US" altLang="zh-CN" dirty="0" err="1" smtClean="0"/>
-              <a:t>RetryCallback</a:t>
-            </a:r>
-            <a:r>
-              <a:rPr lang="zh-CN" altLang="en-US" dirty="0" smtClean="0"/>
-              <a:t>：       重试方法的回调、执行。</a:t>
-            </a:r>
-            <a:endParaRPr lang="zh-CN" altLang="en-US" dirty="0"/>
-          </a:p>
-          <a:p>
-            <a:pPr lvl="1">
-              <a:lnSpc>
-                <a:spcPct val="200000"/>
-              </a:lnSpc>
-            </a:pPr>
-            <a:r>
-              <a:rPr lang="en-US" altLang="zh-CN" dirty="0" err="1" smtClean="0"/>
-              <a:t>RetryContext</a:t>
-            </a:r>
-            <a:r>
-              <a:rPr lang="zh-CN" altLang="en-US" dirty="0" smtClean="0"/>
-              <a:t>：        重试</a:t>
-            </a:r>
-            <a:r>
-              <a:rPr lang="zh-CN" altLang="en-US" dirty="0"/>
-              <a:t>上下文</a:t>
-            </a:r>
-            <a:endParaRPr lang="zh-CN" altLang="en-US" dirty="0"/>
-          </a:p>
-          <a:p>
-            <a:pPr lvl="1">
-              <a:lnSpc>
-                <a:spcPct val="200000"/>
-              </a:lnSpc>
-            </a:pPr>
-            <a:r>
-              <a:rPr lang="en-US" altLang="zh-CN" dirty="0" err="1" smtClean="0"/>
-              <a:t>RecoveryCallback</a:t>
-            </a:r>
-            <a:r>
-              <a:rPr lang="zh-CN" altLang="en-US" dirty="0" smtClean="0"/>
-              <a:t>：</a:t>
-            </a:r>
-            <a:r>
-              <a:rPr lang="zh-CN" altLang="en-US" dirty="0"/>
-              <a:t>回调</a:t>
-            </a:r>
-            <a:r>
-              <a:rPr lang="zh-CN" altLang="en-US" dirty="0" smtClean="0"/>
-              <a:t>恢复（</a:t>
-            </a:r>
-            <a:r>
-              <a:rPr lang="zh-CN" altLang="en-US" dirty="0"/>
-              <a:t>重试达到上限时执行的回调，以保证业务恢复）</a:t>
-            </a:r>
-            <a:endParaRPr lang="zh-CN" altLang="en-US" dirty="0"/>
-          </a:p>
-          <a:p>
-            <a:pPr lvl="1">
-              <a:lnSpc>
-                <a:spcPct val="200000"/>
-              </a:lnSpc>
-            </a:pPr>
-            <a:r>
-              <a:rPr lang="en-US" altLang="zh-CN" dirty="0" err="1" smtClean="0"/>
-              <a:t>RetryState</a:t>
-            </a:r>
-            <a:r>
-              <a:rPr lang="zh-CN" altLang="en-US" dirty="0" smtClean="0"/>
-              <a:t>：            重试</a:t>
-            </a:r>
-            <a:r>
-              <a:rPr lang="zh-CN" altLang="en-US" dirty="0"/>
-              <a:t>状态，分为有状态重试和无状态重试</a:t>
-            </a:r>
-            <a:endParaRPr lang="zh-CN" altLang="en-US" dirty="0"/>
-          </a:p>
-          <a:p>
-            <a:pPr lvl="1">
-              <a:lnSpc>
-                <a:spcPct val="200000"/>
-              </a:lnSpc>
-            </a:pPr>
-            <a:r>
-              <a:rPr lang="en-US" altLang="zh-CN" dirty="0" err="1" smtClean="0"/>
-              <a:t>RetryPolicy</a:t>
-            </a:r>
-            <a:r>
-              <a:rPr lang="zh-CN" altLang="en-US" dirty="0" smtClean="0"/>
-              <a:t>：           重试</a:t>
-            </a:r>
-            <a:r>
-              <a:rPr lang="zh-CN" altLang="en-US" dirty="0"/>
-              <a:t>策略（重试操作执行的策略</a:t>
-            </a:r>
-            <a:r>
-              <a:rPr lang="zh-CN" altLang="en-US" dirty="0" smtClean="0"/>
-              <a:t>）</a:t>
-            </a:r>
-            <a:endParaRPr lang="en-US" altLang="zh-CN" dirty="0" smtClean="0"/>
-          </a:p>
-          <a:p>
-            <a:pPr>
-              <a:lnSpc>
-                <a:spcPct val="200000"/>
-              </a:lnSpc>
-            </a:pPr>
-            <a:r>
-              <a:rPr lang="en-US" altLang="zh-CN" dirty="0"/>
-              <a:t>	</a:t>
-            </a:r>
-            <a:r>
-              <a:rPr lang="en-US" altLang="zh-CN" dirty="0" err="1" smtClean="0"/>
-              <a:t>RetryListener</a:t>
-            </a:r>
-            <a:r>
-              <a:rPr lang="zh-CN" altLang="en-US" dirty="0" smtClean="0"/>
-              <a:t>：</a:t>
-            </a:r>
-            <a:r>
-              <a:rPr lang="en-US" altLang="zh-CN" dirty="0" smtClean="0"/>
-              <a:t>	    </a:t>
-            </a:r>
-            <a:r>
-              <a:rPr lang="zh-CN" altLang="en-US" dirty="0" smtClean="0"/>
-              <a:t>重试事件监听</a:t>
-            </a:r>
-            <a:endParaRPr lang="en-US" altLang="zh-CN" dirty="0" smtClean="0"/>
-          </a:p>
-          <a:p>
-            <a:pPr>
-              <a:lnSpc>
-                <a:spcPct val="200000"/>
-              </a:lnSpc>
-            </a:pPr>
-            <a:r>
-              <a:rPr lang="en-US" altLang="zh-CN" dirty="0"/>
-              <a:t>	</a:t>
-            </a:r>
-            <a:r>
-              <a:rPr lang="en-US" altLang="zh-CN" dirty="0" err="1" smtClean="0"/>
-              <a:t>RetryStatistics</a:t>
-            </a:r>
-            <a:r>
-              <a:rPr lang="zh-CN" altLang="en-US" dirty="0" smtClean="0"/>
-              <a:t>：</a:t>
-            </a:r>
-            <a:r>
-              <a:rPr lang="en-US" altLang="zh-CN" dirty="0" smtClean="0"/>
-              <a:t>	    </a:t>
-            </a:r>
-            <a:r>
-              <a:rPr lang="zh-CN" altLang="en-US" dirty="0" smtClean="0"/>
-              <a:t>重试统计</a:t>
-            </a:r>
-            <a:endParaRPr lang="en-US" altLang="zh-CN" dirty="0" smtClean="0"/>
           </a:p>
         </p:txBody>
       </p:sp>
     </p:spTree>
+    <p:extLst>
+      <p:ext uri="{BB962C8B-B14F-4D97-AF65-F5344CB8AC3E}">
+        <p14:creationId xmlns:p14="http://schemas.microsoft.com/office/powerpoint/2010/main" val="2441733661"/>
+      </p:ext>
+    </p:extLst>
   </p:cSld>
   <p:clrMapOvr>
     <a:masterClrMapping/>
@@ -13020,6 +13148,941 @@
           </a:lstStyle>
           <a:p>
             <a:r>
+              <a:rPr lang="en-US" altLang="zh-CN" sz="2800" b="1" dirty="0">
+                <a:latin typeface="微软雅黑" panose="020B0503020204020204" pitchFamily="34" charset="-122"/>
+                <a:ea typeface="微软雅黑" panose="020B0503020204020204" pitchFamily="34" charset="-122"/>
+              </a:rPr>
+              <a:t>Spring Retry</a:t>
+            </a:r>
+            <a:r>
+              <a:rPr lang="zh-CN" altLang="en-US" sz="2800" b="1" dirty="0">
+                <a:latin typeface="微软雅黑" panose="020B0503020204020204" pitchFamily="34" charset="-122"/>
+                <a:ea typeface="微软雅黑" panose="020B0503020204020204" pitchFamily="34" charset="-122"/>
+              </a:rPr>
+              <a:t>介绍</a:t>
+            </a:r>
+          </a:p>
+        </p:txBody>
+      </p:sp>
+      <p:sp>
+        <p:nvSpPr>
+          <p:cNvPr id="6" name="文本框 5"/>
+          <p:cNvSpPr txBox="1"/>
+          <p:nvPr/>
+        </p:nvSpPr>
+        <p:spPr>
+          <a:xfrm>
+            <a:off x="400723" y="872310"/>
+            <a:ext cx="11372177" cy="4524315"/>
+          </a:xfrm>
+          <a:prstGeom prst="rect">
+            <a:avLst/>
+          </a:prstGeom>
+          <a:noFill/>
+        </p:spPr>
+        <p:style>
+          <a:lnRef idx="2">
+            <a:schemeClr val="dk1"/>
+          </a:lnRef>
+          <a:fillRef idx="1">
+            <a:schemeClr val="lt1"/>
+          </a:fillRef>
+          <a:effectRef idx="0">
+            <a:schemeClr val="dk1"/>
+          </a:effectRef>
+          <a:fontRef idx="minor">
+            <a:schemeClr val="dk1"/>
+          </a:fontRef>
+        </p:style>
+        <p:txBody>
+          <a:bodyPr wrap="square" rtlCol="0">
+            <a:spAutoFit/>
+          </a:bodyPr>
+          <a:lstStyle/>
+          <a:p>
+            <a:r>
+              <a:rPr lang="zh-CN" altLang="en-US" dirty="0" smtClean="0"/>
+              <a:t>回退策略：</a:t>
+            </a:r>
+            <a:endParaRPr lang="en-US" altLang="zh-CN" dirty="0" smtClean="0"/>
+          </a:p>
+          <a:p>
+            <a:endParaRPr lang="en-US" altLang="zh-CN" dirty="0" smtClean="0"/>
+          </a:p>
+          <a:p>
+            <a:pPr marL="285750" indent="-285750">
+              <a:buFont typeface="Arial" panose="020B0604020202020204" pitchFamily="34" charset="0"/>
+              <a:buChar char="•"/>
+            </a:pPr>
+            <a:r>
+              <a:rPr lang="en-US" altLang="zh-CN" dirty="0" err="1"/>
+              <a:t>NoBackOffPolicy</a:t>
+            </a:r>
+            <a:r>
+              <a:rPr lang="zh-CN" altLang="en-US" dirty="0"/>
+              <a:t>：无退避算法策略，每次重试时立即</a:t>
+            </a:r>
+            <a:r>
+              <a:rPr lang="zh-CN" altLang="en-US" dirty="0" smtClean="0"/>
+              <a:t>重试，</a:t>
+            </a:r>
+            <a:r>
+              <a:rPr lang="en-US" altLang="zh-CN" dirty="0"/>
+              <a:t> </a:t>
+            </a:r>
+            <a:r>
+              <a:rPr lang="en-US" altLang="zh-CN" dirty="0" err="1"/>
+              <a:t>RetryTemplate</a:t>
+            </a:r>
+            <a:r>
+              <a:rPr lang="zh-CN" altLang="en-US" dirty="0"/>
+              <a:t>默认使用的</a:t>
+            </a:r>
+            <a:r>
+              <a:rPr lang="zh-CN" altLang="en-US" dirty="0" smtClean="0"/>
+              <a:t>策略</a:t>
+            </a:r>
+            <a:endParaRPr lang="en-US" altLang="zh-CN" dirty="0" smtClean="0"/>
+          </a:p>
+          <a:p>
+            <a:pPr marL="285750" indent="-285750">
+              <a:buFont typeface="Arial" panose="020B0604020202020204" pitchFamily="34" charset="0"/>
+              <a:buChar char="•"/>
+            </a:pPr>
+            <a:endParaRPr lang="en-US" altLang="zh-CN" dirty="0"/>
+          </a:p>
+          <a:p>
+            <a:pPr marL="285750" indent="-285750">
+              <a:buFont typeface="Arial" panose="020B0604020202020204" pitchFamily="34" charset="0"/>
+              <a:buChar char="•"/>
+            </a:pPr>
+            <a:r>
+              <a:rPr lang="en-US" altLang="zh-CN" dirty="0" err="1" smtClean="0"/>
+              <a:t>FixedBackOffPolicy</a:t>
+            </a:r>
+            <a:r>
+              <a:rPr lang="zh-CN" altLang="en-US" dirty="0"/>
+              <a:t>：固定时间的退避策略，需设置参数</a:t>
+            </a:r>
+            <a:r>
+              <a:rPr lang="en-US" altLang="zh-CN" dirty="0"/>
+              <a:t>sleeper</a:t>
+            </a:r>
+            <a:r>
+              <a:rPr lang="zh-CN" altLang="en-US" dirty="0"/>
+              <a:t>和</a:t>
+            </a:r>
+            <a:r>
+              <a:rPr lang="en-US" altLang="zh-CN" dirty="0" err="1"/>
+              <a:t>backOffPeriod</a:t>
+            </a:r>
+            <a:r>
+              <a:rPr lang="zh-CN" altLang="en-US" dirty="0"/>
+              <a:t>，</a:t>
+            </a:r>
+            <a:r>
+              <a:rPr lang="en-US" altLang="zh-CN" dirty="0"/>
+              <a:t>sleeper</a:t>
+            </a:r>
+            <a:r>
+              <a:rPr lang="zh-CN" altLang="en-US" dirty="0"/>
+              <a:t>指定等待策略，默认是</a:t>
+            </a:r>
+            <a:r>
+              <a:rPr lang="en-US" altLang="zh-CN" dirty="0" err="1"/>
+              <a:t>Thread.sleep</a:t>
+            </a:r>
+            <a:r>
+              <a:rPr lang="zh-CN" altLang="en-US" dirty="0"/>
+              <a:t>，即线程休眠，</a:t>
+            </a:r>
+            <a:r>
+              <a:rPr lang="en-US" altLang="zh-CN" dirty="0" err="1"/>
+              <a:t>backOffPeriod</a:t>
+            </a:r>
+            <a:r>
+              <a:rPr lang="zh-CN" altLang="en-US" dirty="0"/>
+              <a:t>指定休眠时间，默认</a:t>
+            </a:r>
+            <a:r>
+              <a:rPr lang="en-US" altLang="zh-CN" dirty="0"/>
+              <a:t>1</a:t>
+            </a:r>
+            <a:r>
+              <a:rPr lang="zh-CN" altLang="en-US" dirty="0" smtClean="0"/>
+              <a:t>秒</a:t>
+            </a:r>
+            <a:endParaRPr lang="en-US" altLang="zh-CN" dirty="0" smtClean="0"/>
+          </a:p>
+          <a:p>
+            <a:pPr marL="285750" indent="-285750">
+              <a:buFont typeface="Arial" panose="020B0604020202020204" pitchFamily="34" charset="0"/>
+              <a:buChar char="•"/>
+            </a:pPr>
+            <a:endParaRPr lang="en-US" altLang="zh-CN" dirty="0"/>
+          </a:p>
+          <a:p>
+            <a:pPr marL="285750" indent="-285750">
+              <a:buFont typeface="Arial" panose="020B0604020202020204" pitchFamily="34" charset="0"/>
+              <a:buChar char="•"/>
+            </a:pPr>
+            <a:r>
+              <a:rPr lang="en-US" altLang="zh-CN" dirty="0" err="1" smtClean="0"/>
+              <a:t>UniformRandomBackOffPolicy</a:t>
+            </a:r>
+            <a:r>
+              <a:rPr lang="zh-CN" altLang="en-US" dirty="0"/>
+              <a:t>：随机时间退避策略，需设置</a:t>
+            </a:r>
+            <a:r>
+              <a:rPr lang="en-US" altLang="zh-CN" dirty="0"/>
+              <a:t>sleeper</a:t>
+            </a:r>
+            <a:r>
+              <a:rPr lang="zh-CN" altLang="en-US" dirty="0"/>
+              <a:t>、</a:t>
+            </a:r>
+            <a:r>
+              <a:rPr lang="en-US" altLang="zh-CN" dirty="0" err="1"/>
+              <a:t>minBackOffPeriod</a:t>
+            </a:r>
+            <a:r>
+              <a:rPr lang="zh-CN" altLang="en-US" dirty="0"/>
+              <a:t>和</a:t>
+            </a:r>
+            <a:r>
+              <a:rPr lang="en-US" altLang="zh-CN" dirty="0" err="1"/>
+              <a:t>maxBackOffPeriod</a:t>
+            </a:r>
+            <a:r>
+              <a:rPr lang="zh-CN" altLang="en-US" dirty="0"/>
+              <a:t>，该策略在</a:t>
+            </a:r>
+            <a:r>
+              <a:rPr lang="en-US" altLang="zh-CN" dirty="0"/>
+              <a:t>[</a:t>
+            </a:r>
+            <a:r>
+              <a:rPr lang="en-US" altLang="zh-CN" dirty="0" err="1" smtClean="0"/>
+              <a:t>minBackOffPeriod,maxBackOffPeriod</a:t>
+            </a:r>
+            <a:r>
+              <a:rPr lang="en-US" altLang="zh-CN" dirty="0" smtClean="0"/>
+              <a:t>]</a:t>
+            </a:r>
+            <a:r>
+              <a:rPr lang="zh-CN" altLang="en-US" dirty="0" smtClean="0"/>
+              <a:t>之间</a:t>
+            </a:r>
+            <a:r>
+              <a:rPr lang="zh-CN" altLang="en-US" dirty="0"/>
+              <a:t>取一个随机休眠时间，</a:t>
+            </a:r>
+            <a:r>
+              <a:rPr lang="en-US" altLang="zh-CN" dirty="0" err="1"/>
+              <a:t>minBackOffPeriod</a:t>
+            </a:r>
+            <a:r>
+              <a:rPr lang="zh-CN" altLang="en-US" dirty="0"/>
+              <a:t>默认</a:t>
+            </a:r>
+            <a:r>
+              <a:rPr lang="en-US" altLang="zh-CN" dirty="0"/>
+              <a:t>500</a:t>
+            </a:r>
+            <a:r>
+              <a:rPr lang="zh-CN" altLang="en-US" dirty="0"/>
+              <a:t>毫秒，</a:t>
+            </a:r>
+            <a:r>
+              <a:rPr lang="en-US" altLang="zh-CN" dirty="0" err="1"/>
+              <a:t>maxBackOffPeriod</a:t>
+            </a:r>
+            <a:r>
+              <a:rPr lang="zh-CN" altLang="en-US" dirty="0"/>
+              <a:t>默认</a:t>
+            </a:r>
+            <a:r>
+              <a:rPr lang="en-US" altLang="zh-CN" dirty="0"/>
+              <a:t>1500</a:t>
+            </a:r>
+            <a:r>
+              <a:rPr lang="zh-CN" altLang="en-US" dirty="0" smtClean="0"/>
+              <a:t>毫秒</a:t>
+            </a:r>
+            <a:endParaRPr lang="en-US" altLang="zh-CN" dirty="0" smtClean="0"/>
+          </a:p>
+          <a:p>
+            <a:pPr marL="285750" indent="-285750">
+              <a:buFont typeface="Arial" panose="020B0604020202020204" pitchFamily="34" charset="0"/>
+              <a:buChar char="•"/>
+            </a:pPr>
+            <a:endParaRPr lang="en-US" altLang="zh-CN" dirty="0"/>
+          </a:p>
+          <a:p>
+            <a:pPr marL="285750" indent="-285750">
+              <a:buFont typeface="Arial" panose="020B0604020202020204" pitchFamily="34" charset="0"/>
+              <a:buChar char="•"/>
+            </a:pPr>
+            <a:r>
+              <a:rPr lang="en-US" altLang="zh-CN" dirty="0" err="1" smtClean="0"/>
+              <a:t>ExponentialBackOffPolicy</a:t>
+            </a:r>
+            <a:r>
+              <a:rPr lang="zh-CN" altLang="en-US" dirty="0"/>
+              <a:t>：指数退避策略，需设置参数</a:t>
+            </a:r>
+            <a:r>
+              <a:rPr lang="en-US" altLang="zh-CN" dirty="0"/>
+              <a:t>sleeper</a:t>
+            </a:r>
+            <a:r>
+              <a:rPr lang="zh-CN" altLang="en-US" dirty="0"/>
+              <a:t>、</a:t>
+            </a:r>
+            <a:r>
+              <a:rPr lang="en-US" altLang="zh-CN" dirty="0" err="1"/>
+              <a:t>initialInterval</a:t>
+            </a:r>
+            <a:r>
+              <a:rPr lang="zh-CN" altLang="en-US" dirty="0"/>
+              <a:t>、</a:t>
+            </a:r>
+            <a:r>
+              <a:rPr lang="en-US" altLang="zh-CN" dirty="0" err="1"/>
+              <a:t>maxInterval</a:t>
+            </a:r>
+            <a:r>
+              <a:rPr lang="zh-CN" altLang="en-US" dirty="0"/>
+              <a:t>和</a:t>
+            </a:r>
+            <a:r>
+              <a:rPr lang="en-US" altLang="zh-CN" dirty="0"/>
+              <a:t>multiplier</a:t>
+            </a:r>
+            <a:r>
+              <a:rPr lang="zh-CN" altLang="en-US" dirty="0"/>
+              <a:t>，</a:t>
+            </a:r>
+            <a:r>
+              <a:rPr lang="en-US" altLang="zh-CN" dirty="0" err="1"/>
+              <a:t>initialInterval</a:t>
+            </a:r>
+            <a:r>
+              <a:rPr lang="zh-CN" altLang="en-US" dirty="0"/>
+              <a:t>指定初始休眠时间，默认</a:t>
+            </a:r>
+            <a:r>
+              <a:rPr lang="en-US" altLang="zh-CN" dirty="0"/>
+              <a:t>100</a:t>
+            </a:r>
+            <a:r>
+              <a:rPr lang="zh-CN" altLang="en-US" dirty="0"/>
+              <a:t>毫秒，</a:t>
+            </a:r>
+            <a:r>
+              <a:rPr lang="en-US" altLang="zh-CN" dirty="0" err="1"/>
+              <a:t>maxInterval</a:t>
+            </a:r>
+            <a:r>
+              <a:rPr lang="zh-CN" altLang="en-US" dirty="0"/>
+              <a:t>指定最大休眠时间，默认</a:t>
+            </a:r>
+            <a:r>
+              <a:rPr lang="en-US" altLang="zh-CN" dirty="0"/>
+              <a:t>30</a:t>
+            </a:r>
+            <a:r>
+              <a:rPr lang="zh-CN" altLang="en-US" dirty="0"/>
+              <a:t>秒，</a:t>
+            </a:r>
+            <a:r>
+              <a:rPr lang="en-US" altLang="zh-CN" dirty="0"/>
+              <a:t>multiplier</a:t>
+            </a:r>
+            <a:r>
+              <a:rPr lang="zh-CN" altLang="en-US" dirty="0"/>
+              <a:t>指定乘数，即下一次休眠时间为当前休眠时间</a:t>
+            </a:r>
+            <a:r>
+              <a:rPr lang="zh-CN" altLang="en-US" dirty="0" smtClean="0"/>
+              <a:t>*</a:t>
+            </a:r>
+            <a:r>
+              <a:rPr lang="en-US" altLang="zh-CN" dirty="0" smtClean="0"/>
+              <a:t>multiplier</a:t>
+            </a:r>
+          </a:p>
+          <a:p>
+            <a:pPr marL="285750" indent="-285750">
+              <a:buFont typeface="Arial" panose="020B0604020202020204" pitchFamily="34" charset="0"/>
+              <a:buChar char="•"/>
+            </a:pPr>
+            <a:endParaRPr lang="en-US" altLang="zh-CN" dirty="0"/>
+          </a:p>
+          <a:p>
+            <a:pPr marL="285750" indent="-285750">
+              <a:buFont typeface="Arial" panose="020B0604020202020204" pitchFamily="34" charset="0"/>
+              <a:buChar char="•"/>
+            </a:pPr>
+            <a:r>
+              <a:rPr lang="en-US" altLang="zh-CN" dirty="0" err="1" smtClean="0"/>
+              <a:t>ExponentialRandomBackOffPolicy</a:t>
+            </a:r>
+            <a:r>
+              <a:rPr lang="zh-CN" altLang="en-US" dirty="0"/>
+              <a:t>：随机指数退避策略，引入随机乘数可以实现随机乘数</a:t>
+            </a:r>
+            <a:r>
+              <a:rPr lang="zh-CN" altLang="en-US" dirty="0" smtClean="0"/>
+              <a:t>回退</a:t>
+            </a:r>
+            <a:endParaRPr lang="zh-CN" altLang="en-US" dirty="0"/>
+          </a:p>
+        </p:txBody>
+      </p:sp>
+    </p:spTree>
+    <p:extLst>
+      <p:ext uri="{BB962C8B-B14F-4D97-AF65-F5344CB8AC3E}">
+        <p14:creationId xmlns:p14="http://schemas.microsoft.com/office/powerpoint/2010/main" val="2653285347"/>
+      </p:ext>
+    </p:extLst>
+  </p:cSld>
+  <p:clrMapOvr>
+    <a:masterClrMapping/>
+  </p:clrMapOvr>
+  <p:timing>
+    <p:tnLst>
+      <p:par>
+        <p:cTn id="1" dur="indefinite" restart="never" nodeType="tmRoot"/>
+      </p:par>
+    </p:tnLst>
+  </p:timing>
+</p:sld>
+</file>
+
+<file path=ppt/slides/slide6.xml><?xml version="1.0" encoding="utf-8"?>
+<p:sld xmlns:a="http://schemas.openxmlformats.org/drawingml/2006/main" xmlns:r="http://schemas.openxmlformats.org/officeDocument/2006/relationships" xmlns:p="http://schemas.openxmlformats.org/presentationml/2006/main">
+  <p:cSld>
+    <p:spTree>
+      <p:nvGrpSpPr>
+        <p:cNvPr id="1" name=""/>
+        <p:cNvGrpSpPr/>
+        <p:nvPr/>
+      </p:nvGrpSpPr>
+      <p:grpSpPr>
+        <a:xfrm>
+          <a:off x="0" y="0"/>
+          <a:ext cx="0" cy="0"/>
+          <a:chOff x="0" y="0"/>
+          <a:chExt cx="0" cy="0"/>
+        </a:xfrm>
+      </p:grpSpPr>
+      <p:sp>
+        <p:nvSpPr>
+          <p:cNvPr id="13" name="矩形 12"/>
+          <p:cNvSpPr/>
+          <p:nvPr/>
+        </p:nvSpPr>
+        <p:spPr>
+          <a:xfrm>
+            <a:off x="400723" y="283984"/>
+            <a:ext cx="182880" cy="424675"/>
+          </a:xfrm>
+          <a:prstGeom prst="rect">
+            <a:avLst/>
+          </a:prstGeom>
+          <a:solidFill>
+            <a:srgbClr val="1BABE7"/>
+          </a:solidFill>
+          <a:ln>
+            <a:noFill/>
+          </a:ln>
+        </p:spPr>
+        <p:style>
+          <a:lnRef idx="2">
+            <a:schemeClr val="accent1">
+              <a:shade val="50000"/>
+            </a:schemeClr>
+          </a:lnRef>
+          <a:fillRef idx="1">
+            <a:schemeClr val="accent1"/>
+          </a:fillRef>
+          <a:effectRef idx="0">
+            <a:schemeClr val="accent1"/>
+          </a:effectRef>
+          <a:fontRef idx="minor">
+            <a:schemeClr val="lt1"/>
+          </a:fontRef>
+        </p:style>
+        <p:txBody>
+          <a:bodyPr rot="0" spcFirstLastPara="0" vertOverflow="overflow" horzOverflow="overflow" vert="horz" wrap="square" lIns="91440" tIns="45720" rIns="91440" bIns="45720" numCol="1" spcCol="0" rtlCol="0" fromWordArt="0" anchor="ctr" anchorCtr="0" forceAA="0" compatLnSpc="1">
+            <a:noAutofit/>
+          </a:bodyPr>
+          <a:lstStyle/>
+          <a:p>
+            <a:pPr algn="ctr"/>
+            <a:endParaRPr lang="zh-CN" altLang="en-US" sz="4400">
+              <a:solidFill>
+                <a:srgbClr val="FFFFFF"/>
+              </a:solidFill>
+            </a:endParaRPr>
+          </a:p>
+        </p:txBody>
+      </p:sp>
+      <p:sp>
+        <p:nvSpPr>
+          <p:cNvPr id="14" name="标题 1"/>
+          <p:cNvSpPr txBox="1"/>
+          <p:nvPr/>
+        </p:nvSpPr>
+        <p:spPr>
+          <a:xfrm>
+            <a:off x="746889" y="125728"/>
+            <a:ext cx="4913559" cy="741185"/>
+          </a:xfrm>
+          <a:prstGeom prst="rect">
+            <a:avLst/>
+          </a:prstGeom>
+        </p:spPr>
+        <p:txBody>
+          <a:bodyPr vert="horz" lIns="91440" tIns="45720" rIns="91440" bIns="45720" rtlCol="0" anchor="ctr">
+            <a:noAutofit/>
+          </a:bodyPr>
+          <a:lstStyle>
+            <a:lvl1pPr algn="l" defTabSz="685800" rtl="0" eaLnBrk="1" latinLnBrk="0" hangingPunct="1">
+              <a:lnSpc>
+                <a:spcPct val="90000"/>
+              </a:lnSpc>
+              <a:spcBef>
+                <a:spcPct val="0"/>
+              </a:spcBef>
+              <a:buNone/>
+              <a:defRPr sz="3300" kern="1200">
+                <a:solidFill>
+                  <a:schemeClr val="tx1"/>
+                </a:solidFill>
+                <a:latin typeface="+mj-lt"/>
+                <a:ea typeface="+mj-ea"/>
+                <a:cs typeface="+mj-cs"/>
+              </a:defRPr>
+            </a:lvl1pPr>
+          </a:lstStyle>
+          <a:p>
+            <a:r>
+              <a:rPr lang="en-US" altLang="zh-CN" sz="2800" b="1" dirty="0" smtClean="0">
+                <a:latin typeface="微软雅黑" panose="020B0503020204020204" pitchFamily="34" charset="-122"/>
+                <a:ea typeface="微软雅黑" panose="020B0503020204020204" pitchFamily="34" charset="-122"/>
+              </a:rPr>
+              <a:t>Spring Retry</a:t>
+            </a:r>
+            <a:r>
+              <a:rPr lang="zh-CN" altLang="en-US" sz="2800" b="1" dirty="0" smtClean="0">
+                <a:latin typeface="微软雅黑" panose="020B0503020204020204" pitchFamily="34" charset="-122"/>
+                <a:ea typeface="微软雅黑" panose="020B0503020204020204" pitchFamily="34" charset="-122"/>
+              </a:rPr>
+              <a:t>源码</a:t>
+            </a:r>
+            <a:endParaRPr lang="zh-CN" altLang="en-US" sz="2800" b="1" dirty="0">
+              <a:latin typeface="微软雅黑" panose="020B0503020204020204" pitchFamily="34" charset="-122"/>
+              <a:ea typeface="微软雅黑" panose="020B0503020204020204" pitchFamily="34" charset="-122"/>
+            </a:endParaRPr>
+          </a:p>
+        </p:txBody>
+      </p:sp>
+      <p:sp>
+        <p:nvSpPr>
+          <p:cNvPr id="10" name="文本框 9"/>
+          <p:cNvSpPr txBox="1"/>
+          <p:nvPr/>
+        </p:nvSpPr>
+        <p:spPr>
+          <a:xfrm>
+            <a:off x="400723" y="866913"/>
+            <a:ext cx="11372177" cy="4801314"/>
+          </a:xfrm>
+          <a:prstGeom prst="rect">
+            <a:avLst/>
+          </a:prstGeom>
+          <a:noFill/>
+        </p:spPr>
+        <p:style>
+          <a:lnRef idx="2">
+            <a:schemeClr val="dk1"/>
+          </a:lnRef>
+          <a:fillRef idx="1">
+            <a:schemeClr val="lt1"/>
+          </a:fillRef>
+          <a:effectRef idx="0">
+            <a:schemeClr val="dk1"/>
+          </a:effectRef>
+          <a:fontRef idx="minor">
+            <a:schemeClr val="dk1"/>
+          </a:fontRef>
+        </p:style>
+        <p:txBody>
+          <a:bodyPr wrap="square" rtlCol="0">
+            <a:spAutoFit/>
+          </a:bodyPr>
+          <a:lstStyle/>
+          <a:p>
+            <a:r>
+              <a:rPr lang="zh-CN" altLang="en-US" dirty="0" smtClean="0"/>
+              <a:t>主要接口：</a:t>
+            </a:r>
+            <a:endParaRPr lang="en-US" altLang="zh-CN" dirty="0" smtClean="0"/>
+          </a:p>
+          <a:p>
+            <a:pPr lvl="1">
+              <a:lnSpc>
+                <a:spcPct val="200000"/>
+              </a:lnSpc>
+            </a:pPr>
+            <a:r>
+              <a:rPr lang="en-US" altLang="zh-CN" dirty="0" err="1" smtClean="0"/>
+              <a:t>RetryOperations</a:t>
+            </a:r>
+            <a:r>
+              <a:rPr lang="zh-CN" altLang="en-US" dirty="0" smtClean="0"/>
+              <a:t>：</a:t>
+            </a:r>
+            <a:r>
+              <a:rPr lang="en-US" altLang="zh-CN" dirty="0" smtClean="0"/>
+              <a:t>		</a:t>
+            </a:r>
+            <a:r>
+              <a:rPr lang="zh-CN" altLang="en-US" dirty="0" smtClean="0"/>
+              <a:t>重试操作，开启一次重试事件，</a:t>
+            </a:r>
+            <a:r>
+              <a:rPr lang="zh-CN" altLang="en-US" dirty="0"/>
+              <a:t>定义了几种执行重试的</a:t>
+            </a:r>
+            <a:r>
+              <a:rPr lang="zh-CN" altLang="en-US" dirty="0" smtClean="0"/>
+              <a:t>方式</a:t>
+            </a:r>
+            <a:endParaRPr lang="zh-CN" altLang="en-US" dirty="0"/>
+          </a:p>
+          <a:p>
+            <a:pPr lvl="1">
+              <a:lnSpc>
+                <a:spcPct val="200000"/>
+              </a:lnSpc>
+            </a:pPr>
+            <a:r>
+              <a:rPr lang="en-US" altLang="zh-CN" dirty="0" err="1" smtClean="0"/>
+              <a:t>RetryCallback</a:t>
+            </a:r>
+            <a:r>
+              <a:rPr lang="zh-CN" altLang="en-US" dirty="0" smtClean="0"/>
+              <a:t>：</a:t>
+            </a:r>
+            <a:r>
+              <a:rPr lang="en-US" altLang="zh-CN" dirty="0" smtClean="0"/>
+              <a:t>		</a:t>
+            </a:r>
+            <a:r>
+              <a:rPr lang="zh-CN" altLang="en-US" dirty="0" smtClean="0"/>
+              <a:t>重试方法的回调、执行。</a:t>
+            </a:r>
+            <a:endParaRPr lang="zh-CN" altLang="en-US" dirty="0"/>
+          </a:p>
+          <a:p>
+            <a:pPr lvl="1">
+              <a:lnSpc>
+                <a:spcPct val="200000"/>
+              </a:lnSpc>
+            </a:pPr>
+            <a:r>
+              <a:rPr lang="en-US" altLang="zh-CN" dirty="0" err="1" smtClean="0"/>
+              <a:t>RetryContext</a:t>
+            </a:r>
+            <a:r>
+              <a:rPr lang="zh-CN" altLang="en-US" dirty="0" smtClean="0"/>
+              <a:t>：</a:t>
+            </a:r>
+            <a:r>
+              <a:rPr lang="en-US" altLang="zh-CN" dirty="0" smtClean="0"/>
+              <a:t>		</a:t>
+            </a:r>
+            <a:r>
+              <a:rPr lang="zh-CN" altLang="en-US" dirty="0" smtClean="0"/>
+              <a:t>重试</a:t>
+            </a:r>
+            <a:r>
+              <a:rPr lang="zh-CN" altLang="en-US" dirty="0"/>
+              <a:t>上下文</a:t>
+            </a:r>
+          </a:p>
+          <a:p>
+            <a:pPr lvl="1">
+              <a:lnSpc>
+                <a:spcPct val="200000"/>
+              </a:lnSpc>
+            </a:pPr>
+            <a:r>
+              <a:rPr lang="en-US" altLang="zh-CN" dirty="0" err="1" smtClean="0"/>
+              <a:t>RecoveryCallback</a:t>
+            </a:r>
+            <a:r>
+              <a:rPr lang="zh-CN" altLang="en-US" dirty="0" smtClean="0"/>
+              <a:t>：</a:t>
+            </a:r>
+            <a:r>
+              <a:rPr lang="en-US" altLang="zh-CN" dirty="0" smtClean="0"/>
+              <a:t>	</a:t>
+            </a:r>
+            <a:r>
+              <a:rPr lang="zh-CN" altLang="en-US" dirty="0" smtClean="0"/>
+              <a:t>回</a:t>
+            </a:r>
+            <a:r>
+              <a:rPr lang="zh-CN" altLang="en-US" dirty="0"/>
+              <a:t>调</a:t>
+            </a:r>
+            <a:r>
+              <a:rPr lang="zh-CN" altLang="en-US" dirty="0" smtClean="0"/>
+              <a:t>恢复（</a:t>
+            </a:r>
+            <a:r>
+              <a:rPr lang="zh-CN" altLang="en-US" dirty="0"/>
+              <a:t>重试达到上限时执行的回调，以保证业务恢复）</a:t>
+            </a:r>
+          </a:p>
+          <a:p>
+            <a:pPr lvl="1">
+              <a:lnSpc>
+                <a:spcPct val="200000"/>
+              </a:lnSpc>
+            </a:pPr>
+            <a:r>
+              <a:rPr lang="en-US" altLang="zh-CN" dirty="0" err="1" smtClean="0"/>
+              <a:t>RetryState</a:t>
+            </a:r>
+            <a:r>
+              <a:rPr lang="zh-CN" altLang="en-US" dirty="0" smtClean="0"/>
+              <a:t>：</a:t>
+            </a:r>
+            <a:r>
+              <a:rPr lang="en-US" altLang="zh-CN" dirty="0" smtClean="0"/>
+              <a:t>			</a:t>
+            </a:r>
+            <a:r>
+              <a:rPr lang="zh-CN" altLang="en-US" dirty="0" smtClean="0"/>
+              <a:t>重试</a:t>
+            </a:r>
+            <a:r>
+              <a:rPr lang="zh-CN" altLang="en-US" dirty="0"/>
+              <a:t>状态，分为有状态重试和无状态重试</a:t>
+            </a:r>
+          </a:p>
+          <a:p>
+            <a:pPr lvl="1">
+              <a:lnSpc>
+                <a:spcPct val="200000"/>
+              </a:lnSpc>
+            </a:pPr>
+            <a:r>
+              <a:rPr lang="en-US" altLang="zh-CN" dirty="0" err="1" smtClean="0"/>
+              <a:t>RetryPolicy</a:t>
+            </a:r>
+            <a:r>
+              <a:rPr lang="zh-CN" altLang="en-US" dirty="0" smtClean="0"/>
+              <a:t>：</a:t>
+            </a:r>
+            <a:r>
+              <a:rPr lang="en-US" altLang="zh-CN" dirty="0" smtClean="0"/>
+              <a:t>			</a:t>
+            </a:r>
+            <a:r>
+              <a:rPr lang="zh-CN" altLang="en-US" dirty="0" smtClean="0"/>
+              <a:t>重试</a:t>
+            </a:r>
+            <a:r>
+              <a:rPr lang="zh-CN" altLang="en-US" dirty="0"/>
+              <a:t>策略（重试操作执行的策略</a:t>
+            </a:r>
+            <a:r>
+              <a:rPr lang="zh-CN" altLang="en-US" dirty="0" smtClean="0"/>
+              <a:t>）</a:t>
+            </a:r>
+            <a:endParaRPr lang="en-US" altLang="zh-CN" dirty="0" smtClean="0"/>
+          </a:p>
+          <a:p>
+            <a:pPr lvl="1">
+              <a:lnSpc>
+                <a:spcPct val="200000"/>
+              </a:lnSpc>
+            </a:pPr>
+            <a:r>
+              <a:rPr lang="en-US" altLang="zh-CN" dirty="0" err="1" smtClean="0"/>
+              <a:t>BackOffPolicy</a:t>
+            </a:r>
+            <a:r>
+              <a:rPr lang="zh-CN" altLang="en-US" dirty="0" smtClean="0"/>
+              <a:t>：</a:t>
+            </a:r>
+            <a:r>
+              <a:rPr lang="en-US" altLang="zh-CN" dirty="0" smtClean="0"/>
+              <a:t>		</a:t>
+            </a:r>
+            <a:r>
+              <a:rPr lang="zh-CN" altLang="en-US" dirty="0" smtClean="0"/>
+              <a:t>回退策略（执行失败时执行下一次重试的等待策略）</a:t>
+            </a:r>
+            <a:endParaRPr lang="en-US" altLang="zh-CN" dirty="0"/>
+          </a:p>
+          <a:p>
+            <a:pPr lvl="1">
+              <a:lnSpc>
+                <a:spcPct val="200000"/>
+              </a:lnSpc>
+            </a:pPr>
+            <a:r>
+              <a:rPr lang="en-US" altLang="zh-CN" dirty="0" err="1" smtClean="0"/>
+              <a:t>RetryListener</a:t>
+            </a:r>
+            <a:r>
+              <a:rPr lang="zh-CN" altLang="en-US" dirty="0" smtClean="0"/>
+              <a:t>：</a:t>
+            </a:r>
+            <a:r>
+              <a:rPr lang="en-US" altLang="zh-CN" dirty="0" smtClean="0"/>
+              <a:t>		</a:t>
+            </a:r>
+            <a:r>
+              <a:rPr lang="zh-CN" altLang="en-US" dirty="0" smtClean="0"/>
+              <a:t>重试事件监听（开始监听重试、执行出错、结束监听重试）</a:t>
+            </a:r>
+            <a:endParaRPr lang="en-US" altLang="zh-CN" dirty="0"/>
+          </a:p>
+        </p:txBody>
+      </p:sp>
+    </p:spTree>
+  </p:cSld>
+  <p:clrMapOvr>
+    <a:masterClrMapping/>
+  </p:clrMapOvr>
+  <p:timing>
+    <p:tnLst>
+      <p:par>
+        <p:cTn id="1" dur="indefinite" restart="never" nodeType="tmRoot"/>
+      </p:par>
+    </p:tnLst>
+  </p:timing>
+</p:sld>
+</file>
+
+<file path=ppt/slides/slide7.xml><?xml version="1.0" encoding="utf-8"?>
+<p:sld xmlns:a="http://schemas.openxmlformats.org/drawingml/2006/main" xmlns:r="http://schemas.openxmlformats.org/officeDocument/2006/relationships" xmlns:p="http://schemas.openxmlformats.org/presentationml/2006/main">
+  <p:cSld>
+    <p:spTree>
+      <p:nvGrpSpPr>
+        <p:cNvPr id="1" name=""/>
+        <p:cNvGrpSpPr/>
+        <p:nvPr/>
+      </p:nvGrpSpPr>
+      <p:grpSpPr>
+        <a:xfrm>
+          <a:off x="0" y="0"/>
+          <a:ext cx="0" cy="0"/>
+          <a:chOff x="0" y="0"/>
+          <a:chExt cx="0" cy="0"/>
+        </a:xfrm>
+      </p:grpSpPr>
+      <p:sp>
+        <p:nvSpPr>
+          <p:cNvPr id="13" name="矩形 12"/>
+          <p:cNvSpPr/>
+          <p:nvPr/>
+        </p:nvSpPr>
+        <p:spPr>
+          <a:xfrm>
+            <a:off x="400723" y="283984"/>
+            <a:ext cx="182880" cy="424675"/>
+          </a:xfrm>
+          <a:prstGeom prst="rect">
+            <a:avLst/>
+          </a:prstGeom>
+          <a:solidFill>
+            <a:srgbClr val="1BABE7"/>
+          </a:solidFill>
+          <a:ln>
+            <a:noFill/>
+          </a:ln>
+        </p:spPr>
+        <p:style>
+          <a:lnRef idx="2">
+            <a:schemeClr val="accent1">
+              <a:shade val="50000"/>
+            </a:schemeClr>
+          </a:lnRef>
+          <a:fillRef idx="1">
+            <a:schemeClr val="accent1"/>
+          </a:fillRef>
+          <a:effectRef idx="0">
+            <a:schemeClr val="accent1"/>
+          </a:effectRef>
+          <a:fontRef idx="minor">
+            <a:schemeClr val="lt1"/>
+          </a:fontRef>
+        </p:style>
+        <p:txBody>
+          <a:bodyPr rot="0" spcFirstLastPara="0" vertOverflow="overflow" horzOverflow="overflow" vert="horz" wrap="square" lIns="91440" tIns="45720" rIns="91440" bIns="45720" numCol="1" spcCol="0" rtlCol="0" fromWordArt="0" anchor="ctr" anchorCtr="0" forceAA="0" compatLnSpc="1">
+            <a:noAutofit/>
+          </a:bodyPr>
+          <a:lstStyle/>
+          <a:p>
+            <a:pPr algn="ctr"/>
+            <a:endParaRPr lang="zh-CN" altLang="en-US" sz="4400">
+              <a:solidFill>
+                <a:srgbClr val="FFFFFF"/>
+              </a:solidFill>
+            </a:endParaRPr>
+          </a:p>
+        </p:txBody>
+      </p:sp>
+      <p:sp>
+        <p:nvSpPr>
+          <p:cNvPr id="14" name="标题 1"/>
+          <p:cNvSpPr txBox="1"/>
+          <p:nvPr/>
+        </p:nvSpPr>
+        <p:spPr>
+          <a:xfrm>
+            <a:off x="746889" y="125728"/>
+            <a:ext cx="4913559" cy="741185"/>
+          </a:xfrm>
+          <a:prstGeom prst="rect">
+            <a:avLst/>
+          </a:prstGeom>
+        </p:spPr>
+        <p:txBody>
+          <a:bodyPr vert="horz" lIns="91440" tIns="45720" rIns="91440" bIns="45720" rtlCol="0" anchor="ctr">
+            <a:noAutofit/>
+          </a:bodyPr>
+          <a:lstStyle>
+            <a:lvl1pPr algn="l" defTabSz="685800" rtl="0" eaLnBrk="1" latinLnBrk="0" hangingPunct="1">
+              <a:lnSpc>
+                <a:spcPct val="90000"/>
+              </a:lnSpc>
+              <a:spcBef>
+                <a:spcPct val="0"/>
+              </a:spcBef>
+              <a:buNone/>
+              <a:defRPr sz="3300" kern="1200">
+                <a:solidFill>
+                  <a:schemeClr val="tx1"/>
+                </a:solidFill>
+                <a:latin typeface="+mj-lt"/>
+                <a:ea typeface="+mj-ea"/>
+                <a:cs typeface="+mj-cs"/>
+              </a:defRPr>
+            </a:lvl1pPr>
+          </a:lstStyle>
+          <a:p>
+            <a:r>
               <a:rPr lang="en-US" altLang="zh-CN" sz="2800" b="1" dirty="0" smtClean="0">
                 <a:latin typeface="微软雅黑" panose="020B0503020204020204" pitchFamily="34" charset="-122"/>
                 <a:ea typeface="微软雅黑" panose="020B0503020204020204" pitchFamily="34" charset="-122"/>
@@ -13094,7 +14157,6 @@
               <a:rPr lang="zh-CN" altLang="en-US" dirty="0" smtClean="0"/>
               <a:t>重试框架是如何进行重试的？</a:t>
             </a:r>
-            <a:endParaRPr lang="zh-CN" altLang="en-US" dirty="0" smtClean="0"/>
           </a:p>
           <a:p>
             <a:endParaRPr lang="zh-CN" altLang="en-US" dirty="0" smtClean="0"/>
@@ -13114,7 +14176,6 @@
               <a:rPr lang="zh-CN" altLang="en-US" dirty="0" smtClean="0"/>
               <a:t>有无状态重试的区别？</a:t>
             </a:r>
-            <a:endParaRPr lang="zh-CN" altLang="en-US" dirty="0" smtClean="0"/>
           </a:p>
           <a:p>
             <a:endParaRPr lang="zh-CN" altLang="en-US" dirty="0" smtClean="0"/>
@@ -13136,7 +14197,6 @@
               <a:rPr lang="zh-CN" altLang="en-US" dirty="0"/>
               <a:t>有状态重试如何实现控制重试的次数？</a:t>
             </a:r>
-            <a:endParaRPr lang="zh-CN" altLang="en-US" dirty="0"/>
           </a:p>
           <a:p>
             <a:endParaRPr lang="en-US" altLang="zh-CN" dirty="0" smtClean="0"/>
@@ -13434,7 +14494,7 @@
 </p:sld>
 </file>
 
-<file path=ppt/slides/slide6.xml><?xml version="1.0" encoding="utf-8"?>
+<file path=ppt/slides/slide8.xml><?xml version="1.0" encoding="utf-8"?>
 <p:sld xmlns:a="http://schemas.openxmlformats.org/drawingml/2006/main" xmlns:r="http://schemas.openxmlformats.org/officeDocument/2006/relationships" xmlns:p="http://schemas.openxmlformats.org/presentationml/2006/main">
   <p:cSld>
     <p:spTree>
@@ -13565,7 +14625,7 @@
         <p:spPr>
           <a:xfrm>
             <a:off x="400685" y="866775"/>
-            <a:ext cx="11437620" cy="8955405"/>
+            <a:ext cx="11437620" cy="5909310"/>
           </a:xfrm>
           <a:prstGeom prst="rect">
             <a:avLst/>
@@ -13600,7 +14660,6 @@
               <a:rPr lang="zh-CN" altLang="en-US" dirty="0" smtClean="0"/>
               <a:t>异常的规范使用：</a:t>
             </a:r>
-            <a:endParaRPr lang="zh-CN" altLang="en-US" dirty="0" smtClean="0"/>
           </a:p>
           <a:p>
             <a:pPr marL="800100" lvl="1" indent="-342900">
@@ -13731,7 +14790,6 @@
               <a:rPr lang="zh-CN" altLang="en-US" dirty="0" smtClean="0"/>
               <a:t>业务使用注意点：</a:t>
             </a:r>
-            <a:endParaRPr lang="zh-CN" altLang="en-US" dirty="0" smtClean="0"/>
           </a:p>
           <a:p>
             <a:pPr marL="971550" lvl="2" indent="-342900">
@@ -13744,9 +14802,6 @@
               </a:rPr>
               <a:t>不要把退让时间设置过长，防止工作线程被全部占用引起服务拒绝。回退时间根据具体业务场景而定，业务量小但是重要的请求可以将回退时间调大，甚至使用指数回退。业务量大的场景应该把回退时间减小。  </a:t>
             </a:r>
-            <a:endParaRPr lang="zh-CN" altLang="en-US" dirty="0" smtClean="0">
-              <a:sym typeface="+mn-ea"/>
-            </a:endParaRPr>
           </a:p>
           <a:p>
             <a:pPr marL="971550" lvl="2" indent="-342900">
@@ -13759,9 +14814,6 @@
               </a:rPr>
               <a:t>重试如果不设置超时或次数上限，容易造成大量重试，可能引起平台降级限流，另一方面抛出异常时会记录堆栈开销比较重。</a:t>
             </a:r>
-            <a:endParaRPr lang="zh-CN" altLang="en-US" dirty="0" smtClean="0">
-              <a:sym typeface="+mn-ea"/>
-            </a:endParaRPr>
           </a:p>
           <a:p>
             <a:pPr marL="971550" lvl="2" indent="-342900">
@@ -13774,9 +14826,6 @@
               </a:rPr>
               <a:t>不要捕捉被声明可重试的异常。</a:t>
             </a:r>
-            <a:endParaRPr lang="zh-CN" altLang="en-US" dirty="0" smtClean="0">
-              <a:sym typeface="+mn-ea"/>
-            </a:endParaRPr>
           </a:p>
           <a:p>
             <a:pPr marL="971550" lvl="2" indent="-342900">
@@ -13807,7 +14856,6 @@
               <a:rPr lang="zh-CN" altLang="en-US" dirty="0" smtClean="0"/>
               <a:t>声明式使用注意点：</a:t>
             </a:r>
-            <a:endParaRPr lang="zh-CN" altLang="en-US" dirty="0" smtClean="0"/>
           </a:p>
           <a:p>
             <a:pPr marL="800100" lvl="1" indent="-342900">
@@ -13818,59 +14866,6 @@
               <a:rPr lang="zh-CN" altLang="en-US" dirty="0" smtClean="0"/>
               <a:t>声明式调用是采用代理方式将重试模板由Spring AOP织入，如果被声明为`@Retryable`的方法是通过内部调用，proxy对象就不会生成，导致切面失效无法重试。</a:t>
             </a:r>
-            <a:endParaRPr lang="zh-CN" altLang="en-US" dirty="0" smtClean="0"/>
-          </a:p>
-          <a:p>
-            <a:pPr indent="0">
-              <a:buNone/>
-            </a:pPr>
-            <a:endParaRPr lang="zh-CN" altLang="en-US" dirty="0" smtClean="0"/>
-          </a:p>
-          <a:p>
-            <a:pPr marL="285750" indent="-285750">
-              <a:buFont typeface="Arial" panose="020B0604020202090204" pitchFamily="34" charset="0"/>
-              <a:buChar char="•"/>
-            </a:pPr>
-            <a:endParaRPr lang="en-US" altLang="zh-CN" dirty="0" smtClean="0"/>
-          </a:p>
-          <a:p>
-            <a:pPr marL="342900" indent="-342900">
-              <a:buAutoNum type="arabicPeriod"/>
-            </a:pPr>
-            <a:endParaRPr lang="en-US" altLang="zh-CN" dirty="0"/>
-          </a:p>
-          <a:p>
-            <a:pPr marL="342900" indent="-342900">
-              <a:buAutoNum type="arabicPeriod"/>
-            </a:pPr>
-            <a:endParaRPr lang="en-US" altLang="zh-CN" dirty="0" smtClean="0"/>
-          </a:p>
-          <a:p>
-            <a:pPr marL="342900" indent="-342900">
-              <a:buAutoNum type="arabicPeriod"/>
-            </a:pPr>
-            <a:endParaRPr lang="en-US" altLang="zh-CN" dirty="0"/>
-          </a:p>
-          <a:p>
-            <a:pPr marL="342900" indent="-342900">
-              <a:buAutoNum type="arabicPeriod"/>
-            </a:pPr>
-            <a:endParaRPr lang="en-US" altLang="zh-CN" dirty="0" smtClean="0"/>
-          </a:p>
-          <a:p>
-            <a:endParaRPr lang="en-US" altLang="zh-CN" dirty="0"/>
-          </a:p>
-          <a:p>
-            <a:endParaRPr lang="en-US" altLang="zh-CN" dirty="0" smtClean="0"/>
-          </a:p>
-          <a:p>
-            <a:endParaRPr lang="en-US" altLang="zh-CN" dirty="0"/>
-          </a:p>
-          <a:p>
-            <a:endParaRPr lang="en-US" altLang="zh-CN" dirty="0" smtClean="0"/>
-          </a:p>
-          <a:p>
-            <a:endParaRPr lang="en-US" altLang="zh-CN" dirty="0" smtClean="0"/>
           </a:p>
         </p:txBody>
       </p:sp>
@@ -14735,7 +15730,7 @@
 </p:sld>
 </file>
 
-<file path=ppt/slides/slide7.xml><?xml version="1.0" encoding="utf-8"?>
+<file path=ppt/slides/slide9.xml><?xml version="1.0" encoding="utf-8"?>
 <p:sld xmlns:a="http://schemas.openxmlformats.org/drawingml/2006/main" xmlns:r="http://schemas.openxmlformats.org/officeDocument/2006/relationships" xmlns:p="http://schemas.openxmlformats.org/presentationml/2006/main">
   <p:cSld>
     <p:spTree>
@@ -14876,7 +15871,7 @@
         </p:xfrm>
         <a:graphic>
           <a:graphicData uri="http://schemas.openxmlformats.org/drawingml/2006/diagram">
-            <dgm:relIds xmlns:dgm="http://schemas.openxmlformats.org/drawingml/2006/diagram" xmlns:r="http://schemas.openxmlformats.org/officeDocument/2006/relationships" r:dm="rId1" r:lo="rId2" r:qs="rId3" r:cs="rId4"/>
+            <dgm:relIds xmlns:dgm="http://schemas.openxmlformats.org/drawingml/2006/diagram" xmlns:r="http://schemas.openxmlformats.org/officeDocument/2006/relationships" r:dm="rId3" r:lo="rId4" r:qs="rId5" r:cs="rId6"/>
           </a:graphicData>
         </a:graphic>
       </p:graphicFrame>
@@ -15087,7 +16082,7 @@
         </p:nvSpPr>
         <p:spPr>
           <a:xfrm>
-            <a:off x="3769360" y="4880326"/>
+            <a:off x="4192970" y="4935139"/>
             <a:ext cx="3602990" cy="338554"/>
           </a:xfrm>
           <a:prstGeom prst="rect">
@@ -15179,7 +16174,11 @@
           <a:p>
             <a:r>
               <a:rPr lang="zh-CN" altLang="en-US" sz="1600" dirty="0" smtClean="0"/>
-              <a:t>调用成功，处理失败：</a:t>
+              <a:t>调用成功，处理失败</a:t>
+            </a:r>
+            <a:r>
+              <a:rPr lang="zh-CN" altLang="en-US" sz="1600" dirty="0"/>
+              <a:t>：</a:t>
             </a:r>
             <a:endParaRPr lang="en-US" altLang="zh-CN" sz="1600" dirty="0" smtClean="0"/>
           </a:p>
@@ -15188,7 +16187,6 @@
               <a:rPr lang="zh-CN" altLang="en-US" sz="1600" dirty="0" smtClean="0"/>
               <a:t>可以重试的异常</a:t>
             </a:r>
-            <a:endParaRPr lang="zh-CN" altLang="en-US" sz="1600" dirty="0" smtClean="0"/>
           </a:p>
         </p:txBody>
       </p:sp>
@@ -15258,7 +16256,6 @@
               <a:rPr lang="zh-CN" altLang="en-US" sz="1600" dirty="0" smtClean="0"/>
               <a:t>异常等，做出相应响应动作</a:t>
             </a:r>
-            <a:endParaRPr lang="zh-CN" altLang="en-US" sz="1600" dirty="0" smtClean="0"/>
           </a:p>
         </p:txBody>
       </p:sp>
@@ -15321,7 +16318,6 @@
               <a:rPr lang="zh-CN" altLang="en-US" sz="1600" dirty="0" smtClean="0"/>
               <a:t>外部重试依据</a:t>
             </a:r>
-            <a:endParaRPr lang="zh-CN" altLang="en-US" sz="1600" dirty="0" smtClean="0"/>
           </a:p>
         </p:txBody>
       </p:sp>
@@ -15358,12 +16354,12 @@
           <a:bodyPr wrap="square" rtlCol="0">
             <a:spAutoFit/>
           </a:bodyPr>
+          <a:lstStyle/>
           <a:p>
             <a:r>
               <a:rPr lang="zh-CN" altLang="en-US" sz="2800" dirty="0" smtClean="0"/>
               <a:t>基于消息重试</a:t>
             </a:r>
-            <a:endParaRPr lang="zh-CN" altLang="en-US" sz="2800" dirty="0" smtClean="0"/>
           </a:p>
         </p:txBody>
       </p:sp>
@@ -15400,6 +16396,7 @@
           <a:bodyPr wrap="square" rtlCol="0">
             <a:spAutoFit/>
           </a:bodyPr>
+          <a:lstStyle/>
           <a:p>
             <a:r>
               <a:rPr lang="zh-CN" altLang="en-US" sz="2800" dirty="0" smtClean="0"/>
@@ -15413,7 +16410,6 @@
               <a:rPr lang="zh-CN" altLang="en-US" sz="2800" dirty="0" smtClean="0"/>
               <a:t>重试</a:t>
             </a:r>
-            <a:endParaRPr lang="zh-CN" altLang="en-US" sz="2800" dirty="0" smtClean="0"/>
           </a:p>
         </p:txBody>
       </p:sp>
@@ -15614,85 +16610,6 @@
       <p:bldP spid="3" grpId="0" animBg="1"/>
       <p:bldP spid="4" grpId="0" animBg="1"/>
     </p:bldLst>
-  </p:timing>
-</p:sld>
-</file>
-
-<file path=ppt/slides/slide8.xml><?xml version="1.0" encoding="utf-8"?>
-<p:sld xmlns:a="http://schemas.openxmlformats.org/drawingml/2006/main" xmlns:r="http://schemas.openxmlformats.org/officeDocument/2006/relationships" xmlns:p="http://schemas.openxmlformats.org/presentationml/2006/main">
-  <p:cSld>
-    <p:spTree>
-      <p:nvGrpSpPr>
-        <p:cNvPr id="1" name=""/>
-        <p:cNvGrpSpPr/>
-        <p:nvPr/>
-      </p:nvGrpSpPr>
-      <p:grpSpPr>
-        <a:xfrm>
-          <a:off x="0" y="0"/>
-          <a:ext cx="0" cy="0"/>
-          <a:chOff x="0" y="0"/>
-          <a:chExt cx="0" cy="0"/>
-        </a:xfrm>
-      </p:grpSpPr>
-      <p:pic>
-        <p:nvPicPr>
-          <p:cNvPr id="5" name="图片 4"/>
-          <p:cNvPicPr>
-            <a:picLocks noChangeAspect="1"/>
-          </p:cNvPicPr>
-          <p:nvPr/>
-        </p:nvPicPr>
-        <p:blipFill>
-          <a:blip r:embed="rId1">
-            <a:clrChange>
-              <a:clrFrom>
-                <a:srgbClr val="FFFFFF"/>
-              </a:clrFrom>
-              <a:clrTo>
-                <a:srgbClr val="FFFFFF">
-                  <a:alpha val="0"/>
-                </a:srgbClr>
-              </a:clrTo>
-            </a:clrChange>
-          </a:blip>
-          <a:stretch>
-            <a:fillRect/>
-          </a:stretch>
-        </p:blipFill>
-        <p:spPr>
-          <a:xfrm>
-            <a:off x="2505988" y="2241977"/>
-            <a:ext cx="7467015" cy="2374046"/>
-          </a:xfrm>
-          <a:prstGeom prst="rect">
-            <a:avLst/>
-          </a:prstGeom>
-        </p:spPr>
-      </p:pic>
-    </p:spTree>
-  </p:cSld>
-  <p:clrMapOvr>
-    <a:masterClrMapping/>
-  </p:clrMapOvr>
-  <mc:AlternateContent xmlns:mc="http://schemas.openxmlformats.org/markup-compatibility/2006">
-    <mc:Choice xmlns:p14="http://schemas.microsoft.com/office/powerpoint/2010/main" Requires="p14">
-      <p:transition spd="slow" p14:dur="2000" advClick="0">
-        <p14:flip dir="r"/>
-      </p:transition>
-    </mc:Choice>
-    <mc:Fallback>
-      <p:transition spd="slow" advClick="0">
-        <p:fade/>
-      </p:transition>
-    </mc:Fallback>
-  </mc:AlternateContent>
-  <p:timing>
-    <p:tnLst>
-      <p:par>
-        <p:cTn id="1" dur="indefinite" restart="never" nodeType="tmRoot"/>
-      </p:par>
-    </p:tnLst>
   </p:timing>
 </p:sld>
 </file>
@@ -15975,6 +16892,7 @@
       </a:style>
     </a:txDef>
   </a:objectDefaults>
+  <a:extraClrSchemeLst/>
   <a:extLst>
     <a:ext uri="{05A4C25C-085E-4340-85A3-A5531E510DB2}">
       <thm15:themeFamily xmlns:thm15="http://schemas.microsoft.com/office/thememl/2012/main" name="Office Theme" id="{62F939B6-93AF-4DB8-9C6B-D6C7DFDC589F}" vid="{4A3C46E8-61CC-4603-A589-7422A47A8E4A}"/>
@@ -16234,6 +17152,8 @@
       </a:bgFillStyleLst>
     </a:fmtScheme>
   </a:themeElements>
+  <a:objectDefaults/>
+  <a:extraClrSchemeLst/>
   <a:extLst>
     <a:ext uri="{05A4C25C-085E-4340-85A3-A5531E510DB2}">
       <thm15:themeFamily xmlns:thm15="http://schemas.microsoft.com/office/thememl/2012/main" name="Office Theme" id="{62F939B6-93AF-4DB8-9C6B-D6C7DFDC589F}" vid="{4A3C46E8-61CC-4603-A589-7422A47A8E4A}"/>
